--- a/slides/5_WebSearching.pptx
+++ b/slides/5_WebSearching.pptx
@@ -12631,7 +12631,7 @@
           <a:p>
             <a:r>
               <a:rPr lang="en-US" dirty="0"/>
-              <a:t>  Stationary Markov chains </a:t>
+              <a:t>Stationary Markov chains </a:t>
             </a:r>
             <a:r>
               <a:rPr lang="en-US" b="1" dirty="0"/>
@@ -12659,6 +12659,17 @@
               <a:rPr lang="en-US" sz="2800" dirty="0"/>
               <a:t> </a:t>
             </a:r>
+          </a:p>
+          <a:p>
+            <a:r>
+              <a:rPr lang="en-US" dirty="0"/>
+              <a:t>At convergence, the state probability vector = the eigenvector of the largest </a:t>
+            </a:r>
+            <a:r>
+              <a:rPr lang="en-US"/>
+              <a:t>eignvalue  </a:t>
+            </a:r>
+            <a:endParaRPr lang="en-US" dirty="0"/>
           </a:p>
           <a:p>
             <a:endParaRPr lang="en-US" dirty="0"/>
@@ -13051,6 +13062,55 @@
                                           <p:spTgt spid="3">
                                             <p:txEl>
                                               <p:pRg st="5" end="5"/>
+                                            </p:txEl>
+                                          </p:spTgt>
+                                        </p:tgtEl>
+                                        <p:attrNameLst>
+                                          <p:attrName>style.visibility</p:attrName>
+                                        </p:attrNameLst>
+                                      </p:cBhvr>
+                                      <p:to>
+                                        <p:strVal val="visible"/>
+                                      </p:to>
+                                    </p:set>
+                                  </p:childTnLst>
+                                </p:cTn>
+                              </p:par>
+                            </p:childTnLst>
+                          </p:cTn>
+                        </p:par>
+                      </p:childTnLst>
+                    </p:cTn>
+                  </p:par>
+                  <p:par>
+                    <p:cTn id="29" fill="hold">
+                      <p:stCondLst>
+                        <p:cond delay="indefinite"/>
+                      </p:stCondLst>
+                      <p:childTnLst>
+                        <p:par>
+                          <p:cTn id="30" fill="hold">
+                            <p:stCondLst>
+                              <p:cond delay="0"/>
+                            </p:stCondLst>
+                            <p:childTnLst>
+                              <p:par>
+                                <p:cTn id="31" presetID="1" presetClass="entr" presetSubtype="0" fill="hold" nodeType="clickEffect">
+                                  <p:stCondLst>
+                                    <p:cond delay="0"/>
+                                  </p:stCondLst>
+                                  <p:childTnLst>
+                                    <p:set>
+                                      <p:cBhvr>
+                                        <p:cTn id="32" dur="1" fill="hold">
+                                          <p:stCondLst>
+                                            <p:cond delay="0"/>
+                                          </p:stCondLst>
+                                        </p:cTn>
+                                        <p:tgtEl>
+                                          <p:spTgt spid="3">
+                                            <p:txEl>
+                                              <p:pRg st="6" end="6"/>
                                             </p:txEl>
                                           </p:spTgt>
                                         </p:tgtEl>

--- a/slides/5_WebSearching.pptx
+++ b/slides/5_WebSearching.pptx
@@ -7,42 +7,44 @@
   <p:sldIdLst>
     <p:sldId id="275" r:id="rId2"/>
     <p:sldId id="279" r:id="rId3"/>
-    <p:sldId id="307" r:id="rId4"/>
-    <p:sldId id="278" r:id="rId5"/>
-    <p:sldId id="277" r:id="rId6"/>
-    <p:sldId id="276" r:id="rId7"/>
-    <p:sldId id="281" r:id="rId8"/>
-    <p:sldId id="282" r:id="rId9"/>
-    <p:sldId id="259" r:id="rId10"/>
-    <p:sldId id="304" r:id="rId11"/>
-    <p:sldId id="284" r:id="rId12"/>
-    <p:sldId id="286" r:id="rId13"/>
-    <p:sldId id="285" r:id="rId14"/>
-    <p:sldId id="305" r:id="rId15"/>
-    <p:sldId id="268" r:id="rId16"/>
-    <p:sldId id="260" r:id="rId17"/>
-    <p:sldId id="262" r:id="rId18"/>
-    <p:sldId id="263" r:id="rId19"/>
-    <p:sldId id="288" r:id="rId20"/>
-    <p:sldId id="312" r:id="rId21"/>
-    <p:sldId id="289" r:id="rId22"/>
-    <p:sldId id="306" r:id="rId23"/>
-    <p:sldId id="290" r:id="rId24"/>
-    <p:sldId id="291" r:id="rId25"/>
-    <p:sldId id="292" r:id="rId26"/>
-    <p:sldId id="293" r:id="rId27"/>
-    <p:sldId id="294" r:id="rId28"/>
-    <p:sldId id="295" r:id="rId29"/>
-    <p:sldId id="296" r:id="rId30"/>
-    <p:sldId id="300" r:id="rId31"/>
-    <p:sldId id="298" r:id="rId32"/>
-    <p:sldId id="301" r:id="rId33"/>
-    <p:sldId id="302" r:id="rId34"/>
-    <p:sldId id="303" r:id="rId35"/>
-    <p:sldId id="308" r:id="rId36"/>
-    <p:sldId id="309" r:id="rId37"/>
-    <p:sldId id="310" r:id="rId38"/>
-    <p:sldId id="311" r:id="rId39"/>
+    <p:sldId id="313" r:id="rId4"/>
+    <p:sldId id="314" r:id="rId5"/>
+    <p:sldId id="307" r:id="rId6"/>
+    <p:sldId id="278" r:id="rId7"/>
+    <p:sldId id="277" r:id="rId8"/>
+    <p:sldId id="276" r:id="rId9"/>
+    <p:sldId id="281" r:id="rId10"/>
+    <p:sldId id="282" r:id="rId11"/>
+    <p:sldId id="259" r:id="rId12"/>
+    <p:sldId id="304" r:id="rId13"/>
+    <p:sldId id="284" r:id="rId14"/>
+    <p:sldId id="286" r:id="rId15"/>
+    <p:sldId id="285" r:id="rId16"/>
+    <p:sldId id="305" r:id="rId17"/>
+    <p:sldId id="268" r:id="rId18"/>
+    <p:sldId id="260" r:id="rId19"/>
+    <p:sldId id="262" r:id="rId20"/>
+    <p:sldId id="263" r:id="rId21"/>
+    <p:sldId id="288" r:id="rId22"/>
+    <p:sldId id="312" r:id="rId23"/>
+    <p:sldId id="289" r:id="rId24"/>
+    <p:sldId id="306" r:id="rId25"/>
+    <p:sldId id="290" r:id="rId26"/>
+    <p:sldId id="291" r:id="rId27"/>
+    <p:sldId id="292" r:id="rId28"/>
+    <p:sldId id="293" r:id="rId29"/>
+    <p:sldId id="294" r:id="rId30"/>
+    <p:sldId id="295" r:id="rId31"/>
+    <p:sldId id="296" r:id="rId32"/>
+    <p:sldId id="300" r:id="rId33"/>
+    <p:sldId id="298" r:id="rId34"/>
+    <p:sldId id="301" r:id="rId35"/>
+    <p:sldId id="302" r:id="rId36"/>
+    <p:sldId id="303" r:id="rId37"/>
+    <p:sldId id="308" r:id="rId38"/>
+    <p:sldId id="309" r:id="rId39"/>
+    <p:sldId id="310" r:id="rId40"/>
+    <p:sldId id="311" r:id="rId41"/>
   </p:sldIdLst>
   <p:sldSz cx="12192000" cy="6858000"/>
   <p:notesSz cx="6858000" cy="9144000"/>
@@ -3739,6 +3741,937 @@
       </p:grpSpPr>
       <p:sp>
         <p:nvSpPr>
+          <p:cNvPr id="2" name="Title 1">
+            <a:extLst>
+              <a:ext uri="{FF2B5EF4-FFF2-40B4-BE49-F238E27FC236}">
+                <a16:creationId xmlns:a16="http://schemas.microsoft.com/office/drawing/2014/main" id="{4702757D-9716-4C25-BA54-81C26D6EC04E}"/>
+              </a:ext>
+            </a:extLst>
+          </p:cNvPr>
+          <p:cNvSpPr>
+            <a:spLocks noGrp="1"/>
+          </p:cNvSpPr>
+          <p:nvPr>
+            <p:ph type="title"/>
+          </p:nvPr>
+        </p:nvSpPr>
+        <p:spPr>
+          <a:xfrm>
+            <a:off x="838200" y="215696"/>
+            <a:ext cx="10515600" cy="930682"/>
+          </a:xfrm>
+        </p:spPr>
+        <p:txBody>
+          <a:bodyPr>
+            <a:normAutofit/>
+          </a:bodyPr>
+          <a:lstStyle/>
+          <a:p>
+            <a:r>
+              <a:rPr lang="en-US" sz="4000" dirty="0">
+                <a:latin typeface="+mn-lt"/>
+              </a:rPr>
+              <a:t>Searching on the Web</a:t>
+            </a:r>
+          </a:p>
+        </p:txBody>
+      </p:sp>
+      <p:sp>
+        <p:nvSpPr>
+          <p:cNvPr id="3" name="Content Placeholder 2">
+            <a:extLst>
+              <a:ext uri="{FF2B5EF4-FFF2-40B4-BE49-F238E27FC236}">
+                <a16:creationId xmlns:a16="http://schemas.microsoft.com/office/drawing/2014/main" id="{D9C502E2-3889-41D4-9A2E-D8C04ADE5184}"/>
+              </a:ext>
+            </a:extLst>
+          </p:cNvPr>
+          <p:cNvSpPr>
+            <a:spLocks noGrp="1"/>
+          </p:cNvSpPr>
+          <p:nvPr>
+            <p:ph idx="1"/>
+          </p:nvPr>
+        </p:nvSpPr>
+        <p:spPr>
+          <a:xfrm>
+            <a:off x="193331" y="1146380"/>
+            <a:ext cx="6510527" cy="5605123"/>
+          </a:xfrm>
+        </p:spPr>
+        <p:txBody>
+          <a:bodyPr/>
+          <a:lstStyle/>
+          <a:p>
+            <a:pPr marL="0" indent="0">
+              <a:buNone/>
+            </a:pPr>
+            <a:r>
+              <a:rPr lang="en-US" dirty="0"/>
+              <a:t>Structure of the web can be described by the </a:t>
+            </a:r>
+            <a:r>
+              <a:rPr lang="en-US" b="1" dirty="0"/>
+              <a:t>bowtie model </a:t>
+            </a:r>
+          </a:p>
+          <a:p>
+            <a:r>
+              <a:rPr lang="en-US" b="1" dirty="0"/>
+              <a:t>Tendrils Out</a:t>
+            </a:r>
+            <a:r>
+              <a:rPr lang="en-US" dirty="0"/>
+              <a:t> are out-links that go to pages that have no out-links, called </a:t>
+            </a:r>
+            <a:r>
+              <a:rPr lang="en-US" b="1" dirty="0"/>
+              <a:t>dead ends</a:t>
+            </a:r>
+            <a:endParaRPr lang="en-US" dirty="0"/>
+          </a:p>
+          <a:p>
+            <a:r>
+              <a:rPr lang="en-US" b="1" dirty="0"/>
+              <a:t>Tendrils In </a:t>
+            </a:r>
+            <a:r>
+              <a:rPr lang="en-US" dirty="0"/>
+              <a:t>are in-links into the Out Components from relatively isolated pages</a:t>
+            </a:r>
+          </a:p>
+          <a:p>
+            <a:r>
+              <a:rPr lang="en-US" b="1" dirty="0"/>
+              <a:t>Tubes</a:t>
+            </a:r>
+            <a:r>
+              <a:rPr lang="en-US" dirty="0"/>
+              <a:t> connect directly from the In Component to the Out Component</a:t>
+            </a:r>
+          </a:p>
+          <a:p>
+            <a:r>
+              <a:rPr lang="en-US" b="1" dirty="0"/>
+              <a:t>Disconnected Components </a:t>
+            </a:r>
+            <a:r>
+              <a:rPr lang="en-US" dirty="0"/>
+              <a:t>are groups of isolated pages which do not connect to the rest of the web – typically private networks</a:t>
+            </a:r>
+          </a:p>
+        </p:txBody>
+      </p:sp>
+      <p:pic>
+        <p:nvPicPr>
+          <p:cNvPr id="5" name="Picture 4">
+            <a:extLst>
+              <a:ext uri="{FF2B5EF4-FFF2-40B4-BE49-F238E27FC236}">
+                <a16:creationId xmlns:a16="http://schemas.microsoft.com/office/drawing/2014/main" id="{225178F4-1495-40F8-844E-EDA5A0E142CE}"/>
+              </a:ext>
+            </a:extLst>
+          </p:cNvPr>
+          <p:cNvPicPr>
+            <a:picLocks noChangeAspect="1"/>
+          </p:cNvPicPr>
+          <p:nvPr/>
+        </p:nvPicPr>
+        <p:blipFill>
+          <a:blip r:embed="rId2"/>
+          <a:stretch>
+            <a:fillRect/>
+          </a:stretch>
+        </p:blipFill>
+        <p:spPr>
+          <a:xfrm>
+            <a:off x="6813587" y="1031427"/>
+            <a:ext cx="5248964" cy="5270096"/>
+          </a:xfrm>
+          <a:prstGeom prst="rect">
+            <a:avLst/>
+          </a:prstGeom>
+        </p:spPr>
+      </p:pic>
+      <p:sp>
+        <p:nvSpPr>
+          <p:cNvPr id="6" name="Footer Placeholder 18">
+            <a:extLst>
+              <a:ext uri="{FF2B5EF4-FFF2-40B4-BE49-F238E27FC236}">
+                <a16:creationId xmlns:a16="http://schemas.microsoft.com/office/drawing/2014/main" id="{A245E470-3A42-4B5A-B1A4-12C5BCB24F27}"/>
+              </a:ext>
+            </a:extLst>
+          </p:cNvPr>
+          <p:cNvSpPr>
+            <a:spLocks noGrp="1"/>
+          </p:cNvSpPr>
+          <p:nvPr>
+            <p:ph type="ftr" sz="quarter" idx="11"/>
+          </p:nvPr>
+        </p:nvSpPr>
+        <p:spPr>
+          <a:xfrm>
+            <a:off x="4906505" y="6546723"/>
+            <a:ext cx="7233915" cy="274320"/>
+          </a:xfrm>
+        </p:spPr>
+        <p:txBody>
+          <a:bodyPr/>
+          <a:lstStyle/>
+          <a:p>
+            <a:r>
+              <a:rPr lang="en-US" dirty="0"/>
+              <a:t>Credit: J. </a:t>
+            </a:r>
+            <a:r>
+              <a:rPr lang="en-US" dirty="0" err="1"/>
+              <a:t>Leskovec</a:t>
+            </a:r>
+            <a:r>
+              <a:rPr lang="en-US" dirty="0"/>
+              <a:t>, A. Rajaraman, J. Ullman: Mining of Massive Datasets, http://www.mmds.org</a:t>
+            </a:r>
+          </a:p>
+        </p:txBody>
+      </p:sp>
+    </p:spTree>
+    <p:extLst>
+      <p:ext uri="{BB962C8B-B14F-4D97-AF65-F5344CB8AC3E}">
+        <p14:creationId xmlns:p14="http://schemas.microsoft.com/office/powerpoint/2010/main" val="3666833605"/>
+      </p:ext>
+    </p:extLst>
+  </p:cSld>
+  <p:clrMapOvr>
+    <a:masterClrMapping/>
+  </p:clrMapOvr>
+  <p:timing>
+    <p:tnLst>
+      <p:par>
+        <p:cTn id="1" dur="indefinite" restart="never" nodeType="tmRoot">
+          <p:childTnLst>
+            <p:seq concurrent="1" nextAc="seek">
+              <p:cTn id="2" dur="indefinite" nodeType="mainSeq">
+                <p:childTnLst>
+                  <p:par>
+                    <p:cTn id="3" fill="hold">
+                      <p:stCondLst>
+                        <p:cond delay="indefinite"/>
+                      </p:stCondLst>
+                      <p:childTnLst>
+                        <p:par>
+                          <p:cTn id="4" fill="hold">
+                            <p:stCondLst>
+                              <p:cond delay="0"/>
+                            </p:stCondLst>
+                            <p:childTnLst>
+                              <p:par>
+                                <p:cTn id="5" presetID="1" presetClass="entr" presetSubtype="0" fill="hold" nodeType="clickEffect">
+                                  <p:stCondLst>
+                                    <p:cond delay="0"/>
+                                  </p:stCondLst>
+                                  <p:childTnLst>
+                                    <p:set>
+                                      <p:cBhvr>
+                                        <p:cTn id="6" dur="1" fill="hold">
+                                          <p:stCondLst>
+                                            <p:cond delay="0"/>
+                                          </p:stCondLst>
+                                        </p:cTn>
+                                        <p:tgtEl>
+                                          <p:spTgt spid="3">
+                                            <p:txEl>
+                                              <p:pRg st="1" end="1"/>
+                                            </p:txEl>
+                                          </p:spTgt>
+                                        </p:tgtEl>
+                                        <p:attrNameLst>
+                                          <p:attrName>style.visibility</p:attrName>
+                                        </p:attrNameLst>
+                                      </p:cBhvr>
+                                      <p:to>
+                                        <p:strVal val="visible"/>
+                                      </p:to>
+                                    </p:set>
+                                  </p:childTnLst>
+                                </p:cTn>
+                              </p:par>
+                            </p:childTnLst>
+                          </p:cTn>
+                        </p:par>
+                      </p:childTnLst>
+                    </p:cTn>
+                  </p:par>
+                  <p:par>
+                    <p:cTn id="7" fill="hold">
+                      <p:stCondLst>
+                        <p:cond delay="indefinite"/>
+                      </p:stCondLst>
+                      <p:childTnLst>
+                        <p:par>
+                          <p:cTn id="8" fill="hold">
+                            <p:stCondLst>
+                              <p:cond delay="0"/>
+                            </p:stCondLst>
+                            <p:childTnLst>
+                              <p:par>
+                                <p:cTn id="9" presetID="1" presetClass="entr" presetSubtype="0" fill="hold" nodeType="clickEffect">
+                                  <p:stCondLst>
+                                    <p:cond delay="0"/>
+                                  </p:stCondLst>
+                                  <p:childTnLst>
+                                    <p:set>
+                                      <p:cBhvr>
+                                        <p:cTn id="10" dur="1" fill="hold">
+                                          <p:stCondLst>
+                                            <p:cond delay="0"/>
+                                          </p:stCondLst>
+                                        </p:cTn>
+                                        <p:tgtEl>
+                                          <p:spTgt spid="3">
+                                            <p:txEl>
+                                              <p:pRg st="2" end="2"/>
+                                            </p:txEl>
+                                          </p:spTgt>
+                                        </p:tgtEl>
+                                        <p:attrNameLst>
+                                          <p:attrName>style.visibility</p:attrName>
+                                        </p:attrNameLst>
+                                      </p:cBhvr>
+                                      <p:to>
+                                        <p:strVal val="visible"/>
+                                      </p:to>
+                                    </p:set>
+                                  </p:childTnLst>
+                                </p:cTn>
+                              </p:par>
+                            </p:childTnLst>
+                          </p:cTn>
+                        </p:par>
+                      </p:childTnLst>
+                    </p:cTn>
+                  </p:par>
+                  <p:par>
+                    <p:cTn id="11" fill="hold">
+                      <p:stCondLst>
+                        <p:cond delay="indefinite"/>
+                      </p:stCondLst>
+                      <p:childTnLst>
+                        <p:par>
+                          <p:cTn id="12" fill="hold">
+                            <p:stCondLst>
+                              <p:cond delay="0"/>
+                            </p:stCondLst>
+                            <p:childTnLst>
+                              <p:par>
+                                <p:cTn id="13" presetID="1" presetClass="entr" presetSubtype="0" fill="hold" nodeType="clickEffect">
+                                  <p:stCondLst>
+                                    <p:cond delay="0"/>
+                                  </p:stCondLst>
+                                  <p:childTnLst>
+                                    <p:set>
+                                      <p:cBhvr>
+                                        <p:cTn id="14" dur="1" fill="hold">
+                                          <p:stCondLst>
+                                            <p:cond delay="0"/>
+                                          </p:stCondLst>
+                                        </p:cTn>
+                                        <p:tgtEl>
+                                          <p:spTgt spid="3">
+                                            <p:txEl>
+                                              <p:pRg st="3" end="3"/>
+                                            </p:txEl>
+                                          </p:spTgt>
+                                        </p:tgtEl>
+                                        <p:attrNameLst>
+                                          <p:attrName>style.visibility</p:attrName>
+                                        </p:attrNameLst>
+                                      </p:cBhvr>
+                                      <p:to>
+                                        <p:strVal val="visible"/>
+                                      </p:to>
+                                    </p:set>
+                                  </p:childTnLst>
+                                </p:cTn>
+                              </p:par>
+                            </p:childTnLst>
+                          </p:cTn>
+                        </p:par>
+                      </p:childTnLst>
+                    </p:cTn>
+                  </p:par>
+                  <p:par>
+                    <p:cTn id="15" fill="hold">
+                      <p:stCondLst>
+                        <p:cond delay="indefinite"/>
+                      </p:stCondLst>
+                      <p:childTnLst>
+                        <p:par>
+                          <p:cTn id="16" fill="hold">
+                            <p:stCondLst>
+                              <p:cond delay="0"/>
+                            </p:stCondLst>
+                            <p:childTnLst>
+                              <p:par>
+                                <p:cTn id="17" presetID="1" presetClass="entr" presetSubtype="0" fill="hold" nodeType="clickEffect">
+                                  <p:stCondLst>
+                                    <p:cond delay="0"/>
+                                  </p:stCondLst>
+                                  <p:childTnLst>
+                                    <p:set>
+                                      <p:cBhvr>
+                                        <p:cTn id="18" dur="1" fill="hold">
+                                          <p:stCondLst>
+                                            <p:cond delay="0"/>
+                                          </p:stCondLst>
+                                        </p:cTn>
+                                        <p:tgtEl>
+                                          <p:spTgt spid="3">
+                                            <p:txEl>
+                                              <p:pRg st="4" end="4"/>
+                                            </p:txEl>
+                                          </p:spTgt>
+                                        </p:tgtEl>
+                                        <p:attrNameLst>
+                                          <p:attrName>style.visibility</p:attrName>
+                                        </p:attrNameLst>
+                                      </p:cBhvr>
+                                      <p:to>
+                                        <p:strVal val="visible"/>
+                                      </p:to>
+                                    </p:set>
+                                  </p:childTnLst>
+                                </p:cTn>
+                              </p:par>
+                            </p:childTnLst>
+                          </p:cTn>
+                        </p:par>
+                      </p:childTnLst>
+                    </p:cTn>
+                  </p:par>
+                </p:childTnLst>
+              </p:cTn>
+              <p:prevCondLst>
+                <p:cond evt="onPrev" delay="0">
+                  <p:tgtEl>
+                    <p:sldTgt/>
+                  </p:tgtEl>
+                </p:cond>
+              </p:prevCondLst>
+              <p:nextCondLst>
+                <p:cond evt="onNext" delay="0">
+                  <p:tgtEl>
+                    <p:sldTgt/>
+                  </p:tgtEl>
+                </p:cond>
+              </p:nextCondLst>
+            </p:seq>
+          </p:childTnLst>
+        </p:cTn>
+      </p:par>
+    </p:tnLst>
+  </p:timing>
+</p:sld>
+</file>
+
+<file path=ppt/slides/slide11.xml><?xml version="1.0" encoding="utf-8"?>
+<p:sld xmlns:a="http://schemas.openxmlformats.org/drawingml/2006/main" xmlns:r="http://schemas.openxmlformats.org/officeDocument/2006/relationships" xmlns:p="http://schemas.openxmlformats.org/presentationml/2006/main">
+  <p:cSld>
+    <p:spTree>
+      <p:nvGrpSpPr>
+        <p:cNvPr id="1" name=""/>
+        <p:cNvGrpSpPr/>
+        <p:nvPr/>
+      </p:nvGrpSpPr>
+      <p:grpSpPr>
+        <a:xfrm>
+          <a:off x="0" y="0"/>
+          <a:ext cx="0" cy="0"/>
+          <a:chOff x="0" y="0"/>
+          <a:chExt cx="0" cy="0"/>
+        </a:xfrm>
+      </p:grpSpPr>
+      <p:sp>
+        <p:nvSpPr>
+          <p:cNvPr id="3" name="Content Placeholder 2">
+            <a:extLst>
+              <a:ext uri="{FF2B5EF4-FFF2-40B4-BE49-F238E27FC236}">
+                <a16:creationId xmlns:a16="http://schemas.microsoft.com/office/drawing/2014/main" id="{ADFF18FE-FA5C-4A58-9D98-B6E6BF0ACE0E}"/>
+              </a:ext>
+            </a:extLst>
+          </p:cNvPr>
+          <p:cNvSpPr>
+            <a:spLocks noGrp="1"/>
+          </p:cNvSpPr>
+          <p:nvPr>
+            <p:ph idx="1"/>
+          </p:nvPr>
+        </p:nvSpPr>
+        <p:spPr>
+          <a:xfrm>
+            <a:off x="838200" y="1110712"/>
+            <a:ext cx="10515600" cy="5066251"/>
+          </a:xfrm>
+        </p:spPr>
+        <p:txBody>
+          <a:bodyPr>
+            <a:normAutofit/>
+          </a:bodyPr>
+          <a:lstStyle/>
+          <a:p>
+            <a:pPr marL="0" indent="0">
+              <a:buNone/>
+            </a:pPr>
+            <a:r>
+              <a:rPr lang="en-US" dirty="0"/>
+              <a:t>How can we learn the structure of the web? </a:t>
+            </a:r>
+          </a:p>
+          <a:p>
+            <a:r>
+              <a:rPr lang="en-US" dirty="0"/>
+              <a:t>The importance of a web page for a search can be measured by its </a:t>
+            </a:r>
+            <a:r>
+              <a:rPr lang="en-US" b="1" dirty="0"/>
+              <a:t>centrality</a:t>
+            </a:r>
+          </a:p>
+          <a:p>
+            <a:r>
+              <a:rPr lang="en-US" dirty="0"/>
+              <a:t>Centrality is a measure of how important a graph node is with respect to the other nodes</a:t>
+            </a:r>
+          </a:p>
+          <a:p>
+            <a:r>
+              <a:rPr lang="en-US" dirty="0"/>
+              <a:t>We assume the more central a web page is the more important it is as a </a:t>
+            </a:r>
+            <a:r>
+              <a:rPr lang="en-US"/>
+              <a:t>search result</a:t>
+            </a:r>
+            <a:endParaRPr lang="en-US" dirty="0"/>
+          </a:p>
+          <a:p>
+            <a:r>
+              <a:rPr lang="en-US" dirty="0"/>
+              <a:t>Centrality in networks is an old idea </a:t>
+            </a:r>
+          </a:p>
+          <a:p>
+            <a:pPr lvl="1"/>
+            <a:r>
+              <a:rPr lang="en-US" dirty="0"/>
+              <a:t>Developed by </a:t>
+            </a:r>
+            <a:r>
+              <a:rPr lang="en-US" dirty="0">
+                <a:hlinkClick r:id="rId2"/>
+              </a:rPr>
+              <a:t>Kratz, 1953</a:t>
+            </a:r>
+            <a:r>
+              <a:rPr lang="en-US" dirty="0"/>
+              <a:t>, for phycological analysis of networks of people  </a:t>
+            </a:r>
+          </a:p>
+          <a:p>
+            <a:endParaRPr lang="en-US" dirty="0"/>
+          </a:p>
+        </p:txBody>
+      </p:sp>
+      <p:sp>
+        <p:nvSpPr>
+          <p:cNvPr id="4" name="Title 1">
+            <a:extLst>
+              <a:ext uri="{FF2B5EF4-FFF2-40B4-BE49-F238E27FC236}">
+                <a16:creationId xmlns:a16="http://schemas.microsoft.com/office/drawing/2014/main" id="{29DB073B-F460-4638-96F3-26E9BB4B682E}"/>
+              </a:ext>
+            </a:extLst>
+          </p:cNvPr>
+          <p:cNvSpPr>
+            <a:spLocks noGrp="1"/>
+          </p:cNvSpPr>
+          <p:nvPr>
+            <p:ph type="title"/>
+          </p:nvPr>
+        </p:nvSpPr>
+        <p:spPr>
+          <a:xfrm>
+            <a:off x="744894" y="290480"/>
+            <a:ext cx="10515600" cy="628585"/>
+          </a:xfrm>
+        </p:spPr>
+        <p:txBody>
+          <a:bodyPr>
+            <a:normAutofit fontScale="90000"/>
+          </a:bodyPr>
+          <a:lstStyle/>
+          <a:p>
+            <a:r>
+              <a:rPr lang="en-US" dirty="0">
+                <a:latin typeface="+mn-lt"/>
+              </a:rPr>
+              <a:t>Learning the Structure of the Web? </a:t>
+            </a:r>
+          </a:p>
+        </p:txBody>
+      </p:sp>
+    </p:spTree>
+    <p:extLst>
+      <p:ext uri="{BB962C8B-B14F-4D97-AF65-F5344CB8AC3E}">
+        <p14:creationId xmlns:p14="http://schemas.microsoft.com/office/powerpoint/2010/main" val="2855258180"/>
+      </p:ext>
+    </p:extLst>
+  </p:cSld>
+  <p:clrMapOvr>
+    <a:masterClrMapping/>
+  </p:clrMapOvr>
+  <p:timing>
+    <p:tnLst>
+      <p:par>
+        <p:cTn id="1" dur="indefinite" restart="never" nodeType="tmRoot">
+          <p:childTnLst>
+            <p:seq concurrent="1" nextAc="seek">
+              <p:cTn id="2" dur="indefinite" nodeType="mainSeq">
+                <p:childTnLst>
+                  <p:par>
+                    <p:cTn id="3" fill="hold">
+                      <p:stCondLst>
+                        <p:cond delay="indefinite"/>
+                      </p:stCondLst>
+                      <p:childTnLst>
+                        <p:par>
+                          <p:cTn id="4" fill="hold">
+                            <p:stCondLst>
+                              <p:cond delay="0"/>
+                            </p:stCondLst>
+                            <p:childTnLst>
+                              <p:par>
+                                <p:cTn id="5" presetID="1" presetClass="entr" presetSubtype="0" fill="hold" nodeType="clickEffect">
+                                  <p:stCondLst>
+                                    <p:cond delay="0"/>
+                                  </p:stCondLst>
+                                  <p:childTnLst>
+                                    <p:set>
+                                      <p:cBhvr>
+                                        <p:cTn id="6" dur="1" fill="hold">
+                                          <p:stCondLst>
+                                            <p:cond delay="0"/>
+                                          </p:stCondLst>
+                                        </p:cTn>
+                                        <p:tgtEl>
+                                          <p:spTgt spid="3">
+                                            <p:txEl>
+                                              <p:pRg st="0" end="0"/>
+                                            </p:txEl>
+                                          </p:spTgt>
+                                        </p:tgtEl>
+                                        <p:attrNameLst>
+                                          <p:attrName>style.visibility</p:attrName>
+                                        </p:attrNameLst>
+                                      </p:cBhvr>
+                                      <p:to>
+                                        <p:strVal val="visible"/>
+                                      </p:to>
+                                    </p:set>
+                                  </p:childTnLst>
+                                </p:cTn>
+                              </p:par>
+                            </p:childTnLst>
+                          </p:cTn>
+                        </p:par>
+                      </p:childTnLst>
+                    </p:cTn>
+                  </p:par>
+                  <p:par>
+                    <p:cTn id="7" fill="hold">
+                      <p:stCondLst>
+                        <p:cond delay="indefinite"/>
+                      </p:stCondLst>
+                      <p:childTnLst>
+                        <p:par>
+                          <p:cTn id="8" fill="hold">
+                            <p:stCondLst>
+                              <p:cond delay="0"/>
+                            </p:stCondLst>
+                            <p:childTnLst>
+                              <p:par>
+                                <p:cTn id="9" presetID="1" presetClass="entr" presetSubtype="0" fill="hold" nodeType="clickEffect">
+                                  <p:stCondLst>
+                                    <p:cond delay="0"/>
+                                  </p:stCondLst>
+                                  <p:childTnLst>
+                                    <p:set>
+                                      <p:cBhvr>
+                                        <p:cTn id="10" dur="1" fill="hold">
+                                          <p:stCondLst>
+                                            <p:cond delay="0"/>
+                                          </p:stCondLst>
+                                        </p:cTn>
+                                        <p:tgtEl>
+                                          <p:spTgt spid="3">
+                                            <p:txEl>
+                                              <p:pRg st="1" end="1"/>
+                                            </p:txEl>
+                                          </p:spTgt>
+                                        </p:tgtEl>
+                                        <p:attrNameLst>
+                                          <p:attrName>style.visibility</p:attrName>
+                                        </p:attrNameLst>
+                                      </p:cBhvr>
+                                      <p:to>
+                                        <p:strVal val="visible"/>
+                                      </p:to>
+                                    </p:set>
+                                  </p:childTnLst>
+                                </p:cTn>
+                              </p:par>
+                            </p:childTnLst>
+                          </p:cTn>
+                        </p:par>
+                      </p:childTnLst>
+                    </p:cTn>
+                  </p:par>
+                  <p:par>
+                    <p:cTn id="11" fill="hold">
+                      <p:stCondLst>
+                        <p:cond delay="indefinite"/>
+                      </p:stCondLst>
+                      <p:childTnLst>
+                        <p:par>
+                          <p:cTn id="12" fill="hold">
+                            <p:stCondLst>
+                              <p:cond delay="0"/>
+                            </p:stCondLst>
+                            <p:childTnLst>
+                              <p:par>
+                                <p:cTn id="13" presetID="1" presetClass="entr" presetSubtype="0" fill="hold" nodeType="clickEffect">
+                                  <p:stCondLst>
+                                    <p:cond delay="0"/>
+                                  </p:stCondLst>
+                                  <p:childTnLst>
+                                    <p:set>
+                                      <p:cBhvr>
+                                        <p:cTn id="14" dur="1" fill="hold">
+                                          <p:stCondLst>
+                                            <p:cond delay="0"/>
+                                          </p:stCondLst>
+                                        </p:cTn>
+                                        <p:tgtEl>
+                                          <p:spTgt spid="3">
+                                            <p:txEl>
+                                              <p:pRg st="2" end="2"/>
+                                            </p:txEl>
+                                          </p:spTgt>
+                                        </p:tgtEl>
+                                        <p:attrNameLst>
+                                          <p:attrName>style.visibility</p:attrName>
+                                        </p:attrNameLst>
+                                      </p:cBhvr>
+                                      <p:to>
+                                        <p:strVal val="visible"/>
+                                      </p:to>
+                                    </p:set>
+                                  </p:childTnLst>
+                                </p:cTn>
+                              </p:par>
+                            </p:childTnLst>
+                          </p:cTn>
+                        </p:par>
+                      </p:childTnLst>
+                    </p:cTn>
+                  </p:par>
+                  <p:par>
+                    <p:cTn id="15" fill="hold">
+                      <p:stCondLst>
+                        <p:cond delay="indefinite"/>
+                      </p:stCondLst>
+                      <p:childTnLst>
+                        <p:par>
+                          <p:cTn id="16" fill="hold">
+                            <p:stCondLst>
+                              <p:cond delay="0"/>
+                            </p:stCondLst>
+                            <p:childTnLst>
+                              <p:par>
+                                <p:cTn id="17" presetID="1" presetClass="entr" presetSubtype="0" fill="hold" nodeType="clickEffect">
+                                  <p:stCondLst>
+                                    <p:cond delay="0"/>
+                                  </p:stCondLst>
+                                  <p:childTnLst>
+                                    <p:set>
+                                      <p:cBhvr>
+                                        <p:cTn id="18" dur="1" fill="hold">
+                                          <p:stCondLst>
+                                            <p:cond delay="0"/>
+                                          </p:stCondLst>
+                                        </p:cTn>
+                                        <p:tgtEl>
+                                          <p:spTgt spid="3">
+                                            <p:txEl>
+                                              <p:pRg st="3" end="3"/>
+                                            </p:txEl>
+                                          </p:spTgt>
+                                        </p:tgtEl>
+                                        <p:attrNameLst>
+                                          <p:attrName>style.visibility</p:attrName>
+                                        </p:attrNameLst>
+                                      </p:cBhvr>
+                                      <p:to>
+                                        <p:strVal val="visible"/>
+                                      </p:to>
+                                    </p:set>
+                                  </p:childTnLst>
+                                </p:cTn>
+                              </p:par>
+                            </p:childTnLst>
+                          </p:cTn>
+                        </p:par>
+                      </p:childTnLst>
+                    </p:cTn>
+                  </p:par>
+                  <p:par>
+                    <p:cTn id="19" fill="hold">
+                      <p:stCondLst>
+                        <p:cond delay="indefinite"/>
+                      </p:stCondLst>
+                      <p:childTnLst>
+                        <p:par>
+                          <p:cTn id="20" fill="hold">
+                            <p:stCondLst>
+                              <p:cond delay="0"/>
+                            </p:stCondLst>
+                            <p:childTnLst>
+                              <p:par>
+                                <p:cTn id="21" presetID="1" presetClass="entr" presetSubtype="0" fill="hold" nodeType="clickEffect">
+                                  <p:stCondLst>
+                                    <p:cond delay="0"/>
+                                  </p:stCondLst>
+                                  <p:childTnLst>
+                                    <p:set>
+                                      <p:cBhvr>
+                                        <p:cTn id="22" dur="1" fill="hold">
+                                          <p:stCondLst>
+                                            <p:cond delay="0"/>
+                                          </p:stCondLst>
+                                        </p:cTn>
+                                        <p:tgtEl>
+                                          <p:spTgt spid="3">
+                                            <p:txEl>
+                                              <p:pRg st="4" end="4"/>
+                                            </p:txEl>
+                                          </p:spTgt>
+                                        </p:tgtEl>
+                                        <p:attrNameLst>
+                                          <p:attrName>style.visibility</p:attrName>
+                                        </p:attrNameLst>
+                                      </p:cBhvr>
+                                      <p:to>
+                                        <p:strVal val="visible"/>
+                                      </p:to>
+                                    </p:set>
+                                  </p:childTnLst>
+                                </p:cTn>
+                              </p:par>
+                            </p:childTnLst>
+                          </p:cTn>
+                        </p:par>
+                      </p:childTnLst>
+                    </p:cTn>
+                  </p:par>
+                  <p:par>
+                    <p:cTn id="23" fill="hold">
+                      <p:stCondLst>
+                        <p:cond delay="indefinite"/>
+                      </p:stCondLst>
+                      <p:childTnLst>
+                        <p:par>
+                          <p:cTn id="24" fill="hold">
+                            <p:stCondLst>
+                              <p:cond delay="0"/>
+                            </p:stCondLst>
+                            <p:childTnLst>
+                              <p:par>
+                                <p:cTn id="25" presetID="1" presetClass="entr" presetSubtype="0" fill="hold" nodeType="clickEffect">
+                                  <p:stCondLst>
+                                    <p:cond delay="0"/>
+                                  </p:stCondLst>
+                                  <p:childTnLst>
+                                    <p:set>
+                                      <p:cBhvr>
+                                        <p:cTn id="26" dur="1" fill="hold">
+                                          <p:stCondLst>
+                                            <p:cond delay="0"/>
+                                          </p:stCondLst>
+                                        </p:cTn>
+                                        <p:tgtEl>
+                                          <p:spTgt spid="3">
+                                            <p:txEl>
+                                              <p:pRg st="5" end="5"/>
+                                            </p:txEl>
+                                          </p:spTgt>
+                                        </p:tgtEl>
+                                        <p:attrNameLst>
+                                          <p:attrName>style.visibility</p:attrName>
+                                        </p:attrNameLst>
+                                      </p:cBhvr>
+                                      <p:to>
+                                        <p:strVal val="visible"/>
+                                      </p:to>
+                                    </p:set>
+                                  </p:childTnLst>
+                                </p:cTn>
+                              </p:par>
+                            </p:childTnLst>
+                          </p:cTn>
+                        </p:par>
+                      </p:childTnLst>
+                    </p:cTn>
+                  </p:par>
+                </p:childTnLst>
+              </p:cTn>
+              <p:prevCondLst>
+                <p:cond evt="onPrev" delay="0">
+                  <p:tgtEl>
+                    <p:sldTgt/>
+                  </p:tgtEl>
+                </p:cond>
+              </p:prevCondLst>
+              <p:nextCondLst>
+                <p:cond evt="onNext" delay="0">
+                  <p:tgtEl>
+                    <p:sldTgt/>
+                  </p:tgtEl>
+                </p:cond>
+              </p:nextCondLst>
+            </p:seq>
+          </p:childTnLst>
+        </p:cTn>
+      </p:par>
+    </p:tnLst>
+  </p:timing>
+</p:sld>
+</file>
+
+<file path=ppt/slides/slide12.xml><?xml version="1.0" encoding="utf-8"?>
+<p:sld xmlns:a="http://schemas.openxmlformats.org/drawingml/2006/main" xmlns:r="http://schemas.openxmlformats.org/officeDocument/2006/relationships" xmlns:p="http://schemas.openxmlformats.org/presentationml/2006/main">
+  <p:cSld>
+    <p:spTree>
+      <p:nvGrpSpPr>
+        <p:cNvPr id="1" name=""/>
+        <p:cNvGrpSpPr/>
+        <p:nvPr/>
+      </p:nvGrpSpPr>
+      <p:grpSpPr>
+        <a:xfrm>
+          <a:off x="0" y="0"/>
+          <a:ext cx="0" cy="0"/>
+          <a:chOff x="0" y="0"/>
+          <a:chExt cx="0" cy="0"/>
+        </a:xfrm>
+      </p:grpSpPr>
+      <p:sp>
+        <p:nvSpPr>
           <p:cNvPr id="3" name="Content Placeholder 2">
             <a:extLst>
               <a:ext uri="{FF2B5EF4-FFF2-40B4-BE49-F238E27FC236}">
@@ -3846,7 +4779,7 @@
             <a:pPr lvl="1"/>
             <a:r>
               <a:rPr lang="en-US" dirty="0"/>
-              <a:t>Assume pages many in-links has high probability of transition </a:t>
+              <a:t>Assume high probability of landing on pages with many in-links</a:t>
             </a:r>
           </a:p>
           <a:p>
@@ -4411,7 +5344,7 @@
 </p:sld>
 </file>
 
-<file path=ppt/slides/slide11.xml><?xml version="1.0" encoding="utf-8"?>
+<file path=ppt/slides/slide13.xml><?xml version="1.0" encoding="utf-8"?>
 <p:sld xmlns:a="http://schemas.openxmlformats.org/drawingml/2006/main" xmlns:r="http://schemas.openxmlformats.org/officeDocument/2006/relationships" xmlns:p="http://schemas.openxmlformats.org/presentationml/2006/main">
   <p:cSld>
     <p:spTree>
@@ -5542,19 +6475,13 @@
             </a:r>
             <a:r>
               <a:rPr lang="en-US" b="1" dirty="0"/>
-              <a:t>dead </a:t>
+              <a:t>dead ends</a:t>
             </a:r>
-            <a:r>
-              <a:rPr lang="en-US" b="1" dirty="0" err="1"/>
-              <a:t>ends</a:t>
-            </a:r>
-            <a:r>
-              <a:rPr lang="en-US" dirty="0" err="1"/>
-              <a:t>Transitions</a:t>
-            </a:r>
+          </a:p>
+          <a:p>
             <a:r>
               <a:rPr lang="en-US" dirty="0"/>
-              <a:t> from one page to another on this graph represent a </a:t>
+              <a:t>Transitions from one page to another on this graph represent a </a:t>
             </a:r>
             <a:r>
               <a:rPr lang="en-US" b="1" dirty="0"/>
@@ -6325,6 +7252,55 @@
                       </p:childTnLst>
                     </p:cTn>
                   </p:par>
+                  <p:par>
+                    <p:cTn id="61" fill="hold">
+                      <p:stCondLst>
+                        <p:cond delay="indefinite"/>
+                      </p:stCondLst>
+                      <p:childTnLst>
+                        <p:par>
+                          <p:cTn id="62" fill="hold">
+                            <p:stCondLst>
+                              <p:cond delay="0"/>
+                            </p:stCondLst>
+                            <p:childTnLst>
+                              <p:par>
+                                <p:cTn id="63" presetID="1" presetClass="entr" presetSubtype="0" fill="hold" nodeType="clickEffect">
+                                  <p:stCondLst>
+                                    <p:cond delay="0"/>
+                                  </p:stCondLst>
+                                  <p:childTnLst>
+                                    <p:set>
+                                      <p:cBhvr>
+                                        <p:cTn id="64" dur="1" fill="hold">
+                                          <p:stCondLst>
+                                            <p:cond delay="0"/>
+                                          </p:stCondLst>
+                                        </p:cTn>
+                                        <p:tgtEl>
+                                          <p:spTgt spid="36">
+                                            <p:txEl>
+                                              <p:pRg st="6" end="6"/>
+                                            </p:txEl>
+                                          </p:spTgt>
+                                        </p:tgtEl>
+                                        <p:attrNameLst>
+                                          <p:attrName>style.visibility</p:attrName>
+                                        </p:attrNameLst>
+                                      </p:cBhvr>
+                                      <p:to>
+                                        <p:strVal val="visible"/>
+                                      </p:to>
+                                    </p:set>
+                                  </p:childTnLst>
+                                </p:cTn>
+                              </p:par>
+                            </p:childTnLst>
+                          </p:cTn>
+                        </p:par>
+                      </p:childTnLst>
+                    </p:cTn>
+                  </p:par>
                 </p:childTnLst>
               </p:cTn>
               <p:prevCondLst>
@@ -6368,7 +7344,7 @@
 </p:sld>
 </file>
 
-<file path=ppt/slides/slide12.xml><?xml version="1.0" encoding="utf-8"?>
+<file path=ppt/slides/slide14.xml><?xml version="1.0" encoding="utf-8"?>
 <p:sld xmlns:a="http://schemas.openxmlformats.org/drawingml/2006/main" xmlns:r="http://schemas.openxmlformats.org/officeDocument/2006/relationships" xmlns:p="http://schemas.openxmlformats.org/presentationml/2006/main">
   <p:cSld>
     <p:spTree>
@@ -8007,7 +8983,7 @@
 </p:sld>
 </file>
 
-<file path=ppt/slides/slide13.xml><?xml version="1.0" encoding="utf-8"?>
+<file path=ppt/slides/slide15.xml><?xml version="1.0" encoding="utf-8"?>
 <p:sld xmlns:a="http://schemas.openxmlformats.org/drawingml/2006/main" xmlns:r="http://schemas.openxmlformats.org/officeDocument/2006/relationships" xmlns:p="http://schemas.openxmlformats.org/presentationml/2006/main">
   <p:cSld>
     <p:spTree>
@@ -9502,7 +10478,7 @@
 </p:sld>
 </file>
 
-<file path=ppt/slides/slide14.xml><?xml version="1.0" encoding="utf-8"?>
+<file path=ppt/slides/slide16.xml><?xml version="1.0" encoding="utf-8"?>
 <p:sld xmlns:a="http://schemas.openxmlformats.org/drawingml/2006/main" xmlns:r="http://schemas.openxmlformats.org/officeDocument/2006/relationships" xmlns:p="http://schemas.openxmlformats.org/presentationml/2006/main">
   <p:cSld>
     <p:spTree>
@@ -10369,8 +11345,8 @@
           </p:sp>
         </mc:Fallback>
       </mc:AlternateContent>
-      <mc:AlternateContent xmlns:mc="http://schemas.openxmlformats.org/markup-compatibility/2006" xmlns:a14="http://schemas.microsoft.com/office/drawing/2010/main">
-        <mc:Choice Requires="a14">
+      <mc:AlternateContent xmlns:mc="http://schemas.openxmlformats.org/markup-compatibility/2006">
+        <mc:Choice xmlns:a14="http://schemas.microsoft.com/office/drawing/2010/main" Requires="a14">
           <p:sp>
             <p:nvSpPr>
               <p:cNvPr id="22" name="TextBox 21">
@@ -10463,7 +11439,7 @@
                           <a:latin typeface="Cambria Math" panose="02040503050406030204" pitchFamily="18" charset="0"/>
                           <a:ea typeface="Cambria Math" panose="02040503050406030204" pitchFamily="18" charset="0"/>
                         </a:rPr>
-                        <m:t>)=</m:t>
+                        <m:t>=</m:t>
                       </m:r>
                       <m:d>
                         <m:dPr>
@@ -10553,7 +11529,7 @@
             </p:txBody>
           </p:sp>
         </mc:Choice>
-        <mc:Fallback xmlns="">
+        <mc:Fallback>
           <p:sp>
             <p:nvSpPr>
               <p:cNvPr id="22" name="TextBox 21">
@@ -10797,7 +11773,7 @@
 </p:sld>
 </file>
 
-<file path=ppt/slides/slide15.xml><?xml version="1.0" encoding="utf-8"?>
+<file path=ppt/slides/slide17.xml><?xml version="1.0" encoding="utf-8"?>
 <p:sld xmlns:a="http://schemas.openxmlformats.org/drawingml/2006/main" xmlns:r="http://schemas.openxmlformats.org/officeDocument/2006/relationships" xmlns:p="http://schemas.openxmlformats.org/presentationml/2006/main">
   <p:cSld>
     <p:spTree>
@@ -11616,7 +12592,7 @@
 </p:sld>
 </file>
 
-<file path=ppt/slides/slide16.xml><?xml version="1.0" encoding="utf-8"?>
+<file path=ppt/slides/slide18.xml><?xml version="1.0" encoding="utf-8"?>
 <p:sld xmlns:a="http://schemas.openxmlformats.org/drawingml/2006/main" xmlns:r="http://schemas.openxmlformats.org/officeDocument/2006/relationships" xmlns:p="http://schemas.openxmlformats.org/presentationml/2006/main">
   <p:cSld>
     <p:spTree>
@@ -12010,7 +12986,7 @@
 </p:sld>
 </file>
 
-<file path=ppt/slides/slide17.xml><?xml version="1.0" encoding="utf-8"?>
+<file path=ppt/slides/slide19.xml><?xml version="1.0" encoding="utf-8"?>
 <p:sld xmlns:a="http://schemas.openxmlformats.org/drawingml/2006/main" xmlns:r="http://schemas.openxmlformats.org/officeDocument/2006/relationships" xmlns:p="http://schemas.openxmlformats.org/presentationml/2006/main">
   <p:cSld>
     <p:spTree>
@@ -12509,1312 +13485,6 @@
                                         </p:cTn>
                                         <p:tgtEl>
                                           <p:spTgt spid="8"/>
-                                        </p:tgtEl>
-                                        <p:attrNameLst>
-                                          <p:attrName>style.visibility</p:attrName>
-                                        </p:attrNameLst>
-                                      </p:cBhvr>
-                                      <p:to>
-                                        <p:strVal val="visible"/>
-                                      </p:to>
-                                    </p:set>
-                                  </p:childTnLst>
-                                </p:cTn>
-                              </p:par>
-                            </p:childTnLst>
-                          </p:cTn>
-                        </p:par>
-                      </p:childTnLst>
-                    </p:cTn>
-                  </p:par>
-                </p:childTnLst>
-              </p:cTn>
-              <p:prevCondLst>
-                <p:cond evt="onPrev" delay="0">
-                  <p:tgtEl>
-                    <p:sldTgt/>
-                  </p:tgtEl>
-                </p:cond>
-              </p:prevCondLst>
-              <p:nextCondLst>
-                <p:cond evt="onNext" delay="0">
-                  <p:tgtEl>
-                    <p:sldTgt/>
-                  </p:tgtEl>
-                </p:cond>
-              </p:nextCondLst>
-            </p:seq>
-          </p:childTnLst>
-        </p:cTn>
-      </p:par>
-    </p:tnLst>
-  </p:timing>
-</p:sld>
-</file>
-
-<file path=ppt/slides/slide18.xml><?xml version="1.0" encoding="utf-8"?>
-<p:sld xmlns:a="http://schemas.openxmlformats.org/drawingml/2006/main" xmlns:r="http://schemas.openxmlformats.org/officeDocument/2006/relationships" xmlns:p="http://schemas.openxmlformats.org/presentationml/2006/main">
-  <p:cSld>
-    <p:spTree>
-      <p:nvGrpSpPr>
-        <p:cNvPr id="1" name=""/>
-        <p:cNvGrpSpPr/>
-        <p:nvPr/>
-      </p:nvGrpSpPr>
-      <p:grpSpPr>
-        <a:xfrm>
-          <a:off x="0" y="0"/>
-          <a:ext cx="0" cy="0"/>
-          <a:chOff x="0" y="0"/>
-          <a:chExt cx="0" cy="0"/>
-        </a:xfrm>
-      </p:grpSpPr>
-      <p:sp>
-        <p:nvSpPr>
-          <p:cNvPr id="3" name="Content Placeholder 2">
-            <a:extLst>
-              <a:ext uri="{FF2B5EF4-FFF2-40B4-BE49-F238E27FC236}">
-                <a16:creationId xmlns:a16="http://schemas.microsoft.com/office/drawing/2014/main" id="{ADFF18FE-FA5C-4A58-9D98-B6E6BF0ACE0E}"/>
-              </a:ext>
-            </a:extLst>
-          </p:cNvPr>
-          <p:cNvSpPr>
-            <a:spLocks noGrp="1"/>
-          </p:cNvSpPr>
-          <p:nvPr>
-            <p:ph idx="1"/>
-          </p:nvPr>
-        </p:nvSpPr>
-        <p:spPr>
-          <a:xfrm>
-            <a:off x="838200" y="1110712"/>
-            <a:ext cx="10515600" cy="5066251"/>
-          </a:xfrm>
-        </p:spPr>
-        <p:txBody>
-          <a:bodyPr>
-            <a:normAutofit/>
-          </a:bodyPr>
-          <a:lstStyle/>
-          <a:p>
-            <a:r>
-              <a:rPr lang="en-US" dirty="0"/>
-              <a:t>A </a:t>
-            </a:r>
-            <a:r>
-              <a:rPr lang="en-US" b="1" dirty="0"/>
-              <a:t>Markov chain </a:t>
-            </a:r>
-            <a:r>
-              <a:rPr lang="en-US" dirty="0"/>
-              <a:t>is a sequence of Markov state transition processes</a:t>
-            </a:r>
-          </a:p>
-          <a:p>
-            <a:pPr lvl="1"/>
-            <a:r>
-              <a:rPr lang="en-US" sz="2800" dirty="0"/>
-              <a:t>E.g. running a Markov process over several time steps creates a Markov chain</a:t>
-            </a:r>
-          </a:p>
-          <a:p>
-            <a:r>
-              <a:rPr lang="en-US" dirty="0"/>
-              <a:t>If the state transition probability matrix,       , does not change with time, the Markov chain is </a:t>
-            </a:r>
-            <a:r>
-              <a:rPr lang="en-US" b="1" dirty="0"/>
-              <a:t>stationary</a:t>
-            </a:r>
-            <a:endParaRPr lang="en-US" dirty="0"/>
-          </a:p>
-          <a:p>
-            <a:r>
-              <a:rPr lang="en-US" dirty="0"/>
-              <a:t>Stationary Markov chains </a:t>
-            </a:r>
-            <a:r>
-              <a:rPr lang="en-US" b="1" dirty="0"/>
-              <a:t>converge to a steady state</a:t>
-            </a:r>
-          </a:p>
-          <a:p>
-            <a:pPr lvl="1"/>
-            <a:r>
-              <a:rPr lang="en-US" sz="2800" dirty="0"/>
-              <a:t>At steady state the state probabilities are unchanged</a:t>
-            </a:r>
-          </a:p>
-          <a:p>
-            <a:pPr lvl="1"/>
-            <a:r>
-              <a:rPr lang="en-US" sz="2800" dirty="0"/>
-              <a:t>For web pages in a complete graph these probabilities are the </a:t>
-            </a:r>
-            <a:r>
-              <a:rPr lang="en-US" sz="2800" b="1" dirty="0"/>
-              <a:t>page ranks</a:t>
-            </a:r>
-            <a:r>
-              <a:rPr lang="en-US" sz="2800" dirty="0"/>
-              <a:t> </a:t>
-            </a:r>
-          </a:p>
-          <a:p>
-            <a:r>
-              <a:rPr lang="en-US" dirty="0"/>
-              <a:t>At convergence, the state probability vector = the eigenvector of the largest </a:t>
-            </a:r>
-            <a:r>
-              <a:rPr lang="en-US"/>
-              <a:t>eignvalue  </a:t>
-            </a:r>
-            <a:endParaRPr lang="en-US" dirty="0"/>
-          </a:p>
-          <a:p>
-            <a:endParaRPr lang="en-US" dirty="0"/>
-          </a:p>
-        </p:txBody>
-      </p:sp>
-      <p:sp>
-        <p:nvSpPr>
-          <p:cNvPr id="4" name="Title 1">
-            <a:extLst>
-              <a:ext uri="{FF2B5EF4-FFF2-40B4-BE49-F238E27FC236}">
-                <a16:creationId xmlns:a16="http://schemas.microsoft.com/office/drawing/2014/main" id="{29DB073B-F460-4638-96F3-26E9BB4B682E}"/>
-              </a:ext>
-            </a:extLst>
-          </p:cNvPr>
-          <p:cNvSpPr>
-            <a:spLocks noGrp="1"/>
-          </p:cNvSpPr>
-          <p:nvPr>
-            <p:ph type="title"/>
-          </p:nvPr>
-        </p:nvSpPr>
-        <p:spPr>
-          <a:xfrm>
-            <a:off x="744894" y="290480"/>
-            <a:ext cx="10515600" cy="628585"/>
-          </a:xfrm>
-        </p:spPr>
-        <p:txBody>
-          <a:bodyPr>
-            <a:normAutofit fontScale="90000"/>
-          </a:bodyPr>
-          <a:lstStyle/>
-          <a:p>
-            <a:r>
-              <a:rPr lang="en-US" dirty="0">
-                <a:latin typeface="+mn-lt"/>
-              </a:rPr>
-              <a:t>Introduction to Markov Processes</a:t>
-            </a:r>
-          </a:p>
-        </p:txBody>
-      </p:sp>
-      <p:pic>
-        <p:nvPicPr>
-          <p:cNvPr id="2" name="Picture 1">
-            <a:extLst>
-              <a:ext uri="{FF2B5EF4-FFF2-40B4-BE49-F238E27FC236}">
-                <a16:creationId xmlns:a16="http://schemas.microsoft.com/office/drawing/2014/main" id="{6C6422F9-24FC-42B4-A376-7BE6A5C031EE}"/>
-              </a:ext>
-            </a:extLst>
-          </p:cNvPr>
-          <p:cNvPicPr>
-            <a:picLocks noChangeAspect="1"/>
-          </p:cNvPicPr>
-          <p:nvPr/>
-        </p:nvPicPr>
-        <p:blipFill>
-          <a:blip r:embed="rId2"/>
-          <a:stretch>
-            <a:fillRect/>
-          </a:stretch>
-        </p:blipFill>
-        <p:spPr>
-          <a:xfrm>
-            <a:off x="7032760" y="2495625"/>
-            <a:ext cx="458088" cy="378912"/>
-          </a:xfrm>
-          <a:prstGeom prst="rect">
-            <a:avLst/>
-          </a:prstGeom>
-        </p:spPr>
-      </p:pic>
-    </p:spTree>
-    <p:extLst>
-      <p:ext uri="{BB962C8B-B14F-4D97-AF65-F5344CB8AC3E}">
-        <p14:creationId xmlns:p14="http://schemas.microsoft.com/office/powerpoint/2010/main" val="3314417418"/>
-      </p:ext>
-    </p:extLst>
-  </p:cSld>
-  <p:clrMapOvr>
-    <a:masterClrMapping/>
-  </p:clrMapOvr>
-  <p:timing>
-    <p:tnLst>
-      <p:par>
-        <p:cTn id="1" dur="indefinite" restart="never" nodeType="tmRoot">
-          <p:childTnLst>
-            <p:seq concurrent="1" nextAc="seek">
-              <p:cTn id="2" dur="indefinite" nodeType="mainSeq">
-                <p:childTnLst>
-                  <p:par>
-                    <p:cTn id="3" fill="hold">
-                      <p:stCondLst>
-                        <p:cond delay="indefinite"/>
-                      </p:stCondLst>
-                      <p:childTnLst>
-                        <p:par>
-                          <p:cTn id="4" fill="hold">
-                            <p:stCondLst>
-                              <p:cond delay="0"/>
-                            </p:stCondLst>
-                            <p:childTnLst>
-                              <p:par>
-                                <p:cTn id="5" presetID="1" presetClass="entr" presetSubtype="0" fill="hold" nodeType="clickEffect">
-                                  <p:stCondLst>
-                                    <p:cond delay="0"/>
-                                  </p:stCondLst>
-                                  <p:childTnLst>
-                                    <p:set>
-                                      <p:cBhvr>
-                                        <p:cTn id="6" dur="1" fill="hold">
-                                          <p:stCondLst>
-                                            <p:cond delay="0"/>
-                                          </p:stCondLst>
-                                        </p:cTn>
-                                        <p:tgtEl>
-                                          <p:spTgt spid="3">
-                                            <p:txEl>
-                                              <p:pRg st="0" end="0"/>
-                                            </p:txEl>
-                                          </p:spTgt>
-                                        </p:tgtEl>
-                                        <p:attrNameLst>
-                                          <p:attrName>style.visibility</p:attrName>
-                                        </p:attrNameLst>
-                                      </p:cBhvr>
-                                      <p:to>
-                                        <p:strVal val="visible"/>
-                                      </p:to>
-                                    </p:set>
-                                  </p:childTnLst>
-                                </p:cTn>
-                              </p:par>
-                            </p:childTnLst>
-                          </p:cTn>
-                        </p:par>
-                      </p:childTnLst>
-                    </p:cTn>
-                  </p:par>
-                  <p:par>
-                    <p:cTn id="7" fill="hold">
-                      <p:stCondLst>
-                        <p:cond delay="indefinite"/>
-                      </p:stCondLst>
-                      <p:childTnLst>
-                        <p:par>
-                          <p:cTn id="8" fill="hold">
-                            <p:stCondLst>
-                              <p:cond delay="0"/>
-                            </p:stCondLst>
-                            <p:childTnLst>
-                              <p:par>
-                                <p:cTn id="9" presetID="1" presetClass="entr" presetSubtype="0" fill="hold" nodeType="clickEffect">
-                                  <p:stCondLst>
-                                    <p:cond delay="0"/>
-                                  </p:stCondLst>
-                                  <p:childTnLst>
-                                    <p:set>
-                                      <p:cBhvr>
-                                        <p:cTn id="10" dur="1" fill="hold">
-                                          <p:stCondLst>
-                                            <p:cond delay="0"/>
-                                          </p:stCondLst>
-                                        </p:cTn>
-                                        <p:tgtEl>
-                                          <p:spTgt spid="3">
-                                            <p:txEl>
-                                              <p:pRg st="1" end="1"/>
-                                            </p:txEl>
-                                          </p:spTgt>
-                                        </p:tgtEl>
-                                        <p:attrNameLst>
-                                          <p:attrName>style.visibility</p:attrName>
-                                        </p:attrNameLst>
-                                      </p:cBhvr>
-                                      <p:to>
-                                        <p:strVal val="visible"/>
-                                      </p:to>
-                                    </p:set>
-                                  </p:childTnLst>
-                                </p:cTn>
-                              </p:par>
-                            </p:childTnLst>
-                          </p:cTn>
-                        </p:par>
-                      </p:childTnLst>
-                    </p:cTn>
-                  </p:par>
-                  <p:par>
-                    <p:cTn id="11" fill="hold">
-                      <p:stCondLst>
-                        <p:cond delay="indefinite"/>
-                      </p:stCondLst>
-                      <p:childTnLst>
-                        <p:par>
-                          <p:cTn id="12" fill="hold">
-                            <p:stCondLst>
-                              <p:cond delay="0"/>
-                            </p:stCondLst>
-                            <p:childTnLst>
-                              <p:par>
-                                <p:cTn id="13" presetID="1" presetClass="entr" presetSubtype="0" fill="hold" nodeType="clickEffect">
-                                  <p:stCondLst>
-                                    <p:cond delay="0"/>
-                                  </p:stCondLst>
-                                  <p:childTnLst>
-                                    <p:set>
-                                      <p:cBhvr>
-                                        <p:cTn id="14" dur="1" fill="hold">
-                                          <p:stCondLst>
-                                            <p:cond delay="0"/>
-                                          </p:stCondLst>
-                                        </p:cTn>
-                                        <p:tgtEl>
-                                          <p:spTgt spid="3">
-                                            <p:txEl>
-                                              <p:pRg st="2" end="2"/>
-                                            </p:txEl>
-                                          </p:spTgt>
-                                        </p:tgtEl>
-                                        <p:attrNameLst>
-                                          <p:attrName>style.visibility</p:attrName>
-                                        </p:attrNameLst>
-                                      </p:cBhvr>
-                                      <p:to>
-                                        <p:strVal val="visible"/>
-                                      </p:to>
-                                    </p:set>
-                                  </p:childTnLst>
-                                </p:cTn>
-                              </p:par>
-                              <p:par>
-                                <p:cTn id="15" presetID="1" presetClass="entr" presetSubtype="0" fill="hold" nodeType="withEffect">
-                                  <p:stCondLst>
-                                    <p:cond delay="0"/>
-                                  </p:stCondLst>
-                                  <p:childTnLst>
-                                    <p:set>
-                                      <p:cBhvr>
-                                        <p:cTn id="16" dur="1" fill="hold">
-                                          <p:stCondLst>
-                                            <p:cond delay="0"/>
-                                          </p:stCondLst>
-                                        </p:cTn>
-                                        <p:tgtEl>
-                                          <p:spTgt spid="2"/>
-                                        </p:tgtEl>
-                                        <p:attrNameLst>
-                                          <p:attrName>style.visibility</p:attrName>
-                                        </p:attrNameLst>
-                                      </p:cBhvr>
-                                      <p:to>
-                                        <p:strVal val="visible"/>
-                                      </p:to>
-                                    </p:set>
-                                  </p:childTnLst>
-                                </p:cTn>
-                              </p:par>
-                            </p:childTnLst>
-                          </p:cTn>
-                        </p:par>
-                      </p:childTnLst>
-                    </p:cTn>
-                  </p:par>
-                  <p:par>
-                    <p:cTn id="17" fill="hold">
-                      <p:stCondLst>
-                        <p:cond delay="indefinite"/>
-                      </p:stCondLst>
-                      <p:childTnLst>
-                        <p:par>
-                          <p:cTn id="18" fill="hold">
-                            <p:stCondLst>
-                              <p:cond delay="0"/>
-                            </p:stCondLst>
-                            <p:childTnLst>
-                              <p:par>
-                                <p:cTn id="19" presetID="1" presetClass="entr" presetSubtype="0" fill="hold" nodeType="clickEffect">
-                                  <p:stCondLst>
-                                    <p:cond delay="0"/>
-                                  </p:stCondLst>
-                                  <p:childTnLst>
-                                    <p:set>
-                                      <p:cBhvr>
-                                        <p:cTn id="20" dur="1" fill="hold">
-                                          <p:stCondLst>
-                                            <p:cond delay="0"/>
-                                          </p:stCondLst>
-                                        </p:cTn>
-                                        <p:tgtEl>
-                                          <p:spTgt spid="3">
-                                            <p:txEl>
-                                              <p:pRg st="3" end="3"/>
-                                            </p:txEl>
-                                          </p:spTgt>
-                                        </p:tgtEl>
-                                        <p:attrNameLst>
-                                          <p:attrName>style.visibility</p:attrName>
-                                        </p:attrNameLst>
-                                      </p:cBhvr>
-                                      <p:to>
-                                        <p:strVal val="visible"/>
-                                      </p:to>
-                                    </p:set>
-                                  </p:childTnLst>
-                                </p:cTn>
-                              </p:par>
-                            </p:childTnLst>
-                          </p:cTn>
-                        </p:par>
-                      </p:childTnLst>
-                    </p:cTn>
-                  </p:par>
-                  <p:par>
-                    <p:cTn id="21" fill="hold">
-                      <p:stCondLst>
-                        <p:cond delay="indefinite"/>
-                      </p:stCondLst>
-                      <p:childTnLst>
-                        <p:par>
-                          <p:cTn id="22" fill="hold">
-                            <p:stCondLst>
-                              <p:cond delay="0"/>
-                            </p:stCondLst>
-                            <p:childTnLst>
-                              <p:par>
-                                <p:cTn id="23" presetID="1" presetClass="entr" presetSubtype="0" fill="hold" nodeType="clickEffect">
-                                  <p:stCondLst>
-                                    <p:cond delay="0"/>
-                                  </p:stCondLst>
-                                  <p:childTnLst>
-                                    <p:set>
-                                      <p:cBhvr>
-                                        <p:cTn id="24" dur="1" fill="hold">
-                                          <p:stCondLst>
-                                            <p:cond delay="0"/>
-                                          </p:stCondLst>
-                                        </p:cTn>
-                                        <p:tgtEl>
-                                          <p:spTgt spid="3">
-                                            <p:txEl>
-                                              <p:pRg st="4" end="4"/>
-                                            </p:txEl>
-                                          </p:spTgt>
-                                        </p:tgtEl>
-                                        <p:attrNameLst>
-                                          <p:attrName>style.visibility</p:attrName>
-                                        </p:attrNameLst>
-                                      </p:cBhvr>
-                                      <p:to>
-                                        <p:strVal val="visible"/>
-                                      </p:to>
-                                    </p:set>
-                                  </p:childTnLst>
-                                </p:cTn>
-                              </p:par>
-                            </p:childTnLst>
-                          </p:cTn>
-                        </p:par>
-                      </p:childTnLst>
-                    </p:cTn>
-                  </p:par>
-                  <p:par>
-                    <p:cTn id="25" fill="hold">
-                      <p:stCondLst>
-                        <p:cond delay="indefinite"/>
-                      </p:stCondLst>
-                      <p:childTnLst>
-                        <p:par>
-                          <p:cTn id="26" fill="hold">
-                            <p:stCondLst>
-                              <p:cond delay="0"/>
-                            </p:stCondLst>
-                            <p:childTnLst>
-                              <p:par>
-                                <p:cTn id="27" presetID="1" presetClass="entr" presetSubtype="0" fill="hold" nodeType="clickEffect">
-                                  <p:stCondLst>
-                                    <p:cond delay="0"/>
-                                  </p:stCondLst>
-                                  <p:childTnLst>
-                                    <p:set>
-                                      <p:cBhvr>
-                                        <p:cTn id="28" dur="1" fill="hold">
-                                          <p:stCondLst>
-                                            <p:cond delay="0"/>
-                                          </p:stCondLst>
-                                        </p:cTn>
-                                        <p:tgtEl>
-                                          <p:spTgt spid="3">
-                                            <p:txEl>
-                                              <p:pRg st="5" end="5"/>
-                                            </p:txEl>
-                                          </p:spTgt>
-                                        </p:tgtEl>
-                                        <p:attrNameLst>
-                                          <p:attrName>style.visibility</p:attrName>
-                                        </p:attrNameLst>
-                                      </p:cBhvr>
-                                      <p:to>
-                                        <p:strVal val="visible"/>
-                                      </p:to>
-                                    </p:set>
-                                  </p:childTnLst>
-                                </p:cTn>
-                              </p:par>
-                            </p:childTnLst>
-                          </p:cTn>
-                        </p:par>
-                      </p:childTnLst>
-                    </p:cTn>
-                  </p:par>
-                  <p:par>
-                    <p:cTn id="29" fill="hold">
-                      <p:stCondLst>
-                        <p:cond delay="indefinite"/>
-                      </p:stCondLst>
-                      <p:childTnLst>
-                        <p:par>
-                          <p:cTn id="30" fill="hold">
-                            <p:stCondLst>
-                              <p:cond delay="0"/>
-                            </p:stCondLst>
-                            <p:childTnLst>
-                              <p:par>
-                                <p:cTn id="31" presetID="1" presetClass="entr" presetSubtype="0" fill="hold" nodeType="clickEffect">
-                                  <p:stCondLst>
-                                    <p:cond delay="0"/>
-                                  </p:stCondLst>
-                                  <p:childTnLst>
-                                    <p:set>
-                                      <p:cBhvr>
-                                        <p:cTn id="32" dur="1" fill="hold">
-                                          <p:stCondLst>
-                                            <p:cond delay="0"/>
-                                          </p:stCondLst>
-                                        </p:cTn>
-                                        <p:tgtEl>
-                                          <p:spTgt spid="3">
-                                            <p:txEl>
-                                              <p:pRg st="6" end="6"/>
-                                            </p:txEl>
-                                          </p:spTgt>
-                                        </p:tgtEl>
-                                        <p:attrNameLst>
-                                          <p:attrName>style.visibility</p:attrName>
-                                        </p:attrNameLst>
-                                      </p:cBhvr>
-                                      <p:to>
-                                        <p:strVal val="visible"/>
-                                      </p:to>
-                                    </p:set>
-                                  </p:childTnLst>
-                                </p:cTn>
-                              </p:par>
-                            </p:childTnLst>
-                          </p:cTn>
-                        </p:par>
-                      </p:childTnLst>
-                    </p:cTn>
-                  </p:par>
-                </p:childTnLst>
-              </p:cTn>
-              <p:prevCondLst>
-                <p:cond evt="onPrev" delay="0">
-                  <p:tgtEl>
-                    <p:sldTgt/>
-                  </p:tgtEl>
-                </p:cond>
-              </p:prevCondLst>
-              <p:nextCondLst>
-                <p:cond evt="onNext" delay="0">
-                  <p:tgtEl>
-                    <p:sldTgt/>
-                  </p:tgtEl>
-                </p:cond>
-              </p:nextCondLst>
-            </p:seq>
-          </p:childTnLst>
-        </p:cTn>
-      </p:par>
-    </p:tnLst>
-  </p:timing>
-</p:sld>
-</file>
-
-<file path=ppt/slides/slide19.xml><?xml version="1.0" encoding="utf-8"?>
-<p:sld xmlns:a="http://schemas.openxmlformats.org/drawingml/2006/main" xmlns:r="http://schemas.openxmlformats.org/officeDocument/2006/relationships" xmlns:p="http://schemas.openxmlformats.org/presentationml/2006/main">
-  <p:cSld>
-    <p:spTree>
-      <p:nvGrpSpPr>
-        <p:cNvPr id="1" name=""/>
-        <p:cNvGrpSpPr/>
-        <p:nvPr/>
-      </p:nvGrpSpPr>
-      <p:grpSpPr>
-        <a:xfrm>
-          <a:off x="0" y="0"/>
-          <a:ext cx="0" cy="0"/>
-          <a:chOff x="0" y="0"/>
-          <a:chExt cx="0" cy="0"/>
-        </a:xfrm>
-      </p:grpSpPr>
-      <mc:AlternateContent xmlns:mc="http://schemas.openxmlformats.org/markup-compatibility/2006">
-        <mc:Choice xmlns:a14="http://schemas.microsoft.com/office/drawing/2010/main" Requires="a14">
-          <p:sp>
-            <p:nvSpPr>
-              <p:cNvPr id="3" name="Content Placeholder 2">
-                <a:extLst>
-                  <a:ext uri="{FF2B5EF4-FFF2-40B4-BE49-F238E27FC236}">
-                    <a16:creationId xmlns:a16="http://schemas.microsoft.com/office/drawing/2014/main" id="{ADFF18FE-FA5C-4A58-9D98-B6E6BF0ACE0E}"/>
-                  </a:ext>
-                </a:extLst>
-              </p:cNvPr>
-              <p:cNvSpPr>
-                <a:spLocks noGrp="1"/>
-              </p:cNvSpPr>
-              <p:nvPr>
-                <p:ph idx="1"/>
-              </p:nvPr>
-            </p:nvSpPr>
-            <p:spPr>
-              <a:xfrm>
-                <a:off x="838200" y="1110712"/>
-                <a:ext cx="10515600" cy="5066251"/>
-              </a:xfrm>
-            </p:spPr>
-            <p:txBody>
-              <a:bodyPr>
-                <a:normAutofit/>
-              </a:bodyPr>
-              <a:lstStyle/>
-              <a:p>
-                <a:pPr marL="0" indent="0">
-                  <a:buNone/>
-                </a:pPr>
-                <a:r>
-                  <a:rPr lang="en-US" b="1" dirty="0"/>
-                  <a:t>Katz centrality </a:t>
-                </a:r>
-                <a:r>
-                  <a:rPr lang="en-US" dirty="0"/>
-                  <a:t>is a basic measure   </a:t>
-                </a:r>
-              </a:p>
-              <a:p>
-                <a:r>
-                  <a:rPr lang="en-US" dirty="0"/>
-                  <a:t>Katz centrality proposed in 1953 as a measure of centrality of social networks   </a:t>
-                </a:r>
-              </a:p>
-              <a:p>
-                <a:r>
-                  <a:rPr lang="en-US" sz="2800" dirty="0"/>
-                  <a:t>Basic update for Katz centrality uses association matrix   </a:t>
-                </a:r>
-              </a:p>
-              <a:p>
-                <a:r>
-                  <a:rPr lang="en-US" dirty="0"/>
-                  <a:t>The update of Katz centrality is the sum over the in degree of the page  </a:t>
-                </a:r>
-              </a:p>
-              <a:p>
-                <a:pPr marL="0" indent="0">
-                  <a:buNone/>
-                </a:pPr>
-                <a14:m>
-                  <m:oMathPara xmlns:m="http://schemas.openxmlformats.org/officeDocument/2006/math">
-                    <m:oMathParaPr>
-                      <m:jc m:val="centerGroup"/>
-                    </m:oMathParaPr>
-                    <m:oMath xmlns:m="http://schemas.openxmlformats.org/officeDocument/2006/math">
-                      <m:sSub>
-                        <m:sSubPr>
-                          <m:ctrlPr>
-                            <a:rPr lang="en-US" b="0" i="1" dirty="0" smtClean="0">
-                              <a:latin typeface="Cambria Math" panose="02040503050406030204" pitchFamily="18" charset="0"/>
-                            </a:rPr>
-                          </m:ctrlPr>
-                        </m:sSubPr>
-                        <m:e>
-                          <m:r>
-                            <a:rPr lang="en-US" b="0" i="1" dirty="0" smtClean="0">
-                              <a:latin typeface="Cambria Math" panose="02040503050406030204" pitchFamily="18" charset="0"/>
-                            </a:rPr>
-                            <m:t>𝑥</m:t>
-                          </m:r>
-                        </m:e>
-                        <m:sub>
-                          <m:r>
-                            <a:rPr lang="en-US" b="0" i="1" dirty="0" smtClean="0">
-                              <a:latin typeface="Cambria Math" panose="02040503050406030204" pitchFamily="18" charset="0"/>
-                            </a:rPr>
-                            <m:t>𝑖</m:t>
-                          </m:r>
-                          <m:r>
-                            <a:rPr lang="en-US" b="0" i="1" dirty="0" smtClean="0">
-                              <a:latin typeface="Cambria Math" panose="02040503050406030204" pitchFamily="18" charset="0"/>
-                            </a:rPr>
-                            <m:t>+1</m:t>
-                          </m:r>
-                        </m:sub>
-                      </m:sSub>
-                      <m:r>
-                        <a:rPr lang="en-US" b="0" i="1" smtClean="0">
-                          <a:latin typeface="Cambria Math" panose="02040503050406030204" pitchFamily="18" charset="0"/>
-                        </a:rPr>
-                        <m:t>=</m:t>
-                      </m:r>
-                      <m:r>
-                        <a:rPr lang="en-US" b="0" i="1" smtClean="0">
-                          <a:latin typeface="Cambria Math" panose="02040503050406030204" pitchFamily="18" charset="0"/>
-                        </a:rPr>
-                        <m:t>𝐴</m:t>
-                      </m:r>
-                      <m:sSub>
-                        <m:sSubPr>
-                          <m:ctrlPr>
-                            <a:rPr lang="en-US" b="0" i="1" smtClean="0">
-                              <a:latin typeface="Cambria Math" panose="02040503050406030204" pitchFamily="18" charset="0"/>
-                            </a:rPr>
-                          </m:ctrlPr>
-                        </m:sSubPr>
-                        <m:e>
-                          <m:r>
-                            <a:rPr lang="en-US" b="0" i="1" smtClean="0">
-                              <a:latin typeface="Cambria Math" panose="02040503050406030204" pitchFamily="18" charset="0"/>
-                            </a:rPr>
-                            <m:t>𝑥</m:t>
-                          </m:r>
-                        </m:e>
-                        <m:sub>
-                          <m:r>
-                            <a:rPr lang="en-US" b="0" i="1" smtClean="0">
-                              <a:latin typeface="Cambria Math" panose="02040503050406030204" pitchFamily="18" charset="0"/>
-                            </a:rPr>
-                            <m:t>𝑖</m:t>
-                          </m:r>
-                        </m:sub>
-                      </m:sSub>
-                    </m:oMath>
-                  </m:oMathPara>
-                </a14:m>
-                <a:endParaRPr lang="en-US" dirty="0"/>
-              </a:p>
-              <a:p>
-                <a:r>
-                  <a:rPr lang="en-US" sz="2800" dirty="0"/>
-                  <a:t>The higher the in degree the more central </a:t>
-                </a:r>
-                <a:r>
-                  <a:rPr lang="en-US" dirty="0"/>
-                  <a:t>page   </a:t>
-                </a:r>
-              </a:p>
-              <a:p>
-                <a:r>
-                  <a:rPr lang="en-US" sz="2800" dirty="0"/>
-                  <a:t>But, Katz centrality over weights pages with high out degree</a:t>
-                </a:r>
-              </a:p>
-              <a:p>
-                <a:pPr lvl="1"/>
-                <a:r>
-                  <a:rPr lang="en-US" dirty="0"/>
-                  <a:t>A page linking to many page should distribute its influence </a:t>
-                </a:r>
-              </a:p>
-            </p:txBody>
-          </p:sp>
-        </mc:Choice>
-        <mc:Fallback>
-          <p:sp>
-            <p:nvSpPr>
-              <p:cNvPr id="3" name="Content Placeholder 2">
-                <a:extLst>
-                  <a:ext uri="{FF2B5EF4-FFF2-40B4-BE49-F238E27FC236}">
-                    <a16:creationId xmlns:a16="http://schemas.microsoft.com/office/drawing/2014/main" id="{ADFF18FE-FA5C-4A58-9D98-B6E6BF0ACE0E}"/>
-                  </a:ext>
-                </a:extLst>
-              </p:cNvPr>
-              <p:cNvSpPr>
-                <a:spLocks noGrp="1" noRot="1" noChangeAspect="1" noMove="1" noResize="1" noEditPoints="1" noAdjustHandles="1" noChangeArrowheads="1" noChangeShapeType="1" noTextEdit="1"/>
-              </p:cNvSpPr>
-              <p:nvPr>
-                <p:ph idx="1"/>
-              </p:nvPr>
-            </p:nvSpPr>
-            <p:spPr>
-              <a:xfrm>
-                <a:off x="838200" y="1110712"/>
-                <a:ext cx="10515600" cy="5066251"/>
-              </a:xfrm>
-              <a:blipFill>
-                <a:blip r:embed="rId2"/>
-                <a:stretch>
-                  <a:fillRect l="-1217" t="-1925"/>
-                </a:stretch>
-              </a:blipFill>
-            </p:spPr>
-            <p:txBody>
-              <a:bodyPr/>
-              <a:lstStyle/>
-              <a:p>
-                <a:r>
-                  <a:rPr lang="en-US">
-                    <a:noFill/>
-                  </a:rPr>
-                  <a:t> </a:t>
-                </a:r>
-              </a:p>
-            </p:txBody>
-          </p:sp>
-        </mc:Fallback>
-      </mc:AlternateContent>
-      <p:sp>
-        <p:nvSpPr>
-          <p:cNvPr id="4" name="Title 1">
-            <a:extLst>
-              <a:ext uri="{FF2B5EF4-FFF2-40B4-BE49-F238E27FC236}">
-                <a16:creationId xmlns:a16="http://schemas.microsoft.com/office/drawing/2014/main" id="{29DB073B-F460-4638-96F3-26E9BB4B682E}"/>
-              </a:ext>
-            </a:extLst>
-          </p:cNvPr>
-          <p:cNvSpPr>
-            <a:spLocks noGrp="1"/>
-          </p:cNvSpPr>
-          <p:nvPr>
-            <p:ph type="title"/>
-          </p:nvPr>
-        </p:nvSpPr>
-        <p:spPr>
-          <a:xfrm>
-            <a:off x="744894" y="290480"/>
-            <a:ext cx="10515600" cy="628585"/>
-          </a:xfrm>
-        </p:spPr>
-        <p:txBody>
-          <a:bodyPr>
-            <a:normAutofit fontScale="90000"/>
-          </a:bodyPr>
-          <a:lstStyle/>
-          <a:p>
-            <a:r>
-              <a:rPr lang="en-US" dirty="0">
-                <a:latin typeface="+mn-lt"/>
-              </a:rPr>
-              <a:t>Measures of Centrality </a:t>
-            </a:r>
-          </a:p>
-        </p:txBody>
-      </p:sp>
-    </p:spTree>
-    <p:extLst>
-      <p:ext uri="{BB962C8B-B14F-4D97-AF65-F5344CB8AC3E}">
-        <p14:creationId xmlns:p14="http://schemas.microsoft.com/office/powerpoint/2010/main" val="3485488650"/>
-      </p:ext>
-    </p:extLst>
-  </p:cSld>
-  <p:clrMapOvr>
-    <a:masterClrMapping/>
-  </p:clrMapOvr>
-  <p:timing>
-    <p:tnLst>
-      <p:par>
-        <p:cTn id="1" dur="indefinite" restart="never" nodeType="tmRoot">
-          <p:childTnLst>
-            <p:seq concurrent="1" nextAc="seek">
-              <p:cTn id="2" dur="indefinite" nodeType="mainSeq">
-                <p:childTnLst>
-                  <p:par>
-                    <p:cTn id="3" fill="hold">
-                      <p:stCondLst>
-                        <p:cond delay="indefinite"/>
-                      </p:stCondLst>
-                      <p:childTnLst>
-                        <p:par>
-                          <p:cTn id="4" fill="hold">
-                            <p:stCondLst>
-                              <p:cond delay="0"/>
-                            </p:stCondLst>
-                            <p:childTnLst>
-                              <p:par>
-                                <p:cTn id="5" presetID="1" presetClass="entr" presetSubtype="0" fill="hold" nodeType="clickEffect">
-                                  <p:stCondLst>
-                                    <p:cond delay="0"/>
-                                  </p:stCondLst>
-                                  <p:childTnLst>
-                                    <p:set>
-                                      <p:cBhvr>
-                                        <p:cTn id="6" dur="1" fill="hold">
-                                          <p:stCondLst>
-                                            <p:cond delay="0"/>
-                                          </p:stCondLst>
-                                        </p:cTn>
-                                        <p:tgtEl>
-                                          <p:spTgt spid="3">
-                                            <p:txEl>
-                                              <p:pRg st="0" end="0"/>
-                                            </p:txEl>
-                                          </p:spTgt>
-                                        </p:tgtEl>
-                                        <p:attrNameLst>
-                                          <p:attrName>style.visibility</p:attrName>
-                                        </p:attrNameLst>
-                                      </p:cBhvr>
-                                      <p:to>
-                                        <p:strVal val="visible"/>
-                                      </p:to>
-                                    </p:set>
-                                  </p:childTnLst>
-                                </p:cTn>
-                              </p:par>
-                            </p:childTnLst>
-                          </p:cTn>
-                        </p:par>
-                      </p:childTnLst>
-                    </p:cTn>
-                  </p:par>
-                  <p:par>
-                    <p:cTn id="7" fill="hold">
-                      <p:stCondLst>
-                        <p:cond delay="indefinite"/>
-                      </p:stCondLst>
-                      <p:childTnLst>
-                        <p:par>
-                          <p:cTn id="8" fill="hold">
-                            <p:stCondLst>
-                              <p:cond delay="0"/>
-                            </p:stCondLst>
-                            <p:childTnLst>
-                              <p:par>
-                                <p:cTn id="9" presetID="1" presetClass="entr" presetSubtype="0" fill="hold" nodeType="clickEffect">
-                                  <p:stCondLst>
-                                    <p:cond delay="0"/>
-                                  </p:stCondLst>
-                                  <p:childTnLst>
-                                    <p:set>
-                                      <p:cBhvr>
-                                        <p:cTn id="10" dur="1" fill="hold">
-                                          <p:stCondLst>
-                                            <p:cond delay="0"/>
-                                          </p:stCondLst>
-                                        </p:cTn>
-                                        <p:tgtEl>
-                                          <p:spTgt spid="3">
-                                            <p:txEl>
-                                              <p:pRg st="1" end="1"/>
-                                            </p:txEl>
-                                          </p:spTgt>
-                                        </p:tgtEl>
-                                        <p:attrNameLst>
-                                          <p:attrName>style.visibility</p:attrName>
-                                        </p:attrNameLst>
-                                      </p:cBhvr>
-                                      <p:to>
-                                        <p:strVal val="visible"/>
-                                      </p:to>
-                                    </p:set>
-                                  </p:childTnLst>
-                                </p:cTn>
-                              </p:par>
-                            </p:childTnLst>
-                          </p:cTn>
-                        </p:par>
-                      </p:childTnLst>
-                    </p:cTn>
-                  </p:par>
-                  <p:par>
-                    <p:cTn id="11" fill="hold">
-                      <p:stCondLst>
-                        <p:cond delay="indefinite"/>
-                      </p:stCondLst>
-                      <p:childTnLst>
-                        <p:par>
-                          <p:cTn id="12" fill="hold">
-                            <p:stCondLst>
-                              <p:cond delay="0"/>
-                            </p:stCondLst>
-                            <p:childTnLst>
-                              <p:par>
-                                <p:cTn id="13" presetID="1" presetClass="entr" presetSubtype="0" fill="hold" nodeType="clickEffect">
-                                  <p:stCondLst>
-                                    <p:cond delay="0"/>
-                                  </p:stCondLst>
-                                  <p:childTnLst>
-                                    <p:set>
-                                      <p:cBhvr>
-                                        <p:cTn id="14" dur="1" fill="hold">
-                                          <p:stCondLst>
-                                            <p:cond delay="0"/>
-                                          </p:stCondLst>
-                                        </p:cTn>
-                                        <p:tgtEl>
-                                          <p:spTgt spid="3">
-                                            <p:txEl>
-                                              <p:pRg st="2" end="2"/>
-                                            </p:txEl>
-                                          </p:spTgt>
-                                        </p:tgtEl>
-                                        <p:attrNameLst>
-                                          <p:attrName>style.visibility</p:attrName>
-                                        </p:attrNameLst>
-                                      </p:cBhvr>
-                                      <p:to>
-                                        <p:strVal val="visible"/>
-                                      </p:to>
-                                    </p:set>
-                                  </p:childTnLst>
-                                </p:cTn>
-                              </p:par>
-                            </p:childTnLst>
-                          </p:cTn>
-                        </p:par>
-                      </p:childTnLst>
-                    </p:cTn>
-                  </p:par>
-                  <p:par>
-                    <p:cTn id="15" fill="hold">
-                      <p:stCondLst>
-                        <p:cond delay="indefinite"/>
-                      </p:stCondLst>
-                      <p:childTnLst>
-                        <p:par>
-                          <p:cTn id="16" fill="hold">
-                            <p:stCondLst>
-                              <p:cond delay="0"/>
-                            </p:stCondLst>
-                            <p:childTnLst>
-                              <p:par>
-                                <p:cTn id="17" presetID="1" presetClass="entr" presetSubtype="0" fill="hold" nodeType="clickEffect">
-                                  <p:stCondLst>
-                                    <p:cond delay="0"/>
-                                  </p:stCondLst>
-                                  <p:childTnLst>
-                                    <p:set>
-                                      <p:cBhvr>
-                                        <p:cTn id="18" dur="1" fill="hold">
-                                          <p:stCondLst>
-                                            <p:cond delay="0"/>
-                                          </p:stCondLst>
-                                        </p:cTn>
-                                        <p:tgtEl>
-                                          <p:spTgt spid="3">
-                                            <p:txEl>
-                                              <p:pRg st="3" end="3"/>
-                                            </p:txEl>
-                                          </p:spTgt>
-                                        </p:tgtEl>
-                                        <p:attrNameLst>
-                                          <p:attrName>style.visibility</p:attrName>
-                                        </p:attrNameLst>
-                                      </p:cBhvr>
-                                      <p:to>
-                                        <p:strVal val="visible"/>
-                                      </p:to>
-                                    </p:set>
-                                  </p:childTnLst>
-                                </p:cTn>
-                              </p:par>
-                            </p:childTnLst>
-                          </p:cTn>
-                        </p:par>
-                      </p:childTnLst>
-                    </p:cTn>
-                  </p:par>
-                  <p:par>
-                    <p:cTn id="19" fill="hold">
-                      <p:stCondLst>
-                        <p:cond delay="indefinite"/>
-                      </p:stCondLst>
-                      <p:childTnLst>
-                        <p:par>
-                          <p:cTn id="20" fill="hold">
-                            <p:stCondLst>
-                              <p:cond delay="0"/>
-                            </p:stCondLst>
-                            <p:childTnLst>
-                              <p:par>
-                                <p:cTn id="21" presetID="1" presetClass="entr" presetSubtype="0" fill="hold" nodeType="clickEffect">
-                                  <p:stCondLst>
-                                    <p:cond delay="0"/>
-                                  </p:stCondLst>
-                                  <p:childTnLst>
-                                    <p:set>
-                                      <p:cBhvr>
-                                        <p:cTn id="22" dur="1" fill="hold">
-                                          <p:stCondLst>
-                                            <p:cond delay="0"/>
-                                          </p:stCondLst>
-                                        </p:cTn>
-                                        <p:tgtEl>
-                                          <p:spTgt spid="3">
-                                            <p:txEl>
-                                              <p:pRg st="4" end="4"/>
-                                            </p:txEl>
-                                          </p:spTgt>
-                                        </p:tgtEl>
-                                        <p:attrNameLst>
-                                          <p:attrName>style.visibility</p:attrName>
-                                        </p:attrNameLst>
-                                      </p:cBhvr>
-                                      <p:to>
-                                        <p:strVal val="visible"/>
-                                      </p:to>
-                                    </p:set>
-                                  </p:childTnLst>
-                                </p:cTn>
-                              </p:par>
-                            </p:childTnLst>
-                          </p:cTn>
-                        </p:par>
-                      </p:childTnLst>
-                    </p:cTn>
-                  </p:par>
-                  <p:par>
-                    <p:cTn id="23" fill="hold">
-                      <p:stCondLst>
-                        <p:cond delay="indefinite"/>
-                      </p:stCondLst>
-                      <p:childTnLst>
-                        <p:par>
-                          <p:cTn id="24" fill="hold">
-                            <p:stCondLst>
-                              <p:cond delay="0"/>
-                            </p:stCondLst>
-                            <p:childTnLst>
-                              <p:par>
-                                <p:cTn id="25" presetID="1" presetClass="entr" presetSubtype="0" fill="hold" nodeType="clickEffect">
-                                  <p:stCondLst>
-                                    <p:cond delay="0"/>
-                                  </p:stCondLst>
-                                  <p:childTnLst>
-                                    <p:set>
-                                      <p:cBhvr>
-                                        <p:cTn id="26" dur="1" fill="hold">
-                                          <p:stCondLst>
-                                            <p:cond delay="0"/>
-                                          </p:stCondLst>
-                                        </p:cTn>
-                                        <p:tgtEl>
-                                          <p:spTgt spid="3">
-                                            <p:txEl>
-                                              <p:pRg st="5" end="5"/>
-                                            </p:txEl>
-                                          </p:spTgt>
-                                        </p:tgtEl>
-                                        <p:attrNameLst>
-                                          <p:attrName>style.visibility</p:attrName>
-                                        </p:attrNameLst>
-                                      </p:cBhvr>
-                                      <p:to>
-                                        <p:strVal val="visible"/>
-                                      </p:to>
-                                    </p:set>
-                                  </p:childTnLst>
-                                </p:cTn>
-                              </p:par>
-                            </p:childTnLst>
-                          </p:cTn>
-                        </p:par>
-                      </p:childTnLst>
-                    </p:cTn>
-                  </p:par>
-                  <p:par>
-                    <p:cTn id="27" fill="hold">
-                      <p:stCondLst>
-                        <p:cond delay="indefinite"/>
-                      </p:stCondLst>
-                      <p:childTnLst>
-                        <p:par>
-                          <p:cTn id="28" fill="hold">
-                            <p:stCondLst>
-                              <p:cond delay="0"/>
-                            </p:stCondLst>
-                            <p:childTnLst>
-                              <p:par>
-                                <p:cTn id="29" presetID="1" presetClass="entr" presetSubtype="0" fill="hold" nodeType="clickEffect">
-                                  <p:stCondLst>
-                                    <p:cond delay="0"/>
-                                  </p:stCondLst>
-                                  <p:childTnLst>
-                                    <p:set>
-                                      <p:cBhvr>
-                                        <p:cTn id="30" dur="1" fill="hold">
-                                          <p:stCondLst>
-                                            <p:cond delay="0"/>
-                                          </p:stCondLst>
-                                        </p:cTn>
-                                        <p:tgtEl>
-                                          <p:spTgt spid="3">
-                                            <p:txEl>
-                                              <p:pRg st="6" end="6"/>
-                                            </p:txEl>
-                                          </p:spTgt>
-                                        </p:tgtEl>
-                                        <p:attrNameLst>
-                                          <p:attrName>style.visibility</p:attrName>
-                                        </p:attrNameLst>
-                                      </p:cBhvr>
-                                      <p:to>
-                                        <p:strVal val="visible"/>
-                                      </p:to>
-                                    </p:set>
-                                  </p:childTnLst>
-                                </p:cTn>
-                              </p:par>
-                            </p:childTnLst>
-                          </p:cTn>
-                        </p:par>
-                      </p:childTnLst>
-                    </p:cTn>
-                  </p:par>
-                  <p:par>
-                    <p:cTn id="31" fill="hold">
-                      <p:stCondLst>
-                        <p:cond delay="indefinite"/>
-                      </p:stCondLst>
-                      <p:childTnLst>
-                        <p:par>
-                          <p:cTn id="32" fill="hold">
-                            <p:stCondLst>
-                              <p:cond delay="0"/>
-                            </p:stCondLst>
-                            <p:childTnLst>
-                              <p:par>
-                                <p:cTn id="33" presetID="1" presetClass="entr" presetSubtype="0" fill="hold" nodeType="clickEffect">
-                                  <p:stCondLst>
-                                    <p:cond delay="0"/>
-                                  </p:stCondLst>
-                                  <p:childTnLst>
-                                    <p:set>
-                                      <p:cBhvr>
-                                        <p:cTn id="34" dur="1" fill="hold">
-                                          <p:stCondLst>
-                                            <p:cond delay="0"/>
-                                          </p:stCondLst>
-                                        </p:cTn>
-                                        <p:tgtEl>
-                                          <p:spTgt spid="3">
-                                            <p:txEl>
-                                              <p:pRg st="7" end="7"/>
-                                            </p:txEl>
-                                          </p:spTgt>
                                         </p:tgtEl>
                                         <p:attrNameLst>
                                           <p:attrName>style.visibility</p:attrName>
@@ -14651,6 +14321,1315 @@
           </a:bodyPr>
           <a:lstStyle/>
           <a:p>
+            <a:r>
+              <a:rPr lang="en-US" dirty="0"/>
+              <a:t>A </a:t>
+            </a:r>
+            <a:r>
+              <a:rPr lang="en-US" b="1" dirty="0"/>
+              <a:t>Markov chain </a:t>
+            </a:r>
+            <a:r>
+              <a:rPr lang="en-US" dirty="0"/>
+              <a:t>is a sequence of Markov state transition processes</a:t>
+            </a:r>
+          </a:p>
+          <a:p>
+            <a:pPr lvl="1"/>
+            <a:r>
+              <a:rPr lang="en-US" sz="2800" dirty="0"/>
+              <a:t>E.g. running a Markov process over several time steps creates a Markov chain</a:t>
+            </a:r>
+          </a:p>
+          <a:p>
+            <a:r>
+              <a:rPr lang="en-US" dirty="0"/>
+              <a:t>If the state transition probability matrix,       , does not change with time, the Markov chain is </a:t>
+            </a:r>
+            <a:r>
+              <a:rPr lang="en-US" b="1" dirty="0"/>
+              <a:t>stationary</a:t>
+            </a:r>
+            <a:endParaRPr lang="en-US" dirty="0"/>
+          </a:p>
+          <a:p>
+            <a:r>
+              <a:rPr lang="en-US" dirty="0"/>
+              <a:t>Stationary Markov chains </a:t>
+            </a:r>
+            <a:r>
+              <a:rPr lang="en-US" b="1" dirty="0"/>
+              <a:t>converge to a steady state</a:t>
+            </a:r>
+          </a:p>
+          <a:p>
+            <a:pPr lvl="1"/>
+            <a:r>
+              <a:rPr lang="en-US" sz="2800" dirty="0"/>
+              <a:t>At steady state the state probabilities are unchanged</a:t>
+            </a:r>
+          </a:p>
+          <a:p>
+            <a:pPr lvl="1"/>
+            <a:r>
+              <a:rPr lang="en-US" sz="2800" dirty="0"/>
+              <a:t>For web pages in a complete graph these probabilities are the </a:t>
+            </a:r>
+            <a:r>
+              <a:rPr lang="en-US" sz="2800" b="1" dirty="0"/>
+              <a:t>page ranks</a:t>
+            </a:r>
+            <a:r>
+              <a:rPr lang="en-US" sz="2800" dirty="0"/>
+              <a:t> </a:t>
+            </a:r>
+          </a:p>
+          <a:p>
+            <a:r>
+              <a:rPr lang="en-US" dirty="0"/>
+              <a:t>At convergence, the state probability vector = the eigenvector of the largest </a:t>
+            </a:r>
+            <a:r>
+              <a:rPr lang="en-US" dirty="0" err="1"/>
+              <a:t>eignvalue</a:t>
+            </a:r>
+            <a:r>
+              <a:rPr lang="en-US" dirty="0"/>
+              <a:t>  </a:t>
+            </a:r>
+          </a:p>
+          <a:p>
+            <a:endParaRPr lang="en-US" dirty="0"/>
+          </a:p>
+        </p:txBody>
+      </p:sp>
+      <p:sp>
+        <p:nvSpPr>
+          <p:cNvPr id="4" name="Title 1">
+            <a:extLst>
+              <a:ext uri="{FF2B5EF4-FFF2-40B4-BE49-F238E27FC236}">
+                <a16:creationId xmlns:a16="http://schemas.microsoft.com/office/drawing/2014/main" id="{29DB073B-F460-4638-96F3-26E9BB4B682E}"/>
+              </a:ext>
+            </a:extLst>
+          </p:cNvPr>
+          <p:cNvSpPr>
+            <a:spLocks noGrp="1"/>
+          </p:cNvSpPr>
+          <p:nvPr>
+            <p:ph type="title"/>
+          </p:nvPr>
+        </p:nvSpPr>
+        <p:spPr>
+          <a:xfrm>
+            <a:off x="744894" y="290480"/>
+            <a:ext cx="10515600" cy="628585"/>
+          </a:xfrm>
+        </p:spPr>
+        <p:txBody>
+          <a:bodyPr>
+            <a:normAutofit fontScale="90000"/>
+          </a:bodyPr>
+          <a:lstStyle/>
+          <a:p>
+            <a:r>
+              <a:rPr lang="en-US" dirty="0">
+                <a:latin typeface="+mn-lt"/>
+              </a:rPr>
+              <a:t>Introduction to Markov Processes</a:t>
+            </a:r>
+          </a:p>
+        </p:txBody>
+      </p:sp>
+      <p:pic>
+        <p:nvPicPr>
+          <p:cNvPr id="2" name="Picture 1">
+            <a:extLst>
+              <a:ext uri="{FF2B5EF4-FFF2-40B4-BE49-F238E27FC236}">
+                <a16:creationId xmlns:a16="http://schemas.microsoft.com/office/drawing/2014/main" id="{6C6422F9-24FC-42B4-A376-7BE6A5C031EE}"/>
+              </a:ext>
+            </a:extLst>
+          </p:cNvPr>
+          <p:cNvPicPr>
+            <a:picLocks noChangeAspect="1"/>
+          </p:cNvPicPr>
+          <p:nvPr/>
+        </p:nvPicPr>
+        <p:blipFill>
+          <a:blip r:embed="rId2"/>
+          <a:stretch>
+            <a:fillRect/>
+          </a:stretch>
+        </p:blipFill>
+        <p:spPr>
+          <a:xfrm>
+            <a:off x="7032760" y="2495625"/>
+            <a:ext cx="458088" cy="378912"/>
+          </a:xfrm>
+          <a:prstGeom prst="rect">
+            <a:avLst/>
+          </a:prstGeom>
+        </p:spPr>
+      </p:pic>
+    </p:spTree>
+    <p:extLst>
+      <p:ext uri="{BB962C8B-B14F-4D97-AF65-F5344CB8AC3E}">
+        <p14:creationId xmlns:p14="http://schemas.microsoft.com/office/powerpoint/2010/main" val="3314417418"/>
+      </p:ext>
+    </p:extLst>
+  </p:cSld>
+  <p:clrMapOvr>
+    <a:masterClrMapping/>
+  </p:clrMapOvr>
+  <p:timing>
+    <p:tnLst>
+      <p:par>
+        <p:cTn id="1" dur="indefinite" restart="never" nodeType="tmRoot">
+          <p:childTnLst>
+            <p:seq concurrent="1" nextAc="seek">
+              <p:cTn id="2" dur="indefinite" nodeType="mainSeq">
+                <p:childTnLst>
+                  <p:par>
+                    <p:cTn id="3" fill="hold">
+                      <p:stCondLst>
+                        <p:cond delay="indefinite"/>
+                      </p:stCondLst>
+                      <p:childTnLst>
+                        <p:par>
+                          <p:cTn id="4" fill="hold">
+                            <p:stCondLst>
+                              <p:cond delay="0"/>
+                            </p:stCondLst>
+                            <p:childTnLst>
+                              <p:par>
+                                <p:cTn id="5" presetID="1" presetClass="entr" presetSubtype="0" fill="hold" nodeType="clickEffect">
+                                  <p:stCondLst>
+                                    <p:cond delay="0"/>
+                                  </p:stCondLst>
+                                  <p:childTnLst>
+                                    <p:set>
+                                      <p:cBhvr>
+                                        <p:cTn id="6" dur="1" fill="hold">
+                                          <p:stCondLst>
+                                            <p:cond delay="0"/>
+                                          </p:stCondLst>
+                                        </p:cTn>
+                                        <p:tgtEl>
+                                          <p:spTgt spid="3">
+                                            <p:txEl>
+                                              <p:pRg st="0" end="0"/>
+                                            </p:txEl>
+                                          </p:spTgt>
+                                        </p:tgtEl>
+                                        <p:attrNameLst>
+                                          <p:attrName>style.visibility</p:attrName>
+                                        </p:attrNameLst>
+                                      </p:cBhvr>
+                                      <p:to>
+                                        <p:strVal val="visible"/>
+                                      </p:to>
+                                    </p:set>
+                                  </p:childTnLst>
+                                </p:cTn>
+                              </p:par>
+                            </p:childTnLst>
+                          </p:cTn>
+                        </p:par>
+                      </p:childTnLst>
+                    </p:cTn>
+                  </p:par>
+                  <p:par>
+                    <p:cTn id="7" fill="hold">
+                      <p:stCondLst>
+                        <p:cond delay="indefinite"/>
+                      </p:stCondLst>
+                      <p:childTnLst>
+                        <p:par>
+                          <p:cTn id="8" fill="hold">
+                            <p:stCondLst>
+                              <p:cond delay="0"/>
+                            </p:stCondLst>
+                            <p:childTnLst>
+                              <p:par>
+                                <p:cTn id="9" presetID="1" presetClass="entr" presetSubtype="0" fill="hold" nodeType="clickEffect">
+                                  <p:stCondLst>
+                                    <p:cond delay="0"/>
+                                  </p:stCondLst>
+                                  <p:childTnLst>
+                                    <p:set>
+                                      <p:cBhvr>
+                                        <p:cTn id="10" dur="1" fill="hold">
+                                          <p:stCondLst>
+                                            <p:cond delay="0"/>
+                                          </p:stCondLst>
+                                        </p:cTn>
+                                        <p:tgtEl>
+                                          <p:spTgt spid="3">
+                                            <p:txEl>
+                                              <p:pRg st="1" end="1"/>
+                                            </p:txEl>
+                                          </p:spTgt>
+                                        </p:tgtEl>
+                                        <p:attrNameLst>
+                                          <p:attrName>style.visibility</p:attrName>
+                                        </p:attrNameLst>
+                                      </p:cBhvr>
+                                      <p:to>
+                                        <p:strVal val="visible"/>
+                                      </p:to>
+                                    </p:set>
+                                  </p:childTnLst>
+                                </p:cTn>
+                              </p:par>
+                            </p:childTnLst>
+                          </p:cTn>
+                        </p:par>
+                      </p:childTnLst>
+                    </p:cTn>
+                  </p:par>
+                  <p:par>
+                    <p:cTn id="11" fill="hold">
+                      <p:stCondLst>
+                        <p:cond delay="indefinite"/>
+                      </p:stCondLst>
+                      <p:childTnLst>
+                        <p:par>
+                          <p:cTn id="12" fill="hold">
+                            <p:stCondLst>
+                              <p:cond delay="0"/>
+                            </p:stCondLst>
+                            <p:childTnLst>
+                              <p:par>
+                                <p:cTn id="13" presetID="1" presetClass="entr" presetSubtype="0" fill="hold" nodeType="clickEffect">
+                                  <p:stCondLst>
+                                    <p:cond delay="0"/>
+                                  </p:stCondLst>
+                                  <p:childTnLst>
+                                    <p:set>
+                                      <p:cBhvr>
+                                        <p:cTn id="14" dur="1" fill="hold">
+                                          <p:stCondLst>
+                                            <p:cond delay="0"/>
+                                          </p:stCondLst>
+                                        </p:cTn>
+                                        <p:tgtEl>
+                                          <p:spTgt spid="3">
+                                            <p:txEl>
+                                              <p:pRg st="2" end="2"/>
+                                            </p:txEl>
+                                          </p:spTgt>
+                                        </p:tgtEl>
+                                        <p:attrNameLst>
+                                          <p:attrName>style.visibility</p:attrName>
+                                        </p:attrNameLst>
+                                      </p:cBhvr>
+                                      <p:to>
+                                        <p:strVal val="visible"/>
+                                      </p:to>
+                                    </p:set>
+                                  </p:childTnLst>
+                                </p:cTn>
+                              </p:par>
+                              <p:par>
+                                <p:cTn id="15" presetID="1" presetClass="entr" presetSubtype="0" fill="hold" nodeType="withEffect">
+                                  <p:stCondLst>
+                                    <p:cond delay="0"/>
+                                  </p:stCondLst>
+                                  <p:childTnLst>
+                                    <p:set>
+                                      <p:cBhvr>
+                                        <p:cTn id="16" dur="1" fill="hold">
+                                          <p:stCondLst>
+                                            <p:cond delay="0"/>
+                                          </p:stCondLst>
+                                        </p:cTn>
+                                        <p:tgtEl>
+                                          <p:spTgt spid="2"/>
+                                        </p:tgtEl>
+                                        <p:attrNameLst>
+                                          <p:attrName>style.visibility</p:attrName>
+                                        </p:attrNameLst>
+                                      </p:cBhvr>
+                                      <p:to>
+                                        <p:strVal val="visible"/>
+                                      </p:to>
+                                    </p:set>
+                                  </p:childTnLst>
+                                </p:cTn>
+                              </p:par>
+                            </p:childTnLst>
+                          </p:cTn>
+                        </p:par>
+                      </p:childTnLst>
+                    </p:cTn>
+                  </p:par>
+                  <p:par>
+                    <p:cTn id="17" fill="hold">
+                      <p:stCondLst>
+                        <p:cond delay="indefinite"/>
+                      </p:stCondLst>
+                      <p:childTnLst>
+                        <p:par>
+                          <p:cTn id="18" fill="hold">
+                            <p:stCondLst>
+                              <p:cond delay="0"/>
+                            </p:stCondLst>
+                            <p:childTnLst>
+                              <p:par>
+                                <p:cTn id="19" presetID="1" presetClass="entr" presetSubtype="0" fill="hold" nodeType="clickEffect">
+                                  <p:stCondLst>
+                                    <p:cond delay="0"/>
+                                  </p:stCondLst>
+                                  <p:childTnLst>
+                                    <p:set>
+                                      <p:cBhvr>
+                                        <p:cTn id="20" dur="1" fill="hold">
+                                          <p:stCondLst>
+                                            <p:cond delay="0"/>
+                                          </p:stCondLst>
+                                        </p:cTn>
+                                        <p:tgtEl>
+                                          <p:spTgt spid="3">
+                                            <p:txEl>
+                                              <p:pRg st="3" end="3"/>
+                                            </p:txEl>
+                                          </p:spTgt>
+                                        </p:tgtEl>
+                                        <p:attrNameLst>
+                                          <p:attrName>style.visibility</p:attrName>
+                                        </p:attrNameLst>
+                                      </p:cBhvr>
+                                      <p:to>
+                                        <p:strVal val="visible"/>
+                                      </p:to>
+                                    </p:set>
+                                  </p:childTnLst>
+                                </p:cTn>
+                              </p:par>
+                            </p:childTnLst>
+                          </p:cTn>
+                        </p:par>
+                      </p:childTnLst>
+                    </p:cTn>
+                  </p:par>
+                  <p:par>
+                    <p:cTn id="21" fill="hold">
+                      <p:stCondLst>
+                        <p:cond delay="indefinite"/>
+                      </p:stCondLst>
+                      <p:childTnLst>
+                        <p:par>
+                          <p:cTn id="22" fill="hold">
+                            <p:stCondLst>
+                              <p:cond delay="0"/>
+                            </p:stCondLst>
+                            <p:childTnLst>
+                              <p:par>
+                                <p:cTn id="23" presetID="1" presetClass="entr" presetSubtype="0" fill="hold" nodeType="clickEffect">
+                                  <p:stCondLst>
+                                    <p:cond delay="0"/>
+                                  </p:stCondLst>
+                                  <p:childTnLst>
+                                    <p:set>
+                                      <p:cBhvr>
+                                        <p:cTn id="24" dur="1" fill="hold">
+                                          <p:stCondLst>
+                                            <p:cond delay="0"/>
+                                          </p:stCondLst>
+                                        </p:cTn>
+                                        <p:tgtEl>
+                                          <p:spTgt spid="3">
+                                            <p:txEl>
+                                              <p:pRg st="4" end="4"/>
+                                            </p:txEl>
+                                          </p:spTgt>
+                                        </p:tgtEl>
+                                        <p:attrNameLst>
+                                          <p:attrName>style.visibility</p:attrName>
+                                        </p:attrNameLst>
+                                      </p:cBhvr>
+                                      <p:to>
+                                        <p:strVal val="visible"/>
+                                      </p:to>
+                                    </p:set>
+                                  </p:childTnLst>
+                                </p:cTn>
+                              </p:par>
+                            </p:childTnLst>
+                          </p:cTn>
+                        </p:par>
+                      </p:childTnLst>
+                    </p:cTn>
+                  </p:par>
+                  <p:par>
+                    <p:cTn id="25" fill="hold">
+                      <p:stCondLst>
+                        <p:cond delay="indefinite"/>
+                      </p:stCondLst>
+                      <p:childTnLst>
+                        <p:par>
+                          <p:cTn id="26" fill="hold">
+                            <p:stCondLst>
+                              <p:cond delay="0"/>
+                            </p:stCondLst>
+                            <p:childTnLst>
+                              <p:par>
+                                <p:cTn id="27" presetID="1" presetClass="entr" presetSubtype="0" fill="hold" nodeType="clickEffect">
+                                  <p:stCondLst>
+                                    <p:cond delay="0"/>
+                                  </p:stCondLst>
+                                  <p:childTnLst>
+                                    <p:set>
+                                      <p:cBhvr>
+                                        <p:cTn id="28" dur="1" fill="hold">
+                                          <p:stCondLst>
+                                            <p:cond delay="0"/>
+                                          </p:stCondLst>
+                                        </p:cTn>
+                                        <p:tgtEl>
+                                          <p:spTgt spid="3">
+                                            <p:txEl>
+                                              <p:pRg st="5" end="5"/>
+                                            </p:txEl>
+                                          </p:spTgt>
+                                        </p:tgtEl>
+                                        <p:attrNameLst>
+                                          <p:attrName>style.visibility</p:attrName>
+                                        </p:attrNameLst>
+                                      </p:cBhvr>
+                                      <p:to>
+                                        <p:strVal val="visible"/>
+                                      </p:to>
+                                    </p:set>
+                                  </p:childTnLst>
+                                </p:cTn>
+                              </p:par>
+                            </p:childTnLst>
+                          </p:cTn>
+                        </p:par>
+                      </p:childTnLst>
+                    </p:cTn>
+                  </p:par>
+                  <p:par>
+                    <p:cTn id="29" fill="hold">
+                      <p:stCondLst>
+                        <p:cond delay="indefinite"/>
+                      </p:stCondLst>
+                      <p:childTnLst>
+                        <p:par>
+                          <p:cTn id="30" fill="hold">
+                            <p:stCondLst>
+                              <p:cond delay="0"/>
+                            </p:stCondLst>
+                            <p:childTnLst>
+                              <p:par>
+                                <p:cTn id="31" presetID="1" presetClass="entr" presetSubtype="0" fill="hold" nodeType="clickEffect">
+                                  <p:stCondLst>
+                                    <p:cond delay="0"/>
+                                  </p:stCondLst>
+                                  <p:childTnLst>
+                                    <p:set>
+                                      <p:cBhvr>
+                                        <p:cTn id="32" dur="1" fill="hold">
+                                          <p:stCondLst>
+                                            <p:cond delay="0"/>
+                                          </p:stCondLst>
+                                        </p:cTn>
+                                        <p:tgtEl>
+                                          <p:spTgt spid="3">
+                                            <p:txEl>
+                                              <p:pRg st="6" end="6"/>
+                                            </p:txEl>
+                                          </p:spTgt>
+                                        </p:tgtEl>
+                                        <p:attrNameLst>
+                                          <p:attrName>style.visibility</p:attrName>
+                                        </p:attrNameLst>
+                                      </p:cBhvr>
+                                      <p:to>
+                                        <p:strVal val="visible"/>
+                                      </p:to>
+                                    </p:set>
+                                  </p:childTnLst>
+                                </p:cTn>
+                              </p:par>
+                            </p:childTnLst>
+                          </p:cTn>
+                        </p:par>
+                      </p:childTnLst>
+                    </p:cTn>
+                  </p:par>
+                </p:childTnLst>
+              </p:cTn>
+              <p:prevCondLst>
+                <p:cond evt="onPrev" delay="0">
+                  <p:tgtEl>
+                    <p:sldTgt/>
+                  </p:tgtEl>
+                </p:cond>
+              </p:prevCondLst>
+              <p:nextCondLst>
+                <p:cond evt="onNext" delay="0">
+                  <p:tgtEl>
+                    <p:sldTgt/>
+                  </p:tgtEl>
+                </p:cond>
+              </p:nextCondLst>
+            </p:seq>
+          </p:childTnLst>
+        </p:cTn>
+      </p:par>
+    </p:tnLst>
+  </p:timing>
+</p:sld>
+</file>
+
+<file path=ppt/slides/slide21.xml><?xml version="1.0" encoding="utf-8"?>
+<p:sld xmlns:a="http://schemas.openxmlformats.org/drawingml/2006/main" xmlns:r="http://schemas.openxmlformats.org/officeDocument/2006/relationships" xmlns:p="http://schemas.openxmlformats.org/presentationml/2006/main">
+  <p:cSld>
+    <p:spTree>
+      <p:nvGrpSpPr>
+        <p:cNvPr id="1" name=""/>
+        <p:cNvGrpSpPr/>
+        <p:nvPr/>
+      </p:nvGrpSpPr>
+      <p:grpSpPr>
+        <a:xfrm>
+          <a:off x="0" y="0"/>
+          <a:ext cx="0" cy="0"/>
+          <a:chOff x="0" y="0"/>
+          <a:chExt cx="0" cy="0"/>
+        </a:xfrm>
+      </p:grpSpPr>
+      <mc:AlternateContent xmlns:mc="http://schemas.openxmlformats.org/markup-compatibility/2006">
+        <mc:Choice xmlns:a14="http://schemas.microsoft.com/office/drawing/2010/main" Requires="a14">
+          <p:sp>
+            <p:nvSpPr>
+              <p:cNvPr id="3" name="Content Placeholder 2">
+                <a:extLst>
+                  <a:ext uri="{FF2B5EF4-FFF2-40B4-BE49-F238E27FC236}">
+                    <a16:creationId xmlns:a16="http://schemas.microsoft.com/office/drawing/2014/main" id="{ADFF18FE-FA5C-4A58-9D98-B6E6BF0ACE0E}"/>
+                  </a:ext>
+                </a:extLst>
+              </p:cNvPr>
+              <p:cNvSpPr>
+                <a:spLocks noGrp="1"/>
+              </p:cNvSpPr>
+              <p:nvPr>
+                <p:ph idx="1"/>
+              </p:nvPr>
+            </p:nvSpPr>
+            <p:spPr>
+              <a:xfrm>
+                <a:off x="838200" y="1110712"/>
+                <a:ext cx="10515600" cy="5066251"/>
+              </a:xfrm>
+            </p:spPr>
+            <p:txBody>
+              <a:bodyPr>
+                <a:normAutofit/>
+              </a:bodyPr>
+              <a:lstStyle/>
+              <a:p>
+                <a:pPr marL="0" indent="0">
+                  <a:buNone/>
+                </a:pPr>
+                <a:r>
+                  <a:rPr lang="en-US" b="1" dirty="0"/>
+                  <a:t>Katz centrality </a:t>
+                </a:r>
+                <a:r>
+                  <a:rPr lang="en-US" dirty="0"/>
+                  <a:t>is a basic measure   </a:t>
+                </a:r>
+              </a:p>
+              <a:p>
+                <a:r>
+                  <a:rPr lang="en-US" dirty="0"/>
+                  <a:t>Katz centrality proposed in 1953 as a measure of centrality of social networks   </a:t>
+                </a:r>
+              </a:p>
+              <a:p>
+                <a:r>
+                  <a:rPr lang="en-US" sz="2800" dirty="0"/>
+                  <a:t>Basic update for Katz centrality uses association matrix   </a:t>
+                </a:r>
+              </a:p>
+              <a:p>
+                <a:r>
+                  <a:rPr lang="en-US" dirty="0"/>
+                  <a:t>The update of Katz centrality is the sum over the in degree of the page  </a:t>
+                </a:r>
+              </a:p>
+              <a:p>
+                <a:pPr marL="0" indent="0">
+                  <a:buNone/>
+                </a:pPr>
+                <a14:m>
+                  <m:oMathPara xmlns:m="http://schemas.openxmlformats.org/officeDocument/2006/math">
+                    <m:oMathParaPr>
+                      <m:jc m:val="centerGroup"/>
+                    </m:oMathParaPr>
+                    <m:oMath xmlns:m="http://schemas.openxmlformats.org/officeDocument/2006/math">
+                      <m:sSub>
+                        <m:sSubPr>
+                          <m:ctrlPr>
+                            <a:rPr lang="en-US" b="0" i="1" dirty="0" smtClean="0">
+                              <a:latin typeface="Cambria Math" panose="02040503050406030204" pitchFamily="18" charset="0"/>
+                            </a:rPr>
+                          </m:ctrlPr>
+                        </m:sSubPr>
+                        <m:e>
+                          <m:r>
+                            <a:rPr lang="en-US" b="0" i="1" dirty="0" smtClean="0">
+                              <a:latin typeface="Cambria Math" panose="02040503050406030204" pitchFamily="18" charset="0"/>
+                            </a:rPr>
+                            <m:t>𝑥</m:t>
+                          </m:r>
+                        </m:e>
+                        <m:sub>
+                          <m:r>
+                            <a:rPr lang="en-US" b="0" i="1" dirty="0" smtClean="0">
+                              <a:latin typeface="Cambria Math" panose="02040503050406030204" pitchFamily="18" charset="0"/>
+                            </a:rPr>
+                            <m:t>𝑖</m:t>
+                          </m:r>
+                          <m:r>
+                            <a:rPr lang="en-US" b="0" i="1" dirty="0" smtClean="0">
+                              <a:latin typeface="Cambria Math" panose="02040503050406030204" pitchFamily="18" charset="0"/>
+                            </a:rPr>
+                            <m:t>+1</m:t>
+                          </m:r>
+                        </m:sub>
+                      </m:sSub>
+                      <m:r>
+                        <a:rPr lang="en-US" b="0" i="1" smtClean="0">
+                          <a:latin typeface="Cambria Math" panose="02040503050406030204" pitchFamily="18" charset="0"/>
+                        </a:rPr>
+                        <m:t>=</m:t>
+                      </m:r>
+                      <m:r>
+                        <a:rPr lang="en-US" b="0" i="1" smtClean="0">
+                          <a:latin typeface="Cambria Math" panose="02040503050406030204" pitchFamily="18" charset="0"/>
+                        </a:rPr>
+                        <m:t>𝐴</m:t>
+                      </m:r>
+                      <m:sSub>
+                        <m:sSubPr>
+                          <m:ctrlPr>
+                            <a:rPr lang="en-US" b="0" i="1" smtClean="0">
+                              <a:latin typeface="Cambria Math" panose="02040503050406030204" pitchFamily="18" charset="0"/>
+                            </a:rPr>
+                          </m:ctrlPr>
+                        </m:sSubPr>
+                        <m:e>
+                          <m:r>
+                            <a:rPr lang="en-US" b="0" i="1" smtClean="0">
+                              <a:latin typeface="Cambria Math" panose="02040503050406030204" pitchFamily="18" charset="0"/>
+                            </a:rPr>
+                            <m:t>𝑥</m:t>
+                          </m:r>
+                        </m:e>
+                        <m:sub>
+                          <m:r>
+                            <a:rPr lang="en-US" b="0" i="1" smtClean="0">
+                              <a:latin typeface="Cambria Math" panose="02040503050406030204" pitchFamily="18" charset="0"/>
+                            </a:rPr>
+                            <m:t>𝑖</m:t>
+                          </m:r>
+                        </m:sub>
+                      </m:sSub>
+                    </m:oMath>
+                  </m:oMathPara>
+                </a14:m>
+                <a:endParaRPr lang="en-US" dirty="0"/>
+              </a:p>
+              <a:p>
+                <a:r>
+                  <a:rPr lang="en-US" sz="2800" dirty="0"/>
+                  <a:t>The higher the in degree the more central </a:t>
+                </a:r>
+                <a:r>
+                  <a:rPr lang="en-US" dirty="0"/>
+                  <a:t>page   </a:t>
+                </a:r>
+              </a:p>
+              <a:p>
+                <a:r>
+                  <a:rPr lang="en-US" sz="2800" dirty="0"/>
+                  <a:t>But, Katz centrality over weights pages with high out degree</a:t>
+                </a:r>
+              </a:p>
+              <a:p>
+                <a:pPr lvl="1"/>
+                <a:r>
+                  <a:rPr lang="en-US" dirty="0"/>
+                  <a:t>A page linking to many page should distribute its influence </a:t>
+                </a:r>
+              </a:p>
+            </p:txBody>
+          </p:sp>
+        </mc:Choice>
+        <mc:Fallback>
+          <p:sp>
+            <p:nvSpPr>
+              <p:cNvPr id="3" name="Content Placeholder 2">
+                <a:extLst>
+                  <a:ext uri="{FF2B5EF4-FFF2-40B4-BE49-F238E27FC236}">
+                    <a16:creationId xmlns:a16="http://schemas.microsoft.com/office/drawing/2014/main" id="{ADFF18FE-FA5C-4A58-9D98-B6E6BF0ACE0E}"/>
+                  </a:ext>
+                </a:extLst>
+              </p:cNvPr>
+              <p:cNvSpPr>
+                <a:spLocks noGrp="1" noRot="1" noChangeAspect="1" noMove="1" noResize="1" noEditPoints="1" noAdjustHandles="1" noChangeArrowheads="1" noChangeShapeType="1" noTextEdit="1"/>
+              </p:cNvSpPr>
+              <p:nvPr>
+                <p:ph idx="1"/>
+              </p:nvPr>
+            </p:nvSpPr>
+            <p:spPr>
+              <a:xfrm>
+                <a:off x="838200" y="1110712"/>
+                <a:ext cx="10515600" cy="5066251"/>
+              </a:xfrm>
+              <a:blipFill>
+                <a:blip r:embed="rId2"/>
+                <a:stretch>
+                  <a:fillRect l="-1217" t="-1925"/>
+                </a:stretch>
+              </a:blipFill>
+            </p:spPr>
+            <p:txBody>
+              <a:bodyPr/>
+              <a:lstStyle/>
+              <a:p>
+                <a:r>
+                  <a:rPr lang="en-US">
+                    <a:noFill/>
+                  </a:rPr>
+                  <a:t> </a:t>
+                </a:r>
+              </a:p>
+            </p:txBody>
+          </p:sp>
+        </mc:Fallback>
+      </mc:AlternateContent>
+      <p:sp>
+        <p:nvSpPr>
+          <p:cNvPr id="4" name="Title 1">
+            <a:extLst>
+              <a:ext uri="{FF2B5EF4-FFF2-40B4-BE49-F238E27FC236}">
+                <a16:creationId xmlns:a16="http://schemas.microsoft.com/office/drawing/2014/main" id="{29DB073B-F460-4638-96F3-26E9BB4B682E}"/>
+              </a:ext>
+            </a:extLst>
+          </p:cNvPr>
+          <p:cNvSpPr>
+            <a:spLocks noGrp="1"/>
+          </p:cNvSpPr>
+          <p:nvPr>
+            <p:ph type="title"/>
+          </p:nvPr>
+        </p:nvSpPr>
+        <p:spPr>
+          <a:xfrm>
+            <a:off x="744894" y="290480"/>
+            <a:ext cx="10515600" cy="628585"/>
+          </a:xfrm>
+        </p:spPr>
+        <p:txBody>
+          <a:bodyPr>
+            <a:normAutofit fontScale="90000"/>
+          </a:bodyPr>
+          <a:lstStyle/>
+          <a:p>
+            <a:r>
+              <a:rPr lang="en-US" dirty="0">
+                <a:latin typeface="+mn-lt"/>
+              </a:rPr>
+              <a:t>Measures of Centrality </a:t>
+            </a:r>
+          </a:p>
+        </p:txBody>
+      </p:sp>
+    </p:spTree>
+    <p:extLst>
+      <p:ext uri="{BB962C8B-B14F-4D97-AF65-F5344CB8AC3E}">
+        <p14:creationId xmlns:p14="http://schemas.microsoft.com/office/powerpoint/2010/main" val="3485488650"/>
+      </p:ext>
+    </p:extLst>
+  </p:cSld>
+  <p:clrMapOvr>
+    <a:masterClrMapping/>
+  </p:clrMapOvr>
+  <p:timing>
+    <p:tnLst>
+      <p:par>
+        <p:cTn id="1" dur="indefinite" restart="never" nodeType="tmRoot">
+          <p:childTnLst>
+            <p:seq concurrent="1" nextAc="seek">
+              <p:cTn id="2" dur="indefinite" nodeType="mainSeq">
+                <p:childTnLst>
+                  <p:par>
+                    <p:cTn id="3" fill="hold">
+                      <p:stCondLst>
+                        <p:cond delay="indefinite"/>
+                      </p:stCondLst>
+                      <p:childTnLst>
+                        <p:par>
+                          <p:cTn id="4" fill="hold">
+                            <p:stCondLst>
+                              <p:cond delay="0"/>
+                            </p:stCondLst>
+                            <p:childTnLst>
+                              <p:par>
+                                <p:cTn id="5" presetID="1" presetClass="entr" presetSubtype="0" fill="hold" nodeType="clickEffect">
+                                  <p:stCondLst>
+                                    <p:cond delay="0"/>
+                                  </p:stCondLst>
+                                  <p:childTnLst>
+                                    <p:set>
+                                      <p:cBhvr>
+                                        <p:cTn id="6" dur="1" fill="hold">
+                                          <p:stCondLst>
+                                            <p:cond delay="0"/>
+                                          </p:stCondLst>
+                                        </p:cTn>
+                                        <p:tgtEl>
+                                          <p:spTgt spid="3">
+                                            <p:txEl>
+                                              <p:pRg st="0" end="0"/>
+                                            </p:txEl>
+                                          </p:spTgt>
+                                        </p:tgtEl>
+                                        <p:attrNameLst>
+                                          <p:attrName>style.visibility</p:attrName>
+                                        </p:attrNameLst>
+                                      </p:cBhvr>
+                                      <p:to>
+                                        <p:strVal val="visible"/>
+                                      </p:to>
+                                    </p:set>
+                                  </p:childTnLst>
+                                </p:cTn>
+                              </p:par>
+                            </p:childTnLst>
+                          </p:cTn>
+                        </p:par>
+                      </p:childTnLst>
+                    </p:cTn>
+                  </p:par>
+                  <p:par>
+                    <p:cTn id="7" fill="hold">
+                      <p:stCondLst>
+                        <p:cond delay="indefinite"/>
+                      </p:stCondLst>
+                      <p:childTnLst>
+                        <p:par>
+                          <p:cTn id="8" fill="hold">
+                            <p:stCondLst>
+                              <p:cond delay="0"/>
+                            </p:stCondLst>
+                            <p:childTnLst>
+                              <p:par>
+                                <p:cTn id="9" presetID="1" presetClass="entr" presetSubtype="0" fill="hold" nodeType="clickEffect">
+                                  <p:stCondLst>
+                                    <p:cond delay="0"/>
+                                  </p:stCondLst>
+                                  <p:childTnLst>
+                                    <p:set>
+                                      <p:cBhvr>
+                                        <p:cTn id="10" dur="1" fill="hold">
+                                          <p:stCondLst>
+                                            <p:cond delay="0"/>
+                                          </p:stCondLst>
+                                        </p:cTn>
+                                        <p:tgtEl>
+                                          <p:spTgt spid="3">
+                                            <p:txEl>
+                                              <p:pRg st="1" end="1"/>
+                                            </p:txEl>
+                                          </p:spTgt>
+                                        </p:tgtEl>
+                                        <p:attrNameLst>
+                                          <p:attrName>style.visibility</p:attrName>
+                                        </p:attrNameLst>
+                                      </p:cBhvr>
+                                      <p:to>
+                                        <p:strVal val="visible"/>
+                                      </p:to>
+                                    </p:set>
+                                  </p:childTnLst>
+                                </p:cTn>
+                              </p:par>
+                            </p:childTnLst>
+                          </p:cTn>
+                        </p:par>
+                      </p:childTnLst>
+                    </p:cTn>
+                  </p:par>
+                  <p:par>
+                    <p:cTn id="11" fill="hold">
+                      <p:stCondLst>
+                        <p:cond delay="indefinite"/>
+                      </p:stCondLst>
+                      <p:childTnLst>
+                        <p:par>
+                          <p:cTn id="12" fill="hold">
+                            <p:stCondLst>
+                              <p:cond delay="0"/>
+                            </p:stCondLst>
+                            <p:childTnLst>
+                              <p:par>
+                                <p:cTn id="13" presetID="1" presetClass="entr" presetSubtype="0" fill="hold" nodeType="clickEffect">
+                                  <p:stCondLst>
+                                    <p:cond delay="0"/>
+                                  </p:stCondLst>
+                                  <p:childTnLst>
+                                    <p:set>
+                                      <p:cBhvr>
+                                        <p:cTn id="14" dur="1" fill="hold">
+                                          <p:stCondLst>
+                                            <p:cond delay="0"/>
+                                          </p:stCondLst>
+                                        </p:cTn>
+                                        <p:tgtEl>
+                                          <p:spTgt spid="3">
+                                            <p:txEl>
+                                              <p:pRg st="2" end="2"/>
+                                            </p:txEl>
+                                          </p:spTgt>
+                                        </p:tgtEl>
+                                        <p:attrNameLst>
+                                          <p:attrName>style.visibility</p:attrName>
+                                        </p:attrNameLst>
+                                      </p:cBhvr>
+                                      <p:to>
+                                        <p:strVal val="visible"/>
+                                      </p:to>
+                                    </p:set>
+                                  </p:childTnLst>
+                                </p:cTn>
+                              </p:par>
+                            </p:childTnLst>
+                          </p:cTn>
+                        </p:par>
+                      </p:childTnLst>
+                    </p:cTn>
+                  </p:par>
+                  <p:par>
+                    <p:cTn id="15" fill="hold">
+                      <p:stCondLst>
+                        <p:cond delay="indefinite"/>
+                      </p:stCondLst>
+                      <p:childTnLst>
+                        <p:par>
+                          <p:cTn id="16" fill="hold">
+                            <p:stCondLst>
+                              <p:cond delay="0"/>
+                            </p:stCondLst>
+                            <p:childTnLst>
+                              <p:par>
+                                <p:cTn id="17" presetID="1" presetClass="entr" presetSubtype="0" fill="hold" nodeType="clickEffect">
+                                  <p:stCondLst>
+                                    <p:cond delay="0"/>
+                                  </p:stCondLst>
+                                  <p:childTnLst>
+                                    <p:set>
+                                      <p:cBhvr>
+                                        <p:cTn id="18" dur="1" fill="hold">
+                                          <p:stCondLst>
+                                            <p:cond delay="0"/>
+                                          </p:stCondLst>
+                                        </p:cTn>
+                                        <p:tgtEl>
+                                          <p:spTgt spid="3">
+                                            <p:txEl>
+                                              <p:pRg st="3" end="3"/>
+                                            </p:txEl>
+                                          </p:spTgt>
+                                        </p:tgtEl>
+                                        <p:attrNameLst>
+                                          <p:attrName>style.visibility</p:attrName>
+                                        </p:attrNameLst>
+                                      </p:cBhvr>
+                                      <p:to>
+                                        <p:strVal val="visible"/>
+                                      </p:to>
+                                    </p:set>
+                                  </p:childTnLst>
+                                </p:cTn>
+                              </p:par>
+                            </p:childTnLst>
+                          </p:cTn>
+                        </p:par>
+                      </p:childTnLst>
+                    </p:cTn>
+                  </p:par>
+                  <p:par>
+                    <p:cTn id="19" fill="hold">
+                      <p:stCondLst>
+                        <p:cond delay="indefinite"/>
+                      </p:stCondLst>
+                      <p:childTnLst>
+                        <p:par>
+                          <p:cTn id="20" fill="hold">
+                            <p:stCondLst>
+                              <p:cond delay="0"/>
+                            </p:stCondLst>
+                            <p:childTnLst>
+                              <p:par>
+                                <p:cTn id="21" presetID="1" presetClass="entr" presetSubtype="0" fill="hold" nodeType="clickEffect">
+                                  <p:stCondLst>
+                                    <p:cond delay="0"/>
+                                  </p:stCondLst>
+                                  <p:childTnLst>
+                                    <p:set>
+                                      <p:cBhvr>
+                                        <p:cTn id="22" dur="1" fill="hold">
+                                          <p:stCondLst>
+                                            <p:cond delay="0"/>
+                                          </p:stCondLst>
+                                        </p:cTn>
+                                        <p:tgtEl>
+                                          <p:spTgt spid="3">
+                                            <p:txEl>
+                                              <p:pRg st="4" end="4"/>
+                                            </p:txEl>
+                                          </p:spTgt>
+                                        </p:tgtEl>
+                                        <p:attrNameLst>
+                                          <p:attrName>style.visibility</p:attrName>
+                                        </p:attrNameLst>
+                                      </p:cBhvr>
+                                      <p:to>
+                                        <p:strVal val="visible"/>
+                                      </p:to>
+                                    </p:set>
+                                  </p:childTnLst>
+                                </p:cTn>
+                              </p:par>
+                            </p:childTnLst>
+                          </p:cTn>
+                        </p:par>
+                      </p:childTnLst>
+                    </p:cTn>
+                  </p:par>
+                  <p:par>
+                    <p:cTn id="23" fill="hold">
+                      <p:stCondLst>
+                        <p:cond delay="indefinite"/>
+                      </p:stCondLst>
+                      <p:childTnLst>
+                        <p:par>
+                          <p:cTn id="24" fill="hold">
+                            <p:stCondLst>
+                              <p:cond delay="0"/>
+                            </p:stCondLst>
+                            <p:childTnLst>
+                              <p:par>
+                                <p:cTn id="25" presetID="1" presetClass="entr" presetSubtype="0" fill="hold" nodeType="clickEffect">
+                                  <p:stCondLst>
+                                    <p:cond delay="0"/>
+                                  </p:stCondLst>
+                                  <p:childTnLst>
+                                    <p:set>
+                                      <p:cBhvr>
+                                        <p:cTn id="26" dur="1" fill="hold">
+                                          <p:stCondLst>
+                                            <p:cond delay="0"/>
+                                          </p:stCondLst>
+                                        </p:cTn>
+                                        <p:tgtEl>
+                                          <p:spTgt spid="3">
+                                            <p:txEl>
+                                              <p:pRg st="5" end="5"/>
+                                            </p:txEl>
+                                          </p:spTgt>
+                                        </p:tgtEl>
+                                        <p:attrNameLst>
+                                          <p:attrName>style.visibility</p:attrName>
+                                        </p:attrNameLst>
+                                      </p:cBhvr>
+                                      <p:to>
+                                        <p:strVal val="visible"/>
+                                      </p:to>
+                                    </p:set>
+                                  </p:childTnLst>
+                                </p:cTn>
+                              </p:par>
+                            </p:childTnLst>
+                          </p:cTn>
+                        </p:par>
+                      </p:childTnLst>
+                    </p:cTn>
+                  </p:par>
+                  <p:par>
+                    <p:cTn id="27" fill="hold">
+                      <p:stCondLst>
+                        <p:cond delay="indefinite"/>
+                      </p:stCondLst>
+                      <p:childTnLst>
+                        <p:par>
+                          <p:cTn id="28" fill="hold">
+                            <p:stCondLst>
+                              <p:cond delay="0"/>
+                            </p:stCondLst>
+                            <p:childTnLst>
+                              <p:par>
+                                <p:cTn id="29" presetID="1" presetClass="entr" presetSubtype="0" fill="hold" nodeType="clickEffect">
+                                  <p:stCondLst>
+                                    <p:cond delay="0"/>
+                                  </p:stCondLst>
+                                  <p:childTnLst>
+                                    <p:set>
+                                      <p:cBhvr>
+                                        <p:cTn id="30" dur="1" fill="hold">
+                                          <p:stCondLst>
+                                            <p:cond delay="0"/>
+                                          </p:stCondLst>
+                                        </p:cTn>
+                                        <p:tgtEl>
+                                          <p:spTgt spid="3">
+                                            <p:txEl>
+                                              <p:pRg st="6" end="6"/>
+                                            </p:txEl>
+                                          </p:spTgt>
+                                        </p:tgtEl>
+                                        <p:attrNameLst>
+                                          <p:attrName>style.visibility</p:attrName>
+                                        </p:attrNameLst>
+                                      </p:cBhvr>
+                                      <p:to>
+                                        <p:strVal val="visible"/>
+                                      </p:to>
+                                    </p:set>
+                                  </p:childTnLst>
+                                </p:cTn>
+                              </p:par>
+                            </p:childTnLst>
+                          </p:cTn>
+                        </p:par>
+                      </p:childTnLst>
+                    </p:cTn>
+                  </p:par>
+                  <p:par>
+                    <p:cTn id="31" fill="hold">
+                      <p:stCondLst>
+                        <p:cond delay="indefinite"/>
+                      </p:stCondLst>
+                      <p:childTnLst>
+                        <p:par>
+                          <p:cTn id="32" fill="hold">
+                            <p:stCondLst>
+                              <p:cond delay="0"/>
+                            </p:stCondLst>
+                            <p:childTnLst>
+                              <p:par>
+                                <p:cTn id="33" presetID="1" presetClass="entr" presetSubtype="0" fill="hold" nodeType="clickEffect">
+                                  <p:stCondLst>
+                                    <p:cond delay="0"/>
+                                  </p:stCondLst>
+                                  <p:childTnLst>
+                                    <p:set>
+                                      <p:cBhvr>
+                                        <p:cTn id="34" dur="1" fill="hold">
+                                          <p:stCondLst>
+                                            <p:cond delay="0"/>
+                                          </p:stCondLst>
+                                        </p:cTn>
+                                        <p:tgtEl>
+                                          <p:spTgt spid="3">
+                                            <p:txEl>
+                                              <p:pRg st="7" end="7"/>
+                                            </p:txEl>
+                                          </p:spTgt>
+                                        </p:tgtEl>
+                                        <p:attrNameLst>
+                                          <p:attrName>style.visibility</p:attrName>
+                                        </p:attrNameLst>
+                                      </p:cBhvr>
+                                      <p:to>
+                                        <p:strVal val="visible"/>
+                                      </p:to>
+                                    </p:set>
+                                  </p:childTnLst>
+                                </p:cTn>
+                              </p:par>
+                            </p:childTnLst>
+                          </p:cTn>
+                        </p:par>
+                      </p:childTnLst>
+                    </p:cTn>
+                  </p:par>
+                </p:childTnLst>
+              </p:cTn>
+              <p:prevCondLst>
+                <p:cond evt="onPrev" delay="0">
+                  <p:tgtEl>
+                    <p:sldTgt/>
+                  </p:tgtEl>
+                </p:cond>
+              </p:prevCondLst>
+              <p:nextCondLst>
+                <p:cond evt="onNext" delay="0">
+                  <p:tgtEl>
+                    <p:sldTgt/>
+                  </p:tgtEl>
+                </p:cond>
+              </p:nextCondLst>
+            </p:seq>
+          </p:childTnLst>
+        </p:cTn>
+      </p:par>
+    </p:tnLst>
+  </p:timing>
+</p:sld>
+</file>
+
+<file path=ppt/slides/slide22.xml><?xml version="1.0" encoding="utf-8"?>
+<p:sld xmlns:a="http://schemas.openxmlformats.org/drawingml/2006/main" xmlns:r="http://schemas.openxmlformats.org/officeDocument/2006/relationships" xmlns:p="http://schemas.openxmlformats.org/presentationml/2006/main">
+  <p:cSld>
+    <p:spTree>
+      <p:nvGrpSpPr>
+        <p:cNvPr id="1" name=""/>
+        <p:cNvGrpSpPr/>
+        <p:nvPr/>
+      </p:nvGrpSpPr>
+      <p:grpSpPr>
+        <a:xfrm>
+          <a:off x="0" y="0"/>
+          <a:ext cx="0" cy="0"/>
+          <a:chOff x="0" y="0"/>
+          <a:chExt cx="0" cy="0"/>
+        </a:xfrm>
+      </p:grpSpPr>
+      <p:sp>
+        <p:nvSpPr>
+          <p:cNvPr id="3" name="Content Placeholder 2">
+            <a:extLst>
+              <a:ext uri="{FF2B5EF4-FFF2-40B4-BE49-F238E27FC236}">
+                <a16:creationId xmlns:a16="http://schemas.microsoft.com/office/drawing/2014/main" id="{ADFF18FE-FA5C-4A58-9D98-B6E6BF0ACE0E}"/>
+              </a:ext>
+            </a:extLst>
+          </p:cNvPr>
+          <p:cNvSpPr>
+            <a:spLocks noGrp="1"/>
+          </p:cNvSpPr>
+          <p:nvPr>
+            <p:ph idx="1"/>
+          </p:nvPr>
+        </p:nvSpPr>
+        <p:spPr>
+          <a:xfrm>
+            <a:off x="838200" y="1110712"/>
+            <a:ext cx="10515600" cy="5066251"/>
+          </a:xfrm>
+        </p:spPr>
+        <p:txBody>
+          <a:bodyPr>
+            <a:normAutofit/>
+          </a:bodyPr>
+          <a:lstStyle/>
+          <a:p>
             <a:pPr marL="0" indent="0">
               <a:buNone/>
             </a:pPr>
@@ -14688,7 +15667,7 @@
           <a:p>
             <a:r>
               <a:rPr lang="en-US" dirty="0"/>
-              <a:t>PageRank accounts for in degree of page</a:t>
+              <a:t>PageRank accounts for out degree of page</a:t>
             </a:r>
           </a:p>
           <a:p>
@@ -15208,7 +16187,7 @@
 </p:sld>
 </file>
 
-<file path=ppt/slides/slide21.xml><?xml version="1.0" encoding="utf-8"?>
+<file path=ppt/slides/slide23.xml><?xml version="1.0" encoding="utf-8"?>
 <p:sld xmlns:a="http://schemas.openxmlformats.org/drawingml/2006/main" xmlns:r="http://schemas.openxmlformats.org/officeDocument/2006/relationships" xmlns:p="http://schemas.openxmlformats.org/presentationml/2006/main">
   <p:cSld>
     <p:spTree>
@@ -16045,7 +17024,7 @@
 </p:sld>
 </file>
 
-<file path=ppt/slides/slide22.xml><?xml version="1.0" encoding="utf-8"?>
+<file path=ppt/slides/slide24.xml><?xml version="1.0" encoding="utf-8"?>
 <p:sld xmlns:a="http://schemas.openxmlformats.org/drawingml/2006/main" xmlns:r="http://schemas.openxmlformats.org/officeDocument/2006/relationships" xmlns:p="http://schemas.openxmlformats.org/presentationml/2006/main">
   <p:cSld>
     <p:spTree>
@@ -17004,7 +17983,7 @@
 </p:sld>
 </file>
 
-<file path=ppt/slides/slide23.xml><?xml version="1.0" encoding="utf-8"?>
+<file path=ppt/slides/slide25.xml><?xml version="1.0" encoding="utf-8"?>
 <p:sld xmlns:a="http://schemas.openxmlformats.org/drawingml/2006/main" xmlns:r="http://schemas.openxmlformats.org/officeDocument/2006/relationships" xmlns:p="http://schemas.openxmlformats.org/presentationml/2006/main">
   <p:cSld>
     <p:spTree>
@@ -17665,7 +18644,7 @@
 </p:sld>
 </file>
 
-<file path=ppt/slides/slide24.xml><?xml version="1.0" encoding="utf-8"?>
+<file path=ppt/slides/slide26.xml><?xml version="1.0" encoding="utf-8"?>
 <p:sld xmlns:a="http://schemas.openxmlformats.org/drawingml/2006/main" xmlns:r="http://schemas.openxmlformats.org/officeDocument/2006/relationships" xmlns:p="http://schemas.openxmlformats.org/presentationml/2006/main">
   <p:cSld>
     <p:spTree>
@@ -17682,8 +18661,8 @@
           <a:chExt cx="0" cy="0"/>
         </a:xfrm>
       </p:grpSpPr>
-      <mc:AlternateContent xmlns:mc="http://schemas.openxmlformats.org/markup-compatibility/2006" xmlns:a14="http://schemas.microsoft.com/office/drawing/2010/main">
-        <mc:Choice Requires="a14">
+      <mc:AlternateContent xmlns:mc="http://schemas.openxmlformats.org/markup-compatibility/2006">
+        <mc:Choice xmlns:a14="http://schemas.microsoft.com/office/drawing/2010/main" Requires="a14">
           <p:sp>
             <p:nvSpPr>
               <p:cNvPr id="3" name="Content Placeholder 2">
@@ -17780,92 +18759,6 @@
                         </m:r>
                       </m:sub>
                     </m:sSub>
-                  </m:oMath>
-                </a14:m>
-                <a:r>
-                  <a:rPr lang="en-US" dirty="0"/>
-                  <a:t>= </a:t>
-                </a:r>
-                <a14:m>
-                  <m:oMath xmlns:m="http://schemas.openxmlformats.org/officeDocument/2006/math">
-                    <m:d>
-                      <m:dPr>
-                        <m:ctrlPr>
-                          <a:rPr lang="en-US" i="1">
-                            <a:latin typeface="Cambria Math" panose="02040503050406030204" pitchFamily="18" charset="0"/>
-                          </a:rPr>
-                        </m:ctrlPr>
-                      </m:dPr>
-                      <m:e>
-                        <m:m>
-                          <m:mPr>
-                            <m:mcs>
-                              <m:mc>
-                                <m:mcPr>
-                                  <m:count m:val="1"/>
-                                  <m:mcJc m:val="center"/>
-                                </m:mcPr>
-                              </m:mc>
-                            </m:mcs>
-                            <m:ctrlPr>
-                              <a:rPr lang="en-US" i="1">
-                                <a:latin typeface="Cambria Math" panose="02040503050406030204" pitchFamily="18" charset="0"/>
-                              </a:rPr>
-                            </m:ctrlPr>
-                          </m:mPr>
-                          <m:mr>
-                            <m:e>
-                              <m:r>
-                                <a:rPr lang="en-US" b="0" i="1" smtClean="0">
-                                  <a:latin typeface="Cambria Math" panose="02040503050406030204" pitchFamily="18" charset="0"/>
-                                </a:rPr>
-                                <m:t>0.1667</m:t>
-                              </m:r>
-                            </m:e>
-                          </m:mr>
-                          <m:mr>
-                            <m:e>
-                              <m:r>
-                                <a:rPr lang="en-US" b="0" i="1" smtClean="0">
-                                  <a:latin typeface="Cambria Math" panose="02040503050406030204" pitchFamily="18" charset="0"/>
-                                </a:rPr>
-                                <m:t>0.0667</m:t>
-                              </m:r>
-                            </m:e>
-                          </m:mr>
-                          <m:mr>
-                            <m:e>
-                              <m:r>
-                                <a:rPr lang="en-US" b="0" i="1" smtClean="0">
-                                  <a:latin typeface="Cambria Math" panose="02040503050406030204" pitchFamily="18" charset="0"/>
-                                </a:rPr>
-                                <m:t>0.0667</m:t>
-                              </m:r>
-                            </m:e>
-                          </m:mr>
-                          <m:mr>
-                            <m:e>
-                              <m:r>
-                                <a:rPr lang="en-US" b="0" i="1" smtClean="0">
-                                  <a:latin typeface="Cambria Math" panose="02040503050406030204" pitchFamily="18" charset="0"/>
-                                </a:rPr>
-                                <m:t>0.4333</m:t>
-                              </m:r>
-                            </m:e>
-                          </m:mr>
-                          <m:mr>
-                            <m:e>
-                              <m:r>
-                                <a:rPr lang="en-US" b="0" i="1" smtClean="0">
-                                  <a:latin typeface="Cambria Math" panose="02040503050406030204" pitchFamily="18" charset="0"/>
-                                </a:rPr>
-                                <m:t>0.2667</m:t>
-                              </m:r>
-                            </m:e>
-                          </m:mr>
-                        </m:m>
-                      </m:e>
-                    </m:d>
                   </m:oMath>
                 </a14:m>
                 <a:r>
@@ -18295,6 +19188,91 @@
                         </m:m>
                       </m:e>
                     </m:d>
+                    <m:r>
+                      <m:rPr>
+                        <m:nor/>
+                      </m:rPr>
+                      <a:rPr lang="en-US" dirty="0"/>
+                      <m:t>= </m:t>
+                    </m:r>
+                    <m:d>
+                      <m:dPr>
+                        <m:ctrlPr>
+                          <a:rPr lang="en-US" i="1">
+                            <a:latin typeface="Cambria Math" panose="02040503050406030204" pitchFamily="18" charset="0"/>
+                          </a:rPr>
+                        </m:ctrlPr>
+                      </m:dPr>
+                      <m:e>
+                        <m:m>
+                          <m:mPr>
+                            <m:mcs>
+                              <m:mc>
+                                <m:mcPr>
+                                  <m:count m:val="1"/>
+                                  <m:mcJc m:val="center"/>
+                                </m:mcPr>
+                              </m:mc>
+                            </m:mcs>
+                            <m:ctrlPr>
+                              <a:rPr lang="en-US" i="1">
+                                <a:latin typeface="Cambria Math" panose="02040503050406030204" pitchFamily="18" charset="0"/>
+                              </a:rPr>
+                            </m:ctrlPr>
+                          </m:mPr>
+                          <m:mr>
+                            <m:e>
+                              <m:r>
+                                <a:rPr lang="en-US" i="1">
+                                  <a:latin typeface="Cambria Math" panose="02040503050406030204" pitchFamily="18" charset="0"/>
+                                </a:rPr>
+                                <m:t>0.1667</m:t>
+                              </m:r>
+                            </m:e>
+                          </m:mr>
+                          <m:mr>
+                            <m:e>
+                              <m:r>
+                                <a:rPr lang="en-US" i="1">
+                                  <a:latin typeface="Cambria Math" panose="02040503050406030204" pitchFamily="18" charset="0"/>
+                                </a:rPr>
+                                <m:t>0.0667</m:t>
+                              </m:r>
+                            </m:e>
+                          </m:mr>
+                          <m:mr>
+                            <m:e>
+                              <m:r>
+                                <a:rPr lang="en-US" i="1">
+                                  <a:latin typeface="Cambria Math" panose="02040503050406030204" pitchFamily="18" charset="0"/>
+                                </a:rPr>
+                                <m:t>0.0667</m:t>
+                              </m:r>
+                            </m:e>
+                          </m:mr>
+                          <m:mr>
+                            <m:e>
+                              <m:r>
+                                <a:rPr lang="en-US" i="1">
+                                  <a:latin typeface="Cambria Math" panose="02040503050406030204" pitchFamily="18" charset="0"/>
+                                </a:rPr>
+                                <m:t>0.4333</m:t>
+                              </m:r>
+                            </m:e>
+                          </m:mr>
+                          <m:mr>
+                            <m:e>
+                              <m:r>
+                                <a:rPr lang="en-US" i="1">
+                                  <a:latin typeface="Cambria Math" panose="02040503050406030204" pitchFamily="18" charset="0"/>
+                                </a:rPr>
+                                <m:t>0.2667</m:t>
+                              </m:r>
+                            </m:e>
+                          </m:mr>
+                        </m:m>
+                      </m:e>
+                    </m:d>
                   </m:oMath>
                 </a14:m>
                 <a:endParaRPr lang="en-US" dirty="0"/>
@@ -18324,7 +19302,7 @@
             </p:txBody>
           </p:sp>
         </mc:Choice>
-        <mc:Fallback xmlns="">
+        <mc:Fallback>
           <p:sp>
             <p:nvSpPr>
               <p:cNvPr id="3" name="Content Placeholder 2">
@@ -18466,33 +19444,15 @@
                                   </p:childTnLst>
                                 </p:cTn>
                               </p:par>
-                            </p:childTnLst>
-                          </p:cTn>
-                        </p:par>
-                      </p:childTnLst>
-                    </p:cTn>
-                  </p:par>
-                  <p:par>
-                    <p:cTn id="7" fill="hold">
-                      <p:stCondLst>
-                        <p:cond delay="indefinite"/>
-                      </p:stCondLst>
-                      <p:childTnLst>
-                        <p:par>
-                          <p:cTn id="8" fill="hold">
-                            <p:stCondLst>
-                              <p:cond delay="0"/>
-                            </p:stCondLst>
-                            <p:childTnLst>
                               <p:par>
-                                <p:cTn id="9" presetID="1" presetClass="entr" presetSubtype="0" fill="hold" nodeType="clickEffect">
+                                <p:cTn id="7" presetID="1" presetClass="entr" presetSubtype="0" fill="hold" nodeType="withEffect">
                                   <p:stCondLst>
                                     <p:cond delay="0"/>
                                   </p:stCondLst>
                                   <p:childTnLst>
                                     <p:set>
                                       <p:cBhvr>
-                                        <p:cTn id="10" dur="1" fill="hold">
+                                        <p:cTn id="8" dur="1" fill="hold">
                                           <p:stCondLst>
                                             <p:cond delay="0"/>
                                           </p:stCondLst>
@@ -18522,26 +19482,26 @@
                     </p:cTn>
                   </p:par>
                   <p:par>
-                    <p:cTn id="11" fill="hold">
+                    <p:cTn id="9" fill="hold">
                       <p:stCondLst>
                         <p:cond delay="indefinite"/>
                       </p:stCondLst>
                       <p:childTnLst>
                         <p:par>
-                          <p:cTn id="12" fill="hold">
+                          <p:cTn id="10" fill="hold">
                             <p:stCondLst>
                               <p:cond delay="0"/>
                             </p:stCondLst>
                             <p:childTnLst>
                               <p:par>
-                                <p:cTn id="13" presetID="1" presetClass="entr" presetSubtype="0" fill="hold" nodeType="clickEffect">
+                                <p:cTn id="11" presetID="1" presetClass="entr" presetSubtype="0" fill="hold" nodeType="clickEffect">
                                   <p:stCondLst>
                                     <p:cond delay="0"/>
                                   </p:stCondLst>
                                   <p:childTnLst>
                                     <p:set>
                                       <p:cBhvr>
-                                        <p:cTn id="14" dur="1" fill="hold">
+                                        <p:cTn id="12" dur="1" fill="hold">
                                           <p:stCondLst>
                                             <p:cond delay="0"/>
                                           </p:stCondLst>
@@ -18571,26 +19531,26 @@
                     </p:cTn>
                   </p:par>
                   <p:par>
-                    <p:cTn id="15" fill="hold">
+                    <p:cTn id="13" fill="hold">
                       <p:stCondLst>
                         <p:cond delay="indefinite"/>
                       </p:stCondLst>
                       <p:childTnLst>
                         <p:par>
-                          <p:cTn id="16" fill="hold">
+                          <p:cTn id="14" fill="hold">
                             <p:stCondLst>
                               <p:cond delay="0"/>
                             </p:stCondLst>
                             <p:childTnLst>
                               <p:par>
-                                <p:cTn id="17" presetID="1" presetClass="entr" presetSubtype="0" fill="hold" nodeType="clickEffect">
+                                <p:cTn id="15" presetID="1" presetClass="entr" presetSubtype="0" fill="hold" nodeType="clickEffect">
                                   <p:stCondLst>
                                     <p:cond delay="0"/>
                                   </p:stCondLst>
                                   <p:childTnLst>
                                     <p:set>
                                       <p:cBhvr>
-                                        <p:cTn id="18" dur="1" fill="hold">
+                                        <p:cTn id="16" dur="1" fill="hold">
                                           <p:stCondLst>
                                             <p:cond delay="0"/>
                                           </p:stCondLst>
@@ -18644,7 +19604,7 @@
 </p:sld>
 </file>
 
-<file path=ppt/slides/slide25.xml><?xml version="1.0" encoding="utf-8"?>
+<file path=ppt/slides/slide27.xml><?xml version="1.0" encoding="utf-8"?>
 <p:sld xmlns:a="http://schemas.openxmlformats.org/drawingml/2006/main" xmlns:r="http://schemas.openxmlformats.org/officeDocument/2006/relationships" xmlns:p="http://schemas.openxmlformats.org/presentationml/2006/main">
   <p:cSld>
     <p:spTree>
@@ -18661,8 +19621,8 @@
           <a:chExt cx="0" cy="0"/>
         </a:xfrm>
       </p:grpSpPr>
-      <mc:AlternateContent xmlns:mc="http://schemas.openxmlformats.org/markup-compatibility/2006" xmlns:a14="http://schemas.microsoft.com/office/drawing/2010/main">
-        <mc:Choice Requires="a14">
+      <mc:AlternateContent xmlns:mc="http://schemas.openxmlformats.org/markup-compatibility/2006">
+        <mc:Choice xmlns:a14="http://schemas.microsoft.com/office/drawing/2010/main" Requires="a14">
           <p:sp>
             <p:nvSpPr>
               <p:cNvPr id="3" name="Content Placeholder 2">
@@ -18763,92 +19723,6 @@
                         </m:r>
                       </m:sub>
                     </m:sSub>
-                  </m:oMath>
-                </a14:m>
-                <a:r>
-                  <a:rPr lang="en-US" dirty="0"/>
-                  <a:t>= </a:t>
-                </a:r>
-                <a14:m>
-                  <m:oMath xmlns:m="http://schemas.openxmlformats.org/officeDocument/2006/math">
-                    <m:d>
-                      <m:dPr>
-                        <m:ctrlPr>
-                          <a:rPr lang="en-US" i="1">
-                            <a:latin typeface="Cambria Math" panose="02040503050406030204" pitchFamily="18" charset="0"/>
-                          </a:rPr>
-                        </m:ctrlPr>
-                      </m:dPr>
-                      <m:e>
-                        <m:m>
-                          <m:mPr>
-                            <m:mcs>
-                              <m:mc>
-                                <m:mcPr>
-                                  <m:count m:val="1"/>
-                                  <m:mcJc m:val="center"/>
-                                </m:mcPr>
-                              </m:mc>
-                            </m:mcs>
-                            <m:ctrlPr>
-                              <a:rPr lang="en-US" i="1">
-                                <a:latin typeface="Cambria Math" panose="02040503050406030204" pitchFamily="18" charset="0"/>
-                              </a:rPr>
-                            </m:ctrlPr>
-                          </m:mPr>
-                          <m:mr>
-                            <m:e>
-                              <m:r>
-                                <a:rPr lang="en-US" b="0" i="1" smtClean="0">
-                                  <a:latin typeface="Cambria Math" panose="02040503050406030204" pitchFamily="18" charset="0"/>
-                                </a:rPr>
-                                <m:t>0.2389</m:t>
-                              </m:r>
-                            </m:e>
-                          </m:mr>
-                          <m:mr>
-                            <m:e>
-                              <m:r>
-                                <a:rPr lang="en-US" b="0" i="1" smtClean="0">
-                                  <a:latin typeface="Cambria Math" panose="02040503050406030204" pitchFamily="18" charset="0"/>
-                                </a:rPr>
-                                <m:t>0.0556</m:t>
-                              </m:r>
-                            </m:e>
-                          </m:mr>
-                          <m:mr>
-                            <m:e>
-                              <m:r>
-                                <a:rPr lang="en-US" b="0" i="1" smtClean="0">
-                                  <a:latin typeface="Cambria Math" panose="02040503050406030204" pitchFamily="18" charset="0"/>
-                                </a:rPr>
-                                <m:t>0.0556</m:t>
-                              </m:r>
-                            </m:e>
-                          </m:mr>
-                          <m:mr>
-                            <m:e>
-                              <m:r>
-                                <a:rPr lang="en-US" b="0" i="1" smtClean="0">
-                                  <a:latin typeface="Cambria Math" panose="02040503050406030204" pitchFamily="18" charset="0"/>
-                                </a:rPr>
-                                <m:t>0.3778</m:t>
-                              </m:r>
-                            </m:e>
-                          </m:mr>
-                          <m:mr>
-                            <m:e>
-                              <m:r>
-                                <a:rPr lang="en-US" b="0" i="1" smtClean="0">
-                                  <a:latin typeface="Cambria Math" panose="02040503050406030204" pitchFamily="18" charset="0"/>
-                                </a:rPr>
-                                <m:t>0.2722</m:t>
-                              </m:r>
-                            </m:e>
-                          </m:mr>
-                        </m:m>
-                      </m:e>
-                    </m:d>
                   </m:oMath>
                 </a14:m>
                 <a:r>
@@ -19327,6 +20201,91 @@
                         </m:m>
                       </m:e>
                     </m:d>
+                    <m:r>
+                      <m:rPr>
+                        <m:nor/>
+                      </m:rPr>
+                      <a:rPr lang="en-US" dirty="0"/>
+                      <m:t>= </m:t>
+                    </m:r>
+                    <m:d>
+                      <m:dPr>
+                        <m:ctrlPr>
+                          <a:rPr lang="en-US" i="1">
+                            <a:latin typeface="Cambria Math" panose="02040503050406030204" pitchFamily="18" charset="0"/>
+                          </a:rPr>
+                        </m:ctrlPr>
+                      </m:dPr>
+                      <m:e>
+                        <m:m>
+                          <m:mPr>
+                            <m:mcs>
+                              <m:mc>
+                                <m:mcPr>
+                                  <m:count m:val="1"/>
+                                  <m:mcJc m:val="center"/>
+                                </m:mcPr>
+                              </m:mc>
+                            </m:mcs>
+                            <m:ctrlPr>
+                              <a:rPr lang="en-US" i="1">
+                                <a:latin typeface="Cambria Math" panose="02040503050406030204" pitchFamily="18" charset="0"/>
+                              </a:rPr>
+                            </m:ctrlPr>
+                          </m:mPr>
+                          <m:mr>
+                            <m:e>
+                              <m:r>
+                                <a:rPr lang="en-US" i="1">
+                                  <a:latin typeface="Cambria Math" panose="02040503050406030204" pitchFamily="18" charset="0"/>
+                                </a:rPr>
+                                <m:t>0.2389</m:t>
+                              </m:r>
+                            </m:e>
+                          </m:mr>
+                          <m:mr>
+                            <m:e>
+                              <m:r>
+                                <a:rPr lang="en-US" i="1">
+                                  <a:latin typeface="Cambria Math" panose="02040503050406030204" pitchFamily="18" charset="0"/>
+                                </a:rPr>
+                                <m:t>0.0556</m:t>
+                              </m:r>
+                            </m:e>
+                          </m:mr>
+                          <m:mr>
+                            <m:e>
+                              <m:r>
+                                <a:rPr lang="en-US" i="1">
+                                  <a:latin typeface="Cambria Math" panose="02040503050406030204" pitchFamily="18" charset="0"/>
+                                </a:rPr>
+                                <m:t>0.0556</m:t>
+                              </m:r>
+                            </m:e>
+                          </m:mr>
+                          <m:mr>
+                            <m:e>
+                              <m:r>
+                                <a:rPr lang="en-US" i="1">
+                                  <a:latin typeface="Cambria Math" panose="02040503050406030204" pitchFamily="18" charset="0"/>
+                                </a:rPr>
+                                <m:t>0.3778</m:t>
+                              </m:r>
+                            </m:e>
+                          </m:mr>
+                          <m:mr>
+                            <m:e>
+                              <m:r>
+                                <a:rPr lang="en-US" i="1">
+                                  <a:latin typeface="Cambria Math" panose="02040503050406030204" pitchFamily="18" charset="0"/>
+                                </a:rPr>
+                                <m:t>0.2722</m:t>
+                              </m:r>
+                            </m:e>
+                          </m:mr>
+                        </m:m>
+                      </m:e>
+                    </m:d>
                   </m:oMath>
                 </a14:m>
                 <a:endParaRPr lang="en-US" dirty="0"/>
@@ -19356,7 +20315,7 @@
             </p:txBody>
           </p:sp>
         </mc:Choice>
-        <mc:Fallback xmlns="">
+        <mc:Fallback>
           <p:sp>
             <p:nvSpPr>
               <p:cNvPr id="3" name="Content Placeholder 2">
@@ -19498,33 +20457,15 @@
                                   </p:childTnLst>
                                 </p:cTn>
                               </p:par>
-                            </p:childTnLst>
-                          </p:cTn>
-                        </p:par>
-                      </p:childTnLst>
-                    </p:cTn>
-                  </p:par>
-                  <p:par>
-                    <p:cTn id="7" fill="hold">
-                      <p:stCondLst>
-                        <p:cond delay="indefinite"/>
-                      </p:stCondLst>
-                      <p:childTnLst>
-                        <p:par>
-                          <p:cTn id="8" fill="hold">
-                            <p:stCondLst>
-                              <p:cond delay="0"/>
-                            </p:stCondLst>
-                            <p:childTnLst>
                               <p:par>
-                                <p:cTn id="9" presetID="1" presetClass="entr" presetSubtype="0" fill="hold" nodeType="clickEffect">
+                                <p:cTn id="7" presetID="1" presetClass="entr" presetSubtype="0" fill="hold" nodeType="withEffect">
                                   <p:stCondLst>
                                     <p:cond delay="0"/>
                                   </p:stCondLst>
                                   <p:childTnLst>
                                     <p:set>
                                       <p:cBhvr>
-                                        <p:cTn id="10" dur="1" fill="hold">
+                                        <p:cTn id="8" dur="1" fill="hold">
                                           <p:stCondLst>
                                             <p:cond delay="0"/>
                                           </p:stCondLst>
@@ -19554,26 +20495,26 @@
                     </p:cTn>
                   </p:par>
                   <p:par>
-                    <p:cTn id="11" fill="hold">
+                    <p:cTn id="9" fill="hold">
                       <p:stCondLst>
                         <p:cond delay="indefinite"/>
                       </p:stCondLst>
                       <p:childTnLst>
                         <p:par>
-                          <p:cTn id="12" fill="hold">
+                          <p:cTn id="10" fill="hold">
                             <p:stCondLst>
                               <p:cond delay="0"/>
                             </p:stCondLst>
                             <p:childTnLst>
                               <p:par>
-                                <p:cTn id="13" presetID="1" presetClass="entr" presetSubtype="0" fill="hold" nodeType="clickEffect">
+                                <p:cTn id="11" presetID="1" presetClass="entr" presetSubtype="0" fill="hold" nodeType="clickEffect">
                                   <p:stCondLst>
                                     <p:cond delay="0"/>
                                   </p:stCondLst>
                                   <p:childTnLst>
                                     <p:set>
                                       <p:cBhvr>
-                                        <p:cTn id="14" dur="1" fill="hold">
+                                        <p:cTn id="12" dur="1" fill="hold">
                                           <p:stCondLst>
                                             <p:cond delay="0"/>
                                           </p:stCondLst>
@@ -19603,26 +20544,26 @@
                     </p:cTn>
                   </p:par>
                   <p:par>
-                    <p:cTn id="15" fill="hold">
+                    <p:cTn id="13" fill="hold">
                       <p:stCondLst>
                         <p:cond delay="indefinite"/>
                       </p:stCondLst>
                       <p:childTnLst>
                         <p:par>
-                          <p:cTn id="16" fill="hold">
+                          <p:cTn id="14" fill="hold">
                             <p:stCondLst>
                               <p:cond delay="0"/>
                             </p:stCondLst>
                             <p:childTnLst>
                               <p:par>
-                                <p:cTn id="17" presetID="1" presetClass="entr" presetSubtype="0" fill="hold" nodeType="clickEffect">
+                                <p:cTn id="15" presetID="1" presetClass="entr" presetSubtype="0" fill="hold" nodeType="clickEffect">
                                   <p:stCondLst>
                                     <p:cond delay="0"/>
                                   </p:stCondLst>
                                   <p:childTnLst>
                                     <p:set>
                                       <p:cBhvr>
-                                        <p:cTn id="18" dur="1" fill="hold">
+                                        <p:cTn id="16" dur="1" fill="hold">
                                           <p:stCondLst>
                                             <p:cond delay="0"/>
                                           </p:stCondLst>
@@ -19676,7 +20617,7 @@
 </p:sld>
 </file>
 
-<file path=ppt/slides/slide26.xml><?xml version="1.0" encoding="utf-8"?>
+<file path=ppt/slides/slide28.xml><?xml version="1.0" encoding="utf-8"?>
 <p:sld xmlns:a="http://schemas.openxmlformats.org/drawingml/2006/main" xmlns:r="http://schemas.openxmlformats.org/officeDocument/2006/relationships" xmlns:p="http://schemas.openxmlformats.org/presentationml/2006/main">
   <p:cSld>
     <p:spTree>
@@ -19693,8 +20634,8 @@
           <a:chExt cx="0" cy="0"/>
         </a:xfrm>
       </p:grpSpPr>
-      <mc:AlternateContent xmlns:mc="http://schemas.openxmlformats.org/markup-compatibility/2006" xmlns:a14="http://schemas.microsoft.com/office/drawing/2010/main">
-        <mc:Choice Requires="a14">
+      <mc:AlternateContent xmlns:mc="http://schemas.openxmlformats.org/markup-compatibility/2006">
+        <mc:Choice xmlns:a14="http://schemas.microsoft.com/office/drawing/2010/main" Requires="a14">
           <p:sp>
             <p:nvSpPr>
               <p:cNvPr id="3" name="Content Placeholder 2">
@@ -19795,92 +20736,6 @@
                         </m:r>
                       </m:sub>
                     </m:sSub>
-                  </m:oMath>
-                </a14:m>
-                <a:r>
-                  <a:rPr lang="en-US" dirty="0"/>
-                  <a:t>= </a:t>
-                </a:r>
-                <a14:m>
-                  <m:oMath xmlns:m="http://schemas.openxmlformats.org/officeDocument/2006/math">
-                    <m:d>
-                      <m:dPr>
-                        <m:ctrlPr>
-                          <a:rPr lang="en-US" i="1">
-                            <a:latin typeface="Cambria Math" panose="02040503050406030204" pitchFamily="18" charset="0"/>
-                          </a:rPr>
-                        </m:ctrlPr>
-                      </m:dPr>
-                      <m:e>
-                        <m:m>
-                          <m:mPr>
-                            <m:mcs>
-                              <m:mc>
-                                <m:mcPr>
-                                  <m:count m:val="1"/>
-                                  <m:mcJc m:val="center"/>
-                                </m:mcPr>
-                              </m:mc>
-                            </m:mcs>
-                            <m:ctrlPr>
-                              <a:rPr lang="en-US" i="1">
-                                <a:latin typeface="Cambria Math" panose="02040503050406030204" pitchFamily="18" charset="0"/>
-                              </a:rPr>
-                            </m:ctrlPr>
-                          </m:mPr>
-                          <m:mr>
-                            <m:e>
-                              <m:r>
-                                <a:rPr lang="en-US" b="0" i="1" smtClean="0">
-                                  <a:latin typeface="Cambria Math" panose="02040503050406030204" pitchFamily="18" charset="0"/>
-                                </a:rPr>
-                                <m:t>0.2169</m:t>
-                              </m:r>
-                            </m:e>
-                          </m:mr>
-                          <m:mr>
-                            <m:e>
-                              <m:r>
-                                <a:rPr lang="en-US" b="0" i="1" smtClean="0">
-                                  <a:latin typeface="Cambria Math" panose="02040503050406030204" pitchFamily="18" charset="0"/>
-                                </a:rPr>
-                                <m:t>0.0723</m:t>
-                              </m:r>
-                            </m:e>
-                          </m:mr>
-                          <m:mr>
-                            <m:e>
-                              <m:r>
-                                <a:rPr lang="en-US" b="0" i="1" smtClean="0">
-                                  <a:latin typeface="Cambria Math" panose="02040503050406030204" pitchFamily="18" charset="0"/>
-                                </a:rPr>
-                                <m:t>0.0723</m:t>
-                              </m:r>
-                            </m:e>
-                          </m:mr>
-                          <m:mr>
-                            <m:e>
-                              <m:r>
-                                <a:rPr lang="en-US" b="0" i="1" smtClean="0">
-                                  <a:latin typeface="Cambria Math" panose="02040503050406030204" pitchFamily="18" charset="0"/>
-                                </a:rPr>
-                                <m:t>0.3855</m:t>
-                              </m:r>
-                            </m:e>
-                          </m:mr>
-                          <m:mr>
-                            <m:e>
-                              <m:r>
-                                <a:rPr lang="en-US" b="0" i="1" smtClean="0">
-                                  <a:latin typeface="Cambria Math" panose="02040503050406030204" pitchFamily="18" charset="0"/>
-                                </a:rPr>
-                                <m:t>0.2530</m:t>
-                              </m:r>
-                            </m:e>
-                          </m:mr>
-                        </m:m>
-                      </m:e>
-                    </m:d>
                   </m:oMath>
                 </a14:m>
                 <a:r>
@@ -20294,6 +21149,91 @@
                         </m:m>
                       </m:e>
                     </m:d>
+                    <m:r>
+                      <m:rPr>
+                        <m:nor/>
+                      </m:rPr>
+                      <a:rPr lang="en-US" dirty="0"/>
+                      <m:t>= </m:t>
+                    </m:r>
+                    <m:d>
+                      <m:dPr>
+                        <m:ctrlPr>
+                          <a:rPr lang="en-US" i="1">
+                            <a:latin typeface="Cambria Math" panose="02040503050406030204" pitchFamily="18" charset="0"/>
+                          </a:rPr>
+                        </m:ctrlPr>
+                      </m:dPr>
+                      <m:e>
+                        <m:m>
+                          <m:mPr>
+                            <m:mcs>
+                              <m:mc>
+                                <m:mcPr>
+                                  <m:count m:val="1"/>
+                                  <m:mcJc m:val="center"/>
+                                </m:mcPr>
+                              </m:mc>
+                            </m:mcs>
+                            <m:ctrlPr>
+                              <a:rPr lang="en-US" i="1">
+                                <a:latin typeface="Cambria Math" panose="02040503050406030204" pitchFamily="18" charset="0"/>
+                              </a:rPr>
+                            </m:ctrlPr>
+                          </m:mPr>
+                          <m:mr>
+                            <m:e>
+                              <m:r>
+                                <a:rPr lang="en-US" i="1">
+                                  <a:latin typeface="Cambria Math" panose="02040503050406030204" pitchFamily="18" charset="0"/>
+                                </a:rPr>
+                                <m:t>0.2169</m:t>
+                              </m:r>
+                            </m:e>
+                          </m:mr>
+                          <m:mr>
+                            <m:e>
+                              <m:r>
+                                <a:rPr lang="en-US" i="1">
+                                  <a:latin typeface="Cambria Math" panose="02040503050406030204" pitchFamily="18" charset="0"/>
+                                </a:rPr>
+                                <m:t>0.0723</m:t>
+                              </m:r>
+                            </m:e>
+                          </m:mr>
+                          <m:mr>
+                            <m:e>
+                              <m:r>
+                                <a:rPr lang="en-US" i="1">
+                                  <a:latin typeface="Cambria Math" panose="02040503050406030204" pitchFamily="18" charset="0"/>
+                                </a:rPr>
+                                <m:t>0.0723</m:t>
+                              </m:r>
+                            </m:e>
+                          </m:mr>
+                          <m:mr>
+                            <m:e>
+                              <m:r>
+                                <a:rPr lang="en-US" i="1">
+                                  <a:latin typeface="Cambria Math" panose="02040503050406030204" pitchFamily="18" charset="0"/>
+                                </a:rPr>
+                                <m:t>0.3855</m:t>
+                              </m:r>
+                            </m:e>
+                          </m:mr>
+                          <m:mr>
+                            <m:e>
+                              <m:r>
+                                <a:rPr lang="en-US" i="1">
+                                  <a:latin typeface="Cambria Math" panose="02040503050406030204" pitchFamily="18" charset="0"/>
+                                </a:rPr>
+                                <m:t>0.2530</m:t>
+                              </m:r>
+                            </m:e>
+                          </m:mr>
+                        </m:m>
+                      </m:e>
+                    </m:d>
                   </m:oMath>
                 </a14:m>
                 <a:endParaRPr lang="en-US" dirty="0"/>
@@ -20603,7 +21543,7 @@
             </p:txBody>
           </p:sp>
         </mc:Choice>
-        <mc:Fallback xmlns="">
+        <mc:Fallback>
           <p:sp>
             <p:nvSpPr>
               <p:cNvPr id="3" name="Content Placeholder 2">
@@ -20745,33 +21685,15 @@
                                   </p:childTnLst>
                                 </p:cTn>
                               </p:par>
-                            </p:childTnLst>
-                          </p:cTn>
-                        </p:par>
-                      </p:childTnLst>
-                    </p:cTn>
-                  </p:par>
-                  <p:par>
-                    <p:cTn id="7" fill="hold">
-                      <p:stCondLst>
-                        <p:cond delay="indefinite"/>
-                      </p:stCondLst>
-                      <p:childTnLst>
-                        <p:par>
-                          <p:cTn id="8" fill="hold">
-                            <p:stCondLst>
-                              <p:cond delay="0"/>
-                            </p:stCondLst>
-                            <p:childTnLst>
                               <p:par>
-                                <p:cTn id="9" presetID="1" presetClass="entr" presetSubtype="0" fill="hold" nodeType="clickEffect">
+                                <p:cTn id="7" presetID="1" presetClass="entr" presetSubtype="0" fill="hold" nodeType="withEffect">
                                   <p:stCondLst>
                                     <p:cond delay="0"/>
                                   </p:stCondLst>
                                   <p:childTnLst>
                                     <p:set>
                                       <p:cBhvr>
-                                        <p:cTn id="10" dur="1" fill="hold">
+                                        <p:cTn id="8" dur="1" fill="hold">
                                           <p:stCondLst>
                                             <p:cond delay="0"/>
                                           </p:stCondLst>
@@ -20801,26 +21723,26 @@
                     </p:cTn>
                   </p:par>
                   <p:par>
-                    <p:cTn id="11" fill="hold">
+                    <p:cTn id="9" fill="hold">
                       <p:stCondLst>
                         <p:cond delay="indefinite"/>
                       </p:stCondLst>
                       <p:childTnLst>
                         <p:par>
-                          <p:cTn id="12" fill="hold">
+                          <p:cTn id="10" fill="hold">
                             <p:stCondLst>
                               <p:cond delay="0"/>
                             </p:stCondLst>
                             <p:childTnLst>
                               <p:par>
-                                <p:cTn id="13" presetID="1" presetClass="entr" presetSubtype="0" fill="hold" nodeType="clickEffect">
+                                <p:cTn id="11" presetID="1" presetClass="entr" presetSubtype="0" fill="hold" nodeType="clickEffect">
                                   <p:stCondLst>
                                     <p:cond delay="0"/>
                                   </p:stCondLst>
                                   <p:childTnLst>
                                     <p:set>
                                       <p:cBhvr>
-                                        <p:cTn id="14" dur="1" fill="hold">
+                                        <p:cTn id="12" dur="1" fill="hold">
                                           <p:stCondLst>
                                             <p:cond delay="0"/>
                                           </p:stCondLst>
@@ -20850,26 +21772,26 @@
                     </p:cTn>
                   </p:par>
                   <p:par>
-                    <p:cTn id="15" fill="hold">
+                    <p:cTn id="13" fill="hold">
                       <p:stCondLst>
                         <p:cond delay="indefinite"/>
                       </p:stCondLst>
                       <p:childTnLst>
                         <p:par>
-                          <p:cTn id="16" fill="hold">
+                          <p:cTn id="14" fill="hold">
                             <p:stCondLst>
                               <p:cond delay="0"/>
                             </p:stCondLst>
                             <p:childTnLst>
                               <p:par>
-                                <p:cTn id="17" presetID="1" presetClass="entr" presetSubtype="0" fill="hold" nodeType="clickEffect">
+                                <p:cTn id="15" presetID="1" presetClass="entr" presetSubtype="0" fill="hold" nodeType="clickEffect">
                                   <p:stCondLst>
                                     <p:cond delay="0"/>
                                   </p:stCondLst>
                                   <p:childTnLst>
                                     <p:set>
                                       <p:cBhvr>
-                                        <p:cTn id="18" dur="1" fill="hold">
+                                        <p:cTn id="16" dur="1" fill="hold">
                                           <p:stCondLst>
                                             <p:cond delay="0"/>
                                           </p:stCondLst>
@@ -20899,26 +21821,26 @@
                     </p:cTn>
                   </p:par>
                   <p:par>
-                    <p:cTn id="19" fill="hold">
+                    <p:cTn id="17" fill="hold">
                       <p:stCondLst>
                         <p:cond delay="indefinite"/>
                       </p:stCondLst>
                       <p:childTnLst>
                         <p:par>
-                          <p:cTn id="20" fill="hold">
+                          <p:cTn id="18" fill="hold">
                             <p:stCondLst>
                               <p:cond delay="0"/>
                             </p:stCondLst>
                             <p:childTnLst>
                               <p:par>
-                                <p:cTn id="21" presetID="1" presetClass="entr" presetSubtype="0" fill="hold" nodeType="clickEffect">
+                                <p:cTn id="19" presetID="1" presetClass="entr" presetSubtype="0" fill="hold" nodeType="clickEffect">
                                   <p:stCondLst>
                                     <p:cond delay="0"/>
                                   </p:stCondLst>
                                   <p:childTnLst>
                                     <p:set>
                                       <p:cBhvr>
-                                        <p:cTn id="22" dur="1" fill="hold">
+                                        <p:cTn id="20" dur="1" fill="hold">
                                           <p:stCondLst>
                                             <p:cond delay="0"/>
                                           </p:stCondLst>
@@ -20941,33 +21863,15 @@
                                   </p:childTnLst>
                                 </p:cTn>
                               </p:par>
-                            </p:childTnLst>
-                          </p:cTn>
-                        </p:par>
-                      </p:childTnLst>
-                    </p:cTn>
-                  </p:par>
-                  <p:par>
-                    <p:cTn id="23" fill="hold">
-                      <p:stCondLst>
-                        <p:cond delay="indefinite"/>
-                      </p:stCondLst>
-                      <p:childTnLst>
-                        <p:par>
-                          <p:cTn id="24" fill="hold">
-                            <p:stCondLst>
-                              <p:cond delay="0"/>
-                            </p:stCondLst>
-                            <p:childTnLst>
                               <p:par>
-                                <p:cTn id="25" presetID="1" presetClass="entr" presetSubtype="0" fill="hold" nodeType="clickEffect">
+                                <p:cTn id="21" presetID="1" presetClass="entr" presetSubtype="0" fill="hold" nodeType="withEffect">
                                   <p:stCondLst>
                                     <p:cond delay="0"/>
                                   </p:stCondLst>
                                   <p:childTnLst>
                                     <p:set>
                                       <p:cBhvr>
-                                        <p:cTn id="26" dur="1" fill="hold">
+                                        <p:cTn id="22" dur="1" fill="hold">
                                           <p:stCondLst>
                                             <p:cond delay="0"/>
                                           </p:stCondLst>
@@ -21021,7 +21925,7 @@
 </p:sld>
 </file>
 
-<file path=ppt/slides/slide27.xml><?xml version="1.0" encoding="utf-8"?>
+<file path=ppt/slides/slide29.xml><?xml version="1.0" encoding="utf-8"?>
 <p:sld xmlns:a="http://schemas.openxmlformats.org/drawingml/2006/main" xmlns:r="http://schemas.openxmlformats.org/officeDocument/2006/relationships" xmlns:p="http://schemas.openxmlformats.org/presentationml/2006/main">
   <p:cSld>
     <p:spTree>
@@ -23566,7 +24470,622 @@
 </p:sld>
 </file>
 
-<file path=ppt/slides/slide28.xml><?xml version="1.0" encoding="utf-8"?>
+<file path=ppt/slides/slide3.xml><?xml version="1.0" encoding="utf-8"?>
+<p:sld xmlns:a="http://schemas.openxmlformats.org/drawingml/2006/main" xmlns:r="http://schemas.openxmlformats.org/officeDocument/2006/relationships" xmlns:p="http://schemas.openxmlformats.org/presentationml/2006/main">
+  <p:cSld>
+    <p:spTree>
+      <p:nvGrpSpPr>
+        <p:cNvPr id="1" name=""/>
+        <p:cNvGrpSpPr/>
+        <p:nvPr/>
+      </p:nvGrpSpPr>
+      <p:grpSpPr>
+        <a:xfrm>
+          <a:off x="0" y="0"/>
+          <a:ext cx="0" cy="0"/>
+          <a:chOff x="0" y="0"/>
+          <a:chExt cx="0" cy="0"/>
+        </a:xfrm>
+      </p:grpSpPr>
+      <p:sp>
+        <p:nvSpPr>
+          <p:cNvPr id="2" name="Title 1">
+            <a:extLst>
+              <a:ext uri="{FF2B5EF4-FFF2-40B4-BE49-F238E27FC236}">
+                <a16:creationId xmlns:a16="http://schemas.microsoft.com/office/drawing/2014/main" id="{4702757D-9716-4C25-BA54-81C26D6EC04E}"/>
+              </a:ext>
+            </a:extLst>
+          </p:cNvPr>
+          <p:cNvSpPr>
+            <a:spLocks noGrp="1"/>
+          </p:cNvSpPr>
+          <p:nvPr>
+            <p:ph type="title"/>
+          </p:nvPr>
+        </p:nvSpPr>
+        <p:spPr>
+          <a:xfrm>
+            <a:off x="838200" y="215696"/>
+            <a:ext cx="10515600" cy="930682"/>
+          </a:xfrm>
+        </p:spPr>
+        <p:txBody>
+          <a:bodyPr>
+            <a:normAutofit/>
+          </a:bodyPr>
+          <a:lstStyle/>
+          <a:p>
+            <a:r>
+              <a:rPr lang="en-US" sz="4000" dirty="0">
+                <a:latin typeface="+mn-lt"/>
+              </a:rPr>
+              <a:t>Introduction to Web Searching</a:t>
+            </a:r>
+          </a:p>
+        </p:txBody>
+      </p:sp>
+      <p:sp>
+        <p:nvSpPr>
+          <p:cNvPr id="3" name="Content Placeholder 2">
+            <a:extLst>
+              <a:ext uri="{FF2B5EF4-FFF2-40B4-BE49-F238E27FC236}">
+                <a16:creationId xmlns:a16="http://schemas.microsoft.com/office/drawing/2014/main" id="{D9C502E2-3889-41D4-9A2E-D8C04ADE5184}"/>
+              </a:ext>
+            </a:extLst>
+          </p:cNvPr>
+          <p:cNvSpPr>
+            <a:spLocks noGrp="1"/>
+          </p:cNvSpPr>
+          <p:nvPr>
+            <p:ph idx="1"/>
+          </p:nvPr>
+        </p:nvSpPr>
+        <p:spPr>
+          <a:xfrm>
+            <a:off x="838200" y="1183037"/>
+            <a:ext cx="10515600" cy="5372745"/>
+          </a:xfrm>
+        </p:spPr>
+        <p:txBody>
+          <a:bodyPr>
+            <a:normAutofit/>
+          </a:bodyPr>
+          <a:lstStyle/>
+          <a:p>
+            <a:pPr marL="0" indent="0">
+              <a:buNone/>
+            </a:pPr>
+            <a:r>
+              <a:rPr lang="en-US" dirty="0"/>
+              <a:t>Some possible approaches to web search</a:t>
+            </a:r>
+          </a:p>
+          <a:p>
+            <a:r>
+              <a:rPr lang="en-US" dirty="0"/>
+              <a:t>Search for </a:t>
+            </a:r>
+            <a:r>
+              <a:rPr lang="en-US" b="1" dirty="0"/>
+              <a:t>semantic match </a:t>
+            </a:r>
+            <a:r>
+              <a:rPr lang="en-US" dirty="0"/>
+              <a:t>to query</a:t>
+            </a:r>
+          </a:p>
+          <a:p>
+            <a:pPr lvl="1"/>
+            <a:r>
+              <a:rPr lang="en-US" dirty="0"/>
+              <a:t>Attractive in principle  </a:t>
+            </a:r>
+          </a:p>
+          <a:p>
+            <a:pPr lvl="1"/>
+            <a:r>
+              <a:rPr lang="en-US" dirty="0"/>
+              <a:t>Hard to implement on web at scale, ambiguous queries, inconsistent tags</a:t>
+            </a:r>
+          </a:p>
+          <a:p>
+            <a:pPr lvl="1"/>
+            <a:r>
+              <a:rPr lang="en-US" dirty="0"/>
+              <a:t>Unclear how much semantic methods used by major search engines</a:t>
+            </a:r>
+          </a:p>
+          <a:p>
+            <a:pPr lvl="1"/>
+            <a:r>
+              <a:rPr lang="en-US" dirty="0"/>
+              <a:t>We will not discuss semantic search further here  </a:t>
+            </a:r>
+          </a:p>
+          <a:p>
+            <a:r>
+              <a:rPr lang="en-US" b="1" dirty="0"/>
+              <a:t>Semantic search </a:t>
+            </a:r>
+            <a:r>
+              <a:rPr lang="en-US" dirty="0"/>
+              <a:t>use the </a:t>
+            </a:r>
+            <a:r>
+              <a:rPr lang="en-US" b="1" dirty="0"/>
+              <a:t>semantic web</a:t>
+            </a:r>
+          </a:p>
+          <a:p>
+            <a:r>
+              <a:rPr lang="en-US" dirty="0"/>
+              <a:t>For a recent review paper on the state of the semantic web see  </a:t>
+            </a:r>
+            <a:r>
+              <a:rPr lang="en-US" dirty="0">
+                <a:hlinkClick r:id="rId2"/>
+              </a:rPr>
+              <a:t>Review of the Semantic Web Field, Pascal </a:t>
+            </a:r>
+            <a:r>
+              <a:rPr lang="en-US" dirty="0" err="1">
+                <a:hlinkClick r:id="rId2"/>
+              </a:rPr>
+              <a:t>Hitzler</a:t>
+            </a:r>
+            <a:r>
+              <a:rPr lang="en-US" dirty="0">
+                <a:hlinkClick r:id="rId2"/>
+              </a:rPr>
+              <a:t>, Communications of the ACM, February 2021</a:t>
+            </a:r>
+            <a:r>
+              <a:rPr lang="en-US" dirty="0"/>
+              <a:t>. </a:t>
+            </a:r>
+          </a:p>
+          <a:p>
+            <a:pPr lvl="1"/>
+            <a:endParaRPr lang="en-US" dirty="0"/>
+          </a:p>
+        </p:txBody>
+      </p:sp>
+    </p:spTree>
+    <p:extLst>
+      <p:ext uri="{BB962C8B-B14F-4D97-AF65-F5344CB8AC3E}">
+        <p14:creationId xmlns:p14="http://schemas.microsoft.com/office/powerpoint/2010/main" val="1419649455"/>
+      </p:ext>
+    </p:extLst>
+  </p:cSld>
+  <p:clrMapOvr>
+    <a:masterClrMapping/>
+  </p:clrMapOvr>
+  <p:timing>
+    <p:tnLst>
+      <p:par>
+        <p:cTn id="1" dur="indefinite" restart="never" nodeType="tmRoot">
+          <p:childTnLst>
+            <p:seq concurrent="1" nextAc="seek">
+              <p:cTn id="2" dur="indefinite" nodeType="mainSeq">
+                <p:childTnLst>
+                  <p:par>
+                    <p:cTn id="3" fill="hold">
+                      <p:stCondLst>
+                        <p:cond delay="indefinite"/>
+                      </p:stCondLst>
+                      <p:childTnLst>
+                        <p:par>
+                          <p:cTn id="4" fill="hold">
+                            <p:stCondLst>
+                              <p:cond delay="0"/>
+                            </p:stCondLst>
+                            <p:childTnLst>
+                              <p:par>
+                                <p:cTn id="5" presetID="1" presetClass="entr" presetSubtype="0" fill="hold" nodeType="clickEffect">
+                                  <p:stCondLst>
+                                    <p:cond delay="0"/>
+                                  </p:stCondLst>
+                                  <p:childTnLst>
+                                    <p:set>
+                                      <p:cBhvr>
+                                        <p:cTn id="6" dur="1" fill="hold">
+                                          <p:stCondLst>
+                                            <p:cond delay="0"/>
+                                          </p:stCondLst>
+                                        </p:cTn>
+                                        <p:tgtEl>
+                                          <p:spTgt spid="3">
+                                            <p:txEl>
+                                              <p:pRg st="0" end="0"/>
+                                            </p:txEl>
+                                          </p:spTgt>
+                                        </p:tgtEl>
+                                        <p:attrNameLst>
+                                          <p:attrName>style.visibility</p:attrName>
+                                        </p:attrNameLst>
+                                      </p:cBhvr>
+                                      <p:to>
+                                        <p:strVal val="visible"/>
+                                      </p:to>
+                                    </p:set>
+                                  </p:childTnLst>
+                                </p:cTn>
+                              </p:par>
+                            </p:childTnLst>
+                          </p:cTn>
+                        </p:par>
+                      </p:childTnLst>
+                    </p:cTn>
+                  </p:par>
+                  <p:par>
+                    <p:cTn id="7" fill="hold">
+                      <p:stCondLst>
+                        <p:cond delay="indefinite"/>
+                      </p:stCondLst>
+                      <p:childTnLst>
+                        <p:par>
+                          <p:cTn id="8" fill="hold">
+                            <p:stCondLst>
+                              <p:cond delay="0"/>
+                            </p:stCondLst>
+                            <p:childTnLst>
+                              <p:par>
+                                <p:cTn id="9" presetID="1" presetClass="entr" presetSubtype="0" fill="hold" nodeType="clickEffect">
+                                  <p:stCondLst>
+                                    <p:cond delay="0"/>
+                                  </p:stCondLst>
+                                  <p:childTnLst>
+                                    <p:set>
+                                      <p:cBhvr>
+                                        <p:cTn id="10" dur="1" fill="hold">
+                                          <p:stCondLst>
+                                            <p:cond delay="0"/>
+                                          </p:stCondLst>
+                                        </p:cTn>
+                                        <p:tgtEl>
+                                          <p:spTgt spid="3">
+                                            <p:txEl>
+                                              <p:pRg st="1" end="1"/>
+                                            </p:txEl>
+                                          </p:spTgt>
+                                        </p:tgtEl>
+                                        <p:attrNameLst>
+                                          <p:attrName>style.visibility</p:attrName>
+                                        </p:attrNameLst>
+                                      </p:cBhvr>
+                                      <p:to>
+                                        <p:strVal val="visible"/>
+                                      </p:to>
+                                    </p:set>
+                                  </p:childTnLst>
+                                </p:cTn>
+                              </p:par>
+                            </p:childTnLst>
+                          </p:cTn>
+                        </p:par>
+                      </p:childTnLst>
+                    </p:cTn>
+                  </p:par>
+                  <p:par>
+                    <p:cTn id="11" fill="hold">
+                      <p:stCondLst>
+                        <p:cond delay="indefinite"/>
+                      </p:stCondLst>
+                      <p:childTnLst>
+                        <p:par>
+                          <p:cTn id="12" fill="hold">
+                            <p:stCondLst>
+                              <p:cond delay="0"/>
+                            </p:stCondLst>
+                            <p:childTnLst>
+                              <p:par>
+                                <p:cTn id="13" presetID="1" presetClass="entr" presetSubtype="0" fill="hold" nodeType="clickEffect">
+                                  <p:stCondLst>
+                                    <p:cond delay="0"/>
+                                  </p:stCondLst>
+                                  <p:childTnLst>
+                                    <p:set>
+                                      <p:cBhvr>
+                                        <p:cTn id="14" dur="1" fill="hold">
+                                          <p:stCondLst>
+                                            <p:cond delay="0"/>
+                                          </p:stCondLst>
+                                        </p:cTn>
+                                        <p:tgtEl>
+                                          <p:spTgt spid="3">
+                                            <p:txEl>
+                                              <p:pRg st="2" end="2"/>
+                                            </p:txEl>
+                                          </p:spTgt>
+                                        </p:tgtEl>
+                                        <p:attrNameLst>
+                                          <p:attrName>style.visibility</p:attrName>
+                                        </p:attrNameLst>
+                                      </p:cBhvr>
+                                      <p:to>
+                                        <p:strVal val="visible"/>
+                                      </p:to>
+                                    </p:set>
+                                  </p:childTnLst>
+                                </p:cTn>
+                              </p:par>
+                            </p:childTnLst>
+                          </p:cTn>
+                        </p:par>
+                      </p:childTnLst>
+                    </p:cTn>
+                  </p:par>
+                  <p:par>
+                    <p:cTn id="15" fill="hold">
+                      <p:stCondLst>
+                        <p:cond delay="indefinite"/>
+                      </p:stCondLst>
+                      <p:childTnLst>
+                        <p:par>
+                          <p:cTn id="16" fill="hold">
+                            <p:stCondLst>
+                              <p:cond delay="0"/>
+                            </p:stCondLst>
+                            <p:childTnLst>
+                              <p:par>
+                                <p:cTn id="17" presetID="1" presetClass="entr" presetSubtype="0" fill="hold" nodeType="clickEffect">
+                                  <p:stCondLst>
+                                    <p:cond delay="0"/>
+                                  </p:stCondLst>
+                                  <p:childTnLst>
+                                    <p:set>
+                                      <p:cBhvr>
+                                        <p:cTn id="18" dur="1" fill="hold">
+                                          <p:stCondLst>
+                                            <p:cond delay="0"/>
+                                          </p:stCondLst>
+                                        </p:cTn>
+                                        <p:tgtEl>
+                                          <p:spTgt spid="3">
+                                            <p:txEl>
+                                              <p:pRg st="3" end="3"/>
+                                            </p:txEl>
+                                          </p:spTgt>
+                                        </p:tgtEl>
+                                        <p:attrNameLst>
+                                          <p:attrName>style.visibility</p:attrName>
+                                        </p:attrNameLst>
+                                      </p:cBhvr>
+                                      <p:to>
+                                        <p:strVal val="visible"/>
+                                      </p:to>
+                                    </p:set>
+                                  </p:childTnLst>
+                                </p:cTn>
+                              </p:par>
+                            </p:childTnLst>
+                          </p:cTn>
+                        </p:par>
+                      </p:childTnLst>
+                    </p:cTn>
+                  </p:par>
+                  <p:par>
+                    <p:cTn id="19" fill="hold">
+                      <p:stCondLst>
+                        <p:cond delay="indefinite"/>
+                      </p:stCondLst>
+                      <p:childTnLst>
+                        <p:par>
+                          <p:cTn id="20" fill="hold">
+                            <p:stCondLst>
+                              <p:cond delay="0"/>
+                            </p:stCondLst>
+                            <p:childTnLst>
+                              <p:par>
+                                <p:cTn id="21" presetID="1" presetClass="entr" presetSubtype="0" fill="hold" nodeType="clickEffect">
+                                  <p:stCondLst>
+                                    <p:cond delay="0"/>
+                                  </p:stCondLst>
+                                  <p:childTnLst>
+                                    <p:set>
+                                      <p:cBhvr>
+                                        <p:cTn id="22" dur="1" fill="hold">
+                                          <p:stCondLst>
+                                            <p:cond delay="0"/>
+                                          </p:stCondLst>
+                                        </p:cTn>
+                                        <p:tgtEl>
+                                          <p:spTgt spid="3">
+                                            <p:txEl>
+                                              <p:pRg st="4" end="4"/>
+                                            </p:txEl>
+                                          </p:spTgt>
+                                        </p:tgtEl>
+                                        <p:attrNameLst>
+                                          <p:attrName>style.visibility</p:attrName>
+                                        </p:attrNameLst>
+                                      </p:cBhvr>
+                                      <p:to>
+                                        <p:strVal val="visible"/>
+                                      </p:to>
+                                    </p:set>
+                                  </p:childTnLst>
+                                </p:cTn>
+                              </p:par>
+                            </p:childTnLst>
+                          </p:cTn>
+                        </p:par>
+                      </p:childTnLst>
+                    </p:cTn>
+                  </p:par>
+                  <p:par>
+                    <p:cTn id="23" fill="hold">
+                      <p:stCondLst>
+                        <p:cond delay="indefinite"/>
+                      </p:stCondLst>
+                      <p:childTnLst>
+                        <p:par>
+                          <p:cTn id="24" fill="hold">
+                            <p:stCondLst>
+                              <p:cond delay="0"/>
+                            </p:stCondLst>
+                            <p:childTnLst>
+                              <p:par>
+                                <p:cTn id="25" presetID="1" presetClass="entr" presetSubtype="0" fill="hold" nodeType="clickEffect">
+                                  <p:stCondLst>
+                                    <p:cond delay="0"/>
+                                  </p:stCondLst>
+                                  <p:childTnLst>
+                                    <p:set>
+                                      <p:cBhvr>
+                                        <p:cTn id="26" dur="1" fill="hold">
+                                          <p:stCondLst>
+                                            <p:cond delay="0"/>
+                                          </p:stCondLst>
+                                        </p:cTn>
+                                        <p:tgtEl>
+                                          <p:spTgt spid="3">
+                                            <p:txEl>
+                                              <p:pRg st="5" end="5"/>
+                                            </p:txEl>
+                                          </p:spTgt>
+                                        </p:tgtEl>
+                                        <p:attrNameLst>
+                                          <p:attrName>style.visibility</p:attrName>
+                                        </p:attrNameLst>
+                                      </p:cBhvr>
+                                      <p:to>
+                                        <p:strVal val="visible"/>
+                                      </p:to>
+                                    </p:set>
+                                  </p:childTnLst>
+                                </p:cTn>
+                              </p:par>
+                            </p:childTnLst>
+                          </p:cTn>
+                        </p:par>
+                      </p:childTnLst>
+                    </p:cTn>
+                  </p:par>
+                  <p:par>
+                    <p:cTn id="27" fill="hold">
+                      <p:stCondLst>
+                        <p:cond delay="indefinite"/>
+                      </p:stCondLst>
+                      <p:childTnLst>
+                        <p:par>
+                          <p:cTn id="28" fill="hold">
+                            <p:stCondLst>
+                              <p:cond delay="0"/>
+                            </p:stCondLst>
+                            <p:childTnLst>
+                              <p:par>
+                                <p:cTn id="29" presetID="1" presetClass="entr" presetSubtype="0" fill="hold" nodeType="clickEffect">
+                                  <p:stCondLst>
+                                    <p:cond delay="0"/>
+                                  </p:stCondLst>
+                                  <p:childTnLst>
+                                    <p:set>
+                                      <p:cBhvr>
+                                        <p:cTn id="30" dur="1" fill="hold">
+                                          <p:stCondLst>
+                                            <p:cond delay="0"/>
+                                          </p:stCondLst>
+                                        </p:cTn>
+                                        <p:tgtEl>
+                                          <p:spTgt spid="3">
+                                            <p:txEl>
+                                              <p:pRg st="6" end="6"/>
+                                            </p:txEl>
+                                          </p:spTgt>
+                                        </p:tgtEl>
+                                        <p:attrNameLst>
+                                          <p:attrName>style.visibility</p:attrName>
+                                        </p:attrNameLst>
+                                      </p:cBhvr>
+                                      <p:to>
+                                        <p:strVal val="visible"/>
+                                      </p:to>
+                                    </p:set>
+                                  </p:childTnLst>
+                                </p:cTn>
+                              </p:par>
+                            </p:childTnLst>
+                          </p:cTn>
+                        </p:par>
+                      </p:childTnLst>
+                    </p:cTn>
+                  </p:par>
+                  <p:par>
+                    <p:cTn id="31" fill="hold">
+                      <p:stCondLst>
+                        <p:cond delay="indefinite"/>
+                      </p:stCondLst>
+                      <p:childTnLst>
+                        <p:par>
+                          <p:cTn id="32" fill="hold">
+                            <p:stCondLst>
+                              <p:cond delay="0"/>
+                            </p:stCondLst>
+                            <p:childTnLst>
+                              <p:par>
+                                <p:cTn id="33" presetID="1" presetClass="entr" presetSubtype="0" fill="hold" nodeType="clickEffect">
+                                  <p:stCondLst>
+                                    <p:cond delay="0"/>
+                                  </p:stCondLst>
+                                  <p:childTnLst>
+                                    <p:set>
+                                      <p:cBhvr>
+                                        <p:cTn id="34" dur="1" fill="hold">
+                                          <p:stCondLst>
+                                            <p:cond delay="0"/>
+                                          </p:stCondLst>
+                                        </p:cTn>
+                                        <p:tgtEl>
+                                          <p:spTgt spid="3">
+                                            <p:txEl>
+                                              <p:pRg st="7" end="7"/>
+                                            </p:txEl>
+                                          </p:spTgt>
+                                        </p:tgtEl>
+                                        <p:attrNameLst>
+                                          <p:attrName>style.visibility</p:attrName>
+                                        </p:attrNameLst>
+                                      </p:cBhvr>
+                                      <p:to>
+                                        <p:strVal val="visible"/>
+                                      </p:to>
+                                    </p:set>
+                                  </p:childTnLst>
+                                </p:cTn>
+                              </p:par>
+                            </p:childTnLst>
+                          </p:cTn>
+                        </p:par>
+                      </p:childTnLst>
+                    </p:cTn>
+                  </p:par>
+                </p:childTnLst>
+              </p:cTn>
+              <p:prevCondLst>
+                <p:cond evt="onPrev" delay="0">
+                  <p:tgtEl>
+                    <p:sldTgt/>
+                  </p:tgtEl>
+                </p:cond>
+              </p:prevCondLst>
+              <p:nextCondLst>
+                <p:cond evt="onNext" delay="0">
+                  <p:tgtEl>
+                    <p:sldTgt/>
+                  </p:tgtEl>
+                </p:cond>
+              </p:nextCondLst>
+            </p:seq>
+          </p:childTnLst>
+        </p:cTn>
+      </p:par>
+    </p:tnLst>
+  </p:timing>
+</p:sld>
+</file>
+
+<file path=ppt/slides/slide30.xml><?xml version="1.0" encoding="utf-8"?>
 <p:sld xmlns:a="http://schemas.openxmlformats.org/drawingml/2006/main" xmlns:r="http://schemas.openxmlformats.org/officeDocument/2006/relationships" xmlns:p="http://schemas.openxmlformats.org/presentationml/2006/main">
   <p:cSld>
     <p:spTree>
@@ -25413,7 +26932,7 @@
 </p:sld>
 </file>
 
-<file path=ppt/slides/slide29.xml><?xml version="1.0" encoding="utf-8"?>
+<file path=ppt/slides/slide31.xml><?xml version="1.0" encoding="utf-8"?>
 <p:sld xmlns:a="http://schemas.openxmlformats.org/drawingml/2006/main" xmlns:r="http://schemas.openxmlformats.org/officeDocument/2006/relationships" xmlns:p="http://schemas.openxmlformats.org/presentationml/2006/main">
   <p:cSld>
     <p:spTree>
@@ -25430,8 +26949,8 @@
           <a:chExt cx="0" cy="0"/>
         </a:xfrm>
       </p:grpSpPr>
-      <mc:AlternateContent xmlns:mc="http://schemas.openxmlformats.org/markup-compatibility/2006" xmlns:a14="http://schemas.microsoft.com/office/drawing/2010/main">
-        <mc:Choice Requires="a14">
+      <mc:AlternateContent xmlns:mc="http://schemas.openxmlformats.org/markup-compatibility/2006">
+        <mc:Choice xmlns:a14="http://schemas.microsoft.com/office/drawing/2010/main" Requires="a14">
           <p:sp>
             <p:nvSpPr>
               <p:cNvPr id="3" name="Content Placeholder 2">
@@ -25532,102 +27051,6 @@
                         </m:r>
                       </m:sub>
                     </m:sSub>
-                  </m:oMath>
-                </a14:m>
-                <a:r>
-                  <a:rPr lang="en-US" dirty="0"/>
-                  <a:t>= </a:t>
-                </a:r>
-                <a14:m>
-                  <m:oMath xmlns:m="http://schemas.openxmlformats.org/officeDocument/2006/math">
-                    <m:d>
-                      <m:dPr>
-                        <m:ctrlPr>
-                          <a:rPr lang="en-US" i="1">
-                            <a:latin typeface="Cambria Math" panose="02040503050406030204" pitchFamily="18" charset="0"/>
-                          </a:rPr>
-                        </m:ctrlPr>
-                      </m:dPr>
-                      <m:e>
-                        <m:m>
-                          <m:mPr>
-                            <m:mcs>
-                              <m:mc>
-                                <m:mcPr>
-                                  <m:count m:val="1"/>
-                                  <m:mcJc m:val="center"/>
-                                </m:mcPr>
-                              </m:mc>
-                            </m:mcs>
-                            <m:ctrlPr>
-                              <a:rPr lang="en-US" b="0" i="1">
-                                <a:latin typeface="Cambria Math" panose="02040503050406030204" pitchFamily="18" charset="0"/>
-                              </a:rPr>
-                            </m:ctrlPr>
-                          </m:mPr>
-                          <m:mr>
-                            <m:e>
-                              <m:r>
-                                <a:rPr lang="en-US" b="0" i="1" smtClean="0">
-                                  <a:latin typeface="Cambria Math" panose="02040503050406030204" pitchFamily="18" charset="0"/>
-                                </a:rPr>
-                                <m:t>0.0</m:t>
-                              </m:r>
-                            </m:e>
-                          </m:mr>
-                          <m:mr>
-                            <m:e>
-                              <m:r>
-                                <a:rPr lang="en-US" b="0" i="1" smtClean="0">
-                                  <a:latin typeface="Cambria Math" panose="02040503050406030204" pitchFamily="18" charset="0"/>
-                                </a:rPr>
-                                <m:t>0.0</m:t>
-                              </m:r>
-                            </m:e>
-                          </m:mr>
-                          <m:mr>
-                            <m:e>
-                              <m:r>
-                                <a:rPr lang="en-US" b="0" i="1" smtClean="0">
-                                  <a:latin typeface="Cambria Math" panose="02040503050406030204" pitchFamily="18" charset="0"/>
-                                </a:rPr>
-                                <m:t>0.0</m:t>
-                              </m:r>
-                            </m:e>
-                          </m:mr>
-                          <m:mr>
-                            <m:e>
-                              <m:r>
-                                <a:rPr lang="en-US" b="0" i="1" smtClean="0">
-                                  <a:latin typeface="Cambria Math" panose="02040503050406030204" pitchFamily="18" charset="0"/>
-                                </a:rPr>
-                                <m:t>0.0</m:t>
-                              </m:r>
-                            </m:e>
-                          </m:mr>
-                          <m:mr>
-                            <m:e>
-                              <m:r>
-                                <a:rPr lang="en-US" b="0" i="1" smtClean="0">
-                                  <a:latin typeface="Cambria Math" panose="02040503050406030204" pitchFamily="18" charset="0"/>
-                                </a:rPr>
-                                <m:t>0.0</m:t>
-                              </m:r>
-                            </m:e>
-                          </m:mr>
-                          <m:mr>
-                            <m:e>
-                              <m:r>
-                                <a:rPr lang="en-US" b="0" i="1" smtClean="0">
-                                  <a:latin typeface="Cambria Math" panose="02040503050406030204" pitchFamily="18" charset="0"/>
-                                </a:rPr>
-                                <m:t>0.0</m:t>
-                              </m:r>
-                            </m:e>
-                          </m:mr>
-                        </m:m>
-                      </m:e>
-                    </m:d>
                   </m:oMath>
                 </a14:m>
                 <a:r>
@@ -26474,6 +27897,101 @@
                         </m:m>
                       </m:e>
                     </m:d>
+                    <m:r>
+                      <m:rPr>
+                        <m:nor/>
+                      </m:rPr>
+                      <a:rPr lang="en-US" dirty="0"/>
+                      <m:t>= </m:t>
+                    </m:r>
+                    <m:d>
+                      <m:dPr>
+                        <m:ctrlPr>
+                          <a:rPr lang="en-US" i="1">
+                            <a:latin typeface="Cambria Math" panose="02040503050406030204" pitchFamily="18" charset="0"/>
+                          </a:rPr>
+                        </m:ctrlPr>
+                      </m:dPr>
+                      <m:e>
+                        <m:m>
+                          <m:mPr>
+                            <m:mcs>
+                              <m:mc>
+                                <m:mcPr>
+                                  <m:count m:val="1"/>
+                                  <m:mcJc m:val="center"/>
+                                </m:mcPr>
+                              </m:mc>
+                            </m:mcs>
+                            <m:ctrlPr>
+                              <a:rPr lang="en-US" i="1">
+                                <a:latin typeface="Cambria Math" panose="02040503050406030204" pitchFamily="18" charset="0"/>
+                              </a:rPr>
+                            </m:ctrlPr>
+                          </m:mPr>
+                          <m:mr>
+                            <m:e>
+                              <m:r>
+                                <a:rPr lang="en-US" i="1">
+                                  <a:latin typeface="Cambria Math" panose="02040503050406030204" pitchFamily="18" charset="0"/>
+                                </a:rPr>
+                                <m:t>0.0</m:t>
+                              </m:r>
+                            </m:e>
+                          </m:mr>
+                          <m:mr>
+                            <m:e>
+                              <m:r>
+                                <a:rPr lang="en-US" i="1">
+                                  <a:latin typeface="Cambria Math" panose="02040503050406030204" pitchFamily="18" charset="0"/>
+                                </a:rPr>
+                                <m:t>0.0</m:t>
+                              </m:r>
+                            </m:e>
+                          </m:mr>
+                          <m:mr>
+                            <m:e>
+                              <m:r>
+                                <a:rPr lang="en-US" i="1">
+                                  <a:latin typeface="Cambria Math" panose="02040503050406030204" pitchFamily="18" charset="0"/>
+                                </a:rPr>
+                                <m:t>0.0</m:t>
+                              </m:r>
+                            </m:e>
+                          </m:mr>
+                          <m:mr>
+                            <m:e>
+                              <m:r>
+                                <a:rPr lang="en-US" i="1">
+                                  <a:latin typeface="Cambria Math" panose="02040503050406030204" pitchFamily="18" charset="0"/>
+                                </a:rPr>
+                                <m:t>0.0</m:t>
+                              </m:r>
+                            </m:e>
+                          </m:mr>
+                          <m:mr>
+                            <m:e>
+                              <m:r>
+                                <a:rPr lang="en-US" i="1">
+                                  <a:latin typeface="Cambria Math" panose="02040503050406030204" pitchFamily="18" charset="0"/>
+                                </a:rPr>
+                                <m:t>0.0</m:t>
+                              </m:r>
+                            </m:e>
+                          </m:mr>
+                          <m:mr>
+                            <m:e>
+                              <m:r>
+                                <a:rPr lang="en-US" i="1">
+                                  <a:latin typeface="Cambria Math" panose="02040503050406030204" pitchFamily="18" charset="0"/>
+                                </a:rPr>
+                                <m:t>0.0</m:t>
+                              </m:r>
+                            </m:e>
+                          </m:mr>
+                        </m:m>
+                      </m:e>
+                    </m:d>
                   </m:oMath>
                 </a14:m>
                 <a:endParaRPr lang="en-US" dirty="0"/>
@@ -26494,7 +28012,7 @@
             </p:txBody>
           </p:sp>
         </mc:Choice>
-        <mc:Fallback xmlns="">
+        <mc:Fallback>
           <p:sp>
             <p:nvSpPr>
               <p:cNvPr id="3" name="Content Placeholder 2">
@@ -26685,33 +28203,15 @@
                                   </p:childTnLst>
                                 </p:cTn>
                               </p:par>
-                            </p:childTnLst>
-                          </p:cTn>
-                        </p:par>
-                      </p:childTnLst>
-                    </p:cTn>
-                  </p:par>
-                  <p:par>
-                    <p:cTn id="11" fill="hold">
-                      <p:stCondLst>
-                        <p:cond delay="indefinite"/>
-                      </p:stCondLst>
-                      <p:childTnLst>
-                        <p:par>
-                          <p:cTn id="12" fill="hold">
-                            <p:stCondLst>
-                              <p:cond delay="0"/>
-                            </p:stCondLst>
-                            <p:childTnLst>
                               <p:par>
-                                <p:cTn id="13" presetID="1" presetClass="entr" presetSubtype="0" fill="hold" nodeType="clickEffect">
+                                <p:cTn id="11" presetID="1" presetClass="entr" presetSubtype="0" fill="hold" nodeType="withEffect">
                                   <p:stCondLst>
                                     <p:cond delay="0"/>
                                   </p:stCondLst>
                                   <p:childTnLst>
                                     <p:set>
                                       <p:cBhvr>
-                                        <p:cTn id="14" dur="1" fill="hold">
+                                        <p:cTn id="12" dur="1" fill="hold">
                                           <p:stCondLst>
                                             <p:cond delay="0"/>
                                           </p:stCondLst>
@@ -26741,26 +28241,26 @@
                     </p:cTn>
                   </p:par>
                   <p:par>
-                    <p:cTn id="15" fill="hold">
+                    <p:cTn id="13" fill="hold">
                       <p:stCondLst>
                         <p:cond delay="indefinite"/>
                       </p:stCondLst>
                       <p:childTnLst>
                         <p:par>
-                          <p:cTn id="16" fill="hold">
+                          <p:cTn id="14" fill="hold">
                             <p:stCondLst>
                               <p:cond delay="0"/>
                             </p:stCondLst>
                             <p:childTnLst>
                               <p:par>
-                                <p:cTn id="17" presetID="1" presetClass="entr" presetSubtype="0" fill="hold" nodeType="clickEffect">
+                                <p:cTn id="15" presetID="1" presetClass="entr" presetSubtype="0" fill="hold" nodeType="clickEffect">
                                   <p:stCondLst>
                                     <p:cond delay="0"/>
                                   </p:stCondLst>
                                   <p:childTnLst>
                                     <p:set>
                                       <p:cBhvr>
-                                        <p:cTn id="18" dur="1" fill="hold">
+                                        <p:cTn id="16" dur="1" fill="hold">
                                           <p:stCondLst>
                                             <p:cond delay="0"/>
                                           </p:stCondLst>
@@ -26814,817 +28314,7 @@
 </p:sld>
 </file>
 
-<file path=ppt/slides/slide3.xml><?xml version="1.0" encoding="utf-8"?>
-<p:sld xmlns:a="http://schemas.openxmlformats.org/drawingml/2006/main" xmlns:r="http://schemas.openxmlformats.org/officeDocument/2006/relationships" xmlns:p="http://schemas.openxmlformats.org/presentationml/2006/main">
-  <p:cSld>
-    <p:spTree>
-      <p:nvGrpSpPr>
-        <p:cNvPr id="1" name=""/>
-        <p:cNvGrpSpPr/>
-        <p:nvPr/>
-      </p:nvGrpSpPr>
-      <p:grpSpPr>
-        <a:xfrm>
-          <a:off x="0" y="0"/>
-          <a:ext cx="0" cy="0"/>
-          <a:chOff x="0" y="0"/>
-          <a:chExt cx="0" cy="0"/>
-        </a:xfrm>
-      </p:grpSpPr>
-      <p:sp>
-        <p:nvSpPr>
-          <p:cNvPr id="2" name="Title 1">
-            <a:extLst>
-              <a:ext uri="{FF2B5EF4-FFF2-40B4-BE49-F238E27FC236}">
-                <a16:creationId xmlns:a16="http://schemas.microsoft.com/office/drawing/2014/main" id="{4702757D-9716-4C25-BA54-81C26D6EC04E}"/>
-              </a:ext>
-            </a:extLst>
-          </p:cNvPr>
-          <p:cNvSpPr>
-            <a:spLocks noGrp="1"/>
-          </p:cNvSpPr>
-          <p:nvPr>
-            <p:ph type="title"/>
-          </p:nvPr>
-        </p:nvSpPr>
-        <p:spPr>
-          <a:xfrm>
-            <a:off x="838200" y="215696"/>
-            <a:ext cx="10515600" cy="930682"/>
-          </a:xfrm>
-        </p:spPr>
-        <p:txBody>
-          <a:bodyPr>
-            <a:normAutofit/>
-          </a:bodyPr>
-          <a:lstStyle/>
-          <a:p>
-            <a:r>
-              <a:rPr lang="en-US" sz="4000" dirty="0">
-                <a:latin typeface="+mn-lt"/>
-              </a:rPr>
-              <a:t>Introduction to Web Searching</a:t>
-            </a:r>
-          </a:p>
-        </p:txBody>
-      </p:sp>
-      <p:sp>
-        <p:nvSpPr>
-          <p:cNvPr id="3" name="Content Placeholder 2">
-            <a:extLst>
-              <a:ext uri="{FF2B5EF4-FFF2-40B4-BE49-F238E27FC236}">
-                <a16:creationId xmlns:a16="http://schemas.microsoft.com/office/drawing/2014/main" id="{D9C502E2-3889-41D4-9A2E-D8C04ADE5184}"/>
-              </a:ext>
-            </a:extLst>
-          </p:cNvPr>
-          <p:cNvSpPr>
-            <a:spLocks noGrp="1"/>
-          </p:cNvSpPr>
-          <p:nvPr>
-            <p:ph idx="1"/>
-          </p:nvPr>
-        </p:nvSpPr>
-        <p:spPr>
-          <a:xfrm>
-            <a:off x="838200" y="1183037"/>
-            <a:ext cx="10515600" cy="5372745"/>
-          </a:xfrm>
-        </p:spPr>
-        <p:txBody>
-          <a:bodyPr>
-            <a:normAutofit/>
-          </a:bodyPr>
-          <a:lstStyle/>
-          <a:p>
-            <a:pPr marL="0" indent="0">
-              <a:buNone/>
-            </a:pPr>
-            <a:r>
-              <a:rPr lang="en-US" dirty="0"/>
-              <a:t>Some possible approaches to web search</a:t>
-            </a:r>
-          </a:p>
-          <a:p>
-            <a:r>
-              <a:rPr lang="en-US" dirty="0"/>
-              <a:t>Search for semantic match to query</a:t>
-            </a:r>
-          </a:p>
-          <a:p>
-            <a:pPr lvl="1"/>
-            <a:r>
-              <a:rPr lang="en-US" dirty="0"/>
-              <a:t>Attractive in principle  </a:t>
-            </a:r>
-          </a:p>
-          <a:p>
-            <a:pPr lvl="1"/>
-            <a:r>
-              <a:rPr lang="en-US" dirty="0"/>
-              <a:t>Used in document retrieval </a:t>
-            </a:r>
-          </a:p>
-          <a:p>
-            <a:pPr lvl="1"/>
-            <a:r>
-              <a:rPr lang="en-US" dirty="0"/>
-              <a:t>Hard to implement on web at scale, ambiguous queries, inconsistent tags</a:t>
-            </a:r>
-          </a:p>
-          <a:p>
-            <a:pPr lvl="1"/>
-            <a:r>
-              <a:rPr lang="en-US" dirty="0"/>
-              <a:t>Unclear how much semantic methods used by major search engines</a:t>
-            </a:r>
-          </a:p>
-          <a:p>
-            <a:pPr lvl="1"/>
-            <a:r>
-              <a:rPr lang="en-US" dirty="0"/>
-              <a:t>We will not discuss semantic search further here  </a:t>
-            </a:r>
-          </a:p>
-          <a:p>
-            <a:pPr lvl="1"/>
-            <a:r>
-              <a:rPr lang="en-US" dirty="0"/>
-              <a:t>See Section of 5.3 of the MMDS book for a brief overview of topic sensitive search</a:t>
-            </a:r>
-          </a:p>
-          <a:p>
-            <a:r>
-              <a:rPr lang="en-US" dirty="0"/>
-              <a:t>Centrality search</a:t>
-            </a:r>
-          </a:p>
-          <a:p>
-            <a:pPr lvl="1"/>
-            <a:r>
-              <a:rPr lang="en-US" dirty="0"/>
-              <a:t>Model web as graph  </a:t>
-            </a:r>
-          </a:p>
-          <a:p>
-            <a:pPr lvl="1"/>
-            <a:r>
-              <a:rPr lang="en-US" dirty="0"/>
-              <a:t>Rank pages by how central they are on the graph </a:t>
-            </a:r>
-          </a:p>
-          <a:p>
-            <a:pPr lvl="1"/>
-            <a:r>
-              <a:rPr lang="en-US" dirty="0"/>
-              <a:t>Assume more important pages are more </a:t>
-            </a:r>
-            <a:r>
-              <a:rPr lang="en-US" dirty="0" err="1"/>
-              <a:t>cental</a:t>
-            </a:r>
-            <a:r>
-              <a:rPr lang="en-US" dirty="0"/>
-              <a:t> </a:t>
-            </a:r>
-          </a:p>
-          <a:p>
-            <a:pPr lvl="1"/>
-            <a:endParaRPr lang="en-US" dirty="0"/>
-          </a:p>
-        </p:txBody>
-      </p:sp>
-    </p:spTree>
-    <p:extLst>
-      <p:ext uri="{BB962C8B-B14F-4D97-AF65-F5344CB8AC3E}">
-        <p14:creationId xmlns:p14="http://schemas.microsoft.com/office/powerpoint/2010/main" val="3935455752"/>
-      </p:ext>
-    </p:extLst>
-  </p:cSld>
-  <p:clrMapOvr>
-    <a:masterClrMapping/>
-  </p:clrMapOvr>
-  <p:timing>
-    <p:tnLst>
-      <p:par>
-        <p:cTn id="1" dur="indefinite" restart="never" nodeType="tmRoot">
-          <p:childTnLst>
-            <p:seq concurrent="1" nextAc="seek">
-              <p:cTn id="2" dur="indefinite" nodeType="mainSeq">
-                <p:childTnLst>
-                  <p:par>
-                    <p:cTn id="3" fill="hold">
-                      <p:stCondLst>
-                        <p:cond delay="indefinite"/>
-                      </p:stCondLst>
-                      <p:childTnLst>
-                        <p:par>
-                          <p:cTn id="4" fill="hold">
-                            <p:stCondLst>
-                              <p:cond delay="0"/>
-                            </p:stCondLst>
-                            <p:childTnLst>
-                              <p:par>
-                                <p:cTn id="5" presetID="1" presetClass="entr" presetSubtype="0" fill="hold" nodeType="clickEffect">
-                                  <p:stCondLst>
-                                    <p:cond delay="0"/>
-                                  </p:stCondLst>
-                                  <p:childTnLst>
-                                    <p:set>
-                                      <p:cBhvr>
-                                        <p:cTn id="6" dur="1" fill="hold">
-                                          <p:stCondLst>
-                                            <p:cond delay="0"/>
-                                          </p:stCondLst>
-                                        </p:cTn>
-                                        <p:tgtEl>
-                                          <p:spTgt spid="3">
-                                            <p:txEl>
-                                              <p:pRg st="0" end="0"/>
-                                            </p:txEl>
-                                          </p:spTgt>
-                                        </p:tgtEl>
-                                        <p:attrNameLst>
-                                          <p:attrName>style.visibility</p:attrName>
-                                        </p:attrNameLst>
-                                      </p:cBhvr>
-                                      <p:to>
-                                        <p:strVal val="visible"/>
-                                      </p:to>
-                                    </p:set>
-                                  </p:childTnLst>
-                                </p:cTn>
-                              </p:par>
-                            </p:childTnLst>
-                          </p:cTn>
-                        </p:par>
-                      </p:childTnLst>
-                    </p:cTn>
-                  </p:par>
-                  <p:par>
-                    <p:cTn id="7" fill="hold">
-                      <p:stCondLst>
-                        <p:cond delay="indefinite"/>
-                      </p:stCondLst>
-                      <p:childTnLst>
-                        <p:par>
-                          <p:cTn id="8" fill="hold">
-                            <p:stCondLst>
-                              <p:cond delay="0"/>
-                            </p:stCondLst>
-                            <p:childTnLst>
-                              <p:par>
-                                <p:cTn id="9" presetID="1" presetClass="entr" presetSubtype="0" fill="hold" nodeType="clickEffect">
-                                  <p:stCondLst>
-                                    <p:cond delay="0"/>
-                                  </p:stCondLst>
-                                  <p:childTnLst>
-                                    <p:set>
-                                      <p:cBhvr>
-                                        <p:cTn id="10" dur="1" fill="hold">
-                                          <p:stCondLst>
-                                            <p:cond delay="0"/>
-                                          </p:stCondLst>
-                                        </p:cTn>
-                                        <p:tgtEl>
-                                          <p:spTgt spid="3">
-                                            <p:txEl>
-                                              <p:pRg st="1" end="1"/>
-                                            </p:txEl>
-                                          </p:spTgt>
-                                        </p:tgtEl>
-                                        <p:attrNameLst>
-                                          <p:attrName>style.visibility</p:attrName>
-                                        </p:attrNameLst>
-                                      </p:cBhvr>
-                                      <p:to>
-                                        <p:strVal val="visible"/>
-                                      </p:to>
-                                    </p:set>
-                                  </p:childTnLst>
-                                </p:cTn>
-                              </p:par>
-                            </p:childTnLst>
-                          </p:cTn>
-                        </p:par>
-                      </p:childTnLst>
-                    </p:cTn>
-                  </p:par>
-                  <p:par>
-                    <p:cTn id="11" fill="hold">
-                      <p:stCondLst>
-                        <p:cond delay="indefinite"/>
-                      </p:stCondLst>
-                      <p:childTnLst>
-                        <p:par>
-                          <p:cTn id="12" fill="hold">
-                            <p:stCondLst>
-                              <p:cond delay="0"/>
-                            </p:stCondLst>
-                            <p:childTnLst>
-                              <p:par>
-                                <p:cTn id="13" presetID="1" presetClass="entr" presetSubtype="0" fill="hold" nodeType="clickEffect">
-                                  <p:stCondLst>
-                                    <p:cond delay="0"/>
-                                  </p:stCondLst>
-                                  <p:childTnLst>
-                                    <p:set>
-                                      <p:cBhvr>
-                                        <p:cTn id="14" dur="1" fill="hold">
-                                          <p:stCondLst>
-                                            <p:cond delay="0"/>
-                                          </p:stCondLst>
-                                        </p:cTn>
-                                        <p:tgtEl>
-                                          <p:spTgt spid="3">
-                                            <p:txEl>
-                                              <p:pRg st="2" end="2"/>
-                                            </p:txEl>
-                                          </p:spTgt>
-                                        </p:tgtEl>
-                                        <p:attrNameLst>
-                                          <p:attrName>style.visibility</p:attrName>
-                                        </p:attrNameLst>
-                                      </p:cBhvr>
-                                      <p:to>
-                                        <p:strVal val="visible"/>
-                                      </p:to>
-                                    </p:set>
-                                  </p:childTnLst>
-                                </p:cTn>
-                              </p:par>
-                            </p:childTnLst>
-                          </p:cTn>
-                        </p:par>
-                      </p:childTnLst>
-                    </p:cTn>
-                  </p:par>
-                  <p:par>
-                    <p:cTn id="15" fill="hold">
-                      <p:stCondLst>
-                        <p:cond delay="indefinite"/>
-                      </p:stCondLst>
-                      <p:childTnLst>
-                        <p:par>
-                          <p:cTn id="16" fill="hold">
-                            <p:stCondLst>
-                              <p:cond delay="0"/>
-                            </p:stCondLst>
-                            <p:childTnLst>
-                              <p:par>
-                                <p:cTn id="17" presetID="1" presetClass="entr" presetSubtype="0" fill="hold" nodeType="clickEffect">
-                                  <p:stCondLst>
-                                    <p:cond delay="0"/>
-                                  </p:stCondLst>
-                                  <p:childTnLst>
-                                    <p:set>
-                                      <p:cBhvr>
-                                        <p:cTn id="18" dur="1" fill="hold">
-                                          <p:stCondLst>
-                                            <p:cond delay="0"/>
-                                          </p:stCondLst>
-                                        </p:cTn>
-                                        <p:tgtEl>
-                                          <p:spTgt spid="3">
-                                            <p:txEl>
-                                              <p:pRg st="3" end="3"/>
-                                            </p:txEl>
-                                          </p:spTgt>
-                                        </p:tgtEl>
-                                        <p:attrNameLst>
-                                          <p:attrName>style.visibility</p:attrName>
-                                        </p:attrNameLst>
-                                      </p:cBhvr>
-                                      <p:to>
-                                        <p:strVal val="visible"/>
-                                      </p:to>
-                                    </p:set>
-                                  </p:childTnLst>
-                                </p:cTn>
-                              </p:par>
-                            </p:childTnLst>
-                          </p:cTn>
-                        </p:par>
-                      </p:childTnLst>
-                    </p:cTn>
-                  </p:par>
-                  <p:par>
-                    <p:cTn id="19" fill="hold">
-                      <p:stCondLst>
-                        <p:cond delay="indefinite"/>
-                      </p:stCondLst>
-                      <p:childTnLst>
-                        <p:par>
-                          <p:cTn id="20" fill="hold">
-                            <p:stCondLst>
-                              <p:cond delay="0"/>
-                            </p:stCondLst>
-                            <p:childTnLst>
-                              <p:par>
-                                <p:cTn id="21" presetID="1" presetClass="entr" presetSubtype="0" fill="hold" nodeType="clickEffect">
-                                  <p:stCondLst>
-                                    <p:cond delay="0"/>
-                                  </p:stCondLst>
-                                  <p:childTnLst>
-                                    <p:set>
-                                      <p:cBhvr>
-                                        <p:cTn id="22" dur="1" fill="hold">
-                                          <p:stCondLst>
-                                            <p:cond delay="0"/>
-                                          </p:stCondLst>
-                                        </p:cTn>
-                                        <p:tgtEl>
-                                          <p:spTgt spid="3">
-                                            <p:txEl>
-                                              <p:pRg st="4" end="4"/>
-                                            </p:txEl>
-                                          </p:spTgt>
-                                        </p:tgtEl>
-                                        <p:attrNameLst>
-                                          <p:attrName>style.visibility</p:attrName>
-                                        </p:attrNameLst>
-                                      </p:cBhvr>
-                                      <p:to>
-                                        <p:strVal val="visible"/>
-                                      </p:to>
-                                    </p:set>
-                                  </p:childTnLst>
-                                </p:cTn>
-                              </p:par>
-                            </p:childTnLst>
-                          </p:cTn>
-                        </p:par>
-                      </p:childTnLst>
-                    </p:cTn>
-                  </p:par>
-                  <p:par>
-                    <p:cTn id="23" fill="hold">
-                      <p:stCondLst>
-                        <p:cond delay="indefinite"/>
-                      </p:stCondLst>
-                      <p:childTnLst>
-                        <p:par>
-                          <p:cTn id="24" fill="hold">
-                            <p:stCondLst>
-                              <p:cond delay="0"/>
-                            </p:stCondLst>
-                            <p:childTnLst>
-                              <p:par>
-                                <p:cTn id="25" presetID="1" presetClass="entr" presetSubtype="0" fill="hold" nodeType="clickEffect">
-                                  <p:stCondLst>
-                                    <p:cond delay="0"/>
-                                  </p:stCondLst>
-                                  <p:childTnLst>
-                                    <p:set>
-                                      <p:cBhvr>
-                                        <p:cTn id="26" dur="1" fill="hold">
-                                          <p:stCondLst>
-                                            <p:cond delay="0"/>
-                                          </p:stCondLst>
-                                        </p:cTn>
-                                        <p:tgtEl>
-                                          <p:spTgt spid="3">
-                                            <p:txEl>
-                                              <p:pRg st="5" end="5"/>
-                                            </p:txEl>
-                                          </p:spTgt>
-                                        </p:tgtEl>
-                                        <p:attrNameLst>
-                                          <p:attrName>style.visibility</p:attrName>
-                                        </p:attrNameLst>
-                                      </p:cBhvr>
-                                      <p:to>
-                                        <p:strVal val="visible"/>
-                                      </p:to>
-                                    </p:set>
-                                  </p:childTnLst>
-                                </p:cTn>
-                              </p:par>
-                            </p:childTnLst>
-                          </p:cTn>
-                        </p:par>
-                      </p:childTnLst>
-                    </p:cTn>
-                  </p:par>
-                  <p:par>
-                    <p:cTn id="27" fill="hold">
-                      <p:stCondLst>
-                        <p:cond delay="indefinite"/>
-                      </p:stCondLst>
-                      <p:childTnLst>
-                        <p:par>
-                          <p:cTn id="28" fill="hold">
-                            <p:stCondLst>
-                              <p:cond delay="0"/>
-                            </p:stCondLst>
-                            <p:childTnLst>
-                              <p:par>
-                                <p:cTn id="29" presetID="1" presetClass="entr" presetSubtype="0" fill="hold" nodeType="clickEffect">
-                                  <p:stCondLst>
-                                    <p:cond delay="0"/>
-                                  </p:stCondLst>
-                                  <p:childTnLst>
-                                    <p:set>
-                                      <p:cBhvr>
-                                        <p:cTn id="30" dur="1" fill="hold">
-                                          <p:stCondLst>
-                                            <p:cond delay="0"/>
-                                          </p:stCondLst>
-                                        </p:cTn>
-                                        <p:tgtEl>
-                                          <p:spTgt spid="3">
-                                            <p:txEl>
-                                              <p:pRg st="6" end="6"/>
-                                            </p:txEl>
-                                          </p:spTgt>
-                                        </p:tgtEl>
-                                        <p:attrNameLst>
-                                          <p:attrName>style.visibility</p:attrName>
-                                        </p:attrNameLst>
-                                      </p:cBhvr>
-                                      <p:to>
-                                        <p:strVal val="visible"/>
-                                      </p:to>
-                                    </p:set>
-                                  </p:childTnLst>
-                                </p:cTn>
-                              </p:par>
-                            </p:childTnLst>
-                          </p:cTn>
-                        </p:par>
-                      </p:childTnLst>
-                    </p:cTn>
-                  </p:par>
-                  <p:par>
-                    <p:cTn id="31" fill="hold">
-                      <p:stCondLst>
-                        <p:cond delay="indefinite"/>
-                      </p:stCondLst>
-                      <p:childTnLst>
-                        <p:par>
-                          <p:cTn id="32" fill="hold">
-                            <p:stCondLst>
-                              <p:cond delay="0"/>
-                            </p:stCondLst>
-                            <p:childTnLst>
-                              <p:par>
-                                <p:cTn id="33" presetID="1" presetClass="entr" presetSubtype="0" fill="hold" nodeType="clickEffect">
-                                  <p:stCondLst>
-                                    <p:cond delay="0"/>
-                                  </p:stCondLst>
-                                  <p:childTnLst>
-                                    <p:set>
-                                      <p:cBhvr>
-                                        <p:cTn id="34" dur="1" fill="hold">
-                                          <p:stCondLst>
-                                            <p:cond delay="0"/>
-                                          </p:stCondLst>
-                                        </p:cTn>
-                                        <p:tgtEl>
-                                          <p:spTgt spid="3">
-                                            <p:txEl>
-                                              <p:pRg st="7" end="7"/>
-                                            </p:txEl>
-                                          </p:spTgt>
-                                        </p:tgtEl>
-                                        <p:attrNameLst>
-                                          <p:attrName>style.visibility</p:attrName>
-                                        </p:attrNameLst>
-                                      </p:cBhvr>
-                                      <p:to>
-                                        <p:strVal val="visible"/>
-                                      </p:to>
-                                    </p:set>
-                                  </p:childTnLst>
-                                </p:cTn>
-                              </p:par>
-                            </p:childTnLst>
-                          </p:cTn>
-                        </p:par>
-                      </p:childTnLst>
-                    </p:cTn>
-                  </p:par>
-                  <p:par>
-                    <p:cTn id="35" fill="hold">
-                      <p:stCondLst>
-                        <p:cond delay="indefinite"/>
-                      </p:stCondLst>
-                      <p:childTnLst>
-                        <p:par>
-                          <p:cTn id="36" fill="hold">
-                            <p:stCondLst>
-                              <p:cond delay="0"/>
-                            </p:stCondLst>
-                            <p:childTnLst>
-                              <p:par>
-                                <p:cTn id="37" presetID="1" presetClass="entr" presetSubtype="0" fill="hold" nodeType="clickEffect">
-                                  <p:stCondLst>
-                                    <p:cond delay="0"/>
-                                  </p:stCondLst>
-                                  <p:childTnLst>
-                                    <p:set>
-                                      <p:cBhvr>
-                                        <p:cTn id="38" dur="1" fill="hold">
-                                          <p:stCondLst>
-                                            <p:cond delay="0"/>
-                                          </p:stCondLst>
-                                        </p:cTn>
-                                        <p:tgtEl>
-                                          <p:spTgt spid="3">
-                                            <p:txEl>
-                                              <p:pRg st="8" end="8"/>
-                                            </p:txEl>
-                                          </p:spTgt>
-                                        </p:tgtEl>
-                                        <p:attrNameLst>
-                                          <p:attrName>style.visibility</p:attrName>
-                                        </p:attrNameLst>
-                                      </p:cBhvr>
-                                      <p:to>
-                                        <p:strVal val="visible"/>
-                                      </p:to>
-                                    </p:set>
-                                  </p:childTnLst>
-                                </p:cTn>
-                              </p:par>
-                            </p:childTnLst>
-                          </p:cTn>
-                        </p:par>
-                      </p:childTnLst>
-                    </p:cTn>
-                  </p:par>
-                  <p:par>
-                    <p:cTn id="39" fill="hold">
-                      <p:stCondLst>
-                        <p:cond delay="indefinite"/>
-                      </p:stCondLst>
-                      <p:childTnLst>
-                        <p:par>
-                          <p:cTn id="40" fill="hold">
-                            <p:stCondLst>
-                              <p:cond delay="0"/>
-                            </p:stCondLst>
-                            <p:childTnLst>
-                              <p:par>
-                                <p:cTn id="41" presetID="1" presetClass="entr" presetSubtype="0" fill="hold" nodeType="clickEffect">
-                                  <p:stCondLst>
-                                    <p:cond delay="0"/>
-                                  </p:stCondLst>
-                                  <p:childTnLst>
-                                    <p:set>
-                                      <p:cBhvr>
-                                        <p:cTn id="42" dur="1" fill="hold">
-                                          <p:stCondLst>
-                                            <p:cond delay="0"/>
-                                          </p:stCondLst>
-                                        </p:cTn>
-                                        <p:tgtEl>
-                                          <p:spTgt spid="3">
-                                            <p:txEl>
-                                              <p:pRg st="9" end="9"/>
-                                            </p:txEl>
-                                          </p:spTgt>
-                                        </p:tgtEl>
-                                        <p:attrNameLst>
-                                          <p:attrName>style.visibility</p:attrName>
-                                        </p:attrNameLst>
-                                      </p:cBhvr>
-                                      <p:to>
-                                        <p:strVal val="visible"/>
-                                      </p:to>
-                                    </p:set>
-                                  </p:childTnLst>
-                                </p:cTn>
-                              </p:par>
-                            </p:childTnLst>
-                          </p:cTn>
-                        </p:par>
-                      </p:childTnLst>
-                    </p:cTn>
-                  </p:par>
-                  <p:par>
-                    <p:cTn id="43" fill="hold">
-                      <p:stCondLst>
-                        <p:cond delay="indefinite"/>
-                      </p:stCondLst>
-                      <p:childTnLst>
-                        <p:par>
-                          <p:cTn id="44" fill="hold">
-                            <p:stCondLst>
-                              <p:cond delay="0"/>
-                            </p:stCondLst>
-                            <p:childTnLst>
-                              <p:par>
-                                <p:cTn id="45" presetID="1" presetClass="entr" presetSubtype="0" fill="hold" nodeType="clickEffect">
-                                  <p:stCondLst>
-                                    <p:cond delay="0"/>
-                                  </p:stCondLst>
-                                  <p:childTnLst>
-                                    <p:set>
-                                      <p:cBhvr>
-                                        <p:cTn id="46" dur="1" fill="hold">
-                                          <p:stCondLst>
-                                            <p:cond delay="0"/>
-                                          </p:stCondLst>
-                                        </p:cTn>
-                                        <p:tgtEl>
-                                          <p:spTgt spid="3">
-                                            <p:txEl>
-                                              <p:pRg st="10" end="10"/>
-                                            </p:txEl>
-                                          </p:spTgt>
-                                        </p:tgtEl>
-                                        <p:attrNameLst>
-                                          <p:attrName>style.visibility</p:attrName>
-                                        </p:attrNameLst>
-                                      </p:cBhvr>
-                                      <p:to>
-                                        <p:strVal val="visible"/>
-                                      </p:to>
-                                    </p:set>
-                                  </p:childTnLst>
-                                </p:cTn>
-                              </p:par>
-                            </p:childTnLst>
-                          </p:cTn>
-                        </p:par>
-                      </p:childTnLst>
-                    </p:cTn>
-                  </p:par>
-                  <p:par>
-                    <p:cTn id="47" fill="hold">
-                      <p:stCondLst>
-                        <p:cond delay="indefinite"/>
-                      </p:stCondLst>
-                      <p:childTnLst>
-                        <p:par>
-                          <p:cTn id="48" fill="hold">
-                            <p:stCondLst>
-                              <p:cond delay="0"/>
-                            </p:stCondLst>
-                            <p:childTnLst>
-                              <p:par>
-                                <p:cTn id="49" presetID="1" presetClass="entr" presetSubtype="0" fill="hold" nodeType="clickEffect">
-                                  <p:stCondLst>
-                                    <p:cond delay="0"/>
-                                  </p:stCondLst>
-                                  <p:childTnLst>
-                                    <p:set>
-                                      <p:cBhvr>
-                                        <p:cTn id="50" dur="1" fill="hold">
-                                          <p:stCondLst>
-                                            <p:cond delay="0"/>
-                                          </p:stCondLst>
-                                        </p:cTn>
-                                        <p:tgtEl>
-                                          <p:spTgt spid="3">
-                                            <p:txEl>
-                                              <p:pRg st="11" end="11"/>
-                                            </p:txEl>
-                                          </p:spTgt>
-                                        </p:tgtEl>
-                                        <p:attrNameLst>
-                                          <p:attrName>style.visibility</p:attrName>
-                                        </p:attrNameLst>
-                                      </p:cBhvr>
-                                      <p:to>
-                                        <p:strVal val="visible"/>
-                                      </p:to>
-                                    </p:set>
-                                  </p:childTnLst>
-                                </p:cTn>
-                              </p:par>
-                            </p:childTnLst>
-                          </p:cTn>
-                        </p:par>
-                      </p:childTnLst>
-                    </p:cTn>
-                  </p:par>
-                </p:childTnLst>
-              </p:cTn>
-              <p:prevCondLst>
-                <p:cond evt="onPrev" delay="0">
-                  <p:tgtEl>
-                    <p:sldTgt/>
-                  </p:tgtEl>
-                </p:cond>
-              </p:prevCondLst>
-              <p:nextCondLst>
-                <p:cond evt="onNext" delay="0">
-                  <p:tgtEl>
-                    <p:sldTgt/>
-                  </p:tgtEl>
-                </p:cond>
-              </p:nextCondLst>
-            </p:seq>
-          </p:childTnLst>
-        </p:cTn>
-      </p:par>
-    </p:tnLst>
-  </p:timing>
-</p:sld>
-</file>
-
-<file path=ppt/slides/slide30.xml><?xml version="1.0" encoding="utf-8"?>
+<file path=ppt/slides/slide32.xml><?xml version="1.0" encoding="utf-8"?>
 <p:sld xmlns:a="http://schemas.openxmlformats.org/drawingml/2006/main" xmlns:r="http://schemas.openxmlformats.org/officeDocument/2006/relationships" xmlns:p="http://schemas.openxmlformats.org/presentationml/2006/main">
   <p:cSld>
     <p:spTree>
@@ -28630,7 +29320,7 @@
 </p:sld>
 </file>
 
-<file path=ppt/slides/slide31.xml><?xml version="1.0" encoding="utf-8"?>
+<file path=ppt/slides/slide33.xml><?xml version="1.0" encoding="utf-8"?>
 <p:sld xmlns:a="http://schemas.openxmlformats.org/drawingml/2006/main" xmlns:r="http://schemas.openxmlformats.org/officeDocument/2006/relationships" xmlns:p="http://schemas.openxmlformats.org/presentationml/2006/main">
   <p:cSld>
     <p:spTree>
@@ -28647,8 +29337,8 @@
           <a:chExt cx="0" cy="0"/>
         </a:xfrm>
       </p:grpSpPr>
-      <mc:AlternateContent xmlns:mc="http://schemas.openxmlformats.org/markup-compatibility/2006" xmlns:a14="http://schemas.microsoft.com/office/drawing/2010/main">
-        <mc:Choice Requires="a14">
+      <mc:AlternateContent xmlns:mc="http://schemas.openxmlformats.org/markup-compatibility/2006">
+        <mc:Choice xmlns:a14="http://schemas.microsoft.com/office/drawing/2010/main" Requires="a14">
           <p:sp>
             <p:nvSpPr>
               <p:cNvPr id="3" name="Content Placeholder 2">
@@ -28913,6 +29603,37 @@
                         </m:r>
                       </m:den>
                     </m:f>
+                    <m:sSub>
+                      <m:sSubPr>
+                        <m:ctrlPr>
+                          <a:rPr lang="en-US" b="0" i="1" smtClean="0">
+                            <a:latin typeface="Cambria Math" panose="02040503050406030204" pitchFamily="18" charset="0"/>
+                          </a:rPr>
+                        </m:ctrlPr>
+                      </m:sSubPr>
+                      <m:e>
+                        <m:r>
+                          <a:rPr lang="en-US" b="0" i="1" smtClean="0">
+                            <a:latin typeface="Cambria Math" panose="02040503050406030204" pitchFamily="18" charset="0"/>
+                          </a:rPr>
+                          <m:t>𝑝</m:t>
+                        </m:r>
+                      </m:e>
+                      <m:sub>
+                        <m:r>
+                          <a:rPr lang="en-US" b="0" i="1" smtClean="0">
+                            <a:latin typeface="Cambria Math" panose="02040503050406030204" pitchFamily="18" charset="0"/>
+                          </a:rPr>
+                          <m:t>𝑖</m:t>
+                        </m:r>
+                        <m:r>
+                          <a:rPr lang="en-US" b="0" i="1" smtClean="0">
+                            <a:latin typeface="Cambria Math" panose="02040503050406030204" pitchFamily="18" charset="0"/>
+                          </a:rPr>
+                          <m:t>−1</m:t>
+                        </m:r>
+                      </m:sub>
+                    </m:sSub>
                     <m:r>
                       <a:rPr lang="en-US" b="0" i="1" smtClean="0">
                         <a:latin typeface="Cambria Math" panose="02040503050406030204" pitchFamily="18" charset="0"/>
@@ -28985,7 +29706,7 @@
             </p:txBody>
           </p:sp>
         </mc:Choice>
-        <mc:Fallback xmlns="">
+        <mc:Fallback>
           <p:sp>
             <p:nvSpPr>
               <p:cNvPr id="3" name="Content Placeholder 2">
@@ -29501,7 +30222,7 @@
 </p:sld>
 </file>
 
-<file path=ppt/slides/slide32.xml><?xml version="1.0" encoding="utf-8"?>
+<file path=ppt/slides/slide34.xml><?xml version="1.0" encoding="utf-8"?>
 <p:sld xmlns:a="http://schemas.openxmlformats.org/drawingml/2006/main" xmlns:r="http://schemas.openxmlformats.org/officeDocument/2006/relationships" xmlns:p="http://schemas.openxmlformats.org/presentationml/2006/main">
   <p:cSld>
     <p:spTree>
@@ -29518,8 +30239,8 @@
           <a:chExt cx="0" cy="0"/>
         </a:xfrm>
       </p:grpSpPr>
-      <mc:AlternateContent xmlns:mc="http://schemas.openxmlformats.org/markup-compatibility/2006" xmlns:a14="http://schemas.microsoft.com/office/drawing/2010/main">
-        <mc:Choice Requires="a14">
+      <mc:AlternateContent xmlns:mc="http://schemas.openxmlformats.org/markup-compatibility/2006">
+        <mc:Choice xmlns:a14="http://schemas.microsoft.com/office/drawing/2010/main" Requires="a14">
           <p:sp>
             <p:nvSpPr>
               <p:cNvPr id="3" name="Content Placeholder 2">
@@ -29612,102 +30333,6 @@
                         </m:r>
                       </m:sub>
                     </m:sSub>
-                  </m:oMath>
-                </a14:m>
-                <a:r>
-                  <a:rPr lang="en-US" dirty="0"/>
-                  <a:t>= </a:t>
-                </a:r>
-                <a14:m>
-                  <m:oMath xmlns:m="http://schemas.openxmlformats.org/officeDocument/2006/math">
-                    <m:d>
-                      <m:dPr>
-                        <m:ctrlPr>
-                          <a:rPr lang="en-US" i="1">
-                            <a:latin typeface="Cambria Math" panose="02040503050406030204" pitchFamily="18" charset="0"/>
-                          </a:rPr>
-                        </m:ctrlPr>
-                      </m:dPr>
-                      <m:e>
-                        <m:m>
-                          <m:mPr>
-                            <m:mcs>
-                              <m:mc>
-                                <m:mcPr>
-                                  <m:count m:val="1"/>
-                                  <m:mcJc m:val="center"/>
-                                </m:mcPr>
-                              </m:mc>
-                            </m:mcs>
-                            <m:ctrlPr>
-                              <a:rPr lang="en-US" b="0" i="1">
-                                <a:latin typeface="Cambria Math" panose="02040503050406030204" pitchFamily="18" charset="0"/>
-                              </a:rPr>
-                            </m:ctrlPr>
-                          </m:mPr>
-                          <m:mr>
-                            <m:e>
-                              <m:r>
-                                <a:rPr lang="en-US" b="0" i="1" smtClean="0">
-                                  <a:latin typeface="Cambria Math" panose="02040503050406030204" pitchFamily="18" charset="0"/>
-                                </a:rPr>
-                                <m:t>0.123</m:t>
-                              </m:r>
-                            </m:e>
-                          </m:mr>
-                          <m:mr>
-                            <m:e>
-                              <m:r>
-                                <a:rPr lang="en-US" b="0" i="1" smtClean="0">
-                                  <a:latin typeface="Cambria Math" panose="02040503050406030204" pitchFamily="18" charset="0"/>
-                                </a:rPr>
-                                <m:t>0.051</m:t>
-                              </m:r>
-                            </m:e>
-                          </m:mr>
-                          <m:mr>
-                            <m:e>
-                              <m:r>
-                                <a:rPr lang="en-US" b="0" i="1" smtClean="0">
-                                  <a:latin typeface="Cambria Math" panose="02040503050406030204" pitchFamily="18" charset="0"/>
-                                </a:rPr>
-                                <m:t>0.051</m:t>
-                              </m:r>
-                            </m:e>
-                          </m:mr>
-                          <m:mr>
-                            <m:e>
-                              <m:r>
-                                <a:rPr lang="en-US" b="0" i="1" smtClean="0">
-                                  <a:latin typeface="Cambria Math" panose="02040503050406030204" pitchFamily="18" charset="0"/>
-                                </a:rPr>
-                                <m:t>0.200</m:t>
-                              </m:r>
-                            </m:e>
-                          </m:mr>
-                          <m:mr>
-                            <m:e>
-                              <m:r>
-                                <a:rPr lang="en-US" b="0" i="1" smtClean="0">
-                                  <a:latin typeface="Cambria Math" panose="02040503050406030204" pitchFamily="18" charset="0"/>
-                                </a:rPr>
-                                <m:t>0.138</m:t>
-                              </m:r>
-                            </m:e>
-                          </m:mr>
-                          <m:mr>
-                            <m:e>
-                              <m:r>
-                                <a:rPr lang="en-US" b="0" i="1" smtClean="0">
-                                  <a:latin typeface="Cambria Math" panose="02040503050406030204" pitchFamily="18" charset="0"/>
-                                </a:rPr>
-                                <m:t>0.066</m:t>
-                              </m:r>
-                            </m:e>
-                          </m:mr>
-                        </m:m>
-                      </m:e>
-                    </m:d>
                   </m:oMath>
                 </a14:m>
                 <a:r>
@@ -29852,6 +30477,101 @@
                         </m:r>
                       </m:sup>
                     </m:sSup>
+                    <m:r>
+                      <m:rPr>
+                        <m:nor/>
+                      </m:rPr>
+                      <a:rPr lang="en-US" dirty="0"/>
+                      <m:t>= </m:t>
+                    </m:r>
+                    <m:d>
+                      <m:dPr>
+                        <m:ctrlPr>
+                          <a:rPr lang="en-US" i="1">
+                            <a:latin typeface="Cambria Math" panose="02040503050406030204" pitchFamily="18" charset="0"/>
+                          </a:rPr>
+                        </m:ctrlPr>
+                      </m:dPr>
+                      <m:e>
+                        <m:m>
+                          <m:mPr>
+                            <m:mcs>
+                              <m:mc>
+                                <m:mcPr>
+                                  <m:count m:val="1"/>
+                                  <m:mcJc m:val="center"/>
+                                </m:mcPr>
+                              </m:mc>
+                            </m:mcs>
+                            <m:ctrlPr>
+                              <a:rPr lang="en-US" i="1">
+                                <a:latin typeface="Cambria Math" panose="02040503050406030204" pitchFamily="18" charset="0"/>
+                              </a:rPr>
+                            </m:ctrlPr>
+                          </m:mPr>
+                          <m:mr>
+                            <m:e>
+                              <m:r>
+                                <a:rPr lang="en-US" i="1">
+                                  <a:latin typeface="Cambria Math" panose="02040503050406030204" pitchFamily="18" charset="0"/>
+                                </a:rPr>
+                                <m:t>0.123</m:t>
+                              </m:r>
+                            </m:e>
+                          </m:mr>
+                          <m:mr>
+                            <m:e>
+                              <m:r>
+                                <a:rPr lang="en-US" i="1">
+                                  <a:latin typeface="Cambria Math" panose="02040503050406030204" pitchFamily="18" charset="0"/>
+                                </a:rPr>
+                                <m:t>0.051</m:t>
+                              </m:r>
+                            </m:e>
+                          </m:mr>
+                          <m:mr>
+                            <m:e>
+                              <m:r>
+                                <a:rPr lang="en-US" i="1">
+                                  <a:latin typeface="Cambria Math" panose="02040503050406030204" pitchFamily="18" charset="0"/>
+                                </a:rPr>
+                                <m:t>0.051</m:t>
+                              </m:r>
+                            </m:e>
+                          </m:mr>
+                          <m:mr>
+                            <m:e>
+                              <m:r>
+                                <a:rPr lang="en-US" i="1">
+                                  <a:latin typeface="Cambria Math" panose="02040503050406030204" pitchFamily="18" charset="0"/>
+                                </a:rPr>
+                                <m:t>0.200</m:t>
+                              </m:r>
+                            </m:e>
+                          </m:mr>
+                          <m:mr>
+                            <m:e>
+                              <m:r>
+                                <a:rPr lang="en-US" i="1">
+                                  <a:latin typeface="Cambria Math" panose="02040503050406030204" pitchFamily="18" charset="0"/>
+                                </a:rPr>
+                                <m:t>0.138</m:t>
+                              </m:r>
+                            </m:e>
+                          </m:mr>
+                          <m:mr>
+                            <m:e>
+                              <m:r>
+                                <a:rPr lang="en-US" i="1">
+                                  <a:latin typeface="Cambria Math" panose="02040503050406030204" pitchFamily="18" charset="0"/>
+                                </a:rPr>
+                                <m:t>0.066</m:t>
+                              </m:r>
+                            </m:e>
+                          </m:mr>
+                        </m:m>
+                      </m:e>
+                    </m:d>
                   </m:oMath>
                 </a14:m>
                 <a:endParaRPr lang="en-US" dirty="0"/>
@@ -30116,7 +30836,7 @@
             </p:txBody>
           </p:sp>
         </mc:Choice>
-        <mc:Fallback xmlns="">
+        <mc:Fallback>
           <p:sp>
             <p:nvSpPr>
               <p:cNvPr id="3" name="Content Placeholder 2">
@@ -30449,7 +31169,7 @@
 </p:sld>
 </file>
 
-<file path=ppt/slides/slide33.xml><?xml version="1.0" encoding="utf-8"?>
+<file path=ppt/slides/slide35.xml><?xml version="1.0" encoding="utf-8"?>
 <p:sld xmlns:a="http://schemas.openxmlformats.org/drawingml/2006/main" xmlns:r="http://schemas.openxmlformats.org/officeDocument/2006/relationships" xmlns:p="http://schemas.openxmlformats.org/presentationml/2006/main">
   <p:cSld>
     <p:spTree>
@@ -31586,7 +32306,7 @@
 </p:sld>
 </file>
 
-<file path=ppt/slides/slide34.xml><?xml version="1.0" encoding="utf-8"?>
+<file path=ppt/slides/slide36.xml><?xml version="1.0" encoding="utf-8"?>
 <p:sld xmlns:a="http://schemas.openxmlformats.org/drawingml/2006/main" xmlns:r="http://schemas.openxmlformats.org/officeDocument/2006/relationships" xmlns:p="http://schemas.openxmlformats.org/presentationml/2006/main">
   <p:cSld>
     <p:spTree>
@@ -32280,7 +33000,7 @@
 </p:sld>
 </file>
 
-<file path=ppt/slides/slide35.xml><?xml version="1.0" encoding="utf-8"?>
+<file path=ppt/slides/slide37.xml><?xml version="1.0" encoding="utf-8"?>
 <p:sld xmlns:a="http://schemas.openxmlformats.org/drawingml/2006/main" xmlns:r="http://schemas.openxmlformats.org/officeDocument/2006/relationships" xmlns:p="http://schemas.openxmlformats.org/presentationml/2006/main">
   <p:cSld>
     <p:spTree>
@@ -32833,7 +33553,7 @@
                                         <p:tgtEl>
                                           <p:spTgt spid="3">
                                             <p:txEl>
-                                              <p:pRg st="8" end="8"/>
+                                              <p:pRg st="7" end="7"/>
                                             </p:txEl>
                                           </p:spTgt>
                                         </p:tgtEl>
@@ -32882,7 +33602,7 @@
                                         <p:tgtEl>
                                           <p:spTgt spid="3">
                                             <p:txEl>
-                                              <p:pRg st="7" end="7"/>
+                                              <p:pRg st="8" end="8"/>
                                             </p:txEl>
                                           </p:spTgt>
                                         </p:tgtEl>
@@ -32928,7 +33648,7 @@
 </p:sld>
 </file>
 
-<file path=ppt/slides/slide36.xml><?xml version="1.0" encoding="utf-8"?>
+<file path=ppt/slides/slide38.xml><?xml version="1.0" encoding="utf-8"?>
 <p:sld xmlns:a="http://schemas.openxmlformats.org/drawingml/2006/main" xmlns:r="http://schemas.openxmlformats.org/officeDocument/2006/relationships" xmlns:p="http://schemas.openxmlformats.org/presentationml/2006/main">
   <p:cSld>
     <p:spTree>
@@ -33510,7 +34230,7 @@
 </p:sld>
 </file>
 
-<file path=ppt/slides/slide37.xml><?xml version="1.0" encoding="utf-8"?>
+<file path=ppt/slides/slide39.xml><?xml version="1.0" encoding="utf-8"?>
 <p:sld xmlns:a="http://schemas.openxmlformats.org/drawingml/2006/main" xmlns:r="http://schemas.openxmlformats.org/officeDocument/2006/relationships" xmlns:p="http://schemas.openxmlformats.org/presentationml/2006/main">
   <p:cSld>
     <p:spTree>
@@ -34146,7 +34866,7 @@
                                         <p:tgtEl>
                                           <p:spTgt spid="3">
                                             <p:txEl>
-                                              <p:pRg st="5" end="5"/>
+                                              <p:pRg st="4" end="4"/>
                                             </p:txEl>
                                           </p:spTgt>
                                         </p:tgtEl>
@@ -34195,7 +34915,7 @@
                                         <p:tgtEl>
                                           <p:spTgt spid="3">
                                             <p:txEl>
-                                              <p:pRg st="4" end="4"/>
+                                              <p:pRg st="5" end="5"/>
                                             </p:txEl>
                                           </p:spTgt>
                                         </p:tgtEl>
@@ -34517,7 +35237,640 @@
 </p:sld>
 </file>
 
-<file path=ppt/slides/slide38.xml><?xml version="1.0" encoding="utf-8"?>
+<file path=ppt/slides/slide4.xml><?xml version="1.0" encoding="utf-8"?>
+<p:sld xmlns:a="http://schemas.openxmlformats.org/drawingml/2006/main" xmlns:r="http://schemas.openxmlformats.org/officeDocument/2006/relationships" xmlns:p="http://schemas.openxmlformats.org/presentationml/2006/main">
+  <p:cSld>
+    <p:spTree>
+      <p:nvGrpSpPr>
+        <p:cNvPr id="1" name=""/>
+        <p:cNvGrpSpPr/>
+        <p:nvPr/>
+      </p:nvGrpSpPr>
+      <p:grpSpPr>
+        <a:xfrm>
+          <a:off x="0" y="0"/>
+          <a:ext cx="0" cy="0"/>
+          <a:chOff x="0" y="0"/>
+          <a:chExt cx="0" cy="0"/>
+        </a:xfrm>
+      </p:grpSpPr>
+      <p:sp>
+        <p:nvSpPr>
+          <p:cNvPr id="2" name="Title 1">
+            <a:extLst>
+              <a:ext uri="{FF2B5EF4-FFF2-40B4-BE49-F238E27FC236}">
+                <a16:creationId xmlns:a16="http://schemas.microsoft.com/office/drawing/2014/main" id="{4702757D-9716-4C25-BA54-81C26D6EC04E}"/>
+              </a:ext>
+            </a:extLst>
+          </p:cNvPr>
+          <p:cNvSpPr>
+            <a:spLocks noGrp="1"/>
+          </p:cNvSpPr>
+          <p:nvPr>
+            <p:ph type="title"/>
+          </p:nvPr>
+        </p:nvSpPr>
+        <p:spPr>
+          <a:xfrm>
+            <a:off x="838200" y="215696"/>
+            <a:ext cx="10515600" cy="930682"/>
+          </a:xfrm>
+        </p:spPr>
+        <p:txBody>
+          <a:bodyPr>
+            <a:normAutofit/>
+          </a:bodyPr>
+          <a:lstStyle/>
+          <a:p>
+            <a:r>
+              <a:rPr lang="en-US" sz="4000" dirty="0">
+                <a:latin typeface="+mn-lt"/>
+              </a:rPr>
+              <a:t>Introduction to Web Searching</a:t>
+            </a:r>
+          </a:p>
+        </p:txBody>
+      </p:sp>
+      <p:sp>
+        <p:nvSpPr>
+          <p:cNvPr id="3" name="Content Placeholder 2">
+            <a:extLst>
+              <a:ext uri="{FF2B5EF4-FFF2-40B4-BE49-F238E27FC236}">
+                <a16:creationId xmlns:a16="http://schemas.microsoft.com/office/drawing/2014/main" id="{D9C502E2-3889-41D4-9A2E-D8C04ADE5184}"/>
+              </a:ext>
+            </a:extLst>
+          </p:cNvPr>
+          <p:cNvSpPr>
+            <a:spLocks noGrp="1"/>
+          </p:cNvSpPr>
+          <p:nvPr>
+            <p:ph idx="1"/>
+          </p:nvPr>
+        </p:nvSpPr>
+        <p:spPr>
+          <a:xfrm>
+            <a:off x="838200" y="1183037"/>
+            <a:ext cx="10515600" cy="5372745"/>
+          </a:xfrm>
+        </p:spPr>
+        <p:txBody>
+          <a:bodyPr>
+            <a:normAutofit/>
+          </a:bodyPr>
+          <a:lstStyle/>
+          <a:p>
+            <a:pPr marL="0" indent="0">
+              <a:buNone/>
+            </a:pPr>
+            <a:r>
+              <a:rPr lang="en-US" dirty="0"/>
+              <a:t>Some possible approaches to web search</a:t>
+            </a:r>
+          </a:p>
+          <a:p>
+            <a:r>
+              <a:rPr lang="en-US" b="1" dirty="0"/>
+              <a:t>Topic sensitive search </a:t>
+            </a:r>
+          </a:p>
+          <a:p>
+            <a:pPr lvl="1"/>
+            <a:r>
+              <a:rPr lang="en-US" dirty="0"/>
+              <a:t>Goal is to restrict pages to topics relevant to the user’s query</a:t>
+            </a:r>
+          </a:p>
+          <a:p>
+            <a:pPr lvl="1"/>
+            <a:r>
+              <a:rPr lang="en-US" dirty="0"/>
+              <a:t>Only want to search documents related to the intended topic</a:t>
+            </a:r>
+          </a:p>
+          <a:p>
+            <a:pPr lvl="1"/>
+            <a:r>
+              <a:rPr lang="en-US" dirty="0"/>
+              <a:t>Used in document retrieval </a:t>
+            </a:r>
+          </a:p>
+          <a:p>
+            <a:r>
+              <a:rPr lang="en-US" dirty="0"/>
+              <a:t>Many pitfalls in topic sensitive search</a:t>
+            </a:r>
+          </a:p>
+          <a:p>
+            <a:pPr lvl="1"/>
+            <a:r>
+              <a:rPr lang="en-US" dirty="0"/>
+              <a:t>Natural language used for query is often ambiguous </a:t>
+            </a:r>
+          </a:p>
+          <a:p>
+            <a:pPr lvl="1"/>
+            <a:r>
+              <a:rPr lang="en-US" dirty="0"/>
+              <a:t>Example: Query for ‘Jaguar numbers’ could refer to an endangered large cat, an automobile, a sports team, or maybe something else??</a:t>
+            </a:r>
+          </a:p>
+          <a:p>
+            <a:r>
+              <a:rPr lang="en-US" dirty="0"/>
+              <a:t>See Section of 5.3 of the MMDS book for a brief overview of topic sensitive search</a:t>
+            </a:r>
+          </a:p>
+          <a:p>
+            <a:pPr lvl="1"/>
+            <a:endParaRPr lang="en-US" dirty="0"/>
+          </a:p>
+        </p:txBody>
+      </p:sp>
+    </p:spTree>
+    <p:extLst>
+      <p:ext uri="{BB962C8B-B14F-4D97-AF65-F5344CB8AC3E}">
+        <p14:creationId xmlns:p14="http://schemas.microsoft.com/office/powerpoint/2010/main" val="617719479"/>
+      </p:ext>
+    </p:extLst>
+  </p:cSld>
+  <p:clrMapOvr>
+    <a:masterClrMapping/>
+  </p:clrMapOvr>
+  <p:timing>
+    <p:tnLst>
+      <p:par>
+        <p:cTn id="1" dur="indefinite" restart="never" nodeType="tmRoot">
+          <p:childTnLst>
+            <p:seq concurrent="1" nextAc="seek">
+              <p:cTn id="2" dur="indefinite" nodeType="mainSeq">
+                <p:childTnLst>
+                  <p:par>
+                    <p:cTn id="3" fill="hold">
+                      <p:stCondLst>
+                        <p:cond delay="indefinite"/>
+                      </p:stCondLst>
+                      <p:childTnLst>
+                        <p:par>
+                          <p:cTn id="4" fill="hold">
+                            <p:stCondLst>
+                              <p:cond delay="0"/>
+                            </p:stCondLst>
+                            <p:childTnLst>
+                              <p:par>
+                                <p:cTn id="5" presetID="1" presetClass="entr" presetSubtype="0" fill="hold" nodeType="clickEffect">
+                                  <p:stCondLst>
+                                    <p:cond delay="0"/>
+                                  </p:stCondLst>
+                                  <p:childTnLst>
+                                    <p:set>
+                                      <p:cBhvr>
+                                        <p:cTn id="6" dur="1" fill="hold">
+                                          <p:stCondLst>
+                                            <p:cond delay="0"/>
+                                          </p:stCondLst>
+                                        </p:cTn>
+                                        <p:tgtEl>
+                                          <p:spTgt spid="3">
+                                            <p:txEl>
+                                              <p:pRg st="0" end="0"/>
+                                            </p:txEl>
+                                          </p:spTgt>
+                                        </p:tgtEl>
+                                        <p:attrNameLst>
+                                          <p:attrName>style.visibility</p:attrName>
+                                        </p:attrNameLst>
+                                      </p:cBhvr>
+                                      <p:to>
+                                        <p:strVal val="visible"/>
+                                      </p:to>
+                                    </p:set>
+                                  </p:childTnLst>
+                                </p:cTn>
+                              </p:par>
+                            </p:childTnLst>
+                          </p:cTn>
+                        </p:par>
+                      </p:childTnLst>
+                    </p:cTn>
+                  </p:par>
+                  <p:par>
+                    <p:cTn id="7" fill="hold">
+                      <p:stCondLst>
+                        <p:cond delay="indefinite"/>
+                      </p:stCondLst>
+                      <p:childTnLst>
+                        <p:par>
+                          <p:cTn id="8" fill="hold">
+                            <p:stCondLst>
+                              <p:cond delay="0"/>
+                            </p:stCondLst>
+                            <p:childTnLst>
+                              <p:par>
+                                <p:cTn id="9" presetID="1" presetClass="entr" presetSubtype="0" fill="hold" nodeType="clickEffect">
+                                  <p:stCondLst>
+                                    <p:cond delay="0"/>
+                                  </p:stCondLst>
+                                  <p:childTnLst>
+                                    <p:set>
+                                      <p:cBhvr>
+                                        <p:cTn id="10" dur="1" fill="hold">
+                                          <p:stCondLst>
+                                            <p:cond delay="0"/>
+                                          </p:stCondLst>
+                                        </p:cTn>
+                                        <p:tgtEl>
+                                          <p:spTgt spid="3">
+                                            <p:txEl>
+                                              <p:pRg st="1" end="1"/>
+                                            </p:txEl>
+                                          </p:spTgt>
+                                        </p:tgtEl>
+                                        <p:attrNameLst>
+                                          <p:attrName>style.visibility</p:attrName>
+                                        </p:attrNameLst>
+                                      </p:cBhvr>
+                                      <p:to>
+                                        <p:strVal val="visible"/>
+                                      </p:to>
+                                    </p:set>
+                                  </p:childTnLst>
+                                </p:cTn>
+                              </p:par>
+                            </p:childTnLst>
+                          </p:cTn>
+                        </p:par>
+                      </p:childTnLst>
+                    </p:cTn>
+                  </p:par>
+                  <p:par>
+                    <p:cTn id="11" fill="hold">
+                      <p:stCondLst>
+                        <p:cond delay="indefinite"/>
+                      </p:stCondLst>
+                      <p:childTnLst>
+                        <p:par>
+                          <p:cTn id="12" fill="hold">
+                            <p:stCondLst>
+                              <p:cond delay="0"/>
+                            </p:stCondLst>
+                            <p:childTnLst>
+                              <p:par>
+                                <p:cTn id="13" presetID="1" presetClass="entr" presetSubtype="0" fill="hold" nodeType="clickEffect">
+                                  <p:stCondLst>
+                                    <p:cond delay="0"/>
+                                  </p:stCondLst>
+                                  <p:childTnLst>
+                                    <p:set>
+                                      <p:cBhvr>
+                                        <p:cTn id="14" dur="1" fill="hold">
+                                          <p:stCondLst>
+                                            <p:cond delay="0"/>
+                                          </p:stCondLst>
+                                        </p:cTn>
+                                        <p:tgtEl>
+                                          <p:spTgt spid="3">
+                                            <p:txEl>
+                                              <p:pRg st="2" end="2"/>
+                                            </p:txEl>
+                                          </p:spTgt>
+                                        </p:tgtEl>
+                                        <p:attrNameLst>
+                                          <p:attrName>style.visibility</p:attrName>
+                                        </p:attrNameLst>
+                                      </p:cBhvr>
+                                      <p:to>
+                                        <p:strVal val="visible"/>
+                                      </p:to>
+                                    </p:set>
+                                  </p:childTnLst>
+                                </p:cTn>
+                              </p:par>
+                            </p:childTnLst>
+                          </p:cTn>
+                        </p:par>
+                      </p:childTnLst>
+                    </p:cTn>
+                  </p:par>
+                  <p:par>
+                    <p:cTn id="15" fill="hold">
+                      <p:stCondLst>
+                        <p:cond delay="indefinite"/>
+                      </p:stCondLst>
+                      <p:childTnLst>
+                        <p:par>
+                          <p:cTn id="16" fill="hold">
+                            <p:stCondLst>
+                              <p:cond delay="0"/>
+                            </p:stCondLst>
+                            <p:childTnLst>
+                              <p:par>
+                                <p:cTn id="17" presetID="1" presetClass="entr" presetSubtype="0" fill="hold" nodeType="clickEffect">
+                                  <p:stCondLst>
+                                    <p:cond delay="0"/>
+                                  </p:stCondLst>
+                                  <p:childTnLst>
+                                    <p:set>
+                                      <p:cBhvr>
+                                        <p:cTn id="18" dur="1" fill="hold">
+                                          <p:stCondLst>
+                                            <p:cond delay="0"/>
+                                          </p:stCondLst>
+                                        </p:cTn>
+                                        <p:tgtEl>
+                                          <p:spTgt spid="3">
+                                            <p:txEl>
+                                              <p:pRg st="3" end="3"/>
+                                            </p:txEl>
+                                          </p:spTgt>
+                                        </p:tgtEl>
+                                        <p:attrNameLst>
+                                          <p:attrName>style.visibility</p:attrName>
+                                        </p:attrNameLst>
+                                      </p:cBhvr>
+                                      <p:to>
+                                        <p:strVal val="visible"/>
+                                      </p:to>
+                                    </p:set>
+                                  </p:childTnLst>
+                                </p:cTn>
+                              </p:par>
+                            </p:childTnLst>
+                          </p:cTn>
+                        </p:par>
+                      </p:childTnLst>
+                    </p:cTn>
+                  </p:par>
+                  <p:par>
+                    <p:cTn id="19" fill="hold">
+                      <p:stCondLst>
+                        <p:cond delay="indefinite"/>
+                      </p:stCondLst>
+                      <p:childTnLst>
+                        <p:par>
+                          <p:cTn id="20" fill="hold">
+                            <p:stCondLst>
+                              <p:cond delay="0"/>
+                            </p:stCondLst>
+                            <p:childTnLst>
+                              <p:par>
+                                <p:cTn id="21" presetID="1" presetClass="entr" presetSubtype="0" fill="hold" nodeType="clickEffect">
+                                  <p:stCondLst>
+                                    <p:cond delay="0"/>
+                                  </p:stCondLst>
+                                  <p:childTnLst>
+                                    <p:set>
+                                      <p:cBhvr>
+                                        <p:cTn id="22" dur="1" fill="hold">
+                                          <p:stCondLst>
+                                            <p:cond delay="0"/>
+                                          </p:stCondLst>
+                                        </p:cTn>
+                                        <p:tgtEl>
+                                          <p:spTgt spid="3">
+                                            <p:txEl>
+                                              <p:pRg st="4" end="4"/>
+                                            </p:txEl>
+                                          </p:spTgt>
+                                        </p:tgtEl>
+                                        <p:attrNameLst>
+                                          <p:attrName>style.visibility</p:attrName>
+                                        </p:attrNameLst>
+                                      </p:cBhvr>
+                                      <p:to>
+                                        <p:strVal val="visible"/>
+                                      </p:to>
+                                    </p:set>
+                                  </p:childTnLst>
+                                </p:cTn>
+                              </p:par>
+                            </p:childTnLst>
+                          </p:cTn>
+                        </p:par>
+                      </p:childTnLst>
+                    </p:cTn>
+                  </p:par>
+                  <p:par>
+                    <p:cTn id="23" fill="hold">
+                      <p:stCondLst>
+                        <p:cond delay="indefinite"/>
+                      </p:stCondLst>
+                      <p:childTnLst>
+                        <p:par>
+                          <p:cTn id="24" fill="hold">
+                            <p:stCondLst>
+                              <p:cond delay="0"/>
+                            </p:stCondLst>
+                            <p:childTnLst>
+                              <p:par>
+                                <p:cTn id="25" presetID="1" presetClass="entr" presetSubtype="0" fill="hold" nodeType="clickEffect">
+                                  <p:stCondLst>
+                                    <p:cond delay="0"/>
+                                  </p:stCondLst>
+                                  <p:childTnLst>
+                                    <p:set>
+                                      <p:cBhvr>
+                                        <p:cTn id="26" dur="1" fill="hold">
+                                          <p:stCondLst>
+                                            <p:cond delay="0"/>
+                                          </p:stCondLst>
+                                        </p:cTn>
+                                        <p:tgtEl>
+                                          <p:spTgt spid="3">
+                                            <p:txEl>
+                                              <p:pRg st="5" end="5"/>
+                                            </p:txEl>
+                                          </p:spTgt>
+                                        </p:tgtEl>
+                                        <p:attrNameLst>
+                                          <p:attrName>style.visibility</p:attrName>
+                                        </p:attrNameLst>
+                                      </p:cBhvr>
+                                      <p:to>
+                                        <p:strVal val="visible"/>
+                                      </p:to>
+                                    </p:set>
+                                  </p:childTnLst>
+                                </p:cTn>
+                              </p:par>
+                            </p:childTnLst>
+                          </p:cTn>
+                        </p:par>
+                      </p:childTnLst>
+                    </p:cTn>
+                  </p:par>
+                  <p:par>
+                    <p:cTn id="27" fill="hold">
+                      <p:stCondLst>
+                        <p:cond delay="indefinite"/>
+                      </p:stCondLst>
+                      <p:childTnLst>
+                        <p:par>
+                          <p:cTn id="28" fill="hold">
+                            <p:stCondLst>
+                              <p:cond delay="0"/>
+                            </p:stCondLst>
+                            <p:childTnLst>
+                              <p:par>
+                                <p:cTn id="29" presetID="1" presetClass="entr" presetSubtype="0" fill="hold" nodeType="clickEffect">
+                                  <p:stCondLst>
+                                    <p:cond delay="0"/>
+                                  </p:stCondLst>
+                                  <p:childTnLst>
+                                    <p:set>
+                                      <p:cBhvr>
+                                        <p:cTn id="30" dur="1" fill="hold">
+                                          <p:stCondLst>
+                                            <p:cond delay="0"/>
+                                          </p:stCondLst>
+                                        </p:cTn>
+                                        <p:tgtEl>
+                                          <p:spTgt spid="3">
+                                            <p:txEl>
+                                              <p:pRg st="6" end="6"/>
+                                            </p:txEl>
+                                          </p:spTgt>
+                                        </p:tgtEl>
+                                        <p:attrNameLst>
+                                          <p:attrName>style.visibility</p:attrName>
+                                        </p:attrNameLst>
+                                      </p:cBhvr>
+                                      <p:to>
+                                        <p:strVal val="visible"/>
+                                      </p:to>
+                                    </p:set>
+                                  </p:childTnLst>
+                                </p:cTn>
+                              </p:par>
+                            </p:childTnLst>
+                          </p:cTn>
+                        </p:par>
+                      </p:childTnLst>
+                    </p:cTn>
+                  </p:par>
+                  <p:par>
+                    <p:cTn id="31" fill="hold">
+                      <p:stCondLst>
+                        <p:cond delay="indefinite"/>
+                      </p:stCondLst>
+                      <p:childTnLst>
+                        <p:par>
+                          <p:cTn id="32" fill="hold">
+                            <p:stCondLst>
+                              <p:cond delay="0"/>
+                            </p:stCondLst>
+                            <p:childTnLst>
+                              <p:par>
+                                <p:cTn id="33" presetID="1" presetClass="entr" presetSubtype="0" fill="hold" nodeType="clickEffect">
+                                  <p:stCondLst>
+                                    <p:cond delay="0"/>
+                                  </p:stCondLst>
+                                  <p:childTnLst>
+                                    <p:set>
+                                      <p:cBhvr>
+                                        <p:cTn id="34" dur="1" fill="hold">
+                                          <p:stCondLst>
+                                            <p:cond delay="0"/>
+                                          </p:stCondLst>
+                                        </p:cTn>
+                                        <p:tgtEl>
+                                          <p:spTgt spid="3">
+                                            <p:txEl>
+                                              <p:pRg st="7" end="7"/>
+                                            </p:txEl>
+                                          </p:spTgt>
+                                        </p:tgtEl>
+                                        <p:attrNameLst>
+                                          <p:attrName>style.visibility</p:attrName>
+                                        </p:attrNameLst>
+                                      </p:cBhvr>
+                                      <p:to>
+                                        <p:strVal val="visible"/>
+                                      </p:to>
+                                    </p:set>
+                                  </p:childTnLst>
+                                </p:cTn>
+                              </p:par>
+                            </p:childTnLst>
+                          </p:cTn>
+                        </p:par>
+                      </p:childTnLst>
+                    </p:cTn>
+                  </p:par>
+                  <p:par>
+                    <p:cTn id="35" fill="hold">
+                      <p:stCondLst>
+                        <p:cond delay="indefinite"/>
+                      </p:stCondLst>
+                      <p:childTnLst>
+                        <p:par>
+                          <p:cTn id="36" fill="hold">
+                            <p:stCondLst>
+                              <p:cond delay="0"/>
+                            </p:stCondLst>
+                            <p:childTnLst>
+                              <p:par>
+                                <p:cTn id="37" presetID="1" presetClass="entr" presetSubtype="0" fill="hold" nodeType="clickEffect">
+                                  <p:stCondLst>
+                                    <p:cond delay="0"/>
+                                  </p:stCondLst>
+                                  <p:childTnLst>
+                                    <p:set>
+                                      <p:cBhvr>
+                                        <p:cTn id="38" dur="1" fill="hold">
+                                          <p:stCondLst>
+                                            <p:cond delay="0"/>
+                                          </p:stCondLst>
+                                        </p:cTn>
+                                        <p:tgtEl>
+                                          <p:spTgt spid="3">
+                                            <p:txEl>
+                                              <p:pRg st="8" end="8"/>
+                                            </p:txEl>
+                                          </p:spTgt>
+                                        </p:tgtEl>
+                                        <p:attrNameLst>
+                                          <p:attrName>style.visibility</p:attrName>
+                                        </p:attrNameLst>
+                                      </p:cBhvr>
+                                      <p:to>
+                                        <p:strVal val="visible"/>
+                                      </p:to>
+                                    </p:set>
+                                  </p:childTnLst>
+                                </p:cTn>
+                              </p:par>
+                            </p:childTnLst>
+                          </p:cTn>
+                        </p:par>
+                      </p:childTnLst>
+                    </p:cTn>
+                  </p:par>
+                </p:childTnLst>
+              </p:cTn>
+              <p:prevCondLst>
+                <p:cond evt="onPrev" delay="0">
+                  <p:tgtEl>
+                    <p:sldTgt/>
+                  </p:tgtEl>
+                </p:cond>
+              </p:prevCondLst>
+              <p:nextCondLst>
+                <p:cond evt="onNext" delay="0">
+                  <p:tgtEl>
+                    <p:sldTgt/>
+                  </p:tgtEl>
+                </p:cond>
+              </p:nextCondLst>
+            </p:seq>
+          </p:childTnLst>
+        </p:cTn>
+      </p:par>
+    </p:tnLst>
+  </p:timing>
+</p:sld>
+</file>
+
+<file path=ppt/slides/slide40.xml><?xml version="1.0" encoding="utf-8"?>
 <p:sld xmlns:a="http://schemas.openxmlformats.org/drawingml/2006/main" xmlns:r="http://schemas.openxmlformats.org/officeDocument/2006/relationships" xmlns:p="http://schemas.openxmlformats.org/presentationml/2006/main">
   <p:cSld>
     <p:spTree>
@@ -34913,10 +36266,1029 @@
   <p:clrMapOvr>
     <a:masterClrMapping/>
   </p:clrMapOvr>
+  <p:timing>
+    <p:tnLst>
+      <p:par>
+        <p:cTn id="1" dur="indefinite" restart="never" nodeType="tmRoot">
+          <p:childTnLst>
+            <p:seq concurrent="1" nextAc="seek">
+              <p:cTn id="2" dur="indefinite" nodeType="mainSeq">
+                <p:childTnLst>
+                  <p:par>
+                    <p:cTn id="3" fill="hold">
+                      <p:stCondLst>
+                        <p:cond delay="indefinite"/>
+                      </p:stCondLst>
+                      <p:childTnLst>
+                        <p:par>
+                          <p:cTn id="4" fill="hold">
+                            <p:stCondLst>
+                              <p:cond delay="0"/>
+                            </p:stCondLst>
+                            <p:childTnLst>
+                              <p:par>
+                                <p:cTn id="5" presetID="1" presetClass="entr" presetSubtype="0" fill="hold" nodeType="clickEffect">
+                                  <p:stCondLst>
+                                    <p:cond delay="0"/>
+                                  </p:stCondLst>
+                                  <p:childTnLst>
+                                    <p:set>
+                                      <p:cBhvr>
+                                        <p:cTn id="6" dur="1" fill="hold">
+                                          <p:stCondLst>
+                                            <p:cond delay="0"/>
+                                          </p:stCondLst>
+                                        </p:cTn>
+                                        <p:tgtEl>
+                                          <p:spTgt spid="3">
+                                            <p:txEl>
+                                              <p:pRg st="1" end="1"/>
+                                            </p:txEl>
+                                          </p:spTgt>
+                                        </p:tgtEl>
+                                        <p:attrNameLst>
+                                          <p:attrName>style.visibility</p:attrName>
+                                        </p:attrNameLst>
+                                      </p:cBhvr>
+                                      <p:to>
+                                        <p:strVal val="visible"/>
+                                      </p:to>
+                                    </p:set>
+                                  </p:childTnLst>
+                                </p:cTn>
+                              </p:par>
+                              <p:par>
+                                <p:cTn id="7" presetID="1" presetClass="entr" presetSubtype="0" fill="hold" nodeType="withEffect">
+                                  <p:stCondLst>
+                                    <p:cond delay="0"/>
+                                  </p:stCondLst>
+                                  <p:childTnLst>
+                                    <p:set>
+                                      <p:cBhvr>
+                                        <p:cTn id="8" dur="1" fill="hold">
+                                          <p:stCondLst>
+                                            <p:cond delay="0"/>
+                                          </p:stCondLst>
+                                        </p:cTn>
+                                        <p:tgtEl>
+                                          <p:spTgt spid="3">
+                                            <p:txEl>
+                                              <p:pRg st="2" end="2"/>
+                                            </p:txEl>
+                                          </p:spTgt>
+                                        </p:tgtEl>
+                                        <p:attrNameLst>
+                                          <p:attrName>style.visibility</p:attrName>
+                                        </p:attrNameLst>
+                                      </p:cBhvr>
+                                      <p:to>
+                                        <p:strVal val="visible"/>
+                                      </p:to>
+                                    </p:set>
+                                  </p:childTnLst>
+                                </p:cTn>
+                              </p:par>
+                            </p:childTnLst>
+                          </p:cTn>
+                        </p:par>
+                      </p:childTnLst>
+                    </p:cTn>
+                  </p:par>
+                  <p:par>
+                    <p:cTn id="9" fill="hold">
+                      <p:stCondLst>
+                        <p:cond delay="indefinite"/>
+                      </p:stCondLst>
+                      <p:childTnLst>
+                        <p:par>
+                          <p:cTn id="10" fill="hold">
+                            <p:stCondLst>
+                              <p:cond delay="0"/>
+                            </p:stCondLst>
+                            <p:childTnLst>
+                              <p:par>
+                                <p:cTn id="11" presetID="1" presetClass="entr" presetSubtype="0" fill="hold" nodeType="clickEffect">
+                                  <p:stCondLst>
+                                    <p:cond delay="0"/>
+                                  </p:stCondLst>
+                                  <p:childTnLst>
+                                    <p:set>
+                                      <p:cBhvr>
+                                        <p:cTn id="12" dur="1" fill="hold">
+                                          <p:stCondLst>
+                                            <p:cond delay="0"/>
+                                          </p:stCondLst>
+                                        </p:cTn>
+                                        <p:tgtEl>
+                                          <p:spTgt spid="3">
+                                            <p:txEl>
+                                              <p:pRg st="3" end="3"/>
+                                            </p:txEl>
+                                          </p:spTgt>
+                                        </p:tgtEl>
+                                        <p:attrNameLst>
+                                          <p:attrName>style.visibility</p:attrName>
+                                        </p:attrNameLst>
+                                      </p:cBhvr>
+                                      <p:to>
+                                        <p:strVal val="visible"/>
+                                      </p:to>
+                                    </p:set>
+                                  </p:childTnLst>
+                                </p:cTn>
+                              </p:par>
+                              <p:par>
+                                <p:cTn id="13" presetID="1" presetClass="entr" presetSubtype="0" fill="hold" nodeType="withEffect">
+                                  <p:stCondLst>
+                                    <p:cond delay="0"/>
+                                  </p:stCondLst>
+                                  <p:childTnLst>
+                                    <p:set>
+                                      <p:cBhvr>
+                                        <p:cTn id="14" dur="1" fill="hold">
+                                          <p:stCondLst>
+                                            <p:cond delay="0"/>
+                                          </p:stCondLst>
+                                        </p:cTn>
+                                        <p:tgtEl>
+                                          <p:spTgt spid="3">
+                                            <p:txEl>
+                                              <p:pRg st="4" end="4"/>
+                                            </p:txEl>
+                                          </p:spTgt>
+                                        </p:tgtEl>
+                                        <p:attrNameLst>
+                                          <p:attrName>style.visibility</p:attrName>
+                                        </p:attrNameLst>
+                                      </p:cBhvr>
+                                      <p:to>
+                                        <p:strVal val="visible"/>
+                                      </p:to>
+                                    </p:set>
+                                  </p:childTnLst>
+                                </p:cTn>
+                              </p:par>
+                            </p:childTnLst>
+                          </p:cTn>
+                        </p:par>
+                      </p:childTnLst>
+                    </p:cTn>
+                  </p:par>
+                  <p:par>
+                    <p:cTn id="15" fill="hold">
+                      <p:stCondLst>
+                        <p:cond delay="indefinite"/>
+                      </p:stCondLst>
+                      <p:childTnLst>
+                        <p:par>
+                          <p:cTn id="16" fill="hold">
+                            <p:stCondLst>
+                              <p:cond delay="0"/>
+                            </p:stCondLst>
+                            <p:childTnLst>
+                              <p:par>
+                                <p:cTn id="17" presetID="1" presetClass="entr" presetSubtype="0" fill="hold" nodeType="clickEffect">
+                                  <p:stCondLst>
+                                    <p:cond delay="0"/>
+                                  </p:stCondLst>
+                                  <p:childTnLst>
+                                    <p:set>
+                                      <p:cBhvr>
+                                        <p:cTn id="18" dur="1" fill="hold">
+                                          <p:stCondLst>
+                                            <p:cond delay="0"/>
+                                          </p:stCondLst>
+                                        </p:cTn>
+                                        <p:tgtEl>
+                                          <p:spTgt spid="3">
+                                            <p:txEl>
+                                              <p:pRg st="5" end="5"/>
+                                            </p:txEl>
+                                          </p:spTgt>
+                                        </p:tgtEl>
+                                        <p:attrNameLst>
+                                          <p:attrName>style.visibility</p:attrName>
+                                        </p:attrNameLst>
+                                      </p:cBhvr>
+                                      <p:to>
+                                        <p:strVal val="visible"/>
+                                      </p:to>
+                                    </p:set>
+                                  </p:childTnLst>
+                                </p:cTn>
+                              </p:par>
+                            </p:childTnLst>
+                          </p:cTn>
+                        </p:par>
+                      </p:childTnLst>
+                    </p:cTn>
+                  </p:par>
+                  <p:par>
+                    <p:cTn id="19" fill="hold">
+                      <p:stCondLst>
+                        <p:cond delay="indefinite"/>
+                      </p:stCondLst>
+                      <p:childTnLst>
+                        <p:par>
+                          <p:cTn id="20" fill="hold">
+                            <p:stCondLst>
+                              <p:cond delay="0"/>
+                            </p:stCondLst>
+                            <p:childTnLst>
+                              <p:par>
+                                <p:cTn id="21" presetID="1" presetClass="entr" presetSubtype="0" fill="hold" nodeType="clickEffect">
+                                  <p:stCondLst>
+                                    <p:cond delay="0"/>
+                                  </p:stCondLst>
+                                  <p:childTnLst>
+                                    <p:set>
+                                      <p:cBhvr>
+                                        <p:cTn id="22" dur="1" fill="hold">
+                                          <p:stCondLst>
+                                            <p:cond delay="0"/>
+                                          </p:stCondLst>
+                                        </p:cTn>
+                                        <p:tgtEl>
+                                          <p:spTgt spid="3">
+                                            <p:txEl>
+                                              <p:pRg st="6" end="6"/>
+                                            </p:txEl>
+                                          </p:spTgt>
+                                        </p:tgtEl>
+                                        <p:attrNameLst>
+                                          <p:attrName>style.visibility</p:attrName>
+                                        </p:attrNameLst>
+                                      </p:cBhvr>
+                                      <p:to>
+                                        <p:strVal val="visible"/>
+                                      </p:to>
+                                    </p:set>
+                                  </p:childTnLst>
+                                </p:cTn>
+                              </p:par>
+                            </p:childTnLst>
+                          </p:cTn>
+                        </p:par>
+                      </p:childTnLst>
+                    </p:cTn>
+                  </p:par>
+                  <p:par>
+                    <p:cTn id="23" fill="hold">
+                      <p:stCondLst>
+                        <p:cond delay="indefinite"/>
+                      </p:stCondLst>
+                      <p:childTnLst>
+                        <p:par>
+                          <p:cTn id="24" fill="hold">
+                            <p:stCondLst>
+                              <p:cond delay="0"/>
+                            </p:stCondLst>
+                            <p:childTnLst>
+                              <p:par>
+                                <p:cTn id="25" presetID="1" presetClass="entr" presetSubtype="0" fill="hold" nodeType="clickEffect">
+                                  <p:stCondLst>
+                                    <p:cond delay="0"/>
+                                  </p:stCondLst>
+                                  <p:childTnLst>
+                                    <p:set>
+                                      <p:cBhvr>
+                                        <p:cTn id="26" dur="1" fill="hold">
+                                          <p:stCondLst>
+                                            <p:cond delay="0"/>
+                                          </p:stCondLst>
+                                        </p:cTn>
+                                        <p:tgtEl>
+                                          <p:spTgt spid="3">
+                                            <p:txEl>
+                                              <p:pRg st="7" end="7"/>
+                                            </p:txEl>
+                                          </p:spTgt>
+                                        </p:tgtEl>
+                                        <p:attrNameLst>
+                                          <p:attrName>style.visibility</p:attrName>
+                                        </p:attrNameLst>
+                                      </p:cBhvr>
+                                      <p:to>
+                                        <p:strVal val="visible"/>
+                                      </p:to>
+                                    </p:set>
+                                  </p:childTnLst>
+                                </p:cTn>
+                              </p:par>
+                            </p:childTnLst>
+                          </p:cTn>
+                        </p:par>
+                      </p:childTnLst>
+                    </p:cTn>
+                  </p:par>
+                  <p:par>
+                    <p:cTn id="27" fill="hold">
+                      <p:stCondLst>
+                        <p:cond delay="indefinite"/>
+                      </p:stCondLst>
+                      <p:childTnLst>
+                        <p:par>
+                          <p:cTn id="28" fill="hold">
+                            <p:stCondLst>
+                              <p:cond delay="0"/>
+                            </p:stCondLst>
+                            <p:childTnLst>
+                              <p:par>
+                                <p:cTn id="29" presetID="1" presetClass="entr" presetSubtype="0" fill="hold" nodeType="clickEffect">
+                                  <p:stCondLst>
+                                    <p:cond delay="0"/>
+                                  </p:stCondLst>
+                                  <p:childTnLst>
+                                    <p:set>
+                                      <p:cBhvr>
+                                        <p:cTn id="30" dur="1" fill="hold">
+                                          <p:stCondLst>
+                                            <p:cond delay="0"/>
+                                          </p:stCondLst>
+                                        </p:cTn>
+                                        <p:tgtEl>
+                                          <p:spTgt spid="3">
+                                            <p:txEl>
+                                              <p:pRg st="8" end="8"/>
+                                            </p:txEl>
+                                          </p:spTgt>
+                                        </p:tgtEl>
+                                        <p:attrNameLst>
+                                          <p:attrName>style.visibility</p:attrName>
+                                        </p:attrNameLst>
+                                      </p:cBhvr>
+                                      <p:to>
+                                        <p:strVal val="visible"/>
+                                      </p:to>
+                                    </p:set>
+                                  </p:childTnLst>
+                                </p:cTn>
+                              </p:par>
+                            </p:childTnLst>
+                          </p:cTn>
+                        </p:par>
+                      </p:childTnLst>
+                    </p:cTn>
+                  </p:par>
+                </p:childTnLst>
+              </p:cTn>
+              <p:prevCondLst>
+                <p:cond evt="onPrev" delay="0">
+                  <p:tgtEl>
+                    <p:sldTgt/>
+                  </p:tgtEl>
+                </p:cond>
+              </p:prevCondLst>
+              <p:nextCondLst>
+                <p:cond evt="onNext" delay="0">
+                  <p:tgtEl>
+                    <p:sldTgt/>
+                  </p:tgtEl>
+                </p:cond>
+              </p:nextCondLst>
+            </p:seq>
+          </p:childTnLst>
+        </p:cTn>
+      </p:par>
+    </p:tnLst>
+  </p:timing>
 </p:sld>
 </file>
 
-<file path=ppt/slides/slide4.xml><?xml version="1.0" encoding="utf-8"?>
+<file path=ppt/slides/slide5.xml><?xml version="1.0" encoding="utf-8"?>
+<p:sld xmlns:a="http://schemas.openxmlformats.org/drawingml/2006/main" xmlns:r="http://schemas.openxmlformats.org/officeDocument/2006/relationships" xmlns:p="http://schemas.openxmlformats.org/presentationml/2006/main">
+  <p:cSld>
+    <p:spTree>
+      <p:nvGrpSpPr>
+        <p:cNvPr id="1" name=""/>
+        <p:cNvGrpSpPr/>
+        <p:nvPr/>
+      </p:nvGrpSpPr>
+      <p:grpSpPr>
+        <a:xfrm>
+          <a:off x="0" y="0"/>
+          <a:ext cx="0" cy="0"/>
+          <a:chOff x="0" y="0"/>
+          <a:chExt cx="0" cy="0"/>
+        </a:xfrm>
+      </p:grpSpPr>
+      <p:sp>
+        <p:nvSpPr>
+          <p:cNvPr id="2" name="Title 1">
+            <a:extLst>
+              <a:ext uri="{FF2B5EF4-FFF2-40B4-BE49-F238E27FC236}">
+                <a16:creationId xmlns:a16="http://schemas.microsoft.com/office/drawing/2014/main" id="{4702757D-9716-4C25-BA54-81C26D6EC04E}"/>
+              </a:ext>
+            </a:extLst>
+          </p:cNvPr>
+          <p:cNvSpPr>
+            <a:spLocks noGrp="1"/>
+          </p:cNvSpPr>
+          <p:nvPr>
+            <p:ph type="title"/>
+          </p:nvPr>
+        </p:nvSpPr>
+        <p:spPr>
+          <a:xfrm>
+            <a:off x="838200" y="215696"/>
+            <a:ext cx="10515600" cy="930682"/>
+          </a:xfrm>
+        </p:spPr>
+        <p:txBody>
+          <a:bodyPr>
+            <a:normAutofit/>
+          </a:bodyPr>
+          <a:lstStyle/>
+          <a:p>
+            <a:r>
+              <a:rPr lang="en-US" sz="4000" dirty="0">
+                <a:latin typeface="+mn-lt"/>
+              </a:rPr>
+              <a:t>Introduction to Web Searching</a:t>
+            </a:r>
+          </a:p>
+        </p:txBody>
+      </p:sp>
+      <p:sp>
+        <p:nvSpPr>
+          <p:cNvPr id="3" name="Content Placeholder 2">
+            <a:extLst>
+              <a:ext uri="{FF2B5EF4-FFF2-40B4-BE49-F238E27FC236}">
+                <a16:creationId xmlns:a16="http://schemas.microsoft.com/office/drawing/2014/main" id="{D9C502E2-3889-41D4-9A2E-D8C04ADE5184}"/>
+              </a:ext>
+            </a:extLst>
+          </p:cNvPr>
+          <p:cNvSpPr>
+            <a:spLocks noGrp="1"/>
+          </p:cNvSpPr>
+          <p:nvPr>
+            <p:ph idx="1"/>
+          </p:nvPr>
+        </p:nvSpPr>
+        <p:spPr>
+          <a:xfrm>
+            <a:off x="838200" y="1183037"/>
+            <a:ext cx="10515600" cy="5372745"/>
+          </a:xfrm>
+        </p:spPr>
+        <p:txBody>
+          <a:bodyPr>
+            <a:normAutofit/>
+          </a:bodyPr>
+          <a:lstStyle/>
+          <a:p>
+            <a:pPr marL="0" indent="0">
+              <a:buNone/>
+            </a:pPr>
+            <a:r>
+              <a:rPr lang="en-US" dirty="0"/>
+              <a:t>Some possible approaches to web search</a:t>
+            </a:r>
+          </a:p>
+          <a:p>
+            <a:r>
+              <a:rPr lang="en-US" dirty="0"/>
+              <a:t>Centrality search</a:t>
+            </a:r>
+          </a:p>
+          <a:p>
+            <a:pPr lvl="1"/>
+            <a:r>
+              <a:rPr lang="en-US" dirty="0"/>
+              <a:t>Model web as graph  </a:t>
+            </a:r>
+          </a:p>
+          <a:p>
+            <a:pPr lvl="1"/>
+            <a:r>
+              <a:rPr lang="en-US" dirty="0"/>
+              <a:t>Rank pages by how central they are on the graph </a:t>
+            </a:r>
+          </a:p>
+          <a:p>
+            <a:pPr lvl="1"/>
+            <a:r>
+              <a:rPr lang="en-US" dirty="0"/>
+              <a:t>Assume more important pages are more central </a:t>
+            </a:r>
+          </a:p>
+          <a:p>
+            <a:r>
+              <a:rPr lang="en-US" dirty="0"/>
+              <a:t>The algorithms we investigate here are centrality search methods</a:t>
+            </a:r>
+          </a:p>
+          <a:p>
+            <a:r>
+              <a:rPr lang="en-US" dirty="0"/>
+              <a:t>These methods are built on two areas of applied mathematics:  </a:t>
+            </a:r>
+          </a:p>
+          <a:p>
+            <a:pPr lvl="1"/>
+            <a:r>
+              <a:rPr lang="en-US" dirty="0"/>
+              <a:t>Graph theory</a:t>
+            </a:r>
+          </a:p>
+          <a:p>
+            <a:pPr lvl="1"/>
+            <a:r>
+              <a:rPr lang="en-US" dirty="0"/>
+              <a:t>Stochastic processes and Markov processes </a:t>
+            </a:r>
+          </a:p>
+          <a:p>
+            <a:pPr lvl="1"/>
+            <a:endParaRPr lang="en-US" dirty="0"/>
+          </a:p>
+        </p:txBody>
+      </p:sp>
+    </p:spTree>
+    <p:extLst>
+      <p:ext uri="{BB962C8B-B14F-4D97-AF65-F5344CB8AC3E}">
+        <p14:creationId xmlns:p14="http://schemas.microsoft.com/office/powerpoint/2010/main" val="3935455752"/>
+      </p:ext>
+    </p:extLst>
+  </p:cSld>
+  <p:clrMapOvr>
+    <a:masterClrMapping/>
+  </p:clrMapOvr>
+  <p:timing>
+    <p:tnLst>
+      <p:par>
+        <p:cTn id="1" dur="indefinite" restart="never" nodeType="tmRoot">
+          <p:childTnLst>
+            <p:seq concurrent="1" nextAc="seek">
+              <p:cTn id="2" dur="indefinite" nodeType="mainSeq">
+                <p:childTnLst>
+                  <p:par>
+                    <p:cTn id="3" fill="hold">
+                      <p:stCondLst>
+                        <p:cond delay="indefinite"/>
+                      </p:stCondLst>
+                      <p:childTnLst>
+                        <p:par>
+                          <p:cTn id="4" fill="hold">
+                            <p:stCondLst>
+                              <p:cond delay="0"/>
+                            </p:stCondLst>
+                            <p:childTnLst>
+                              <p:par>
+                                <p:cTn id="5" presetID="1" presetClass="entr" presetSubtype="0" fill="hold" nodeType="clickEffect">
+                                  <p:stCondLst>
+                                    <p:cond delay="0"/>
+                                  </p:stCondLst>
+                                  <p:childTnLst>
+                                    <p:set>
+                                      <p:cBhvr>
+                                        <p:cTn id="6" dur="1" fill="hold">
+                                          <p:stCondLst>
+                                            <p:cond delay="0"/>
+                                          </p:stCondLst>
+                                        </p:cTn>
+                                        <p:tgtEl>
+                                          <p:spTgt spid="3">
+                                            <p:txEl>
+                                              <p:pRg st="0" end="0"/>
+                                            </p:txEl>
+                                          </p:spTgt>
+                                        </p:tgtEl>
+                                        <p:attrNameLst>
+                                          <p:attrName>style.visibility</p:attrName>
+                                        </p:attrNameLst>
+                                      </p:cBhvr>
+                                      <p:to>
+                                        <p:strVal val="visible"/>
+                                      </p:to>
+                                    </p:set>
+                                  </p:childTnLst>
+                                </p:cTn>
+                              </p:par>
+                            </p:childTnLst>
+                          </p:cTn>
+                        </p:par>
+                      </p:childTnLst>
+                    </p:cTn>
+                  </p:par>
+                  <p:par>
+                    <p:cTn id="7" fill="hold">
+                      <p:stCondLst>
+                        <p:cond delay="indefinite"/>
+                      </p:stCondLst>
+                      <p:childTnLst>
+                        <p:par>
+                          <p:cTn id="8" fill="hold">
+                            <p:stCondLst>
+                              <p:cond delay="0"/>
+                            </p:stCondLst>
+                            <p:childTnLst>
+                              <p:par>
+                                <p:cTn id="9" presetID="1" presetClass="entr" presetSubtype="0" fill="hold" nodeType="clickEffect">
+                                  <p:stCondLst>
+                                    <p:cond delay="0"/>
+                                  </p:stCondLst>
+                                  <p:childTnLst>
+                                    <p:set>
+                                      <p:cBhvr>
+                                        <p:cTn id="10" dur="1" fill="hold">
+                                          <p:stCondLst>
+                                            <p:cond delay="0"/>
+                                          </p:stCondLst>
+                                        </p:cTn>
+                                        <p:tgtEl>
+                                          <p:spTgt spid="3">
+                                            <p:txEl>
+                                              <p:pRg st="1" end="1"/>
+                                            </p:txEl>
+                                          </p:spTgt>
+                                        </p:tgtEl>
+                                        <p:attrNameLst>
+                                          <p:attrName>style.visibility</p:attrName>
+                                        </p:attrNameLst>
+                                      </p:cBhvr>
+                                      <p:to>
+                                        <p:strVal val="visible"/>
+                                      </p:to>
+                                    </p:set>
+                                  </p:childTnLst>
+                                </p:cTn>
+                              </p:par>
+                            </p:childTnLst>
+                          </p:cTn>
+                        </p:par>
+                      </p:childTnLst>
+                    </p:cTn>
+                  </p:par>
+                  <p:par>
+                    <p:cTn id="11" fill="hold">
+                      <p:stCondLst>
+                        <p:cond delay="indefinite"/>
+                      </p:stCondLst>
+                      <p:childTnLst>
+                        <p:par>
+                          <p:cTn id="12" fill="hold">
+                            <p:stCondLst>
+                              <p:cond delay="0"/>
+                            </p:stCondLst>
+                            <p:childTnLst>
+                              <p:par>
+                                <p:cTn id="13" presetID="1" presetClass="entr" presetSubtype="0" fill="hold" nodeType="clickEffect">
+                                  <p:stCondLst>
+                                    <p:cond delay="0"/>
+                                  </p:stCondLst>
+                                  <p:childTnLst>
+                                    <p:set>
+                                      <p:cBhvr>
+                                        <p:cTn id="14" dur="1" fill="hold">
+                                          <p:stCondLst>
+                                            <p:cond delay="0"/>
+                                          </p:stCondLst>
+                                        </p:cTn>
+                                        <p:tgtEl>
+                                          <p:spTgt spid="3">
+                                            <p:txEl>
+                                              <p:pRg st="2" end="2"/>
+                                            </p:txEl>
+                                          </p:spTgt>
+                                        </p:tgtEl>
+                                        <p:attrNameLst>
+                                          <p:attrName>style.visibility</p:attrName>
+                                        </p:attrNameLst>
+                                      </p:cBhvr>
+                                      <p:to>
+                                        <p:strVal val="visible"/>
+                                      </p:to>
+                                    </p:set>
+                                  </p:childTnLst>
+                                </p:cTn>
+                              </p:par>
+                            </p:childTnLst>
+                          </p:cTn>
+                        </p:par>
+                      </p:childTnLst>
+                    </p:cTn>
+                  </p:par>
+                  <p:par>
+                    <p:cTn id="15" fill="hold">
+                      <p:stCondLst>
+                        <p:cond delay="indefinite"/>
+                      </p:stCondLst>
+                      <p:childTnLst>
+                        <p:par>
+                          <p:cTn id="16" fill="hold">
+                            <p:stCondLst>
+                              <p:cond delay="0"/>
+                            </p:stCondLst>
+                            <p:childTnLst>
+                              <p:par>
+                                <p:cTn id="17" presetID="1" presetClass="entr" presetSubtype="0" fill="hold" nodeType="clickEffect">
+                                  <p:stCondLst>
+                                    <p:cond delay="0"/>
+                                  </p:stCondLst>
+                                  <p:childTnLst>
+                                    <p:set>
+                                      <p:cBhvr>
+                                        <p:cTn id="18" dur="1" fill="hold">
+                                          <p:stCondLst>
+                                            <p:cond delay="0"/>
+                                          </p:stCondLst>
+                                        </p:cTn>
+                                        <p:tgtEl>
+                                          <p:spTgt spid="3">
+                                            <p:txEl>
+                                              <p:pRg st="3" end="3"/>
+                                            </p:txEl>
+                                          </p:spTgt>
+                                        </p:tgtEl>
+                                        <p:attrNameLst>
+                                          <p:attrName>style.visibility</p:attrName>
+                                        </p:attrNameLst>
+                                      </p:cBhvr>
+                                      <p:to>
+                                        <p:strVal val="visible"/>
+                                      </p:to>
+                                    </p:set>
+                                  </p:childTnLst>
+                                </p:cTn>
+                              </p:par>
+                            </p:childTnLst>
+                          </p:cTn>
+                        </p:par>
+                      </p:childTnLst>
+                    </p:cTn>
+                  </p:par>
+                  <p:par>
+                    <p:cTn id="19" fill="hold">
+                      <p:stCondLst>
+                        <p:cond delay="indefinite"/>
+                      </p:stCondLst>
+                      <p:childTnLst>
+                        <p:par>
+                          <p:cTn id="20" fill="hold">
+                            <p:stCondLst>
+                              <p:cond delay="0"/>
+                            </p:stCondLst>
+                            <p:childTnLst>
+                              <p:par>
+                                <p:cTn id="21" presetID="1" presetClass="entr" presetSubtype="0" fill="hold" nodeType="clickEffect">
+                                  <p:stCondLst>
+                                    <p:cond delay="0"/>
+                                  </p:stCondLst>
+                                  <p:childTnLst>
+                                    <p:set>
+                                      <p:cBhvr>
+                                        <p:cTn id="22" dur="1" fill="hold">
+                                          <p:stCondLst>
+                                            <p:cond delay="0"/>
+                                          </p:stCondLst>
+                                        </p:cTn>
+                                        <p:tgtEl>
+                                          <p:spTgt spid="3">
+                                            <p:txEl>
+                                              <p:pRg st="4" end="4"/>
+                                            </p:txEl>
+                                          </p:spTgt>
+                                        </p:tgtEl>
+                                        <p:attrNameLst>
+                                          <p:attrName>style.visibility</p:attrName>
+                                        </p:attrNameLst>
+                                      </p:cBhvr>
+                                      <p:to>
+                                        <p:strVal val="visible"/>
+                                      </p:to>
+                                    </p:set>
+                                  </p:childTnLst>
+                                </p:cTn>
+                              </p:par>
+                            </p:childTnLst>
+                          </p:cTn>
+                        </p:par>
+                      </p:childTnLst>
+                    </p:cTn>
+                  </p:par>
+                  <p:par>
+                    <p:cTn id="23" fill="hold">
+                      <p:stCondLst>
+                        <p:cond delay="indefinite"/>
+                      </p:stCondLst>
+                      <p:childTnLst>
+                        <p:par>
+                          <p:cTn id="24" fill="hold">
+                            <p:stCondLst>
+                              <p:cond delay="0"/>
+                            </p:stCondLst>
+                            <p:childTnLst>
+                              <p:par>
+                                <p:cTn id="25" presetID="1" presetClass="entr" presetSubtype="0" fill="hold" nodeType="clickEffect">
+                                  <p:stCondLst>
+                                    <p:cond delay="0"/>
+                                  </p:stCondLst>
+                                  <p:childTnLst>
+                                    <p:set>
+                                      <p:cBhvr>
+                                        <p:cTn id="26" dur="1" fill="hold">
+                                          <p:stCondLst>
+                                            <p:cond delay="0"/>
+                                          </p:stCondLst>
+                                        </p:cTn>
+                                        <p:tgtEl>
+                                          <p:spTgt spid="3">
+                                            <p:txEl>
+                                              <p:pRg st="5" end="5"/>
+                                            </p:txEl>
+                                          </p:spTgt>
+                                        </p:tgtEl>
+                                        <p:attrNameLst>
+                                          <p:attrName>style.visibility</p:attrName>
+                                        </p:attrNameLst>
+                                      </p:cBhvr>
+                                      <p:to>
+                                        <p:strVal val="visible"/>
+                                      </p:to>
+                                    </p:set>
+                                  </p:childTnLst>
+                                </p:cTn>
+                              </p:par>
+                            </p:childTnLst>
+                          </p:cTn>
+                        </p:par>
+                      </p:childTnLst>
+                    </p:cTn>
+                  </p:par>
+                  <p:par>
+                    <p:cTn id="27" fill="hold">
+                      <p:stCondLst>
+                        <p:cond delay="indefinite"/>
+                      </p:stCondLst>
+                      <p:childTnLst>
+                        <p:par>
+                          <p:cTn id="28" fill="hold">
+                            <p:stCondLst>
+                              <p:cond delay="0"/>
+                            </p:stCondLst>
+                            <p:childTnLst>
+                              <p:par>
+                                <p:cTn id="29" presetID="1" presetClass="entr" presetSubtype="0" fill="hold" nodeType="clickEffect">
+                                  <p:stCondLst>
+                                    <p:cond delay="0"/>
+                                  </p:stCondLst>
+                                  <p:childTnLst>
+                                    <p:set>
+                                      <p:cBhvr>
+                                        <p:cTn id="30" dur="1" fill="hold">
+                                          <p:stCondLst>
+                                            <p:cond delay="0"/>
+                                          </p:stCondLst>
+                                        </p:cTn>
+                                        <p:tgtEl>
+                                          <p:spTgt spid="3">
+                                            <p:txEl>
+                                              <p:pRg st="6" end="6"/>
+                                            </p:txEl>
+                                          </p:spTgt>
+                                        </p:tgtEl>
+                                        <p:attrNameLst>
+                                          <p:attrName>style.visibility</p:attrName>
+                                        </p:attrNameLst>
+                                      </p:cBhvr>
+                                      <p:to>
+                                        <p:strVal val="visible"/>
+                                      </p:to>
+                                    </p:set>
+                                  </p:childTnLst>
+                                </p:cTn>
+                              </p:par>
+                            </p:childTnLst>
+                          </p:cTn>
+                        </p:par>
+                      </p:childTnLst>
+                    </p:cTn>
+                  </p:par>
+                  <p:par>
+                    <p:cTn id="31" fill="hold">
+                      <p:stCondLst>
+                        <p:cond delay="indefinite"/>
+                      </p:stCondLst>
+                      <p:childTnLst>
+                        <p:par>
+                          <p:cTn id="32" fill="hold">
+                            <p:stCondLst>
+                              <p:cond delay="0"/>
+                            </p:stCondLst>
+                            <p:childTnLst>
+                              <p:par>
+                                <p:cTn id="33" presetID="1" presetClass="entr" presetSubtype="0" fill="hold" nodeType="clickEffect">
+                                  <p:stCondLst>
+                                    <p:cond delay="0"/>
+                                  </p:stCondLst>
+                                  <p:childTnLst>
+                                    <p:set>
+                                      <p:cBhvr>
+                                        <p:cTn id="34" dur="1" fill="hold">
+                                          <p:stCondLst>
+                                            <p:cond delay="0"/>
+                                          </p:stCondLst>
+                                        </p:cTn>
+                                        <p:tgtEl>
+                                          <p:spTgt spid="3">
+                                            <p:txEl>
+                                              <p:pRg st="7" end="7"/>
+                                            </p:txEl>
+                                          </p:spTgt>
+                                        </p:tgtEl>
+                                        <p:attrNameLst>
+                                          <p:attrName>style.visibility</p:attrName>
+                                        </p:attrNameLst>
+                                      </p:cBhvr>
+                                      <p:to>
+                                        <p:strVal val="visible"/>
+                                      </p:to>
+                                    </p:set>
+                                  </p:childTnLst>
+                                </p:cTn>
+                              </p:par>
+                            </p:childTnLst>
+                          </p:cTn>
+                        </p:par>
+                      </p:childTnLst>
+                    </p:cTn>
+                  </p:par>
+                  <p:par>
+                    <p:cTn id="35" fill="hold">
+                      <p:stCondLst>
+                        <p:cond delay="indefinite"/>
+                      </p:stCondLst>
+                      <p:childTnLst>
+                        <p:par>
+                          <p:cTn id="36" fill="hold">
+                            <p:stCondLst>
+                              <p:cond delay="0"/>
+                            </p:stCondLst>
+                            <p:childTnLst>
+                              <p:par>
+                                <p:cTn id="37" presetID="1" presetClass="entr" presetSubtype="0" fill="hold" nodeType="clickEffect">
+                                  <p:stCondLst>
+                                    <p:cond delay="0"/>
+                                  </p:stCondLst>
+                                  <p:childTnLst>
+                                    <p:set>
+                                      <p:cBhvr>
+                                        <p:cTn id="38" dur="1" fill="hold">
+                                          <p:stCondLst>
+                                            <p:cond delay="0"/>
+                                          </p:stCondLst>
+                                        </p:cTn>
+                                        <p:tgtEl>
+                                          <p:spTgt spid="3">
+                                            <p:txEl>
+                                              <p:pRg st="8" end="8"/>
+                                            </p:txEl>
+                                          </p:spTgt>
+                                        </p:tgtEl>
+                                        <p:attrNameLst>
+                                          <p:attrName>style.visibility</p:attrName>
+                                        </p:attrNameLst>
+                                      </p:cBhvr>
+                                      <p:to>
+                                        <p:strVal val="visible"/>
+                                      </p:to>
+                                    </p:set>
+                                  </p:childTnLst>
+                                </p:cTn>
+                              </p:par>
+                            </p:childTnLst>
+                          </p:cTn>
+                        </p:par>
+                      </p:childTnLst>
+                    </p:cTn>
+                  </p:par>
+                </p:childTnLst>
+              </p:cTn>
+              <p:prevCondLst>
+                <p:cond evt="onPrev" delay="0">
+                  <p:tgtEl>
+                    <p:sldTgt/>
+                  </p:tgtEl>
+                </p:cond>
+              </p:prevCondLst>
+              <p:nextCondLst>
+                <p:cond evt="onNext" delay="0">
+                  <p:tgtEl>
+                    <p:sldTgt/>
+                  </p:tgtEl>
+                </p:cond>
+              </p:nextCondLst>
+            </p:seq>
+          </p:childTnLst>
+        </p:cTn>
+      </p:par>
+    </p:tnLst>
+  </p:timing>
+</p:sld>
+</file>
+
+<file path=ppt/slides/slide6.xml><?xml version="1.0" encoding="utf-8"?>
 <p:sld xmlns:a="http://schemas.openxmlformats.org/drawingml/2006/main" xmlns:r="http://schemas.openxmlformats.org/officeDocument/2006/relationships" xmlns:p="http://schemas.openxmlformats.org/presentationml/2006/main">
   <p:cSld>
     <p:spTree>
@@ -35801,7 +38173,7 @@
 </p:sld>
 </file>
 
-<file path=ppt/slides/slide5.xml><?xml version="1.0" encoding="utf-8"?>
+<file path=ppt/slides/slide7.xml><?xml version="1.0" encoding="utf-8"?>
 <p:sld xmlns:a="http://schemas.openxmlformats.org/drawingml/2006/main" xmlns:r="http://schemas.openxmlformats.org/officeDocument/2006/relationships" xmlns:p="http://schemas.openxmlformats.org/presentationml/2006/main">
   <p:cSld>
     <p:spTree>
@@ -36052,7 +38424,7 @@
                 <a:pPr lvl="1"/>
                 <a:r>
                   <a:rPr lang="en-US" dirty="0"/>
-                  <a:t>Example: Facebook friends can message each other  </a:t>
+                  <a:t>Example: Facebook friends is a symmetric relationship </a:t>
                 </a:r>
               </a:p>
               <a:p>
@@ -37142,7 +39514,7 @@
 </p:sld>
 </file>
 
-<file path=ppt/slides/slide6.xml><?xml version="1.0" encoding="utf-8"?>
+<file path=ppt/slides/slide8.xml><?xml version="1.0" encoding="utf-8"?>
 <p:sld xmlns:a="http://schemas.openxmlformats.org/drawingml/2006/main" xmlns:r="http://schemas.openxmlformats.org/officeDocument/2006/relationships" xmlns:p="http://schemas.openxmlformats.org/presentationml/2006/main">
   <p:cSld>
     <p:spTree>
@@ -37789,7 +40161,7 @@
 </p:sld>
 </file>
 
-<file path=ppt/slides/slide7.xml><?xml version="1.0" encoding="utf-8"?>
+<file path=ppt/slides/slide9.xml><?xml version="1.0" encoding="utf-8"?>
 <p:sld xmlns:a="http://schemas.openxmlformats.org/drawingml/2006/main" xmlns:r="http://schemas.openxmlformats.org/officeDocument/2006/relationships" xmlns:p="http://schemas.openxmlformats.org/presentationml/2006/main">
   <p:cSld>
     <p:spTree>
@@ -38578,937 +40950,6 @@
 </p:sld>
 </file>
 
-<file path=ppt/slides/slide8.xml><?xml version="1.0" encoding="utf-8"?>
-<p:sld xmlns:a="http://schemas.openxmlformats.org/drawingml/2006/main" xmlns:r="http://schemas.openxmlformats.org/officeDocument/2006/relationships" xmlns:p="http://schemas.openxmlformats.org/presentationml/2006/main">
-  <p:cSld>
-    <p:spTree>
-      <p:nvGrpSpPr>
-        <p:cNvPr id="1" name=""/>
-        <p:cNvGrpSpPr/>
-        <p:nvPr/>
-      </p:nvGrpSpPr>
-      <p:grpSpPr>
-        <a:xfrm>
-          <a:off x="0" y="0"/>
-          <a:ext cx="0" cy="0"/>
-          <a:chOff x="0" y="0"/>
-          <a:chExt cx="0" cy="0"/>
-        </a:xfrm>
-      </p:grpSpPr>
-      <p:sp>
-        <p:nvSpPr>
-          <p:cNvPr id="2" name="Title 1">
-            <a:extLst>
-              <a:ext uri="{FF2B5EF4-FFF2-40B4-BE49-F238E27FC236}">
-                <a16:creationId xmlns:a16="http://schemas.microsoft.com/office/drawing/2014/main" id="{4702757D-9716-4C25-BA54-81C26D6EC04E}"/>
-              </a:ext>
-            </a:extLst>
-          </p:cNvPr>
-          <p:cNvSpPr>
-            <a:spLocks noGrp="1"/>
-          </p:cNvSpPr>
-          <p:nvPr>
-            <p:ph type="title"/>
-          </p:nvPr>
-        </p:nvSpPr>
-        <p:spPr>
-          <a:xfrm>
-            <a:off x="838200" y="215696"/>
-            <a:ext cx="10515600" cy="930682"/>
-          </a:xfrm>
-        </p:spPr>
-        <p:txBody>
-          <a:bodyPr>
-            <a:normAutofit/>
-          </a:bodyPr>
-          <a:lstStyle/>
-          <a:p>
-            <a:r>
-              <a:rPr lang="en-US" sz="4000" dirty="0">
-                <a:latin typeface="+mn-lt"/>
-              </a:rPr>
-              <a:t>Searching on the Web</a:t>
-            </a:r>
-          </a:p>
-        </p:txBody>
-      </p:sp>
-      <p:sp>
-        <p:nvSpPr>
-          <p:cNvPr id="3" name="Content Placeholder 2">
-            <a:extLst>
-              <a:ext uri="{FF2B5EF4-FFF2-40B4-BE49-F238E27FC236}">
-                <a16:creationId xmlns:a16="http://schemas.microsoft.com/office/drawing/2014/main" id="{D9C502E2-3889-41D4-9A2E-D8C04ADE5184}"/>
-              </a:ext>
-            </a:extLst>
-          </p:cNvPr>
-          <p:cNvSpPr>
-            <a:spLocks noGrp="1"/>
-          </p:cNvSpPr>
-          <p:nvPr>
-            <p:ph idx="1"/>
-          </p:nvPr>
-        </p:nvSpPr>
-        <p:spPr>
-          <a:xfrm>
-            <a:off x="193331" y="1146380"/>
-            <a:ext cx="6510527" cy="5605123"/>
-          </a:xfrm>
-        </p:spPr>
-        <p:txBody>
-          <a:bodyPr/>
-          <a:lstStyle/>
-          <a:p>
-            <a:pPr marL="0" indent="0">
-              <a:buNone/>
-            </a:pPr>
-            <a:r>
-              <a:rPr lang="en-US" dirty="0"/>
-              <a:t>Structure of the web can be described by the </a:t>
-            </a:r>
-            <a:r>
-              <a:rPr lang="en-US" b="1" dirty="0"/>
-              <a:t>bowtie model </a:t>
-            </a:r>
-          </a:p>
-          <a:p>
-            <a:r>
-              <a:rPr lang="en-US" b="1" dirty="0"/>
-              <a:t>Tendrils Out</a:t>
-            </a:r>
-            <a:r>
-              <a:rPr lang="en-US" dirty="0"/>
-              <a:t> are out-links that go to pages that have no out-links, called </a:t>
-            </a:r>
-            <a:r>
-              <a:rPr lang="en-US" b="1" dirty="0"/>
-              <a:t>dead ends</a:t>
-            </a:r>
-            <a:endParaRPr lang="en-US" dirty="0"/>
-          </a:p>
-          <a:p>
-            <a:r>
-              <a:rPr lang="en-US" b="1" dirty="0"/>
-              <a:t>Tendrils In </a:t>
-            </a:r>
-            <a:r>
-              <a:rPr lang="en-US" dirty="0"/>
-              <a:t>are in-links into the Out Components from relatively isolated pages</a:t>
-            </a:r>
-          </a:p>
-          <a:p>
-            <a:r>
-              <a:rPr lang="en-US" b="1" dirty="0"/>
-              <a:t>Tubes</a:t>
-            </a:r>
-            <a:r>
-              <a:rPr lang="en-US" dirty="0"/>
-              <a:t> connect directly from the In Component to the Out Component</a:t>
-            </a:r>
-          </a:p>
-          <a:p>
-            <a:r>
-              <a:rPr lang="en-US" b="1" dirty="0"/>
-              <a:t>Disconnected Components </a:t>
-            </a:r>
-            <a:r>
-              <a:rPr lang="en-US" dirty="0"/>
-              <a:t>are groups of isolated pages which do not connect to the rest of the web – typically private networks</a:t>
-            </a:r>
-          </a:p>
-        </p:txBody>
-      </p:sp>
-      <p:pic>
-        <p:nvPicPr>
-          <p:cNvPr id="5" name="Picture 4">
-            <a:extLst>
-              <a:ext uri="{FF2B5EF4-FFF2-40B4-BE49-F238E27FC236}">
-                <a16:creationId xmlns:a16="http://schemas.microsoft.com/office/drawing/2014/main" id="{225178F4-1495-40F8-844E-EDA5A0E142CE}"/>
-              </a:ext>
-            </a:extLst>
-          </p:cNvPr>
-          <p:cNvPicPr>
-            <a:picLocks noChangeAspect="1"/>
-          </p:cNvPicPr>
-          <p:nvPr/>
-        </p:nvPicPr>
-        <p:blipFill>
-          <a:blip r:embed="rId2"/>
-          <a:stretch>
-            <a:fillRect/>
-          </a:stretch>
-        </p:blipFill>
-        <p:spPr>
-          <a:xfrm>
-            <a:off x="6813587" y="1031427"/>
-            <a:ext cx="5248964" cy="5270096"/>
-          </a:xfrm>
-          <a:prstGeom prst="rect">
-            <a:avLst/>
-          </a:prstGeom>
-        </p:spPr>
-      </p:pic>
-      <p:sp>
-        <p:nvSpPr>
-          <p:cNvPr id="6" name="Footer Placeholder 18">
-            <a:extLst>
-              <a:ext uri="{FF2B5EF4-FFF2-40B4-BE49-F238E27FC236}">
-                <a16:creationId xmlns:a16="http://schemas.microsoft.com/office/drawing/2014/main" id="{A245E470-3A42-4B5A-B1A4-12C5BCB24F27}"/>
-              </a:ext>
-            </a:extLst>
-          </p:cNvPr>
-          <p:cNvSpPr>
-            <a:spLocks noGrp="1"/>
-          </p:cNvSpPr>
-          <p:nvPr>
-            <p:ph type="ftr" sz="quarter" idx="11"/>
-          </p:nvPr>
-        </p:nvSpPr>
-        <p:spPr>
-          <a:xfrm>
-            <a:off x="4906505" y="6546723"/>
-            <a:ext cx="7233915" cy="274320"/>
-          </a:xfrm>
-        </p:spPr>
-        <p:txBody>
-          <a:bodyPr/>
-          <a:lstStyle/>
-          <a:p>
-            <a:r>
-              <a:rPr lang="en-US" dirty="0"/>
-              <a:t>Credit: J. </a:t>
-            </a:r>
-            <a:r>
-              <a:rPr lang="en-US" dirty="0" err="1"/>
-              <a:t>Leskovec</a:t>
-            </a:r>
-            <a:r>
-              <a:rPr lang="en-US" dirty="0"/>
-              <a:t>, A. Rajaraman, J. Ullman: Mining of Massive Datasets, http://www.mmds.org</a:t>
-            </a:r>
-          </a:p>
-        </p:txBody>
-      </p:sp>
-    </p:spTree>
-    <p:extLst>
-      <p:ext uri="{BB962C8B-B14F-4D97-AF65-F5344CB8AC3E}">
-        <p14:creationId xmlns:p14="http://schemas.microsoft.com/office/powerpoint/2010/main" val="3666833605"/>
-      </p:ext>
-    </p:extLst>
-  </p:cSld>
-  <p:clrMapOvr>
-    <a:masterClrMapping/>
-  </p:clrMapOvr>
-  <p:timing>
-    <p:tnLst>
-      <p:par>
-        <p:cTn id="1" dur="indefinite" restart="never" nodeType="tmRoot">
-          <p:childTnLst>
-            <p:seq concurrent="1" nextAc="seek">
-              <p:cTn id="2" dur="indefinite" nodeType="mainSeq">
-                <p:childTnLst>
-                  <p:par>
-                    <p:cTn id="3" fill="hold">
-                      <p:stCondLst>
-                        <p:cond delay="indefinite"/>
-                      </p:stCondLst>
-                      <p:childTnLst>
-                        <p:par>
-                          <p:cTn id="4" fill="hold">
-                            <p:stCondLst>
-                              <p:cond delay="0"/>
-                            </p:stCondLst>
-                            <p:childTnLst>
-                              <p:par>
-                                <p:cTn id="5" presetID="1" presetClass="entr" presetSubtype="0" fill="hold" nodeType="clickEffect">
-                                  <p:stCondLst>
-                                    <p:cond delay="0"/>
-                                  </p:stCondLst>
-                                  <p:childTnLst>
-                                    <p:set>
-                                      <p:cBhvr>
-                                        <p:cTn id="6" dur="1" fill="hold">
-                                          <p:stCondLst>
-                                            <p:cond delay="0"/>
-                                          </p:stCondLst>
-                                        </p:cTn>
-                                        <p:tgtEl>
-                                          <p:spTgt spid="3">
-                                            <p:txEl>
-                                              <p:pRg st="1" end="1"/>
-                                            </p:txEl>
-                                          </p:spTgt>
-                                        </p:tgtEl>
-                                        <p:attrNameLst>
-                                          <p:attrName>style.visibility</p:attrName>
-                                        </p:attrNameLst>
-                                      </p:cBhvr>
-                                      <p:to>
-                                        <p:strVal val="visible"/>
-                                      </p:to>
-                                    </p:set>
-                                  </p:childTnLst>
-                                </p:cTn>
-                              </p:par>
-                            </p:childTnLst>
-                          </p:cTn>
-                        </p:par>
-                      </p:childTnLst>
-                    </p:cTn>
-                  </p:par>
-                  <p:par>
-                    <p:cTn id="7" fill="hold">
-                      <p:stCondLst>
-                        <p:cond delay="indefinite"/>
-                      </p:stCondLst>
-                      <p:childTnLst>
-                        <p:par>
-                          <p:cTn id="8" fill="hold">
-                            <p:stCondLst>
-                              <p:cond delay="0"/>
-                            </p:stCondLst>
-                            <p:childTnLst>
-                              <p:par>
-                                <p:cTn id="9" presetID="1" presetClass="entr" presetSubtype="0" fill="hold" nodeType="clickEffect">
-                                  <p:stCondLst>
-                                    <p:cond delay="0"/>
-                                  </p:stCondLst>
-                                  <p:childTnLst>
-                                    <p:set>
-                                      <p:cBhvr>
-                                        <p:cTn id="10" dur="1" fill="hold">
-                                          <p:stCondLst>
-                                            <p:cond delay="0"/>
-                                          </p:stCondLst>
-                                        </p:cTn>
-                                        <p:tgtEl>
-                                          <p:spTgt spid="3">
-                                            <p:txEl>
-                                              <p:pRg st="2" end="2"/>
-                                            </p:txEl>
-                                          </p:spTgt>
-                                        </p:tgtEl>
-                                        <p:attrNameLst>
-                                          <p:attrName>style.visibility</p:attrName>
-                                        </p:attrNameLst>
-                                      </p:cBhvr>
-                                      <p:to>
-                                        <p:strVal val="visible"/>
-                                      </p:to>
-                                    </p:set>
-                                  </p:childTnLst>
-                                </p:cTn>
-                              </p:par>
-                            </p:childTnLst>
-                          </p:cTn>
-                        </p:par>
-                      </p:childTnLst>
-                    </p:cTn>
-                  </p:par>
-                  <p:par>
-                    <p:cTn id="11" fill="hold">
-                      <p:stCondLst>
-                        <p:cond delay="indefinite"/>
-                      </p:stCondLst>
-                      <p:childTnLst>
-                        <p:par>
-                          <p:cTn id="12" fill="hold">
-                            <p:stCondLst>
-                              <p:cond delay="0"/>
-                            </p:stCondLst>
-                            <p:childTnLst>
-                              <p:par>
-                                <p:cTn id="13" presetID="1" presetClass="entr" presetSubtype="0" fill="hold" nodeType="clickEffect">
-                                  <p:stCondLst>
-                                    <p:cond delay="0"/>
-                                  </p:stCondLst>
-                                  <p:childTnLst>
-                                    <p:set>
-                                      <p:cBhvr>
-                                        <p:cTn id="14" dur="1" fill="hold">
-                                          <p:stCondLst>
-                                            <p:cond delay="0"/>
-                                          </p:stCondLst>
-                                        </p:cTn>
-                                        <p:tgtEl>
-                                          <p:spTgt spid="3">
-                                            <p:txEl>
-                                              <p:pRg st="3" end="3"/>
-                                            </p:txEl>
-                                          </p:spTgt>
-                                        </p:tgtEl>
-                                        <p:attrNameLst>
-                                          <p:attrName>style.visibility</p:attrName>
-                                        </p:attrNameLst>
-                                      </p:cBhvr>
-                                      <p:to>
-                                        <p:strVal val="visible"/>
-                                      </p:to>
-                                    </p:set>
-                                  </p:childTnLst>
-                                </p:cTn>
-                              </p:par>
-                            </p:childTnLst>
-                          </p:cTn>
-                        </p:par>
-                      </p:childTnLst>
-                    </p:cTn>
-                  </p:par>
-                  <p:par>
-                    <p:cTn id="15" fill="hold">
-                      <p:stCondLst>
-                        <p:cond delay="indefinite"/>
-                      </p:stCondLst>
-                      <p:childTnLst>
-                        <p:par>
-                          <p:cTn id="16" fill="hold">
-                            <p:stCondLst>
-                              <p:cond delay="0"/>
-                            </p:stCondLst>
-                            <p:childTnLst>
-                              <p:par>
-                                <p:cTn id="17" presetID="1" presetClass="entr" presetSubtype="0" fill="hold" nodeType="clickEffect">
-                                  <p:stCondLst>
-                                    <p:cond delay="0"/>
-                                  </p:stCondLst>
-                                  <p:childTnLst>
-                                    <p:set>
-                                      <p:cBhvr>
-                                        <p:cTn id="18" dur="1" fill="hold">
-                                          <p:stCondLst>
-                                            <p:cond delay="0"/>
-                                          </p:stCondLst>
-                                        </p:cTn>
-                                        <p:tgtEl>
-                                          <p:spTgt spid="3">
-                                            <p:txEl>
-                                              <p:pRg st="4" end="4"/>
-                                            </p:txEl>
-                                          </p:spTgt>
-                                        </p:tgtEl>
-                                        <p:attrNameLst>
-                                          <p:attrName>style.visibility</p:attrName>
-                                        </p:attrNameLst>
-                                      </p:cBhvr>
-                                      <p:to>
-                                        <p:strVal val="visible"/>
-                                      </p:to>
-                                    </p:set>
-                                  </p:childTnLst>
-                                </p:cTn>
-                              </p:par>
-                            </p:childTnLst>
-                          </p:cTn>
-                        </p:par>
-                      </p:childTnLst>
-                    </p:cTn>
-                  </p:par>
-                </p:childTnLst>
-              </p:cTn>
-              <p:prevCondLst>
-                <p:cond evt="onPrev" delay="0">
-                  <p:tgtEl>
-                    <p:sldTgt/>
-                  </p:tgtEl>
-                </p:cond>
-              </p:prevCondLst>
-              <p:nextCondLst>
-                <p:cond evt="onNext" delay="0">
-                  <p:tgtEl>
-                    <p:sldTgt/>
-                  </p:tgtEl>
-                </p:cond>
-              </p:nextCondLst>
-            </p:seq>
-          </p:childTnLst>
-        </p:cTn>
-      </p:par>
-    </p:tnLst>
-  </p:timing>
-</p:sld>
-</file>
-
-<file path=ppt/slides/slide9.xml><?xml version="1.0" encoding="utf-8"?>
-<p:sld xmlns:a="http://schemas.openxmlformats.org/drawingml/2006/main" xmlns:r="http://schemas.openxmlformats.org/officeDocument/2006/relationships" xmlns:p="http://schemas.openxmlformats.org/presentationml/2006/main">
-  <p:cSld>
-    <p:spTree>
-      <p:nvGrpSpPr>
-        <p:cNvPr id="1" name=""/>
-        <p:cNvGrpSpPr/>
-        <p:nvPr/>
-      </p:nvGrpSpPr>
-      <p:grpSpPr>
-        <a:xfrm>
-          <a:off x="0" y="0"/>
-          <a:ext cx="0" cy="0"/>
-          <a:chOff x="0" y="0"/>
-          <a:chExt cx="0" cy="0"/>
-        </a:xfrm>
-      </p:grpSpPr>
-      <p:sp>
-        <p:nvSpPr>
-          <p:cNvPr id="3" name="Content Placeholder 2">
-            <a:extLst>
-              <a:ext uri="{FF2B5EF4-FFF2-40B4-BE49-F238E27FC236}">
-                <a16:creationId xmlns:a16="http://schemas.microsoft.com/office/drawing/2014/main" id="{ADFF18FE-FA5C-4A58-9D98-B6E6BF0ACE0E}"/>
-              </a:ext>
-            </a:extLst>
-          </p:cNvPr>
-          <p:cNvSpPr>
-            <a:spLocks noGrp="1"/>
-          </p:cNvSpPr>
-          <p:nvPr>
-            <p:ph idx="1"/>
-          </p:nvPr>
-        </p:nvSpPr>
-        <p:spPr>
-          <a:xfrm>
-            <a:off x="838200" y="1110712"/>
-            <a:ext cx="10515600" cy="5066251"/>
-          </a:xfrm>
-        </p:spPr>
-        <p:txBody>
-          <a:bodyPr>
-            <a:normAutofit/>
-          </a:bodyPr>
-          <a:lstStyle/>
-          <a:p>
-            <a:pPr marL="0" indent="0">
-              <a:buNone/>
-            </a:pPr>
-            <a:r>
-              <a:rPr lang="en-US" dirty="0"/>
-              <a:t>How can we learn the structure of the web? </a:t>
-            </a:r>
-          </a:p>
-          <a:p>
-            <a:r>
-              <a:rPr lang="en-US" dirty="0"/>
-              <a:t>The importance of a web page for a search can be measured by its </a:t>
-            </a:r>
-            <a:r>
-              <a:rPr lang="en-US" b="1" dirty="0"/>
-              <a:t>centrality</a:t>
-            </a:r>
-          </a:p>
-          <a:p>
-            <a:r>
-              <a:rPr lang="en-US" dirty="0"/>
-              <a:t>Centrality is a measure of how important a graph node is with respect to the other nodes</a:t>
-            </a:r>
-          </a:p>
-          <a:p>
-            <a:r>
-              <a:rPr lang="en-US" dirty="0"/>
-              <a:t>We assume the more central a web page is the more important it is as a </a:t>
-            </a:r>
-            <a:r>
-              <a:rPr lang="en-US"/>
-              <a:t>search result</a:t>
-            </a:r>
-            <a:endParaRPr lang="en-US" dirty="0"/>
-          </a:p>
-          <a:p>
-            <a:r>
-              <a:rPr lang="en-US" dirty="0"/>
-              <a:t>Centrality in networks is an old idea </a:t>
-            </a:r>
-          </a:p>
-          <a:p>
-            <a:pPr lvl="1"/>
-            <a:r>
-              <a:rPr lang="en-US" dirty="0"/>
-              <a:t>Developed by </a:t>
-            </a:r>
-            <a:r>
-              <a:rPr lang="en-US" dirty="0">
-                <a:hlinkClick r:id="rId2"/>
-              </a:rPr>
-              <a:t>Kratz, 1953</a:t>
-            </a:r>
-            <a:r>
-              <a:rPr lang="en-US" dirty="0"/>
-              <a:t>, for phycological analysis of networks of people  </a:t>
-            </a:r>
-          </a:p>
-          <a:p>
-            <a:endParaRPr lang="en-US" dirty="0"/>
-          </a:p>
-        </p:txBody>
-      </p:sp>
-      <p:sp>
-        <p:nvSpPr>
-          <p:cNvPr id="4" name="Title 1">
-            <a:extLst>
-              <a:ext uri="{FF2B5EF4-FFF2-40B4-BE49-F238E27FC236}">
-                <a16:creationId xmlns:a16="http://schemas.microsoft.com/office/drawing/2014/main" id="{29DB073B-F460-4638-96F3-26E9BB4B682E}"/>
-              </a:ext>
-            </a:extLst>
-          </p:cNvPr>
-          <p:cNvSpPr>
-            <a:spLocks noGrp="1"/>
-          </p:cNvSpPr>
-          <p:nvPr>
-            <p:ph type="title"/>
-          </p:nvPr>
-        </p:nvSpPr>
-        <p:spPr>
-          <a:xfrm>
-            <a:off x="744894" y="290480"/>
-            <a:ext cx="10515600" cy="628585"/>
-          </a:xfrm>
-        </p:spPr>
-        <p:txBody>
-          <a:bodyPr>
-            <a:normAutofit fontScale="90000"/>
-          </a:bodyPr>
-          <a:lstStyle/>
-          <a:p>
-            <a:r>
-              <a:rPr lang="en-US" dirty="0">
-                <a:latin typeface="+mn-lt"/>
-              </a:rPr>
-              <a:t>Learning the Structure of the Web? </a:t>
-            </a:r>
-          </a:p>
-        </p:txBody>
-      </p:sp>
-    </p:spTree>
-    <p:extLst>
-      <p:ext uri="{BB962C8B-B14F-4D97-AF65-F5344CB8AC3E}">
-        <p14:creationId xmlns:p14="http://schemas.microsoft.com/office/powerpoint/2010/main" val="2855258180"/>
-      </p:ext>
-    </p:extLst>
-  </p:cSld>
-  <p:clrMapOvr>
-    <a:masterClrMapping/>
-  </p:clrMapOvr>
-  <p:timing>
-    <p:tnLst>
-      <p:par>
-        <p:cTn id="1" dur="indefinite" restart="never" nodeType="tmRoot">
-          <p:childTnLst>
-            <p:seq concurrent="1" nextAc="seek">
-              <p:cTn id="2" dur="indefinite" nodeType="mainSeq">
-                <p:childTnLst>
-                  <p:par>
-                    <p:cTn id="3" fill="hold">
-                      <p:stCondLst>
-                        <p:cond delay="indefinite"/>
-                      </p:stCondLst>
-                      <p:childTnLst>
-                        <p:par>
-                          <p:cTn id="4" fill="hold">
-                            <p:stCondLst>
-                              <p:cond delay="0"/>
-                            </p:stCondLst>
-                            <p:childTnLst>
-                              <p:par>
-                                <p:cTn id="5" presetID="1" presetClass="entr" presetSubtype="0" fill="hold" nodeType="clickEffect">
-                                  <p:stCondLst>
-                                    <p:cond delay="0"/>
-                                  </p:stCondLst>
-                                  <p:childTnLst>
-                                    <p:set>
-                                      <p:cBhvr>
-                                        <p:cTn id="6" dur="1" fill="hold">
-                                          <p:stCondLst>
-                                            <p:cond delay="0"/>
-                                          </p:stCondLst>
-                                        </p:cTn>
-                                        <p:tgtEl>
-                                          <p:spTgt spid="3">
-                                            <p:txEl>
-                                              <p:pRg st="0" end="0"/>
-                                            </p:txEl>
-                                          </p:spTgt>
-                                        </p:tgtEl>
-                                        <p:attrNameLst>
-                                          <p:attrName>style.visibility</p:attrName>
-                                        </p:attrNameLst>
-                                      </p:cBhvr>
-                                      <p:to>
-                                        <p:strVal val="visible"/>
-                                      </p:to>
-                                    </p:set>
-                                  </p:childTnLst>
-                                </p:cTn>
-                              </p:par>
-                            </p:childTnLst>
-                          </p:cTn>
-                        </p:par>
-                      </p:childTnLst>
-                    </p:cTn>
-                  </p:par>
-                  <p:par>
-                    <p:cTn id="7" fill="hold">
-                      <p:stCondLst>
-                        <p:cond delay="indefinite"/>
-                      </p:stCondLst>
-                      <p:childTnLst>
-                        <p:par>
-                          <p:cTn id="8" fill="hold">
-                            <p:stCondLst>
-                              <p:cond delay="0"/>
-                            </p:stCondLst>
-                            <p:childTnLst>
-                              <p:par>
-                                <p:cTn id="9" presetID="1" presetClass="entr" presetSubtype="0" fill="hold" nodeType="clickEffect">
-                                  <p:stCondLst>
-                                    <p:cond delay="0"/>
-                                  </p:stCondLst>
-                                  <p:childTnLst>
-                                    <p:set>
-                                      <p:cBhvr>
-                                        <p:cTn id="10" dur="1" fill="hold">
-                                          <p:stCondLst>
-                                            <p:cond delay="0"/>
-                                          </p:stCondLst>
-                                        </p:cTn>
-                                        <p:tgtEl>
-                                          <p:spTgt spid="3">
-                                            <p:txEl>
-                                              <p:pRg st="1" end="1"/>
-                                            </p:txEl>
-                                          </p:spTgt>
-                                        </p:tgtEl>
-                                        <p:attrNameLst>
-                                          <p:attrName>style.visibility</p:attrName>
-                                        </p:attrNameLst>
-                                      </p:cBhvr>
-                                      <p:to>
-                                        <p:strVal val="visible"/>
-                                      </p:to>
-                                    </p:set>
-                                  </p:childTnLst>
-                                </p:cTn>
-                              </p:par>
-                            </p:childTnLst>
-                          </p:cTn>
-                        </p:par>
-                      </p:childTnLst>
-                    </p:cTn>
-                  </p:par>
-                  <p:par>
-                    <p:cTn id="11" fill="hold">
-                      <p:stCondLst>
-                        <p:cond delay="indefinite"/>
-                      </p:stCondLst>
-                      <p:childTnLst>
-                        <p:par>
-                          <p:cTn id="12" fill="hold">
-                            <p:stCondLst>
-                              <p:cond delay="0"/>
-                            </p:stCondLst>
-                            <p:childTnLst>
-                              <p:par>
-                                <p:cTn id="13" presetID="1" presetClass="entr" presetSubtype="0" fill="hold" nodeType="clickEffect">
-                                  <p:stCondLst>
-                                    <p:cond delay="0"/>
-                                  </p:stCondLst>
-                                  <p:childTnLst>
-                                    <p:set>
-                                      <p:cBhvr>
-                                        <p:cTn id="14" dur="1" fill="hold">
-                                          <p:stCondLst>
-                                            <p:cond delay="0"/>
-                                          </p:stCondLst>
-                                        </p:cTn>
-                                        <p:tgtEl>
-                                          <p:spTgt spid="3">
-                                            <p:txEl>
-                                              <p:pRg st="2" end="2"/>
-                                            </p:txEl>
-                                          </p:spTgt>
-                                        </p:tgtEl>
-                                        <p:attrNameLst>
-                                          <p:attrName>style.visibility</p:attrName>
-                                        </p:attrNameLst>
-                                      </p:cBhvr>
-                                      <p:to>
-                                        <p:strVal val="visible"/>
-                                      </p:to>
-                                    </p:set>
-                                  </p:childTnLst>
-                                </p:cTn>
-                              </p:par>
-                            </p:childTnLst>
-                          </p:cTn>
-                        </p:par>
-                      </p:childTnLst>
-                    </p:cTn>
-                  </p:par>
-                  <p:par>
-                    <p:cTn id="15" fill="hold">
-                      <p:stCondLst>
-                        <p:cond delay="indefinite"/>
-                      </p:stCondLst>
-                      <p:childTnLst>
-                        <p:par>
-                          <p:cTn id="16" fill="hold">
-                            <p:stCondLst>
-                              <p:cond delay="0"/>
-                            </p:stCondLst>
-                            <p:childTnLst>
-                              <p:par>
-                                <p:cTn id="17" presetID="1" presetClass="entr" presetSubtype="0" fill="hold" nodeType="clickEffect">
-                                  <p:stCondLst>
-                                    <p:cond delay="0"/>
-                                  </p:stCondLst>
-                                  <p:childTnLst>
-                                    <p:set>
-                                      <p:cBhvr>
-                                        <p:cTn id="18" dur="1" fill="hold">
-                                          <p:stCondLst>
-                                            <p:cond delay="0"/>
-                                          </p:stCondLst>
-                                        </p:cTn>
-                                        <p:tgtEl>
-                                          <p:spTgt spid="3">
-                                            <p:txEl>
-                                              <p:pRg st="3" end="3"/>
-                                            </p:txEl>
-                                          </p:spTgt>
-                                        </p:tgtEl>
-                                        <p:attrNameLst>
-                                          <p:attrName>style.visibility</p:attrName>
-                                        </p:attrNameLst>
-                                      </p:cBhvr>
-                                      <p:to>
-                                        <p:strVal val="visible"/>
-                                      </p:to>
-                                    </p:set>
-                                  </p:childTnLst>
-                                </p:cTn>
-                              </p:par>
-                            </p:childTnLst>
-                          </p:cTn>
-                        </p:par>
-                      </p:childTnLst>
-                    </p:cTn>
-                  </p:par>
-                  <p:par>
-                    <p:cTn id="19" fill="hold">
-                      <p:stCondLst>
-                        <p:cond delay="indefinite"/>
-                      </p:stCondLst>
-                      <p:childTnLst>
-                        <p:par>
-                          <p:cTn id="20" fill="hold">
-                            <p:stCondLst>
-                              <p:cond delay="0"/>
-                            </p:stCondLst>
-                            <p:childTnLst>
-                              <p:par>
-                                <p:cTn id="21" presetID="1" presetClass="entr" presetSubtype="0" fill="hold" nodeType="clickEffect">
-                                  <p:stCondLst>
-                                    <p:cond delay="0"/>
-                                  </p:stCondLst>
-                                  <p:childTnLst>
-                                    <p:set>
-                                      <p:cBhvr>
-                                        <p:cTn id="22" dur="1" fill="hold">
-                                          <p:stCondLst>
-                                            <p:cond delay="0"/>
-                                          </p:stCondLst>
-                                        </p:cTn>
-                                        <p:tgtEl>
-                                          <p:spTgt spid="3">
-                                            <p:txEl>
-                                              <p:pRg st="4" end="4"/>
-                                            </p:txEl>
-                                          </p:spTgt>
-                                        </p:tgtEl>
-                                        <p:attrNameLst>
-                                          <p:attrName>style.visibility</p:attrName>
-                                        </p:attrNameLst>
-                                      </p:cBhvr>
-                                      <p:to>
-                                        <p:strVal val="visible"/>
-                                      </p:to>
-                                    </p:set>
-                                  </p:childTnLst>
-                                </p:cTn>
-                              </p:par>
-                            </p:childTnLst>
-                          </p:cTn>
-                        </p:par>
-                      </p:childTnLst>
-                    </p:cTn>
-                  </p:par>
-                  <p:par>
-                    <p:cTn id="23" fill="hold">
-                      <p:stCondLst>
-                        <p:cond delay="indefinite"/>
-                      </p:stCondLst>
-                      <p:childTnLst>
-                        <p:par>
-                          <p:cTn id="24" fill="hold">
-                            <p:stCondLst>
-                              <p:cond delay="0"/>
-                            </p:stCondLst>
-                            <p:childTnLst>
-                              <p:par>
-                                <p:cTn id="25" presetID="1" presetClass="entr" presetSubtype="0" fill="hold" nodeType="clickEffect">
-                                  <p:stCondLst>
-                                    <p:cond delay="0"/>
-                                  </p:stCondLst>
-                                  <p:childTnLst>
-                                    <p:set>
-                                      <p:cBhvr>
-                                        <p:cTn id="26" dur="1" fill="hold">
-                                          <p:stCondLst>
-                                            <p:cond delay="0"/>
-                                          </p:stCondLst>
-                                        </p:cTn>
-                                        <p:tgtEl>
-                                          <p:spTgt spid="3">
-                                            <p:txEl>
-                                              <p:pRg st="5" end="5"/>
-                                            </p:txEl>
-                                          </p:spTgt>
-                                        </p:tgtEl>
-                                        <p:attrNameLst>
-                                          <p:attrName>style.visibility</p:attrName>
-                                        </p:attrNameLst>
-                                      </p:cBhvr>
-                                      <p:to>
-                                        <p:strVal val="visible"/>
-                                      </p:to>
-                                    </p:set>
-                                  </p:childTnLst>
-                                </p:cTn>
-                              </p:par>
-                            </p:childTnLst>
-                          </p:cTn>
-                        </p:par>
-                      </p:childTnLst>
-                    </p:cTn>
-                  </p:par>
-                </p:childTnLst>
-              </p:cTn>
-              <p:prevCondLst>
-                <p:cond evt="onPrev" delay="0">
-                  <p:tgtEl>
-                    <p:sldTgt/>
-                  </p:tgtEl>
-                </p:cond>
-              </p:prevCondLst>
-              <p:nextCondLst>
-                <p:cond evt="onNext" delay="0">
-                  <p:tgtEl>
-                    <p:sldTgt/>
-                  </p:tgtEl>
-                </p:cond>
-              </p:nextCondLst>
-            </p:seq>
-          </p:childTnLst>
-        </p:cTn>
-      </p:par>
-    </p:tnLst>
-  </p:timing>
-</p:sld>
-</file>
-
 <file path=ppt/theme/theme1.xml><?xml version="1.0" encoding="utf-8"?>
 <a:theme xmlns:a="http://schemas.openxmlformats.org/drawingml/2006/main" name="Office Theme">
   <a:themeElements>

--- a/slides/5_WebSearching.pptx
+++ b/slides/5_WebSearching.pptx
@@ -12,39 +12,41 @@
     <p:sldId id="307" r:id="rId6"/>
     <p:sldId id="278" r:id="rId7"/>
     <p:sldId id="277" r:id="rId8"/>
-    <p:sldId id="276" r:id="rId9"/>
-    <p:sldId id="281" r:id="rId10"/>
-    <p:sldId id="282" r:id="rId11"/>
-    <p:sldId id="259" r:id="rId12"/>
-    <p:sldId id="304" r:id="rId13"/>
-    <p:sldId id="284" r:id="rId14"/>
-    <p:sldId id="286" r:id="rId15"/>
-    <p:sldId id="285" r:id="rId16"/>
-    <p:sldId id="305" r:id="rId17"/>
-    <p:sldId id="268" r:id="rId18"/>
-    <p:sldId id="260" r:id="rId19"/>
-    <p:sldId id="262" r:id="rId20"/>
-    <p:sldId id="263" r:id="rId21"/>
-    <p:sldId id="288" r:id="rId22"/>
-    <p:sldId id="312" r:id="rId23"/>
-    <p:sldId id="289" r:id="rId24"/>
-    <p:sldId id="306" r:id="rId25"/>
-    <p:sldId id="290" r:id="rId26"/>
-    <p:sldId id="291" r:id="rId27"/>
-    <p:sldId id="292" r:id="rId28"/>
-    <p:sldId id="293" r:id="rId29"/>
-    <p:sldId id="294" r:id="rId30"/>
-    <p:sldId id="295" r:id="rId31"/>
-    <p:sldId id="296" r:id="rId32"/>
-    <p:sldId id="300" r:id="rId33"/>
-    <p:sldId id="298" r:id="rId34"/>
-    <p:sldId id="301" r:id="rId35"/>
-    <p:sldId id="302" r:id="rId36"/>
-    <p:sldId id="303" r:id="rId37"/>
-    <p:sldId id="308" r:id="rId38"/>
-    <p:sldId id="309" r:id="rId39"/>
-    <p:sldId id="310" r:id="rId40"/>
-    <p:sldId id="311" r:id="rId41"/>
+    <p:sldId id="316" r:id="rId9"/>
+    <p:sldId id="315" r:id="rId10"/>
+    <p:sldId id="276" r:id="rId11"/>
+    <p:sldId id="281" r:id="rId12"/>
+    <p:sldId id="282" r:id="rId13"/>
+    <p:sldId id="259" r:id="rId14"/>
+    <p:sldId id="304" r:id="rId15"/>
+    <p:sldId id="284" r:id="rId16"/>
+    <p:sldId id="286" r:id="rId17"/>
+    <p:sldId id="285" r:id="rId18"/>
+    <p:sldId id="305" r:id="rId19"/>
+    <p:sldId id="268" r:id="rId20"/>
+    <p:sldId id="260" r:id="rId21"/>
+    <p:sldId id="262" r:id="rId22"/>
+    <p:sldId id="263" r:id="rId23"/>
+    <p:sldId id="288" r:id="rId24"/>
+    <p:sldId id="312" r:id="rId25"/>
+    <p:sldId id="289" r:id="rId26"/>
+    <p:sldId id="306" r:id="rId27"/>
+    <p:sldId id="290" r:id="rId28"/>
+    <p:sldId id="291" r:id="rId29"/>
+    <p:sldId id="292" r:id="rId30"/>
+    <p:sldId id="293" r:id="rId31"/>
+    <p:sldId id="294" r:id="rId32"/>
+    <p:sldId id="295" r:id="rId33"/>
+    <p:sldId id="296" r:id="rId34"/>
+    <p:sldId id="300" r:id="rId35"/>
+    <p:sldId id="298" r:id="rId36"/>
+    <p:sldId id="301" r:id="rId37"/>
+    <p:sldId id="302" r:id="rId38"/>
+    <p:sldId id="303" r:id="rId39"/>
+    <p:sldId id="308" r:id="rId40"/>
+    <p:sldId id="309" r:id="rId41"/>
+    <p:sldId id="310" r:id="rId42"/>
+    <p:sldId id="311" r:id="rId43"/>
   </p:sldIdLst>
   <p:sldSz cx="12192000" cy="6858000"/>
   <p:notesSz cx="6858000" cy="9144000"/>
@@ -298,7 +300,7 @@
           <a:p>
             <a:fld id="{A0BE7E77-FE47-445E-A4A9-C9AC534D337D}" type="datetimeFigureOut">
               <a:rPr lang="en-US" smtClean="0"/>
-              <a:t>7/6/2021</a:t>
+              <a:t>6/29/2022</a:t>
             </a:fld>
             <a:endParaRPr lang="en-US"/>
           </a:p>
@@ -496,7 +498,7 @@
           <a:p>
             <a:fld id="{A0BE7E77-FE47-445E-A4A9-C9AC534D337D}" type="datetimeFigureOut">
               <a:rPr lang="en-US" smtClean="0"/>
-              <a:t>7/6/2021</a:t>
+              <a:t>6/29/2022</a:t>
             </a:fld>
             <a:endParaRPr lang="en-US"/>
           </a:p>
@@ -704,7 +706,7 @@
           <a:p>
             <a:fld id="{A0BE7E77-FE47-445E-A4A9-C9AC534D337D}" type="datetimeFigureOut">
               <a:rPr lang="en-US" smtClean="0"/>
-              <a:t>7/6/2021</a:t>
+              <a:t>6/29/2022</a:t>
             </a:fld>
             <a:endParaRPr lang="en-US"/>
           </a:p>
@@ -902,7 +904,7 @@
           <a:p>
             <a:fld id="{A0BE7E77-FE47-445E-A4A9-C9AC534D337D}" type="datetimeFigureOut">
               <a:rPr lang="en-US" smtClean="0"/>
-              <a:t>7/6/2021</a:t>
+              <a:t>6/29/2022</a:t>
             </a:fld>
             <a:endParaRPr lang="en-US"/>
           </a:p>
@@ -1177,7 +1179,7 @@
           <a:p>
             <a:fld id="{A0BE7E77-FE47-445E-A4A9-C9AC534D337D}" type="datetimeFigureOut">
               <a:rPr lang="en-US" smtClean="0"/>
-              <a:t>7/6/2021</a:t>
+              <a:t>6/29/2022</a:t>
             </a:fld>
             <a:endParaRPr lang="en-US"/>
           </a:p>
@@ -1442,7 +1444,7 @@
           <a:p>
             <a:fld id="{A0BE7E77-FE47-445E-A4A9-C9AC534D337D}" type="datetimeFigureOut">
               <a:rPr lang="en-US" smtClean="0"/>
-              <a:t>7/6/2021</a:t>
+              <a:t>6/29/2022</a:t>
             </a:fld>
             <a:endParaRPr lang="en-US"/>
           </a:p>
@@ -1854,7 +1856,7 @@
           <a:p>
             <a:fld id="{A0BE7E77-FE47-445E-A4A9-C9AC534D337D}" type="datetimeFigureOut">
               <a:rPr lang="en-US" smtClean="0"/>
-              <a:t>7/6/2021</a:t>
+              <a:t>6/29/2022</a:t>
             </a:fld>
             <a:endParaRPr lang="en-US"/>
           </a:p>
@@ -1995,7 +1997,7 @@
           <a:p>
             <a:fld id="{A0BE7E77-FE47-445E-A4A9-C9AC534D337D}" type="datetimeFigureOut">
               <a:rPr lang="en-US" smtClean="0"/>
-              <a:t>7/6/2021</a:t>
+              <a:t>6/29/2022</a:t>
             </a:fld>
             <a:endParaRPr lang="en-US"/>
           </a:p>
@@ -2108,7 +2110,7 @@
           <a:p>
             <a:fld id="{A0BE7E77-FE47-445E-A4A9-C9AC534D337D}" type="datetimeFigureOut">
               <a:rPr lang="en-US" smtClean="0"/>
-              <a:t>7/6/2021</a:t>
+              <a:t>6/29/2022</a:t>
             </a:fld>
             <a:endParaRPr lang="en-US"/>
           </a:p>
@@ -2419,7 +2421,7 @@
           <a:p>
             <a:fld id="{A0BE7E77-FE47-445E-A4A9-C9AC534D337D}" type="datetimeFigureOut">
               <a:rPr lang="en-US" smtClean="0"/>
-              <a:t>7/6/2021</a:t>
+              <a:t>6/29/2022</a:t>
             </a:fld>
             <a:endParaRPr lang="en-US"/>
           </a:p>
@@ -2707,7 +2709,7 @@
           <a:p>
             <a:fld id="{A0BE7E77-FE47-445E-A4A9-C9AC534D337D}" type="datetimeFigureOut">
               <a:rPr lang="en-US" smtClean="0"/>
-              <a:t>7/6/2021</a:t>
+              <a:t>6/29/2022</a:t>
             </a:fld>
             <a:endParaRPr lang="en-US"/>
           </a:p>
@@ -2948,7 +2950,7 @@
           <a:p>
             <a:fld id="{A0BE7E77-FE47-445E-A4A9-C9AC534D337D}" type="datetimeFigureOut">
               <a:rPr lang="en-US" smtClean="0"/>
-              <a:t>7/6/2021</a:t>
+              <a:t>6/29/2022</a:t>
             </a:fld>
             <a:endParaRPr lang="en-US"/>
           </a:p>
@@ -3794,6 +3796,1393 @@
         </p:nvSpPr>
         <p:spPr>
           <a:xfrm>
+            <a:off x="838200" y="1452282"/>
+            <a:ext cx="10515600" cy="4724681"/>
+          </a:xfrm>
+        </p:spPr>
+        <p:txBody>
+          <a:bodyPr/>
+          <a:lstStyle/>
+          <a:p>
+            <a:pPr marL="0" indent="0">
+              <a:buNone/>
+            </a:pPr>
+            <a:r>
+              <a:rPr lang="en-US" b="1" dirty="0"/>
+              <a:t>Web search </a:t>
+            </a:r>
+            <a:r>
+              <a:rPr lang="en-US" dirty="0"/>
+              <a:t>is an application of </a:t>
+            </a:r>
+            <a:r>
+              <a:rPr lang="en-US" b="1" dirty="0"/>
+              <a:t>graph theory</a:t>
+            </a:r>
+          </a:p>
+          <a:p>
+            <a:r>
+              <a:rPr lang="en-US" dirty="0"/>
+              <a:t>The web is a very large directed graph  </a:t>
+            </a:r>
+          </a:p>
+          <a:p>
+            <a:r>
+              <a:rPr lang="en-US" dirty="0"/>
+              <a:t>Nodes are pages  </a:t>
+            </a:r>
+          </a:p>
+          <a:p>
+            <a:pPr lvl="1"/>
+            <a:r>
+              <a:rPr lang="en-US" dirty="0"/>
+              <a:t>Pages contain content in most any form – text, video, audio, documents,…</a:t>
+            </a:r>
+          </a:p>
+          <a:p>
+            <a:pPr lvl="1"/>
+            <a:r>
+              <a:rPr lang="en-US" dirty="0"/>
+              <a:t>Search results are presented as pages that best fit a user’s query</a:t>
+            </a:r>
+          </a:p>
+          <a:p>
+            <a:r>
+              <a:rPr lang="en-US" dirty="0"/>
+              <a:t>Edges are </a:t>
+            </a:r>
+            <a:r>
+              <a:rPr lang="en-US" b="1" dirty="0"/>
+              <a:t>hyperlinks</a:t>
+            </a:r>
+            <a:r>
+              <a:rPr lang="en-US" dirty="0"/>
+              <a:t> </a:t>
+            </a:r>
+          </a:p>
+          <a:p>
+            <a:pPr lvl="1"/>
+            <a:r>
+              <a:rPr lang="en-US" dirty="0"/>
+              <a:t>Edges are directed from one page to another  - outgoing</a:t>
+            </a:r>
+          </a:p>
+          <a:p>
+            <a:pPr lvl="1"/>
+            <a:r>
+              <a:rPr lang="en-US" dirty="0"/>
+              <a:t>Pages can have multiple directed links  </a:t>
+            </a:r>
+          </a:p>
+          <a:p>
+            <a:pPr lvl="1"/>
+            <a:r>
+              <a:rPr lang="en-US" dirty="0"/>
+              <a:t>A page with a link to another page need not be linked by the other page – no symmetry  </a:t>
+            </a:r>
+          </a:p>
+          <a:p>
+            <a:pPr lvl="1"/>
+            <a:endParaRPr lang="en-US" dirty="0"/>
+          </a:p>
+        </p:txBody>
+      </p:sp>
+    </p:spTree>
+    <p:extLst>
+      <p:ext uri="{BB962C8B-B14F-4D97-AF65-F5344CB8AC3E}">
+        <p14:creationId xmlns:p14="http://schemas.microsoft.com/office/powerpoint/2010/main" val="895633426"/>
+      </p:ext>
+    </p:extLst>
+  </p:cSld>
+  <p:clrMapOvr>
+    <a:masterClrMapping/>
+  </p:clrMapOvr>
+  <p:timing>
+    <p:tnLst>
+      <p:par>
+        <p:cTn id="1" dur="indefinite" restart="never" nodeType="tmRoot">
+          <p:childTnLst>
+            <p:seq concurrent="1" nextAc="seek">
+              <p:cTn id="2" dur="indefinite" nodeType="mainSeq">
+                <p:childTnLst>
+                  <p:par>
+                    <p:cTn id="3" fill="hold">
+                      <p:stCondLst>
+                        <p:cond delay="indefinite"/>
+                      </p:stCondLst>
+                      <p:childTnLst>
+                        <p:par>
+                          <p:cTn id="4" fill="hold">
+                            <p:stCondLst>
+                              <p:cond delay="0"/>
+                            </p:stCondLst>
+                            <p:childTnLst>
+                              <p:par>
+                                <p:cTn id="5" presetID="1" presetClass="entr" presetSubtype="0" fill="hold" nodeType="clickEffect">
+                                  <p:stCondLst>
+                                    <p:cond delay="0"/>
+                                  </p:stCondLst>
+                                  <p:childTnLst>
+                                    <p:set>
+                                      <p:cBhvr>
+                                        <p:cTn id="6" dur="1" fill="hold">
+                                          <p:stCondLst>
+                                            <p:cond delay="0"/>
+                                          </p:stCondLst>
+                                        </p:cTn>
+                                        <p:tgtEl>
+                                          <p:spTgt spid="3">
+                                            <p:txEl>
+                                              <p:pRg st="1" end="1"/>
+                                            </p:txEl>
+                                          </p:spTgt>
+                                        </p:tgtEl>
+                                        <p:attrNameLst>
+                                          <p:attrName>style.visibility</p:attrName>
+                                        </p:attrNameLst>
+                                      </p:cBhvr>
+                                      <p:to>
+                                        <p:strVal val="visible"/>
+                                      </p:to>
+                                    </p:set>
+                                  </p:childTnLst>
+                                </p:cTn>
+                              </p:par>
+                            </p:childTnLst>
+                          </p:cTn>
+                        </p:par>
+                      </p:childTnLst>
+                    </p:cTn>
+                  </p:par>
+                  <p:par>
+                    <p:cTn id="7" fill="hold">
+                      <p:stCondLst>
+                        <p:cond delay="indefinite"/>
+                      </p:stCondLst>
+                      <p:childTnLst>
+                        <p:par>
+                          <p:cTn id="8" fill="hold">
+                            <p:stCondLst>
+                              <p:cond delay="0"/>
+                            </p:stCondLst>
+                            <p:childTnLst>
+                              <p:par>
+                                <p:cTn id="9" presetID="1" presetClass="entr" presetSubtype="0" fill="hold" nodeType="clickEffect">
+                                  <p:stCondLst>
+                                    <p:cond delay="0"/>
+                                  </p:stCondLst>
+                                  <p:childTnLst>
+                                    <p:set>
+                                      <p:cBhvr>
+                                        <p:cTn id="10" dur="1" fill="hold">
+                                          <p:stCondLst>
+                                            <p:cond delay="0"/>
+                                          </p:stCondLst>
+                                        </p:cTn>
+                                        <p:tgtEl>
+                                          <p:spTgt spid="3">
+                                            <p:txEl>
+                                              <p:pRg st="2" end="2"/>
+                                            </p:txEl>
+                                          </p:spTgt>
+                                        </p:tgtEl>
+                                        <p:attrNameLst>
+                                          <p:attrName>style.visibility</p:attrName>
+                                        </p:attrNameLst>
+                                      </p:cBhvr>
+                                      <p:to>
+                                        <p:strVal val="visible"/>
+                                      </p:to>
+                                    </p:set>
+                                  </p:childTnLst>
+                                </p:cTn>
+                              </p:par>
+                            </p:childTnLst>
+                          </p:cTn>
+                        </p:par>
+                      </p:childTnLst>
+                    </p:cTn>
+                  </p:par>
+                  <p:par>
+                    <p:cTn id="11" fill="hold">
+                      <p:stCondLst>
+                        <p:cond delay="indefinite"/>
+                      </p:stCondLst>
+                      <p:childTnLst>
+                        <p:par>
+                          <p:cTn id="12" fill="hold">
+                            <p:stCondLst>
+                              <p:cond delay="0"/>
+                            </p:stCondLst>
+                            <p:childTnLst>
+                              <p:par>
+                                <p:cTn id="13" presetID="1" presetClass="entr" presetSubtype="0" fill="hold" nodeType="clickEffect">
+                                  <p:stCondLst>
+                                    <p:cond delay="0"/>
+                                  </p:stCondLst>
+                                  <p:childTnLst>
+                                    <p:set>
+                                      <p:cBhvr>
+                                        <p:cTn id="14" dur="1" fill="hold">
+                                          <p:stCondLst>
+                                            <p:cond delay="0"/>
+                                          </p:stCondLst>
+                                        </p:cTn>
+                                        <p:tgtEl>
+                                          <p:spTgt spid="3">
+                                            <p:txEl>
+                                              <p:pRg st="3" end="3"/>
+                                            </p:txEl>
+                                          </p:spTgt>
+                                        </p:tgtEl>
+                                        <p:attrNameLst>
+                                          <p:attrName>style.visibility</p:attrName>
+                                        </p:attrNameLst>
+                                      </p:cBhvr>
+                                      <p:to>
+                                        <p:strVal val="visible"/>
+                                      </p:to>
+                                    </p:set>
+                                  </p:childTnLst>
+                                </p:cTn>
+                              </p:par>
+                            </p:childTnLst>
+                          </p:cTn>
+                        </p:par>
+                      </p:childTnLst>
+                    </p:cTn>
+                  </p:par>
+                  <p:par>
+                    <p:cTn id="15" fill="hold">
+                      <p:stCondLst>
+                        <p:cond delay="indefinite"/>
+                      </p:stCondLst>
+                      <p:childTnLst>
+                        <p:par>
+                          <p:cTn id="16" fill="hold">
+                            <p:stCondLst>
+                              <p:cond delay="0"/>
+                            </p:stCondLst>
+                            <p:childTnLst>
+                              <p:par>
+                                <p:cTn id="17" presetID="1" presetClass="entr" presetSubtype="0" fill="hold" nodeType="clickEffect">
+                                  <p:stCondLst>
+                                    <p:cond delay="0"/>
+                                  </p:stCondLst>
+                                  <p:childTnLst>
+                                    <p:set>
+                                      <p:cBhvr>
+                                        <p:cTn id="18" dur="1" fill="hold">
+                                          <p:stCondLst>
+                                            <p:cond delay="0"/>
+                                          </p:stCondLst>
+                                        </p:cTn>
+                                        <p:tgtEl>
+                                          <p:spTgt spid="3">
+                                            <p:txEl>
+                                              <p:pRg st="4" end="4"/>
+                                            </p:txEl>
+                                          </p:spTgt>
+                                        </p:tgtEl>
+                                        <p:attrNameLst>
+                                          <p:attrName>style.visibility</p:attrName>
+                                        </p:attrNameLst>
+                                      </p:cBhvr>
+                                      <p:to>
+                                        <p:strVal val="visible"/>
+                                      </p:to>
+                                    </p:set>
+                                  </p:childTnLst>
+                                </p:cTn>
+                              </p:par>
+                            </p:childTnLst>
+                          </p:cTn>
+                        </p:par>
+                      </p:childTnLst>
+                    </p:cTn>
+                  </p:par>
+                  <p:par>
+                    <p:cTn id="19" fill="hold">
+                      <p:stCondLst>
+                        <p:cond delay="indefinite"/>
+                      </p:stCondLst>
+                      <p:childTnLst>
+                        <p:par>
+                          <p:cTn id="20" fill="hold">
+                            <p:stCondLst>
+                              <p:cond delay="0"/>
+                            </p:stCondLst>
+                            <p:childTnLst>
+                              <p:par>
+                                <p:cTn id="21" presetID="1" presetClass="entr" presetSubtype="0" fill="hold" nodeType="clickEffect">
+                                  <p:stCondLst>
+                                    <p:cond delay="0"/>
+                                  </p:stCondLst>
+                                  <p:childTnLst>
+                                    <p:set>
+                                      <p:cBhvr>
+                                        <p:cTn id="22" dur="1" fill="hold">
+                                          <p:stCondLst>
+                                            <p:cond delay="0"/>
+                                          </p:stCondLst>
+                                        </p:cTn>
+                                        <p:tgtEl>
+                                          <p:spTgt spid="3">
+                                            <p:txEl>
+                                              <p:pRg st="5" end="5"/>
+                                            </p:txEl>
+                                          </p:spTgt>
+                                        </p:tgtEl>
+                                        <p:attrNameLst>
+                                          <p:attrName>style.visibility</p:attrName>
+                                        </p:attrNameLst>
+                                      </p:cBhvr>
+                                      <p:to>
+                                        <p:strVal val="visible"/>
+                                      </p:to>
+                                    </p:set>
+                                  </p:childTnLst>
+                                </p:cTn>
+                              </p:par>
+                            </p:childTnLst>
+                          </p:cTn>
+                        </p:par>
+                      </p:childTnLst>
+                    </p:cTn>
+                  </p:par>
+                  <p:par>
+                    <p:cTn id="23" fill="hold">
+                      <p:stCondLst>
+                        <p:cond delay="indefinite"/>
+                      </p:stCondLst>
+                      <p:childTnLst>
+                        <p:par>
+                          <p:cTn id="24" fill="hold">
+                            <p:stCondLst>
+                              <p:cond delay="0"/>
+                            </p:stCondLst>
+                            <p:childTnLst>
+                              <p:par>
+                                <p:cTn id="25" presetID="1" presetClass="entr" presetSubtype="0" fill="hold" nodeType="clickEffect">
+                                  <p:stCondLst>
+                                    <p:cond delay="0"/>
+                                  </p:stCondLst>
+                                  <p:childTnLst>
+                                    <p:set>
+                                      <p:cBhvr>
+                                        <p:cTn id="26" dur="1" fill="hold">
+                                          <p:stCondLst>
+                                            <p:cond delay="0"/>
+                                          </p:stCondLst>
+                                        </p:cTn>
+                                        <p:tgtEl>
+                                          <p:spTgt spid="3">
+                                            <p:txEl>
+                                              <p:pRg st="6" end="6"/>
+                                            </p:txEl>
+                                          </p:spTgt>
+                                        </p:tgtEl>
+                                        <p:attrNameLst>
+                                          <p:attrName>style.visibility</p:attrName>
+                                        </p:attrNameLst>
+                                      </p:cBhvr>
+                                      <p:to>
+                                        <p:strVal val="visible"/>
+                                      </p:to>
+                                    </p:set>
+                                  </p:childTnLst>
+                                </p:cTn>
+                              </p:par>
+                            </p:childTnLst>
+                          </p:cTn>
+                        </p:par>
+                      </p:childTnLst>
+                    </p:cTn>
+                  </p:par>
+                  <p:par>
+                    <p:cTn id="27" fill="hold">
+                      <p:stCondLst>
+                        <p:cond delay="indefinite"/>
+                      </p:stCondLst>
+                      <p:childTnLst>
+                        <p:par>
+                          <p:cTn id="28" fill="hold">
+                            <p:stCondLst>
+                              <p:cond delay="0"/>
+                            </p:stCondLst>
+                            <p:childTnLst>
+                              <p:par>
+                                <p:cTn id="29" presetID="1" presetClass="entr" presetSubtype="0" fill="hold" nodeType="clickEffect">
+                                  <p:stCondLst>
+                                    <p:cond delay="0"/>
+                                  </p:stCondLst>
+                                  <p:childTnLst>
+                                    <p:set>
+                                      <p:cBhvr>
+                                        <p:cTn id="30" dur="1" fill="hold">
+                                          <p:stCondLst>
+                                            <p:cond delay="0"/>
+                                          </p:stCondLst>
+                                        </p:cTn>
+                                        <p:tgtEl>
+                                          <p:spTgt spid="3">
+                                            <p:txEl>
+                                              <p:pRg st="7" end="7"/>
+                                            </p:txEl>
+                                          </p:spTgt>
+                                        </p:tgtEl>
+                                        <p:attrNameLst>
+                                          <p:attrName>style.visibility</p:attrName>
+                                        </p:attrNameLst>
+                                      </p:cBhvr>
+                                      <p:to>
+                                        <p:strVal val="visible"/>
+                                      </p:to>
+                                    </p:set>
+                                  </p:childTnLst>
+                                </p:cTn>
+                              </p:par>
+                            </p:childTnLst>
+                          </p:cTn>
+                        </p:par>
+                      </p:childTnLst>
+                    </p:cTn>
+                  </p:par>
+                  <p:par>
+                    <p:cTn id="31" fill="hold">
+                      <p:stCondLst>
+                        <p:cond delay="indefinite"/>
+                      </p:stCondLst>
+                      <p:childTnLst>
+                        <p:par>
+                          <p:cTn id="32" fill="hold">
+                            <p:stCondLst>
+                              <p:cond delay="0"/>
+                            </p:stCondLst>
+                            <p:childTnLst>
+                              <p:par>
+                                <p:cTn id="33" presetID="1" presetClass="entr" presetSubtype="0" fill="hold" nodeType="clickEffect">
+                                  <p:stCondLst>
+                                    <p:cond delay="0"/>
+                                  </p:stCondLst>
+                                  <p:childTnLst>
+                                    <p:set>
+                                      <p:cBhvr>
+                                        <p:cTn id="34" dur="1" fill="hold">
+                                          <p:stCondLst>
+                                            <p:cond delay="0"/>
+                                          </p:stCondLst>
+                                        </p:cTn>
+                                        <p:tgtEl>
+                                          <p:spTgt spid="3">
+                                            <p:txEl>
+                                              <p:pRg st="8" end="8"/>
+                                            </p:txEl>
+                                          </p:spTgt>
+                                        </p:tgtEl>
+                                        <p:attrNameLst>
+                                          <p:attrName>style.visibility</p:attrName>
+                                        </p:attrNameLst>
+                                      </p:cBhvr>
+                                      <p:to>
+                                        <p:strVal val="visible"/>
+                                      </p:to>
+                                    </p:set>
+                                  </p:childTnLst>
+                                </p:cTn>
+                              </p:par>
+                            </p:childTnLst>
+                          </p:cTn>
+                        </p:par>
+                      </p:childTnLst>
+                    </p:cTn>
+                  </p:par>
+                </p:childTnLst>
+              </p:cTn>
+              <p:prevCondLst>
+                <p:cond evt="onPrev" delay="0">
+                  <p:tgtEl>
+                    <p:sldTgt/>
+                  </p:tgtEl>
+                </p:cond>
+              </p:prevCondLst>
+              <p:nextCondLst>
+                <p:cond evt="onNext" delay="0">
+                  <p:tgtEl>
+                    <p:sldTgt/>
+                  </p:tgtEl>
+                </p:cond>
+              </p:nextCondLst>
+            </p:seq>
+          </p:childTnLst>
+        </p:cTn>
+      </p:par>
+    </p:tnLst>
+  </p:timing>
+</p:sld>
+</file>
+
+<file path=ppt/slides/slide11.xml><?xml version="1.0" encoding="utf-8"?>
+<p:sld xmlns:a="http://schemas.openxmlformats.org/drawingml/2006/main" xmlns:r="http://schemas.openxmlformats.org/officeDocument/2006/relationships" xmlns:p="http://schemas.openxmlformats.org/presentationml/2006/main">
+  <p:cSld>
+    <p:spTree>
+      <p:nvGrpSpPr>
+        <p:cNvPr id="1" name=""/>
+        <p:cNvGrpSpPr/>
+        <p:nvPr/>
+      </p:nvGrpSpPr>
+      <p:grpSpPr>
+        <a:xfrm>
+          <a:off x="0" y="0"/>
+          <a:ext cx="0" cy="0"/>
+          <a:chOff x="0" y="0"/>
+          <a:chExt cx="0" cy="0"/>
+        </a:xfrm>
+      </p:grpSpPr>
+      <p:sp>
+        <p:nvSpPr>
+          <p:cNvPr id="2" name="Title 1">
+            <a:extLst>
+              <a:ext uri="{FF2B5EF4-FFF2-40B4-BE49-F238E27FC236}">
+                <a16:creationId xmlns:a16="http://schemas.microsoft.com/office/drawing/2014/main" id="{4702757D-9716-4C25-BA54-81C26D6EC04E}"/>
+              </a:ext>
+            </a:extLst>
+          </p:cNvPr>
+          <p:cNvSpPr>
+            <a:spLocks noGrp="1"/>
+          </p:cNvSpPr>
+          <p:nvPr>
+            <p:ph type="title"/>
+          </p:nvPr>
+        </p:nvSpPr>
+        <p:spPr>
+          <a:xfrm>
+            <a:off x="838200" y="215696"/>
+            <a:ext cx="10515600" cy="930682"/>
+          </a:xfrm>
+        </p:spPr>
+        <p:txBody>
+          <a:bodyPr>
+            <a:normAutofit/>
+          </a:bodyPr>
+          <a:lstStyle/>
+          <a:p>
+            <a:r>
+              <a:rPr lang="en-US" sz="4000" dirty="0">
+                <a:latin typeface="+mn-lt"/>
+              </a:rPr>
+              <a:t>Searching on the Web</a:t>
+            </a:r>
+          </a:p>
+        </p:txBody>
+      </p:sp>
+      <p:sp>
+        <p:nvSpPr>
+          <p:cNvPr id="3" name="Content Placeholder 2">
+            <a:extLst>
+              <a:ext uri="{FF2B5EF4-FFF2-40B4-BE49-F238E27FC236}">
+                <a16:creationId xmlns:a16="http://schemas.microsoft.com/office/drawing/2014/main" id="{D9C502E2-3889-41D4-9A2E-D8C04ADE5184}"/>
+              </a:ext>
+            </a:extLst>
+          </p:cNvPr>
+          <p:cNvSpPr>
+            <a:spLocks noGrp="1"/>
+          </p:cNvSpPr>
+          <p:nvPr>
+            <p:ph idx="1"/>
+          </p:nvPr>
+        </p:nvSpPr>
+        <p:spPr>
+          <a:xfrm>
+            <a:off x="193331" y="1146380"/>
+            <a:ext cx="6510527" cy="5605123"/>
+          </a:xfrm>
+        </p:spPr>
+        <p:txBody>
+          <a:bodyPr/>
+          <a:lstStyle/>
+          <a:p>
+            <a:pPr marL="0" indent="0">
+              <a:buNone/>
+            </a:pPr>
+            <a:r>
+              <a:rPr lang="en-US" dirty="0"/>
+              <a:t>Structure of the web can be described by the </a:t>
+            </a:r>
+            <a:r>
+              <a:rPr lang="en-US" b="1" dirty="0"/>
+              <a:t>bowtie model </a:t>
+            </a:r>
+          </a:p>
+          <a:p>
+            <a:r>
+              <a:rPr lang="en-US" b="1" dirty="0"/>
+              <a:t>Strongly connected core</a:t>
+            </a:r>
+            <a:r>
+              <a:rPr lang="en-US" dirty="0"/>
+              <a:t> </a:t>
+            </a:r>
+          </a:p>
+          <a:p>
+            <a:pPr lvl="1"/>
+            <a:r>
+              <a:rPr lang="en-US" dirty="0"/>
+              <a:t>Widely referenced pages </a:t>
+            </a:r>
+          </a:p>
+          <a:p>
+            <a:pPr lvl="1"/>
+            <a:r>
+              <a:rPr lang="en-US" dirty="0"/>
+              <a:t>Both in and out links</a:t>
+            </a:r>
+          </a:p>
+          <a:p>
+            <a:r>
+              <a:rPr lang="en-US" b="1" dirty="0"/>
+              <a:t>In component </a:t>
+            </a:r>
+            <a:r>
+              <a:rPr lang="en-US" dirty="0"/>
+              <a:t>comprises pages that link to the strongly connected core </a:t>
+            </a:r>
+          </a:p>
+          <a:p>
+            <a:pPr lvl="1"/>
+            <a:r>
+              <a:rPr lang="en-US" dirty="0"/>
+              <a:t>Mostly links to strongly connected core </a:t>
+            </a:r>
+          </a:p>
+          <a:p>
+            <a:pPr lvl="1"/>
+            <a:r>
+              <a:rPr lang="en-US" dirty="0"/>
+              <a:t>Few in-links</a:t>
+            </a:r>
+          </a:p>
+          <a:p>
+            <a:r>
+              <a:rPr lang="en-US" b="1" dirty="0"/>
+              <a:t>Out component </a:t>
+            </a:r>
+            <a:r>
+              <a:rPr lang="en-US" dirty="0"/>
+              <a:t>are pages referenced by other pages</a:t>
+            </a:r>
+          </a:p>
+          <a:p>
+            <a:pPr lvl="1"/>
+            <a:r>
+              <a:rPr lang="en-US" dirty="0"/>
+              <a:t>Few out-links </a:t>
+            </a:r>
+          </a:p>
+        </p:txBody>
+      </p:sp>
+      <p:pic>
+        <p:nvPicPr>
+          <p:cNvPr id="5" name="Picture 4">
+            <a:extLst>
+              <a:ext uri="{FF2B5EF4-FFF2-40B4-BE49-F238E27FC236}">
+                <a16:creationId xmlns:a16="http://schemas.microsoft.com/office/drawing/2014/main" id="{225178F4-1495-40F8-844E-EDA5A0E142CE}"/>
+              </a:ext>
+            </a:extLst>
+          </p:cNvPr>
+          <p:cNvPicPr>
+            <a:picLocks noChangeAspect="1"/>
+          </p:cNvPicPr>
+          <p:nvPr/>
+        </p:nvPicPr>
+        <p:blipFill>
+          <a:blip r:embed="rId2"/>
+          <a:stretch>
+            <a:fillRect/>
+          </a:stretch>
+        </p:blipFill>
+        <p:spPr>
+          <a:xfrm>
+            <a:off x="6813587" y="1031427"/>
+            <a:ext cx="5248964" cy="5270096"/>
+          </a:xfrm>
+          <a:prstGeom prst="rect">
+            <a:avLst/>
+          </a:prstGeom>
+        </p:spPr>
+      </p:pic>
+      <p:sp>
+        <p:nvSpPr>
+          <p:cNvPr id="6" name="Footer Placeholder 18">
+            <a:extLst>
+              <a:ext uri="{FF2B5EF4-FFF2-40B4-BE49-F238E27FC236}">
+                <a16:creationId xmlns:a16="http://schemas.microsoft.com/office/drawing/2014/main" id="{A245E470-3A42-4B5A-B1A4-12C5BCB24F27}"/>
+              </a:ext>
+            </a:extLst>
+          </p:cNvPr>
+          <p:cNvSpPr>
+            <a:spLocks noGrp="1"/>
+          </p:cNvSpPr>
+          <p:nvPr>
+            <p:ph type="ftr" sz="quarter" idx="11"/>
+          </p:nvPr>
+        </p:nvSpPr>
+        <p:spPr>
+          <a:xfrm>
+            <a:off x="4906505" y="6546723"/>
+            <a:ext cx="7233915" cy="274320"/>
+          </a:xfrm>
+        </p:spPr>
+        <p:txBody>
+          <a:bodyPr/>
+          <a:lstStyle/>
+          <a:p>
+            <a:r>
+              <a:rPr lang="en-US" dirty="0"/>
+              <a:t>Credit: J. </a:t>
+            </a:r>
+            <a:r>
+              <a:rPr lang="en-US" dirty="0" err="1"/>
+              <a:t>Leskovec</a:t>
+            </a:r>
+            <a:r>
+              <a:rPr lang="en-US" dirty="0"/>
+              <a:t>, A. Rajaraman, J. Ullman: Mining of Massive Datasets, http://www.mmds.org</a:t>
+            </a:r>
+          </a:p>
+        </p:txBody>
+      </p:sp>
+    </p:spTree>
+    <p:extLst>
+      <p:ext uri="{BB962C8B-B14F-4D97-AF65-F5344CB8AC3E}">
+        <p14:creationId xmlns:p14="http://schemas.microsoft.com/office/powerpoint/2010/main" val="3415762250"/>
+      </p:ext>
+    </p:extLst>
+  </p:cSld>
+  <p:clrMapOvr>
+    <a:masterClrMapping/>
+  </p:clrMapOvr>
+  <p:timing>
+    <p:tnLst>
+      <p:par>
+        <p:cTn id="1" dur="indefinite" restart="never" nodeType="tmRoot">
+          <p:childTnLst>
+            <p:seq concurrent="1" nextAc="seek">
+              <p:cTn id="2" dur="indefinite" nodeType="mainSeq">
+                <p:childTnLst>
+                  <p:par>
+                    <p:cTn id="3" fill="hold">
+                      <p:stCondLst>
+                        <p:cond delay="indefinite"/>
+                      </p:stCondLst>
+                      <p:childTnLst>
+                        <p:par>
+                          <p:cTn id="4" fill="hold">
+                            <p:stCondLst>
+                              <p:cond delay="0"/>
+                            </p:stCondLst>
+                            <p:childTnLst>
+                              <p:par>
+                                <p:cTn id="5" presetID="1" presetClass="entr" presetSubtype="0" fill="hold" nodeType="clickEffect">
+                                  <p:stCondLst>
+                                    <p:cond delay="0"/>
+                                  </p:stCondLst>
+                                  <p:childTnLst>
+                                    <p:set>
+                                      <p:cBhvr>
+                                        <p:cTn id="6" dur="1" fill="hold">
+                                          <p:stCondLst>
+                                            <p:cond delay="0"/>
+                                          </p:stCondLst>
+                                        </p:cTn>
+                                        <p:tgtEl>
+                                          <p:spTgt spid="3">
+                                            <p:txEl>
+                                              <p:pRg st="0" end="0"/>
+                                            </p:txEl>
+                                          </p:spTgt>
+                                        </p:tgtEl>
+                                        <p:attrNameLst>
+                                          <p:attrName>style.visibility</p:attrName>
+                                        </p:attrNameLst>
+                                      </p:cBhvr>
+                                      <p:to>
+                                        <p:strVal val="visible"/>
+                                      </p:to>
+                                    </p:set>
+                                  </p:childTnLst>
+                                </p:cTn>
+                              </p:par>
+                            </p:childTnLst>
+                          </p:cTn>
+                        </p:par>
+                      </p:childTnLst>
+                    </p:cTn>
+                  </p:par>
+                  <p:par>
+                    <p:cTn id="7" fill="hold">
+                      <p:stCondLst>
+                        <p:cond delay="indefinite"/>
+                      </p:stCondLst>
+                      <p:childTnLst>
+                        <p:par>
+                          <p:cTn id="8" fill="hold">
+                            <p:stCondLst>
+                              <p:cond delay="0"/>
+                            </p:stCondLst>
+                            <p:childTnLst>
+                              <p:par>
+                                <p:cTn id="9" presetID="1" presetClass="entr" presetSubtype="0" fill="hold" nodeType="clickEffect">
+                                  <p:stCondLst>
+                                    <p:cond delay="0"/>
+                                  </p:stCondLst>
+                                  <p:childTnLst>
+                                    <p:set>
+                                      <p:cBhvr>
+                                        <p:cTn id="10" dur="1" fill="hold">
+                                          <p:stCondLst>
+                                            <p:cond delay="0"/>
+                                          </p:stCondLst>
+                                        </p:cTn>
+                                        <p:tgtEl>
+                                          <p:spTgt spid="5"/>
+                                        </p:tgtEl>
+                                        <p:attrNameLst>
+                                          <p:attrName>style.visibility</p:attrName>
+                                        </p:attrNameLst>
+                                      </p:cBhvr>
+                                      <p:to>
+                                        <p:strVal val="visible"/>
+                                      </p:to>
+                                    </p:set>
+                                  </p:childTnLst>
+                                </p:cTn>
+                              </p:par>
+                              <p:par>
+                                <p:cTn id="11" presetID="1" presetClass="entr" presetSubtype="0" fill="hold" grpId="0" nodeType="withEffect">
+                                  <p:stCondLst>
+                                    <p:cond delay="0"/>
+                                  </p:stCondLst>
+                                  <p:childTnLst>
+                                    <p:set>
+                                      <p:cBhvr>
+                                        <p:cTn id="12" dur="1" fill="hold">
+                                          <p:stCondLst>
+                                            <p:cond delay="0"/>
+                                          </p:stCondLst>
+                                        </p:cTn>
+                                        <p:tgtEl>
+                                          <p:spTgt spid="6"/>
+                                        </p:tgtEl>
+                                        <p:attrNameLst>
+                                          <p:attrName>style.visibility</p:attrName>
+                                        </p:attrNameLst>
+                                      </p:cBhvr>
+                                      <p:to>
+                                        <p:strVal val="visible"/>
+                                      </p:to>
+                                    </p:set>
+                                  </p:childTnLst>
+                                </p:cTn>
+                              </p:par>
+                            </p:childTnLst>
+                          </p:cTn>
+                        </p:par>
+                      </p:childTnLst>
+                    </p:cTn>
+                  </p:par>
+                  <p:par>
+                    <p:cTn id="13" fill="hold">
+                      <p:stCondLst>
+                        <p:cond delay="indefinite"/>
+                      </p:stCondLst>
+                      <p:childTnLst>
+                        <p:par>
+                          <p:cTn id="14" fill="hold">
+                            <p:stCondLst>
+                              <p:cond delay="0"/>
+                            </p:stCondLst>
+                            <p:childTnLst>
+                              <p:par>
+                                <p:cTn id="15" presetID="1" presetClass="entr" presetSubtype="0" fill="hold" nodeType="clickEffect">
+                                  <p:stCondLst>
+                                    <p:cond delay="0"/>
+                                  </p:stCondLst>
+                                  <p:childTnLst>
+                                    <p:set>
+                                      <p:cBhvr>
+                                        <p:cTn id="16" dur="1" fill="hold">
+                                          <p:stCondLst>
+                                            <p:cond delay="0"/>
+                                          </p:stCondLst>
+                                        </p:cTn>
+                                        <p:tgtEl>
+                                          <p:spTgt spid="3">
+                                            <p:txEl>
+                                              <p:pRg st="1" end="1"/>
+                                            </p:txEl>
+                                          </p:spTgt>
+                                        </p:tgtEl>
+                                        <p:attrNameLst>
+                                          <p:attrName>style.visibility</p:attrName>
+                                        </p:attrNameLst>
+                                      </p:cBhvr>
+                                      <p:to>
+                                        <p:strVal val="visible"/>
+                                      </p:to>
+                                    </p:set>
+                                  </p:childTnLst>
+                                </p:cTn>
+                              </p:par>
+                            </p:childTnLst>
+                          </p:cTn>
+                        </p:par>
+                      </p:childTnLst>
+                    </p:cTn>
+                  </p:par>
+                  <p:par>
+                    <p:cTn id="17" fill="hold">
+                      <p:stCondLst>
+                        <p:cond delay="indefinite"/>
+                      </p:stCondLst>
+                      <p:childTnLst>
+                        <p:par>
+                          <p:cTn id="18" fill="hold">
+                            <p:stCondLst>
+                              <p:cond delay="0"/>
+                            </p:stCondLst>
+                            <p:childTnLst>
+                              <p:par>
+                                <p:cTn id="19" presetID="1" presetClass="entr" presetSubtype="0" fill="hold" nodeType="clickEffect">
+                                  <p:stCondLst>
+                                    <p:cond delay="0"/>
+                                  </p:stCondLst>
+                                  <p:childTnLst>
+                                    <p:set>
+                                      <p:cBhvr>
+                                        <p:cTn id="20" dur="1" fill="hold">
+                                          <p:stCondLst>
+                                            <p:cond delay="0"/>
+                                          </p:stCondLst>
+                                        </p:cTn>
+                                        <p:tgtEl>
+                                          <p:spTgt spid="3">
+                                            <p:txEl>
+                                              <p:pRg st="2" end="2"/>
+                                            </p:txEl>
+                                          </p:spTgt>
+                                        </p:tgtEl>
+                                        <p:attrNameLst>
+                                          <p:attrName>style.visibility</p:attrName>
+                                        </p:attrNameLst>
+                                      </p:cBhvr>
+                                      <p:to>
+                                        <p:strVal val="visible"/>
+                                      </p:to>
+                                    </p:set>
+                                  </p:childTnLst>
+                                </p:cTn>
+                              </p:par>
+                            </p:childTnLst>
+                          </p:cTn>
+                        </p:par>
+                      </p:childTnLst>
+                    </p:cTn>
+                  </p:par>
+                  <p:par>
+                    <p:cTn id="21" fill="hold">
+                      <p:stCondLst>
+                        <p:cond delay="indefinite"/>
+                      </p:stCondLst>
+                      <p:childTnLst>
+                        <p:par>
+                          <p:cTn id="22" fill="hold">
+                            <p:stCondLst>
+                              <p:cond delay="0"/>
+                            </p:stCondLst>
+                            <p:childTnLst>
+                              <p:par>
+                                <p:cTn id="23" presetID="1" presetClass="entr" presetSubtype="0" fill="hold" nodeType="clickEffect">
+                                  <p:stCondLst>
+                                    <p:cond delay="0"/>
+                                  </p:stCondLst>
+                                  <p:childTnLst>
+                                    <p:set>
+                                      <p:cBhvr>
+                                        <p:cTn id="24" dur="1" fill="hold">
+                                          <p:stCondLst>
+                                            <p:cond delay="0"/>
+                                          </p:stCondLst>
+                                        </p:cTn>
+                                        <p:tgtEl>
+                                          <p:spTgt spid="3">
+                                            <p:txEl>
+                                              <p:pRg st="3" end="3"/>
+                                            </p:txEl>
+                                          </p:spTgt>
+                                        </p:tgtEl>
+                                        <p:attrNameLst>
+                                          <p:attrName>style.visibility</p:attrName>
+                                        </p:attrNameLst>
+                                      </p:cBhvr>
+                                      <p:to>
+                                        <p:strVal val="visible"/>
+                                      </p:to>
+                                    </p:set>
+                                  </p:childTnLst>
+                                </p:cTn>
+                              </p:par>
+                            </p:childTnLst>
+                          </p:cTn>
+                        </p:par>
+                      </p:childTnLst>
+                    </p:cTn>
+                  </p:par>
+                  <p:par>
+                    <p:cTn id="25" fill="hold">
+                      <p:stCondLst>
+                        <p:cond delay="indefinite"/>
+                      </p:stCondLst>
+                      <p:childTnLst>
+                        <p:par>
+                          <p:cTn id="26" fill="hold">
+                            <p:stCondLst>
+                              <p:cond delay="0"/>
+                            </p:stCondLst>
+                            <p:childTnLst>
+                              <p:par>
+                                <p:cTn id="27" presetID="1" presetClass="entr" presetSubtype="0" fill="hold" nodeType="clickEffect">
+                                  <p:stCondLst>
+                                    <p:cond delay="0"/>
+                                  </p:stCondLst>
+                                  <p:childTnLst>
+                                    <p:set>
+                                      <p:cBhvr>
+                                        <p:cTn id="28" dur="1" fill="hold">
+                                          <p:stCondLst>
+                                            <p:cond delay="0"/>
+                                          </p:stCondLst>
+                                        </p:cTn>
+                                        <p:tgtEl>
+                                          <p:spTgt spid="3">
+                                            <p:txEl>
+                                              <p:pRg st="4" end="4"/>
+                                            </p:txEl>
+                                          </p:spTgt>
+                                        </p:tgtEl>
+                                        <p:attrNameLst>
+                                          <p:attrName>style.visibility</p:attrName>
+                                        </p:attrNameLst>
+                                      </p:cBhvr>
+                                      <p:to>
+                                        <p:strVal val="visible"/>
+                                      </p:to>
+                                    </p:set>
+                                  </p:childTnLst>
+                                </p:cTn>
+                              </p:par>
+                            </p:childTnLst>
+                          </p:cTn>
+                        </p:par>
+                      </p:childTnLst>
+                    </p:cTn>
+                  </p:par>
+                  <p:par>
+                    <p:cTn id="29" fill="hold">
+                      <p:stCondLst>
+                        <p:cond delay="indefinite"/>
+                      </p:stCondLst>
+                      <p:childTnLst>
+                        <p:par>
+                          <p:cTn id="30" fill="hold">
+                            <p:stCondLst>
+                              <p:cond delay="0"/>
+                            </p:stCondLst>
+                            <p:childTnLst>
+                              <p:par>
+                                <p:cTn id="31" presetID="1" presetClass="entr" presetSubtype="0" fill="hold" nodeType="clickEffect">
+                                  <p:stCondLst>
+                                    <p:cond delay="0"/>
+                                  </p:stCondLst>
+                                  <p:childTnLst>
+                                    <p:set>
+                                      <p:cBhvr>
+                                        <p:cTn id="32" dur="1" fill="hold">
+                                          <p:stCondLst>
+                                            <p:cond delay="0"/>
+                                          </p:stCondLst>
+                                        </p:cTn>
+                                        <p:tgtEl>
+                                          <p:spTgt spid="3">
+                                            <p:txEl>
+                                              <p:pRg st="5" end="5"/>
+                                            </p:txEl>
+                                          </p:spTgt>
+                                        </p:tgtEl>
+                                        <p:attrNameLst>
+                                          <p:attrName>style.visibility</p:attrName>
+                                        </p:attrNameLst>
+                                      </p:cBhvr>
+                                      <p:to>
+                                        <p:strVal val="visible"/>
+                                      </p:to>
+                                    </p:set>
+                                  </p:childTnLst>
+                                </p:cTn>
+                              </p:par>
+                            </p:childTnLst>
+                          </p:cTn>
+                        </p:par>
+                      </p:childTnLst>
+                    </p:cTn>
+                  </p:par>
+                  <p:par>
+                    <p:cTn id="33" fill="hold">
+                      <p:stCondLst>
+                        <p:cond delay="indefinite"/>
+                      </p:stCondLst>
+                      <p:childTnLst>
+                        <p:par>
+                          <p:cTn id="34" fill="hold">
+                            <p:stCondLst>
+                              <p:cond delay="0"/>
+                            </p:stCondLst>
+                            <p:childTnLst>
+                              <p:par>
+                                <p:cTn id="35" presetID="1" presetClass="entr" presetSubtype="0" fill="hold" nodeType="clickEffect">
+                                  <p:stCondLst>
+                                    <p:cond delay="0"/>
+                                  </p:stCondLst>
+                                  <p:childTnLst>
+                                    <p:set>
+                                      <p:cBhvr>
+                                        <p:cTn id="36" dur="1" fill="hold">
+                                          <p:stCondLst>
+                                            <p:cond delay="0"/>
+                                          </p:stCondLst>
+                                        </p:cTn>
+                                        <p:tgtEl>
+                                          <p:spTgt spid="3">
+                                            <p:txEl>
+                                              <p:pRg st="6" end="6"/>
+                                            </p:txEl>
+                                          </p:spTgt>
+                                        </p:tgtEl>
+                                        <p:attrNameLst>
+                                          <p:attrName>style.visibility</p:attrName>
+                                        </p:attrNameLst>
+                                      </p:cBhvr>
+                                      <p:to>
+                                        <p:strVal val="visible"/>
+                                      </p:to>
+                                    </p:set>
+                                  </p:childTnLst>
+                                </p:cTn>
+                              </p:par>
+                            </p:childTnLst>
+                          </p:cTn>
+                        </p:par>
+                      </p:childTnLst>
+                    </p:cTn>
+                  </p:par>
+                  <p:par>
+                    <p:cTn id="37" fill="hold">
+                      <p:stCondLst>
+                        <p:cond delay="indefinite"/>
+                      </p:stCondLst>
+                      <p:childTnLst>
+                        <p:par>
+                          <p:cTn id="38" fill="hold">
+                            <p:stCondLst>
+                              <p:cond delay="0"/>
+                            </p:stCondLst>
+                            <p:childTnLst>
+                              <p:par>
+                                <p:cTn id="39" presetID="1" presetClass="entr" presetSubtype="0" fill="hold" nodeType="clickEffect">
+                                  <p:stCondLst>
+                                    <p:cond delay="0"/>
+                                  </p:stCondLst>
+                                  <p:childTnLst>
+                                    <p:set>
+                                      <p:cBhvr>
+                                        <p:cTn id="40" dur="1" fill="hold">
+                                          <p:stCondLst>
+                                            <p:cond delay="0"/>
+                                          </p:stCondLst>
+                                        </p:cTn>
+                                        <p:tgtEl>
+                                          <p:spTgt spid="3">
+                                            <p:txEl>
+                                              <p:pRg st="7" end="7"/>
+                                            </p:txEl>
+                                          </p:spTgt>
+                                        </p:tgtEl>
+                                        <p:attrNameLst>
+                                          <p:attrName>style.visibility</p:attrName>
+                                        </p:attrNameLst>
+                                      </p:cBhvr>
+                                      <p:to>
+                                        <p:strVal val="visible"/>
+                                      </p:to>
+                                    </p:set>
+                                  </p:childTnLst>
+                                </p:cTn>
+                              </p:par>
+                            </p:childTnLst>
+                          </p:cTn>
+                        </p:par>
+                      </p:childTnLst>
+                    </p:cTn>
+                  </p:par>
+                  <p:par>
+                    <p:cTn id="41" fill="hold">
+                      <p:stCondLst>
+                        <p:cond delay="indefinite"/>
+                      </p:stCondLst>
+                      <p:childTnLst>
+                        <p:par>
+                          <p:cTn id="42" fill="hold">
+                            <p:stCondLst>
+                              <p:cond delay="0"/>
+                            </p:stCondLst>
+                            <p:childTnLst>
+                              <p:par>
+                                <p:cTn id="43" presetID="1" presetClass="entr" presetSubtype="0" fill="hold" nodeType="clickEffect">
+                                  <p:stCondLst>
+                                    <p:cond delay="0"/>
+                                  </p:stCondLst>
+                                  <p:childTnLst>
+                                    <p:set>
+                                      <p:cBhvr>
+                                        <p:cTn id="44" dur="1" fill="hold">
+                                          <p:stCondLst>
+                                            <p:cond delay="0"/>
+                                          </p:stCondLst>
+                                        </p:cTn>
+                                        <p:tgtEl>
+                                          <p:spTgt spid="3">
+                                            <p:txEl>
+                                              <p:pRg st="8" end="8"/>
+                                            </p:txEl>
+                                          </p:spTgt>
+                                        </p:tgtEl>
+                                        <p:attrNameLst>
+                                          <p:attrName>style.visibility</p:attrName>
+                                        </p:attrNameLst>
+                                      </p:cBhvr>
+                                      <p:to>
+                                        <p:strVal val="visible"/>
+                                      </p:to>
+                                    </p:set>
+                                  </p:childTnLst>
+                                </p:cTn>
+                              </p:par>
+                            </p:childTnLst>
+                          </p:cTn>
+                        </p:par>
+                      </p:childTnLst>
+                    </p:cTn>
+                  </p:par>
+                </p:childTnLst>
+              </p:cTn>
+              <p:prevCondLst>
+                <p:cond evt="onPrev" delay="0">
+                  <p:tgtEl>
+                    <p:sldTgt/>
+                  </p:tgtEl>
+                </p:cond>
+              </p:prevCondLst>
+              <p:nextCondLst>
+                <p:cond evt="onNext" delay="0">
+                  <p:tgtEl>
+                    <p:sldTgt/>
+                  </p:tgtEl>
+                </p:cond>
+              </p:nextCondLst>
+            </p:seq>
+          </p:childTnLst>
+        </p:cTn>
+      </p:par>
+    </p:tnLst>
+    <p:bldLst>
+      <p:bldP spid="6" grpId="0"/>
+    </p:bldLst>
+  </p:timing>
+</p:sld>
+</file>
+
+<file path=ppt/slides/slide12.xml><?xml version="1.0" encoding="utf-8"?>
+<p:sld xmlns:a="http://schemas.openxmlformats.org/drawingml/2006/main" xmlns:r="http://schemas.openxmlformats.org/officeDocument/2006/relationships" xmlns:p="http://schemas.openxmlformats.org/presentationml/2006/main">
+  <p:cSld>
+    <p:spTree>
+      <p:nvGrpSpPr>
+        <p:cNvPr id="1" name=""/>
+        <p:cNvGrpSpPr/>
+        <p:nvPr/>
+      </p:nvGrpSpPr>
+      <p:grpSpPr>
+        <a:xfrm>
+          <a:off x="0" y="0"/>
+          <a:ext cx="0" cy="0"/>
+          <a:chOff x="0" y="0"/>
+          <a:chExt cx="0" cy="0"/>
+        </a:xfrm>
+      </p:grpSpPr>
+      <p:sp>
+        <p:nvSpPr>
+          <p:cNvPr id="2" name="Title 1">
+            <a:extLst>
+              <a:ext uri="{FF2B5EF4-FFF2-40B4-BE49-F238E27FC236}">
+                <a16:creationId xmlns:a16="http://schemas.microsoft.com/office/drawing/2014/main" id="{4702757D-9716-4C25-BA54-81C26D6EC04E}"/>
+              </a:ext>
+            </a:extLst>
+          </p:cNvPr>
+          <p:cNvSpPr>
+            <a:spLocks noGrp="1"/>
+          </p:cNvSpPr>
+          <p:nvPr>
+            <p:ph type="title"/>
+          </p:nvPr>
+        </p:nvSpPr>
+        <p:spPr>
+          <a:xfrm>
+            <a:off x="838200" y="215696"/>
+            <a:ext cx="10515600" cy="930682"/>
+          </a:xfrm>
+        </p:spPr>
+        <p:txBody>
+          <a:bodyPr>
+            <a:normAutofit/>
+          </a:bodyPr>
+          <a:lstStyle/>
+          <a:p>
+            <a:r>
+              <a:rPr lang="en-US" sz="4000" dirty="0">
+                <a:latin typeface="+mn-lt"/>
+              </a:rPr>
+              <a:t>Searching on the Web</a:t>
+            </a:r>
+          </a:p>
+        </p:txBody>
+      </p:sp>
+      <p:sp>
+        <p:nvSpPr>
+          <p:cNvPr id="3" name="Content Placeholder 2">
+            <a:extLst>
+              <a:ext uri="{FF2B5EF4-FFF2-40B4-BE49-F238E27FC236}">
+                <a16:creationId xmlns:a16="http://schemas.microsoft.com/office/drawing/2014/main" id="{D9C502E2-3889-41D4-9A2E-D8C04ADE5184}"/>
+              </a:ext>
+            </a:extLst>
+          </p:cNvPr>
+          <p:cNvSpPr>
+            <a:spLocks noGrp="1"/>
+          </p:cNvSpPr>
+          <p:nvPr>
+            <p:ph idx="1"/>
+          </p:nvPr>
+        </p:nvSpPr>
+        <p:spPr>
+          <a:xfrm>
             <a:off x="193331" y="1146380"/>
             <a:ext cx="6510527" cy="5605123"/>
           </a:xfrm>
@@ -4171,7 +5560,7 @@
 </p:sld>
 </file>
 
-<file path=ppt/slides/slide11.xml><?xml version="1.0" encoding="utf-8"?>
+<file path=ppt/slides/slide13.xml><?xml version="1.0" encoding="utf-8"?>
 <p:sld xmlns:a="http://schemas.openxmlformats.org/drawingml/2006/main" xmlns:r="http://schemas.openxmlformats.org/officeDocument/2006/relationships" xmlns:p="http://schemas.openxmlformats.org/presentationml/2006/main">
   <p:cSld>
     <p:spTree>
@@ -4653,7 +6042,7 @@
 </p:sld>
 </file>
 
-<file path=ppt/slides/slide12.xml><?xml version="1.0" encoding="utf-8"?>
+<file path=ppt/slides/slide14.xml><?xml version="1.0" encoding="utf-8"?>
 <p:sld xmlns:a="http://schemas.openxmlformats.org/drawingml/2006/main" xmlns:r="http://schemas.openxmlformats.org/officeDocument/2006/relationships" xmlns:p="http://schemas.openxmlformats.org/presentationml/2006/main">
   <p:cSld>
     <p:spTree>
@@ -5344,7 +6733,7 @@
 </p:sld>
 </file>
 
-<file path=ppt/slides/slide13.xml><?xml version="1.0" encoding="utf-8"?>
+<file path=ppt/slides/slide15.xml><?xml version="1.0" encoding="utf-8"?>
 <p:sld xmlns:a="http://schemas.openxmlformats.org/drawingml/2006/main" xmlns:r="http://schemas.openxmlformats.org/officeDocument/2006/relationships" xmlns:p="http://schemas.openxmlformats.org/presentationml/2006/main">
   <p:cSld>
     <p:spTree>
@@ -7344,7 +8733,7 @@
 </p:sld>
 </file>
 
-<file path=ppt/slides/slide14.xml><?xml version="1.0" encoding="utf-8"?>
+<file path=ppt/slides/slide16.xml><?xml version="1.0" encoding="utf-8"?>
 <p:sld xmlns:a="http://schemas.openxmlformats.org/drawingml/2006/main" xmlns:r="http://schemas.openxmlformats.org/officeDocument/2006/relationships" xmlns:p="http://schemas.openxmlformats.org/presentationml/2006/main">
   <p:cSld>
     <p:spTree>
@@ -8983,7 +10372,7 @@
 </p:sld>
 </file>
 
-<file path=ppt/slides/slide15.xml><?xml version="1.0" encoding="utf-8"?>
+<file path=ppt/slides/slide17.xml><?xml version="1.0" encoding="utf-8"?>
 <p:sld xmlns:a="http://schemas.openxmlformats.org/drawingml/2006/main" xmlns:r="http://schemas.openxmlformats.org/officeDocument/2006/relationships" xmlns:p="http://schemas.openxmlformats.org/presentationml/2006/main">
   <p:cSld>
     <p:spTree>
@@ -10478,7 +11867,7 @@
 </p:sld>
 </file>
 
-<file path=ppt/slides/slide16.xml><?xml version="1.0" encoding="utf-8"?>
+<file path=ppt/slides/slide18.xml><?xml version="1.0" encoding="utf-8"?>
 <p:sld xmlns:a="http://schemas.openxmlformats.org/drawingml/2006/main" xmlns:r="http://schemas.openxmlformats.org/officeDocument/2006/relationships" xmlns:p="http://schemas.openxmlformats.org/presentationml/2006/main">
   <p:cSld>
     <p:spTree>
@@ -11345,8 +12734,8 @@
           </p:sp>
         </mc:Fallback>
       </mc:AlternateContent>
-      <mc:AlternateContent xmlns:mc="http://schemas.openxmlformats.org/markup-compatibility/2006">
-        <mc:Choice xmlns:a14="http://schemas.microsoft.com/office/drawing/2010/main" Requires="a14">
+      <mc:AlternateContent xmlns:mc="http://schemas.openxmlformats.org/markup-compatibility/2006" xmlns:a14="http://schemas.microsoft.com/office/drawing/2010/main">
+        <mc:Choice Requires="a14">
           <p:sp>
             <p:nvSpPr>
               <p:cNvPr id="22" name="TextBox 21">
@@ -11529,7 +12918,7 @@
             </p:txBody>
           </p:sp>
         </mc:Choice>
-        <mc:Fallback>
+        <mc:Fallback xmlns="">
           <p:sp>
             <p:nvSpPr>
               <p:cNvPr id="22" name="TextBox 21">
@@ -11773,7 +13162,7 @@
 </p:sld>
 </file>
 
-<file path=ppt/slides/slide17.xml><?xml version="1.0" encoding="utf-8"?>
+<file path=ppt/slides/slide19.xml><?xml version="1.0" encoding="utf-8"?>
 <p:sld xmlns:a="http://schemas.openxmlformats.org/drawingml/2006/main" xmlns:r="http://schemas.openxmlformats.org/officeDocument/2006/relationships" xmlns:p="http://schemas.openxmlformats.org/presentationml/2006/main">
   <p:cSld>
     <p:spTree>
@@ -12592,7 +13981,706 @@
 </p:sld>
 </file>
 
-<file path=ppt/slides/slide18.xml><?xml version="1.0" encoding="utf-8"?>
+<file path=ppt/slides/slide2.xml><?xml version="1.0" encoding="utf-8"?>
+<p:sld xmlns:a="http://schemas.openxmlformats.org/drawingml/2006/main" xmlns:r="http://schemas.openxmlformats.org/officeDocument/2006/relationships" xmlns:p="http://schemas.openxmlformats.org/presentationml/2006/main">
+  <p:cSld>
+    <p:spTree>
+      <p:nvGrpSpPr>
+        <p:cNvPr id="1" name=""/>
+        <p:cNvGrpSpPr/>
+        <p:nvPr/>
+      </p:nvGrpSpPr>
+      <p:grpSpPr>
+        <a:xfrm>
+          <a:off x="0" y="0"/>
+          <a:ext cx="0" cy="0"/>
+          <a:chOff x="0" y="0"/>
+          <a:chExt cx="0" cy="0"/>
+        </a:xfrm>
+      </p:grpSpPr>
+      <p:sp>
+        <p:nvSpPr>
+          <p:cNvPr id="2" name="Title 1">
+            <a:extLst>
+              <a:ext uri="{FF2B5EF4-FFF2-40B4-BE49-F238E27FC236}">
+                <a16:creationId xmlns:a16="http://schemas.microsoft.com/office/drawing/2014/main" id="{4702757D-9716-4C25-BA54-81C26D6EC04E}"/>
+              </a:ext>
+            </a:extLst>
+          </p:cNvPr>
+          <p:cNvSpPr>
+            <a:spLocks noGrp="1"/>
+          </p:cNvSpPr>
+          <p:nvPr>
+            <p:ph type="title"/>
+          </p:nvPr>
+        </p:nvSpPr>
+        <p:spPr>
+          <a:xfrm>
+            <a:off x="838200" y="215696"/>
+            <a:ext cx="10515600" cy="930682"/>
+          </a:xfrm>
+        </p:spPr>
+        <p:txBody>
+          <a:bodyPr>
+            <a:normAutofit/>
+          </a:bodyPr>
+          <a:lstStyle/>
+          <a:p>
+            <a:r>
+              <a:rPr lang="en-US" sz="4000" dirty="0">
+                <a:latin typeface="+mn-lt"/>
+              </a:rPr>
+              <a:t>Introduction to Web Searching</a:t>
+            </a:r>
+          </a:p>
+        </p:txBody>
+      </p:sp>
+      <p:sp>
+        <p:nvSpPr>
+          <p:cNvPr id="3" name="Content Placeholder 2">
+            <a:extLst>
+              <a:ext uri="{FF2B5EF4-FFF2-40B4-BE49-F238E27FC236}">
+                <a16:creationId xmlns:a16="http://schemas.microsoft.com/office/drawing/2014/main" id="{D9C502E2-3889-41D4-9A2E-D8C04ADE5184}"/>
+              </a:ext>
+            </a:extLst>
+          </p:cNvPr>
+          <p:cNvSpPr>
+            <a:spLocks noGrp="1"/>
+          </p:cNvSpPr>
+          <p:nvPr>
+            <p:ph idx="1"/>
+          </p:nvPr>
+        </p:nvSpPr>
+        <p:spPr>
+          <a:xfrm>
+            <a:off x="838200" y="1291525"/>
+            <a:ext cx="10515600" cy="5350779"/>
+          </a:xfrm>
+        </p:spPr>
+        <p:txBody>
+          <a:bodyPr/>
+          <a:lstStyle/>
+          <a:p>
+            <a:pPr marL="0" indent="0">
+              <a:buNone/>
+            </a:pPr>
+            <a:r>
+              <a:rPr lang="en-US" b="1" dirty="0"/>
+              <a:t>Web search </a:t>
+            </a:r>
+            <a:r>
+              <a:rPr lang="en-US" dirty="0"/>
+              <a:t>is undoubtedly the most widely used application of data mining </a:t>
+            </a:r>
+            <a:endParaRPr lang="en-US" b="1" dirty="0"/>
+          </a:p>
+          <a:p>
+            <a:r>
+              <a:rPr lang="en-US" dirty="0"/>
+              <a:t>Major search engines, like Google, Bing, Yahoo!, Baidu are complex</a:t>
+            </a:r>
+          </a:p>
+          <a:p>
+            <a:pPr lvl="1"/>
+            <a:r>
+              <a:rPr lang="en-US" dirty="0"/>
+              <a:t>Employ multiple algorithms </a:t>
+            </a:r>
+          </a:p>
+          <a:p>
+            <a:pPr lvl="1"/>
+            <a:r>
+              <a:rPr lang="en-US" dirty="0"/>
+              <a:t>Typically use exogenous information – e.g. user profiles, knowledge graphs</a:t>
+            </a:r>
+          </a:p>
+          <a:p>
+            <a:r>
+              <a:rPr lang="en-US" dirty="0"/>
+              <a:t>Complexity arises from:</a:t>
+            </a:r>
+          </a:p>
+          <a:p>
+            <a:pPr lvl="1"/>
+            <a:r>
+              <a:rPr lang="en-US" dirty="0"/>
+              <a:t>Massive data volumes </a:t>
+            </a:r>
+          </a:p>
+          <a:p>
+            <a:pPr lvl="1"/>
+            <a:r>
+              <a:rPr lang="en-US" dirty="0"/>
+              <a:t>Can’t really know user intent</a:t>
+            </a:r>
+          </a:p>
+          <a:p>
+            <a:pPr lvl="1"/>
+            <a:r>
+              <a:rPr lang="en-US" dirty="0"/>
+              <a:t>Web spam – see Section 5.4 of MMDS book for discussion</a:t>
+            </a:r>
+          </a:p>
+          <a:p>
+            <a:r>
+              <a:rPr lang="en-US" dirty="0"/>
+              <a:t>Small number of large companies dominate search   </a:t>
+            </a:r>
+          </a:p>
+          <a:p>
+            <a:pPr lvl="1"/>
+            <a:r>
+              <a:rPr lang="en-US" dirty="0"/>
+              <a:t>In 2021 Google’s global market share &gt; 90% </a:t>
+            </a:r>
+          </a:p>
+          <a:p>
+            <a:pPr lvl="1"/>
+            <a:r>
+              <a:rPr lang="en-US" dirty="0"/>
+              <a:t>Trade secrets make study of this subject difficult – cannot know details</a:t>
+            </a:r>
+          </a:p>
+          <a:p>
+            <a:pPr lvl="1"/>
+            <a:endParaRPr lang="en-US" dirty="0"/>
+          </a:p>
+        </p:txBody>
+      </p:sp>
+    </p:spTree>
+    <p:extLst>
+      <p:ext uri="{BB962C8B-B14F-4D97-AF65-F5344CB8AC3E}">
+        <p14:creationId xmlns:p14="http://schemas.microsoft.com/office/powerpoint/2010/main" val="1759693614"/>
+      </p:ext>
+    </p:extLst>
+  </p:cSld>
+  <p:clrMapOvr>
+    <a:masterClrMapping/>
+  </p:clrMapOvr>
+  <p:timing>
+    <p:tnLst>
+      <p:par>
+        <p:cTn id="1" dur="indefinite" restart="never" nodeType="tmRoot">
+          <p:childTnLst>
+            <p:seq concurrent="1" nextAc="seek">
+              <p:cTn id="2" dur="indefinite" nodeType="mainSeq">
+                <p:childTnLst>
+                  <p:par>
+                    <p:cTn id="3" fill="hold">
+                      <p:stCondLst>
+                        <p:cond delay="indefinite"/>
+                      </p:stCondLst>
+                      <p:childTnLst>
+                        <p:par>
+                          <p:cTn id="4" fill="hold">
+                            <p:stCondLst>
+                              <p:cond delay="0"/>
+                            </p:stCondLst>
+                            <p:childTnLst>
+                              <p:par>
+                                <p:cTn id="5" presetID="1" presetClass="entr" presetSubtype="0" fill="hold" nodeType="clickEffect">
+                                  <p:stCondLst>
+                                    <p:cond delay="0"/>
+                                  </p:stCondLst>
+                                  <p:childTnLst>
+                                    <p:set>
+                                      <p:cBhvr>
+                                        <p:cTn id="6" dur="1" fill="hold">
+                                          <p:stCondLst>
+                                            <p:cond delay="0"/>
+                                          </p:stCondLst>
+                                        </p:cTn>
+                                        <p:tgtEl>
+                                          <p:spTgt spid="3">
+                                            <p:txEl>
+                                              <p:pRg st="1" end="1"/>
+                                            </p:txEl>
+                                          </p:spTgt>
+                                        </p:tgtEl>
+                                        <p:attrNameLst>
+                                          <p:attrName>style.visibility</p:attrName>
+                                        </p:attrNameLst>
+                                      </p:cBhvr>
+                                      <p:to>
+                                        <p:strVal val="visible"/>
+                                      </p:to>
+                                    </p:set>
+                                  </p:childTnLst>
+                                </p:cTn>
+                              </p:par>
+                            </p:childTnLst>
+                          </p:cTn>
+                        </p:par>
+                      </p:childTnLst>
+                    </p:cTn>
+                  </p:par>
+                  <p:par>
+                    <p:cTn id="7" fill="hold">
+                      <p:stCondLst>
+                        <p:cond delay="indefinite"/>
+                      </p:stCondLst>
+                      <p:childTnLst>
+                        <p:par>
+                          <p:cTn id="8" fill="hold">
+                            <p:stCondLst>
+                              <p:cond delay="0"/>
+                            </p:stCondLst>
+                            <p:childTnLst>
+                              <p:par>
+                                <p:cTn id="9" presetID="1" presetClass="entr" presetSubtype="0" fill="hold" nodeType="clickEffect">
+                                  <p:stCondLst>
+                                    <p:cond delay="0"/>
+                                  </p:stCondLst>
+                                  <p:childTnLst>
+                                    <p:set>
+                                      <p:cBhvr>
+                                        <p:cTn id="10" dur="1" fill="hold">
+                                          <p:stCondLst>
+                                            <p:cond delay="0"/>
+                                          </p:stCondLst>
+                                        </p:cTn>
+                                        <p:tgtEl>
+                                          <p:spTgt spid="3">
+                                            <p:txEl>
+                                              <p:pRg st="2" end="2"/>
+                                            </p:txEl>
+                                          </p:spTgt>
+                                        </p:tgtEl>
+                                        <p:attrNameLst>
+                                          <p:attrName>style.visibility</p:attrName>
+                                        </p:attrNameLst>
+                                      </p:cBhvr>
+                                      <p:to>
+                                        <p:strVal val="visible"/>
+                                      </p:to>
+                                    </p:set>
+                                  </p:childTnLst>
+                                </p:cTn>
+                              </p:par>
+                            </p:childTnLst>
+                          </p:cTn>
+                        </p:par>
+                      </p:childTnLst>
+                    </p:cTn>
+                  </p:par>
+                  <p:par>
+                    <p:cTn id="11" fill="hold">
+                      <p:stCondLst>
+                        <p:cond delay="indefinite"/>
+                      </p:stCondLst>
+                      <p:childTnLst>
+                        <p:par>
+                          <p:cTn id="12" fill="hold">
+                            <p:stCondLst>
+                              <p:cond delay="0"/>
+                            </p:stCondLst>
+                            <p:childTnLst>
+                              <p:par>
+                                <p:cTn id="13" presetID="1" presetClass="entr" presetSubtype="0" fill="hold" nodeType="clickEffect">
+                                  <p:stCondLst>
+                                    <p:cond delay="0"/>
+                                  </p:stCondLst>
+                                  <p:childTnLst>
+                                    <p:set>
+                                      <p:cBhvr>
+                                        <p:cTn id="14" dur="1" fill="hold">
+                                          <p:stCondLst>
+                                            <p:cond delay="0"/>
+                                          </p:stCondLst>
+                                        </p:cTn>
+                                        <p:tgtEl>
+                                          <p:spTgt spid="3">
+                                            <p:txEl>
+                                              <p:pRg st="3" end="3"/>
+                                            </p:txEl>
+                                          </p:spTgt>
+                                        </p:tgtEl>
+                                        <p:attrNameLst>
+                                          <p:attrName>style.visibility</p:attrName>
+                                        </p:attrNameLst>
+                                      </p:cBhvr>
+                                      <p:to>
+                                        <p:strVal val="visible"/>
+                                      </p:to>
+                                    </p:set>
+                                  </p:childTnLst>
+                                </p:cTn>
+                              </p:par>
+                            </p:childTnLst>
+                          </p:cTn>
+                        </p:par>
+                      </p:childTnLst>
+                    </p:cTn>
+                  </p:par>
+                  <p:par>
+                    <p:cTn id="15" fill="hold">
+                      <p:stCondLst>
+                        <p:cond delay="indefinite"/>
+                      </p:stCondLst>
+                      <p:childTnLst>
+                        <p:par>
+                          <p:cTn id="16" fill="hold">
+                            <p:stCondLst>
+                              <p:cond delay="0"/>
+                            </p:stCondLst>
+                            <p:childTnLst>
+                              <p:par>
+                                <p:cTn id="17" presetID="1" presetClass="entr" presetSubtype="0" fill="hold" nodeType="clickEffect">
+                                  <p:stCondLst>
+                                    <p:cond delay="0"/>
+                                  </p:stCondLst>
+                                  <p:childTnLst>
+                                    <p:set>
+                                      <p:cBhvr>
+                                        <p:cTn id="18" dur="1" fill="hold">
+                                          <p:stCondLst>
+                                            <p:cond delay="0"/>
+                                          </p:stCondLst>
+                                        </p:cTn>
+                                        <p:tgtEl>
+                                          <p:spTgt spid="3">
+                                            <p:txEl>
+                                              <p:pRg st="4" end="4"/>
+                                            </p:txEl>
+                                          </p:spTgt>
+                                        </p:tgtEl>
+                                        <p:attrNameLst>
+                                          <p:attrName>style.visibility</p:attrName>
+                                        </p:attrNameLst>
+                                      </p:cBhvr>
+                                      <p:to>
+                                        <p:strVal val="visible"/>
+                                      </p:to>
+                                    </p:set>
+                                  </p:childTnLst>
+                                </p:cTn>
+                              </p:par>
+                            </p:childTnLst>
+                          </p:cTn>
+                        </p:par>
+                      </p:childTnLst>
+                    </p:cTn>
+                  </p:par>
+                  <p:par>
+                    <p:cTn id="19" fill="hold">
+                      <p:stCondLst>
+                        <p:cond delay="indefinite"/>
+                      </p:stCondLst>
+                      <p:childTnLst>
+                        <p:par>
+                          <p:cTn id="20" fill="hold">
+                            <p:stCondLst>
+                              <p:cond delay="0"/>
+                            </p:stCondLst>
+                            <p:childTnLst>
+                              <p:par>
+                                <p:cTn id="21" presetID="1" presetClass="entr" presetSubtype="0" fill="hold" nodeType="clickEffect">
+                                  <p:stCondLst>
+                                    <p:cond delay="0"/>
+                                  </p:stCondLst>
+                                  <p:childTnLst>
+                                    <p:set>
+                                      <p:cBhvr>
+                                        <p:cTn id="22" dur="1" fill="hold">
+                                          <p:stCondLst>
+                                            <p:cond delay="0"/>
+                                          </p:stCondLst>
+                                        </p:cTn>
+                                        <p:tgtEl>
+                                          <p:spTgt spid="3">
+                                            <p:txEl>
+                                              <p:pRg st="5" end="5"/>
+                                            </p:txEl>
+                                          </p:spTgt>
+                                        </p:tgtEl>
+                                        <p:attrNameLst>
+                                          <p:attrName>style.visibility</p:attrName>
+                                        </p:attrNameLst>
+                                      </p:cBhvr>
+                                      <p:to>
+                                        <p:strVal val="visible"/>
+                                      </p:to>
+                                    </p:set>
+                                  </p:childTnLst>
+                                </p:cTn>
+                              </p:par>
+                            </p:childTnLst>
+                          </p:cTn>
+                        </p:par>
+                      </p:childTnLst>
+                    </p:cTn>
+                  </p:par>
+                  <p:par>
+                    <p:cTn id="23" fill="hold">
+                      <p:stCondLst>
+                        <p:cond delay="indefinite"/>
+                      </p:stCondLst>
+                      <p:childTnLst>
+                        <p:par>
+                          <p:cTn id="24" fill="hold">
+                            <p:stCondLst>
+                              <p:cond delay="0"/>
+                            </p:stCondLst>
+                            <p:childTnLst>
+                              <p:par>
+                                <p:cTn id="25" presetID="1" presetClass="entr" presetSubtype="0" fill="hold" nodeType="clickEffect">
+                                  <p:stCondLst>
+                                    <p:cond delay="0"/>
+                                  </p:stCondLst>
+                                  <p:childTnLst>
+                                    <p:set>
+                                      <p:cBhvr>
+                                        <p:cTn id="26" dur="1" fill="hold">
+                                          <p:stCondLst>
+                                            <p:cond delay="0"/>
+                                          </p:stCondLst>
+                                        </p:cTn>
+                                        <p:tgtEl>
+                                          <p:spTgt spid="3">
+                                            <p:txEl>
+                                              <p:pRg st="6" end="6"/>
+                                            </p:txEl>
+                                          </p:spTgt>
+                                        </p:tgtEl>
+                                        <p:attrNameLst>
+                                          <p:attrName>style.visibility</p:attrName>
+                                        </p:attrNameLst>
+                                      </p:cBhvr>
+                                      <p:to>
+                                        <p:strVal val="visible"/>
+                                      </p:to>
+                                    </p:set>
+                                  </p:childTnLst>
+                                </p:cTn>
+                              </p:par>
+                            </p:childTnLst>
+                          </p:cTn>
+                        </p:par>
+                      </p:childTnLst>
+                    </p:cTn>
+                  </p:par>
+                  <p:par>
+                    <p:cTn id="27" fill="hold">
+                      <p:stCondLst>
+                        <p:cond delay="indefinite"/>
+                      </p:stCondLst>
+                      <p:childTnLst>
+                        <p:par>
+                          <p:cTn id="28" fill="hold">
+                            <p:stCondLst>
+                              <p:cond delay="0"/>
+                            </p:stCondLst>
+                            <p:childTnLst>
+                              <p:par>
+                                <p:cTn id="29" presetID="1" presetClass="entr" presetSubtype="0" fill="hold" nodeType="clickEffect">
+                                  <p:stCondLst>
+                                    <p:cond delay="0"/>
+                                  </p:stCondLst>
+                                  <p:childTnLst>
+                                    <p:set>
+                                      <p:cBhvr>
+                                        <p:cTn id="30" dur="1" fill="hold">
+                                          <p:stCondLst>
+                                            <p:cond delay="0"/>
+                                          </p:stCondLst>
+                                        </p:cTn>
+                                        <p:tgtEl>
+                                          <p:spTgt spid="3">
+                                            <p:txEl>
+                                              <p:pRg st="7" end="7"/>
+                                            </p:txEl>
+                                          </p:spTgt>
+                                        </p:tgtEl>
+                                        <p:attrNameLst>
+                                          <p:attrName>style.visibility</p:attrName>
+                                        </p:attrNameLst>
+                                      </p:cBhvr>
+                                      <p:to>
+                                        <p:strVal val="visible"/>
+                                      </p:to>
+                                    </p:set>
+                                  </p:childTnLst>
+                                </p:cTn>
+                              </p:par>
+                            </p:childTnLst>
+                          </p:cTn>
+                        </p:par>
+                      </p:childTnLst>
+                    </p:cTn>
+                  </p:par>
+                  <p:par>
+                    <p:cTn id="31" fill="hold">
+                      <p:stCondLst>
+                        <p:cond delay="indefinite"/>
+                      </p:stCondLst>
+                      <p:childTnLst>
+                        <p:par>
+                          <p:cTn id="32" fill="hold">
+                            <p:stCondLst>
+                              <p:cond delay="0"/>
+                            </p:stCondLst>
+                            <p:childTnLst>
+                              <p:par>
+                                <p:cTn id="33" presetID="1" presetClass="entr" presetSubtype="0" fill="hold" nodeType="clickEffect">
+                                  <p:stCondLst>
+                                    <p:cond delay="0"/>
+                                  </p:stCondLst>
+                                  <p:childTnLst>
+                                    <p:set>
+                                      <p:cBhvr>
+                                        <p:cTn id="34" dur="1" fill="hold">
+                                          <p:stCondLst>
+                                            <p:cond delay="0"/>
+                                          </p:stCondLst>
+                                        </p:cTn>
+                                        <p:tgtEl>
+                                          <p:spTgt spid="3">
+                                            <p:txEl>
+                                              <p:pRg st="8" end="8"/>
+                                            </p:txEl>
+                                          </p:spTgt>
+                                        </p:tgtEl>
+                                        <p:attrNameLst>
+                                          <p:attrName>style.visibility</p:attrName>
+                                        </p:attrNameLst>
+                                      </p:cBhvr>
+                                      <p:to>
+                                        <p:strVal val="visible"/>
+                                      </p:to>
+                                    </p:set>
+                                  </p:childTnLst>
+                                </p:cTn>
+                              </p:par>
+                            </p:childTnLst>
+                          </p:cTn>
+                        </p:par>
+                      </p:childTnLst>
+                    </p:cTn>
+                  </p:par>
+                  <p:par>
+                    <p:cTn id="35" fill="hold">
+                      <p:stCondLst>
+                        <p:cond delay="indefinite"/>
+                      </p:stCondLst>
+                      <p:childTnLst>
+                        <p:par>
+                          <p:cTn id="36" fill="hold">
+                            <p:stCondLst>
+                              <p:cond delay="0"/>
+                            </p:stCondLst>
+                            <p:childTnLst>
+                              <p:par>
+                                <p:cTn id="37" presetID="1" presetClass="entr" presetSubtype="0" fill="hold" nodeType="clickEffect">
+                                  <p:stCondLst>
+                                    <p:cond delay="0"/>
+                                  </p:stCondLst>
+                                  <p:childTnLst>
+                                    <p:set>
+                                      <p:cBhvr>
+                                        <p:cTn id="38" dur="1" fill="hold">
+                                          <p:stCondLst>
+                                            <p:cond delay="0"/>
+                                          </p:stCondLst>
+                                        </p:cTn>
+                                        <p:tgtEl>
+                                          <p:spTgt spid="3">
+                                            <p:txEl>
+                                              <p:pRg st="9" end="9"/>
+                                            </p:txEl>
+                                          </p:spTgt>
+                                        </p:tgtEl>
+                                        <p:attrNameLst>
+                                          <p:attrName>style.visibility</p:attrName>
+                                        </p:attrNameLst>
+                                      </p:cBhvr>
+                                      <p:to>
+                                        <p:strVal val="visible"/>
+                                      </p:to>
+                                    </p:set>
+                                  </p:childTnLst>
+                                </p:cTn>
+                              </p:par>
+                            </p:childTnLst>
+                          </p:cTn>
+                        </p:par>
+                      </p:childTnLst>
+                    </p:cTn>
+                  </p:par>
+                  <p:par>
+                    <p:cTn id="39" fill="hold">
+                      <p:stCondLst>
+                        <p:cond delay="indefinite"/>
+                      </p:stCondLst>
+                      <p:childTnLst>
+                        <p:par>
+                          <p:cTn id="40" fill="hold">
+                            <p:stCondLst>
+                              <p:cond delay="0"/>
+                            </p:stCondLst>
+                            <p:childTnLst>
+                              <p:par>
+                                <p:cTn id="41" presetID="1" presetClass="entr" presetSubtype="0" fill="hold" nodeType="clickEffect">
+                                  <p:stCondLst>
+                                    <p:cond delay="0"/>
+                                  </p:stCondLst>
+                                  <p:childTnLst>
+                                    <p:set>
+                                      <p:cBhvr>
+                                        <p:cTn id="42" dur="1" fill="hold">
+                                          <p:stCondLst>
+                                            <p:cond delay="0"/>
+                                          </p:stCondLst>
+                                        </p:cTn>
+                                        <p:tgtEl>
+                                          <p:spTgt spid="3">
+                                            <p:txEl>
+                                              <p:pRg st="10" end="10"/>
+                                            </p:txEl>
+                                          </p:spTgt>
+                                        </p:tgtEl>
+                                        <p:attrNameLst>
+                                          <p:attrName>style.visibility</p:attrName>
+                                        </p:attrNameLst>
+                                      </p:cBhvr>
+                                      <p:to>
+                                        <p:strVal val="visible"/>
+                                      </p:to>
+                                    </p:set>
+                                  </p:childTnLst>
+                                </p:cTn>
+                              </p:par>
+                            </p:childTnLst>
+                          </p:cTn>
+                        </p:par>
+                      </p:childTnLst>
+                    </p:cTn>
+                  </p:par>
+                </p:childTnLst>
+              </p:cTn>
+              <p:prevCondLst>
+                <p:cond evt="onPrev" delay="0">
+                  <p:tgtEl>
+                    <p:sldTgt/>
+                  </p:tgtEl>
+                </p:cond>
+              </p:prevCondLst>
+              <p:nextCondLst>
+                <p:cond evt="onNext" delay="0">
+                  <p:tgtEl>
+                    <p:sldTgt/>
+                  </p:tgtEl>
+                </p:cond>
+              </p:nextCondLst>
+            </p:seq>
+          </p:childTnLst>
+        </p:cTn>
+      </p:par>
+    </p:tnLst>
+  </p:timing>
+</p:sld>
+</file>
+
+<file path=ppt/slides/slide20.xml><?xml version="1.0" encoding="utf-8"?>
 <p:sld xmlns:a="http://schemas.openxmlformats.org/drawingml/2006/main" xmlns:r="http://schemas.openxmlformats.org/officeDocument/2006/relationships" xmlns:p="http://schemas.openxmlformats.org/presentationml/2006/main">
   <p:cSld>
     <p:spTree>
@@ -12986,7 +15074,7 @@
 </p:sld>
 </file>
 
-<file path=ppt/slides/slide19.xml><?xml version="1.0" encoding="utf-8"?>
+<file path=ppt/slides/slide21.xml><?xml version="1.0" encoding="utf-8"?>
 <p:sld xmlns:a="http://schemas.openxmlformats.org/drawingml/2006/main" xmlns:r="http://schemas.openxmlformats.org/officeDocument/2006/relationships" xmlns:p="http://schemas.openxmlformats.org/presentationml/2006/main">
   <p:cSld>
     <p:spTree>
@@ -13528,755 +15616,7 @@
 </p:sld>
 </file>
 
-<file path=ppt/slides/slide2.xml><?xml version="1.0" encoding="utf-8"?>
-<p:sld xmlns:a="http://schemas.openxmlformats.org/drawingml/2006/main" xmlns:r="http://schemas.openxmlformats.org/officeDocument/2006/relationships" xmlns:p="http://schemas.openxmlformats.org/presentationml/2006/main">
-  <p:cSld>
-    <p:spTree>
-      <p:nvGrpSpPr>
-        <p:cNvPr id="1" name=""/>
-        <p:cNvGrpSpPr/>
-        <p:nvPr/>
-      </p:nvGrpSpPr>
-      <p:grpSpPr>
-        <a:xfrm>
-          <a:off x="0" y="0"/>
-          <a:ext cx="0" cy="0"/>
-          <a:chOff x="0" y="0"/>
-          <a:chExt cx="0" cy="0"/>
-        </a:xfrm>
-      </p:grpSpPr>
-      <p:sp>
-        <p:nvSpPr>
-          <p:cNvPr id="2" name="Title 1">
-            <a:extLst>
-              <a:ext uri="{FF2B5EF4-FFF2-40B4-BE49-F238E27FC236}">
-                <a16:creationId xmlns:a16="http://schemas.microsoft.com/office/drawing/2014/main" id="{4702757D-9716-4C25-BA54-81C26D6EC04E}"/>
-              </a:ext>
-            </a:extLst>
-          </p:cNvPr>
-          <p:cNvSpPr>
-            <a:spLocks noGrp="1"/>
-          </p:cNvSpPr>
-          <p:nvPr>
-            <p:ph type="title"/>
-          </p:nvPr>
-        </p:nvSpPr>
-        <p:spPr>
-          <a:xfrm>
-            <a:off x="838200" y="215696"/>
-            <a:ext cx="10515600" cy="930682"/>
-          </a:xfrm>
-        </p:spPr>
-        <p:txBody>
-          <a:bodyPr>
-            <a:normAutofit/>
-          </a:bodyPr>
-          <a:lstStyle/>
-          <a:p>
-            <a:r>
-              <a:rPr lang="en-US" sz="4000" dirty="0">
-                <a:latin typeface="+mn-lt"/>
-              </a:rPr>
-              <a:t>Introduction to Web Searching</a:t>
-            </a:r>
-          </a:p>
-        </p:txBody>
-      </p:sp>
-      <p:sp>
-        <p:nvSpPr>
-          <p:cNvPr id="3" name="Content Placeholder 2">
-            <a:extLst>
-              <a:ext uri="{FF2B5EF4-FFF2-40B4-BE49-F238E27FC236}">
-                <a16:creationId xmlns:a16="http://schemas.microsoft.com/office/drawing/2014/main" id="{D9C502E2-3889-41D4-9A2E-D8C04ADE5184}"/>
-              </a:ext>
-            </a:extLst>
-          </p:cNvPr>
-          <p:cNvSpPr>
-            <a:spLocks noGrp="1"/>
-          </p:cNvSpPr>
-          <p:nvPr>
-            <p:ph idx="1"/>
-          </p:nvPr>
-        </p:nvSpPr>
-        <p:spPr>
-          <a:xfrm>
-            <a:off x="838200" y="1291525"/>
-            <a:ext cx="10515600" cy="5350779"/>
-          </a:xfrm>
-        </p:spPr>
-        <p:txBody>
-          <a:bodyPr/>
-          <a:lstStyle/>
-          <a:p>
-            <a:pPr marL="0" indent="0">
-              <a:buNone/>
-            </a:pPr>
-            <a:r>
-              <a:rPr lang="en-US" b="1" dirty="0"/>
-              <a:t>Web search </a:t>
-            </a:r>
-            <a:r>
-              <a:rPr lang="en-US" dirty="0"/>
-              <a:t>is undoubtedly the most widely used application of data mining </a:t>
-            </a:r>
-            <a:endParaRPr lang="en-US" b="1" dirty="0"/>
-          </a:p>
-          <a:p>
-            <a:r>
-              <a:rPr lang="en-US" dirty="0"/>
-              <a:t>Major search engines, like Google, Bing, Yahoo!, Baidu are complex</a:t>
-            </a:r>
-          </a:p>
-          <a:p>
-            <a:pPr lvl="1"/>
-            <a:r>
-              <a:rPr lang="en-US" dirty="0"/>
-              <a:t>Employ multiple algorithms </a:t>
-            </a:r>
-          </a:p>
-          <a:p>
-            <a:pPr lvl="1"/>
-            <a:r>
-              <a:rPr lang="en-US" dirty="0"/>
-              <a:t>Typically use exogenous information – e.g. user profiles, knowledge graphs</a:t>
-            </a:r>
-          </a:p>
-          <a:p>
-            <a:r>
-              <a:rPr lang="en-US" dirty="0"/>
-              <a:t>Complexity arises from pitfalls</a:t>
-            </a:r>
-          </a:p>
-          <a:p>
-            <a:pPr lvl="1"/>
-            <a:r>
-              <a:rPr lang="en-US" dirty="0"/>
-              <a:t>Massive data volumes </a:t>
-            </a:r>
-          </a:p>
-          <a:p>
-            <a:pPr lvl="1"/>
-            <a:r>
-              <a:rPr lang="en-US" dirty="0"/>
-              <a:t>Can’t really know user intent</a:t>
-            </a:r>
-          </a:p>
-          <a:p>
-            <a:pPr lvl="1"/>
-            <a:r>
-              <a:rPr lang="en-US" dirty="0"/>
-              <a:t>Web spam – see Section 5.4 of MMDS book for discussion</a:t>
-            </a:r>
-          </a:p>
-          <a:p>
-            <a:r>
-              <a:rPr lang="en-US" dirty="0"/>
-              <a:t>Small number of large companies dominate search   </a:t>
-            </a:r>
-          </a:p>
-          <a:p>
-            <a:pPr lvl="1"/>
-            <a:r>
-              <a:rPr lang="en-US" dirty="0"/>
-              <a:t>In 2021 Google’s global market share &gt; 90% </a:t>
-            </a:r>
-          </a:p>
-          <a:p>
-            <a:pPr lvl="1"/>
-            <a:r>
-              <a:rPr lang="en-US" dirty="0"/>
-              <a:t>Trade secrets make study of this subject difficult – cannot know details</a:t>
-            </a:r>
-          </a:p>
-          <a:p>
-            <a:pPr lvl="1"/>
-            <a:endParaRPr lang="en-US" dirty="0"/>
-          </a:p>
-        </p:txBody>
-      </p:sp>
-    </p:spTree>
-    <p:extLst>
-      <p:ext uri="{BB962C8B-B14F-4D97-AF65-F5344CB8AC3E}">
-        <p14:creationId xmlns:p14="http://schemas.microsoft.com/office/powerpoint/2010/main" val="1759693614"/>
-      </p:ext>
-    </p:extLst>
-  </p:cSld>
-  <p:clrMapOvr>
-    <a:masterClrMapping/>
-  </p:clrMapOvr>
-  <p:timing>
-    <p:tnLst>
-      <p:par>
-        <p:cTn id="1" dur="indefinite" restart="never" nodeType="tmRoot">
-          <p:childTnLst>
-            <p:seq concurrent="1" nextAc="seek">
-              <p:cTn id="2" dur="indefinite" nodeType="mainSeq">
-                <p:childTnLst>
-                  <p:par>
-                    <p:cTn id="3" fill="hold">
-                      <p:stCondLst>
-                        <p:cond delay="indefinite"/>
-                      </p:stCondLst>
-                      <p:childTnLst>
-                        <p:par>
-                          <p:cTn id="4" fill="hold">
-                            <p:stCondLst>
-                              <p:cond delay="0"/>
-                            </p:stCondLst>
-                            <p:childTnLst>
-                              <p:par>
-                                <p:cTn id="5" presetID="1" presetClass="entr" presetSubtype="0" fill="hold" nodeType="clickEffect">
-                                  <p:stCondLst>
-                                    <p:cond delay="0"/>
-                                  </p:stCondLst>
-                                  <p:childTnLst>
-                                    <p:set>
-                                      <p:cBhvr>
-                                        <p:cTn id="6" dur="1" fill="hold">
-                                          <p:stCondLst>
-                                            <p:cond delay="0"/>
-                                          </p:stCondLst>
-                                        </p:cTn>
-                                        <p:tgtEl>
-                                          <p:spTgt spid="3">
-                                            <p:txEl>
-                                              <p:pRg st="0" end="0"/>
-                                            </p:txEl>
-                                          </p:spTgt>
-                                        </p:tgtEl>
-                                        <p:attrNameLst>
-                                          <p:attrName>style.visibility</p:attrName>
-                                        </p:attrNameLst>
-                                      </p:cBhvr>
-                                      <p:to>
-                                        <p:strVal val="visible"/>
-                                      </p:to>
-                                    </p:set>
-                                  </p:childTnLst>
-                                </p:cTn>
-                              </p:par>
-                            </p:childTnLst>
-                          </p:cTn>
-                        </p:par>
-                      </p:childTnLst>
-                    </p:cTn>
-                  </p:par>
-                  <p:par>
-                    <p:cTn id="7" fill="hold">
-                      <p:stCondLst>
-                        <p:cond delay="indefinite"/>
-                      </p:stCondLst>
-                      <p:childTnLst>
-                        <p:par>
-                          <p:cTn id="8" fill="hold">
-                            <p:stCondLst>
-                              <p:cond delay="0"/>
-                            </p:stCondLst>
-                            <p:childTnLst>
-                              <p:par>
-                                <p:cTn id="9" presetID="1" presetClass="entr" presetSubtype="0" fill="hold" nodeType="clickEffect">
-                                  <p:stCondLst>
-                                    <p:cond delay="0"/>
-                                  </p:stCondLst>
-                                  <p:childTnLst>
-                                    <p:set>
-                                      <p:cBhvr>
-                                        <p:cTn id="10" dur="1" fill="hold">
-                                          <p:stCondLst>
-                                            <p:cond delay="0"/>
-                                          </p:stCondLst>
-                                        </p:cTn>
-                                        <p:tgtEl>
-                                          <p:spTgt spid="3">
-                                            <p:txEl>
-                                              <p:pRg st="1" end="1"/>
-                                            </p:txEl>
-                                          </p:spTgt>
-                                        </p:tgtEl>
-                                        <p:attrNameLst>
-                                          <p:attrName>style.visibility</p:attrName>
-                                        </p:attrNameLst>
-                                      </p:cBhvr>
-                                      <p:to>
-                                        <p:strVal val="visible"/>
-                                      </p:to>
-                                    </p:set>
-                                  </p:childTnLst>
-                                </p:cTn>
-                              </p:par>
-                            </p:childTnLst>
-                          </p:cTn>
-                        </p:par>
-                      </p:childTnLst>
-                    </p:cTn>
-                  </p:par>
-                  <p:par>
-                    <p:cTn id="11" fill="hold">
-                      <p:stCondLst>
-                        <p:cond delay="indefinite"/>
-                      </p:stCondLst>
-                      <p:childTnLst>
-                        <p:par>
-                          <p:cTn id="12" fill="hold">
-                            <p:stCondLst>
-                              <p:cond delay="0"/>
-                            </p:stCondLst>
-                            <p:childTnLst>
-                              <p:par>
-                                <p:cTn id="13" presetID="1" presetClass="entr" presetSubtype="0" fill="hold" nodeType="clickEffect">
-                                  <p:stCondLst>
-                                    <p:cond delay="0"/>
-                                  </p:stCondLst>
-                                  <p:childTnLst>
-                                    <p:set>
-                                      <p:cBhvr>
-                                        <p:cTn id="14" dur="1" fill="hold">
-                                          <p:stCondLst>
-                                            <p:cond delay="0"/>
-                                          </p:stCondLst>
-                                        </p:cTn>
-                                        <p:tgtEl>
-                                          <p:spTgt spid="3">
-                                            <p:txEl>
-                                              <p:pRg st="2" end="2"/>
-                                            </p:txEl>
-                                          </p:spTgt>
-                                        </p:tgtEl>
-                                        <p:attrNameLst>
-                                          <p:attrName>style.visibility</p:attrName>
-                                        </p:attrNameLst>
-                                      </p:cBhvr>
-                                      <p:to>
-                                        <p:strVal val="visible"/>
-                                      </p:to>
-                                    </p:set>
-                                  </p:childTnLst>
-                                </p:cTn>
-                              </p:par>
-                            </p:childTnLst>
-                          </p:cTn>
-                        </p:par>
-                      </p:childTnLst>
-                    </p:cTn>
-                  </p:par>
-                  <p:par>
-                    <p:cTn id="15" fill="hold">
-                      <p:stCondLst>
-                        <p:cond delay="indefinite"/>
-                      </p:stCondLst>
-                      <p:childTnLst>
-                        <p:par>
-                          <p:cTn id="16" fill="hold">
-                            <p:stCondLst>
-                              <p:cond delay="0"/>
-                            </p:stCondLst>
-                            <p:childTnLst>
-                              <p:par>
-                                <p:cTn id="17" presetID="1" presetClass="entr" presetSubtype="0" fill="hold" nodeType="clickEffect">
-                                  <p:stCondLst>
-                                    <p:cond delay="0"/>
-                                  </p:stCondLst>
-                                  <p:childTnLst>
-                                    <p:set>
-                                      <p:cBhvr>
-                                        <p:cTn id="18" dur="1" fill="hold">
-                                          <p:stCondLst>
-                                            <p:cond delay="0"/>
-                                          </p:stCondLst>
-                                        </p:cTn>
-                                        <p:tgtEl>
-                                          <p:spTgt spid="3">
-                                            <p:txEl>
-                                              <p:pRg st="3" end="3"/>
-                                            </p:txEl>
-                                          </p:spTgt>
-                                        </p:tgtEl>
-                                        <p:attrNameLst>
-                                          <p:attrName>style.visibility</p:attrName>
-                                        </p:attrNameLst>
-                                      </p:cBhvr>
-                                      <p:to>
-                                        <p:strVal val="visible"/>
-                                      </p:to>
-                                    </p:set>
-                                  </p:childTnLst>
-                                </p:cTn>
-                              </p:par>
-                            </p:childTnLst>
-                          </p:cTn>
-                        </p:par>
-                      </p:childTnLst>
-                    </p:cTn>
-                  </p:par>
-                  <p:par>
-                    <p:cTn id="19" fill="hold">
-                      <p:stCondLst>
-                        <p:cond delay="indefinite"/>
-                      </p:stCondLst>
-                      <p:childTnLst>
-                        <p:par>
-                          <p:cTn id="20" fill="hold">
-                            <p:stCondLst>
-                              <p:cond delay="0"/>
-                            </p:stCondLst>
-                            <p:childTnLst>
-                              <p:par>
-                                <p:cTn id="21" presetID="1" presetClass="entr" presetSubtype="0" fill="hold" nodeType="clickEffect">
-                                  <p:stCondLst>
-                                    <p:cond delay="0"/>
-                                  </p:stCondLst>
-                                  <p:childTnLst>
-                                    <p:set>
-                                      <p:cBhvr>
-                                        <p:cTn id="22" dur="1" fill="hold">
-                                          <p:stCondLst>
-                                            <p:cond delay="0"/>
-                                          </p:stCondLst>
-                                        </p:cTn>
-                                        <p:tgtEl>
-                                          <p:spTgt spid="3">
-                                            <p:txEl>
-                                              <p:pRg st="4" end="4"/>
-                                            </p:txEl>
-                                          </p:spTgt>
-                                        </p:tgtEl>
-                                        <p:attrNameLst>
-                                          <p:attrName>style.visibility</p:attrName>
-                                        </p:attrNameLst>
-                                      </p:cBhvr>
-                                      <p:to>
-                                        <p:strVal val="visible"/>
-                                      </p:to>
-                                    </p:set>
-                                  </p:childTnLst>
-                                </p:cTn>
-                              </p:par>
-                            </p:childTnLst>
-                          </p:cTn>
-                        </p:par>
-                      </p:childTnLst>
-                    </p:cTn>
-                  </p:par>
-                  <p:par>
-                    <p:cTn id="23" fill="hold">
-                      <p:stCondLst>
-                        <p:cond delay="indefinite"/>
-                      </p:stCondLst>
-                      <p:childTnLst>
-                        <p:par>
-                          <p:cTn id="24" fill="hold">
-                            <p:stCondLst>
-                              <p:cond delay="0"/>
-                            </p:stCondLst>
-                            <p:childTnLst>
-                              <p:par>
-                                <p:cTn id="25" presetID="1" presetClass="entr" presetSubtype="0" fill="hold" nodeType="clickEffect">
-                                  <p:stCondLst>
-                                    <p:cond delay="0"/>
-                                  </p:stCondLst>
-                                  <p:childTnLst>
-                                    <p:set>
-                                      <p:cBhvr>
-                                        <p:cTn id="26" dur="1" fill="hold">
-                                          <p:stCondLst>
-                                            <p:cond delay="0"/>
-                                          </p:stCondLst>
-                                        </p:cTn>
-                                        <p:tgtEl>
-                                          <p:spTgt spid="3">
-                                            <p:txEl>
-                                              <p:pRg st="5" end="5"/>
-                                            </p:txEl>
-                                          </p:spTgt>
-                                        </p:tgtEl>
-                                        <p:attrNameLst>
-                                          <p:attrName>style.visibility</p:attrName>
-                                        </p:attrNameLst>
-                                      </p:cBhvr>
-                                      <p:to>
-                                        <p:strVal val="visible"/>
-                                      </p:to>
-                                    </p:set>
-                                  </p:childTnLst>
-                                </p:cTn>
-                              </p:par>
-                            </p:childTnLst>
-                          </p:cTn>
-                        </p:par>
-                      </p:childTnLst>
-                    </p:cTn>
-                  </p:par>
-                  <p:par>
-                    <p:cTn id="27" fill="hold">
-                      <p:stCondLst>
-                        <p:cond delay="indefinite"/>
-                      </p:stCondLst>
-                      <p:childTnLst>
-                        <p:par>
-                          <p:cTn id="28" fill="hold">
-                            <p:stCondLst>
-                              <p:cond delay="0"/>
-                            </p:stCondLst>
-                            <p:childTnLst>
-                              <p:par>
-                                <p:cTn id="29" presetID="1" presetClass="entr" presetSubtype="0" fill="hold" nodeType="clickEffect">
-                                  <p:stCondLst>
-                                    <p:cond delay="0"/>
-                                  </p:stCondLst>
-                                  <p:childTnLst>
-                                    <p:set>
-                                      <p:cBhvr>
-                                        <p:cTn id="30" dur="1" fill="hold">
-                                          <p:stCondLst>
-                                            <p:cond delay="0"/>
-                                          </p:stCondLst>
-                                        </p:cTn>
-                                        <p:tgtEl>
-                                          <p:spTgt spid="3">
-                                            <p:txEl>
-                                              <p:pRg st="6" end="6"/>
-                                            </p:txEl>
-                                          </p:spTgt>
-                                        </p:tgtEl>
-                                        <p:attrNameLst>
-                                          <p:attrName>style.visibility</p:attrName>
-                                        </p:attrNameLst>
-                                      </p:cBhvr>
-                                      <p:to>
-                                        <p:strVal val="visible"/>
-                                      </p:to>
-                                    </p:set>
-                                  </p:childTnLst>
-                                </p:cTn>
-                              </p:par>
-                            </p:childTnLst>
-                          </p:cTn>
-                        </p:par>
-                      </p:childTnLst>
-                    </p:cTn>
-                  </p:par>
-                  <p:par>
-                    <p:cTn id="31" fill="hold">
-                      <p:stCondLst>
-                        <p:cond delay="indefinite"/>
-                      </p:stCondLst>
-                      <p:childTnLst>
-                        <p:par>
-                          <p:cTn id="32" fill="hold">
-                            <p:stCondLst>
-                              <p:cond delay="0"/>
-                            </p:stCondLst>
-                            <p:childTnLst>
-                              <p:par>
-                                <p:cTn id="33" presetID="1" presetClass="entr" presetSubtype="0" fill="hold" nodeType="clickEffect">
-                                  <p:stCondLst>
-                                    <p:cond delay="0"/>
-                                  </p:stCondLst>
-                                  <p:childTnLst>
-                                    <p:set>
-                                      <p:cBhvr>
-                                        <p:cTn id="34" dur="1" fill="hold">
-                                          <p:stCondLst>
-                                            <p:cond delay="0"/>
-                                          </p:stCondLst>
-                                        </p:cTn>
-                                        <p:tgtEl>
-                                          <p:spTgt spid="3">
-                                            <p:txEl>
-                                              <p:pRg st="7" end="7"/>
-                                            </p:txEl>
-                                          </p:spTgt>
-                                        </p:tgtEl>
-                                        <p:attrNameLst>
-                                          <p:attrName>style.visibility</p:attrName>
-                                        </p:attrNameLst>
-                                      </p:cBhvr>
-                                      <p:to>
-                                        <p:strVal val="visible"/>
-                                      </p:to>
-                                    </p:set>
-                                  </p:childTnLst>
-                                </p:cTn>
-                              </p:par>
-                            </p:childTnLst>
-                          </p:cTn>
-                        </p:par>
-                      </p:childTnLst>
-                    </p:cTn>
-                  </p:par>
-                  <p:par>
-                    <p:cTn id="35" fill="hold">
-                      <p:stCondLst>
-                        <p:cond delay="indefinite"/>
-                      </p:stCondLst>
-                      <p:childTnLst>
-                        <p:par>
-                          <p:cTn id="36" fill="hold">
-                            <p:stCondLst>
-                              <p:cond delay="0"/>
-                            </p:stCondLst>
-                            <p:childTnLst>
-                              <p:par>
-                                <p:cTn id="37" presetID="1" presetClass="entr" presetSubtype="0" fill="hold" nodeType="clickEffect">
-                                  <p:stCondLst>
-                                    <p:cond delay="0"/>
-                                  </p:stCondLst>
-                                  <p:childTnLst>
-                                    <p:set>
-                                      <p:cBhvr>
-                                        <p:cTn id="38" dur="1" fill="hold">
-                                          <p:stCondLst>
-                                            <p:cond delay="0"/>
-                                          </p:stCondLst>
-                                        </p:cTn>
-                                        <p:tgtEl>
-                                          <p:spTgt spid="3">
-                                            <p:txEl>
-                                              <p:pRg st="8" end="8"/>
-                                            </p:txEl>
-                                          </p:spTgt>
-                                        </p:tgtEl>
-                                        <p:attrNameLst>
-                                          <p:attrName>style.visibility</p:attrName>
-                                        </p:attrNameLst>
-                                      </p:cBhvr>
-                                      <p:to>
-                                        <p:strVal val="visible"/>
-                                      </p:to>
-                                    </p:set>
-                                  </p:childTnLst>
-                                </p:cTn>
-                              </p:par>
-                            </p:childTnLst>
-                          </p:cTn>
-                        </p:par>
-                      </p:childTnLst>
-                    </p:cTn>
-                  </p:par>
-                  <p:par>
-                    <p:cTn id="39" fill="hold">
-                      <p:stCondLst>
-                        <p:cond delay="indefinite"/>
-                      </p:stCondLst>
-                      <p:childTnLst>
-                        <p:par>
-                          <p:cTn id="40" fill="hold">
-                            <p:stCondLst>
-                              <p:cond delay="0"/>
-                            </p:stCondLst>
-                            <p:childTnLst>
-                              <p:par>
-                                <p:cTn id="41" presetID="1" presetClass="entr" presetSubtype="0" fill="hold" nodeType="clickEffect">
-                                  <p:stCondLst>
-                                    <p:cond delay="0"/>
-                                  </p:stCondLst>
-                                  <p:childTnLst>
-                                    <p:set>
-                                      <p:cBhvr>
-                                        <p:cTn id="42" dur="1" fill="hold">
-                                          <p:stCondLst>
-                                            <p:cond delay="0"/>
-                                          </p:stCondLst>
-                                        </p:cTn>
-                                        <p:tgtEl>
-                                          <p:spTgt spid="3">
-                                            <p:txEl>
-                                              <p:pRg st="9" end="9"/>
-                                            </p:txEl>
-                                          </p:spTgt>
-                                        </p:tgtEl>
-                                        <p:attrNameLst>
-                                          <p:attrName>style.visibility</p:attrName>
-                                        </p:attrNameLst>
-                                      </p:cBhvr>
-                                      <p:to>
-                                        <p:strVal val="visible"/>
-                                      </p:to>
-                                    </p:set>
-                                  </p:childTnLst>
-                                </p:cTn>
-                              </p:par>
-                            </p:childTnLst>
-                          </p:cTn>
-                        </p:par>
-                      </p:childTnLst>
-                    </p:cTn>
-                  </p:par>
-                  <p:par>
-                    <p:cTn id="43" fill="hold">
-                      <p:stCondLst>
-                        <p:cond delay="indefinite"/>
-                      </p:stCondLst>
-                      <p:childTnLst>
-                        <p:par>
-                          <p:cTn id="44" fill="hold">
-                            <p:stCondLst>
-                              <p:cond delay="0"/>
-                            </p:stCondLst>
-                            <p:childTnLst>
-                              <p:par>
-                                <p:cTn id="45" presetID="1" presetClass="entr" presetSubtype="0" fill="hold" nodeType="clickEffect">
-                                  <p:stCondLst>
-                                    <p:cond delay="0"/>
-                                  </p:stCondLst>
-                                  <p:childTnLst>
-                                    <p:set>
-                                      <p:cBhvr>
-                                        <p:cTn id="46" dur="1" fill="hold">
-                                          <p:stCondLst>
-                                            <p:cond delay="0"/>
-                                          </p:stCondLst>
-                                        </p:cTn>
-                                        <p:tgtEl>
-                                          <p:spTgt spid="3">
-                                            <p:txEl>
-                                              <p:pRg st="10" end="10"/>
-                                            </p:txEl>
-                                          </p:spTgt>
-                                        </p:tgtEl>
-                                        <p:attrNameLst>
-                                          <p:attrName>style.visibility</p:attrName>
-                                        </p:attrNameLst>
-                                      </p:cBhvr>
-                                      <p:to>
-                                        <p:strVal val="visible"/>
-                                      </p:to>
-                                    </p:set>
-                                  </p:childTnLst>
-                                </p:cTn>
-                              </p:par>
-                            </p:childTnLst>
-                          </p:cTn>
-                        </p:par>
-                      </p:childTnLst>
-                    </p:cTn>
-                  </p:par>
-                </p:childTnLst>
-              </p:cTn>
-              <p:prevCondLst>
-                <p:cond evt="onPrev" delay="0">
-                  <p:tgtEl>
-                    <p:sldTgt/>
-                  </p:tgtEl>
-                </p:cond>
-              </p:prevCondLst>
-              <p:nextCondLst>
-                <p:cond evt="onNext" delay="0">
-                  <p:tgtEl>
-                    <p:sldTgt/>
-                  </p:tgtEl>
-                </p:cond>
-              </p:nextCondLst>
-            </p:seq>
-          </p:childTnLst>
-        </p:cTn>
-      </p:par>
-    </p:tnLst>
-  </p:timing>
-</p:sld>
-</file>
-
-<file path=ppt/slides/slide20.xml><?xml version="1.0" encoding="utf-8"?>
+<file path=ppt/slides/slide22.xml><?xml version="1.0" encoding="utf-8"?>
 <p:sld xmlns:a="http://schemas.openxmlformats.org/drawingml/2006/main" xmlns:r="http://schemas.openxmlformats.org/officeDocument/2006/relationships" xmlns:p="http://schemas.openxmlformats.org/presentationml/2006/main">
   <p:cSld>
     <p:spTree>
@@ -14883,7 +16223,7 @@
 </p:sld>
 </file>
 
-<file path=ppt/slides/slide21.xml><?xml version="1.0" encoding="utf-8"?>
+<file path=ppt/slides/slide23.xml><?xml version="1.0" encoding="utf-8"?>
 <p:sld xmlns:a="http://schemas.openxmlformats.org/drawingml/2006/main" xmlns:r="http://schemas.openxmlformats.org/officeDocument/2006/relationships" xmlns:p="http://schemas.openxmlformats.org/presentationml/2006/main">
   <p:cSld>
     <p:spTree>
@@ -14900,8 +16240,8 @@
           <a:chExt cx="0" cy="0"/>
         </a:xfrm>
       </p:grpSpPr>
-      <mc:AlternateContent xmlns:mc="http://schemas.openxmlformats.org/markup-compatibility/2006">
-        <mc:Choice xmlns:a14="http://schemas.microsoft.com/office/drawing/2010/main" Requires="a14">
+      <mc:AlternateContent xmlns:mc="http://schemas.openxmlformats.org/markup-compatibility/2006" xmlns:a14="http://schemas.microsoft.com/office/drawing/2010/main">
+        <mc:Choice Requires="a14">
           <p:sp>
             <p:nvSpPr>
               <p:cNvPr id="3" name="Content Placeholder 2">
@@ -15069,7 +16409,7 @@
             </p:txBody>
           </p:sp>
         </mc:Choice>
-        <mc:Fallback>
+        <mc:Fallback xmlns="">
           <p:sp>
             <p:nvSpPr>
               <p:cNvPr id="3" name="Content Placeholder 2">
@@ -15585,7 +16925,7 @@
 </p:sld>
 </file>
 
-<file path=ppt/slides/slide22.xml><?xml version="1.0" encoding="utf-8"?>
+<file path=ppt/slides/slide24.xml><?xml version="1.0" encoding="utf-8"?>
 <p:sld xmlns:a="http://schemas.openxmlformats.org/drawingml/2006/main" xmlns:r="http://schemas.openxmlformats.org/officeDocument/2006/relationships" xmlns:p="http://schemas.openxmlformats.org/presentationml/2006/main">
   <p:cSld>
     <p:spTree>
@@ -16187,7 +17527,7 @@
 </p:sld>
 </file>
 
-<file path=ppt/slides/slide23.xml><?xml version="1.0" encoding="utf-8"?>
+<file path=ppt/slides/slide25.xml><?xml version="1.0" encoding="utf-8"?>
 <p:sld xmlns:a="http://schemas.openxmlformats.org/drawingml/2006/main" xmlns:r="http://schemas.openxmlformats.org/officeDocument/2006/relationships" xmlns:p="http://schemas.openxmlformats.org/presentationml/2006/main">
   <p:cSld>
     <p:spTree>
@@ -17024,7 +18364,7 @@
 </p:sld>
 </file>
 
-<file path=ppt/slides/slide24.xml><?xml version="1.0" encoding="utf-8"?>
+<file path=ppt/slides/slide26.xml><?xml version="1.0" encoding="utf-8"?>
 <p:sld xmlns:a="http://schemas.openxmlformats.org/drawingml/2006/main" xmlns:r="http://schemas.openxmlformats.org/officeDocument/2006/relationships" xmlns:p="http://schemas.openxmlformats.org/presentationml/2006/main">
   <p:cSld>
     <p:spTree>
@@ -17983,7 +19323,7 @@
 </p:sld>
 </file>
 
-<file path=ppt/slides/slide25.xml><?xml version="1.0" encoding="utf-8"?>
+<file path=ppt/slides/slide27.xml><?xml version="1.0" encoding="utf-8"?>
 <p:sld xmlns:a="http://schemas.openxmlformats.org/drawingml/2006/main" xmlns:r="http://schemas.openxmlformats.org/officeDocument/2006/relationships" xmlns:p="http://schemas.openxmlformats.org/presentationml/2006/main">
   <p:cSld>
     <p:spTree>
@@ -18644,7 +19984,7 @@
 </p:sld>
 </file>
 
-<file path=ppt/slides/slide26.xml><?xml version="1.0" encoding="utf-8"?>
+<file path=ppt/slides/slide28.xml><?xml version="1.0" encoding="utf-8"?>
 <p:sld xmlns:a="http://schemas.openxmlformats.org/drawingml/2006/main" xmlns:r="http://schemas.openxmlformats.org/officeDocument/2006/relationships" xmlns:p="http://schemas.openxmlformats.org/presentationml/2006/main">
   <p:cSld>
     <p:spTree>
@@ -18661,8 +20001,8 @@
           <a:chExt cx="0" cy="0"/>
         </a:xfrm>
       </p:grpSpPr>
-      <mc:AlternateContent xmlns:mc="http://schemas.openxmlformats.org/markup-compatibility/2006">
-        <mc:Choice xmlns:a14="http://schemas.microsoft.com/office/drawing/2010/main" Requires="a14">
+      <mc:AlternateContent xmlns:mc="http://schemas.openxmlformats.org/markup-compatibility/2006" xmlns:a14="http://schemas.microsoft.com/office/drawing/2010/main">
+        <mc:Choice Requires="a14">
           <p:sp>
             <p:nvSpPr>
               <p:cNvPr id="3" name="Content Placeholder 2">
@@ -19302,7 +20642,7 @@
             </p:txBody>
           </p:sp>
         </mc:Choice>
-        <mc:Fallback>
+        <mc:Fallback xmlns="">
           <p:sp>
             <p:nvSpPr>
               <p:cNvPr id="3" name="Content Placeholder 2">
@@ -19604,7 +20944,7 @@
 </p:sld>
 </file>
 
-<file path=ppt/slides/slide27.xml><?xml version="1.0" encoding="utf-8"?>
+<file path=ppt/slides/slide29.xml><?xml version="1.0" encoding="utf-8"?>
 <p:sld xmlns:a="http://schemas.openxmlformats.org/drawingml/2006/main" xmlns:r="http://schemas.openxmlformats.org/officeDocument/2006/relationships" xmlns:p="http://schemas.openxmlformats.org/presentationml/2006/main">
   <p:cSld>
     <p:spTree>
@@ -19621,8 +20961,8 @@
           <a:chExt cx="0" cy="0"/>
         </a:xfrm>
       </p:grpSpPr>
-      <mc:AlternateContent xmlns:mc="http://schemas.openxmlformats.org/markup-compatibility/2006">
-        <mc:Choice xmlns:a14="http://schemas.microsoft.com/office/drawing/2010/main" Requires="a14">
+      <mc:AlternateContent xmlns:mc="http://schemas.openxmlformats.org/markup-compatibility/2006" xmlns:a14="http://schemas.microsoft.com/office/drawing/2010/main">
+        <mc:Choice Requires="a14">
           <p:sp>
             <p:nvSpPr>
               <p:cNvPr id="3" name="Content Placeholder 2">
@@ -20315,7 +21655,7 @@
             </p:txBody>
           </p:sp>
         </mc:Choice>
-        <mc:Fallback>
+        <mc:Fallback xmlns="">
           <p:sp>
             <p:nvSpPr>
               <p:cNvPr id="3" name="Content Placeholder 2">
@@ -20617,7 +21957,7 @@
 </p:sld>
 </file>
 
-<file path=ppt/slides/slide28.xml><?xml version="1.0" encoding="utf-8"?>
+<file path=ppt/slides/slide3.xml><?xml version="1.0" encoding="utf-8"?>
 <p:sld xmlns:a="http://schemas.openxmlformats.org/drawingml/2006/main" xmlns:r="http://schemas.openxmlformats.org/officeDocument/2006/relationships" xmlns:p="http://schemas.openxmlformats.org/presentationml/2006/main">
   <p:cSld>
     <p:spTree>
@@ -20634,8 +21974,574 @@
           <a:chExt cx="0" cy="0"/>
         </a:xfrm>
       </p:grpSpPr>
-      <mc:AlternateContent xmlns:mc="http://schemas.openxmlformats.org/markup-compatibility/2006">
-        <mc:Choice xmlns:a14="http://schemas.microsoft.com/office/drawing/2010/main" Requires="a14">
+      <p:sp>
+        <p:nvSpPr>
+          <p:cNvPr id="2" name="Title 1">
+            <a:extLst>
+              <a:ext uri="{FF2B5EF4-FFF2-40B4-BE49-F238E27FC236}">
+                <a16:creationId xmlns:a16="http://schemas.microsoft.com/office/drawing/2014/main" id="{4702757D-9716-4C25-BA54-81C26D6EC04E}"/>
+              </a:ext>
+            </a:extLst>
+          </p:cNvPr>
+          <p:cNvSpPr>
+            <a:spLocks noGrp="1"/>
+          </p:cNvSpPr>
+          <p:nvPr>
+            <p:ph type="title"/>
+          </p:nvPr>
+        </p:nvSpPr>
+        <p:spPr>
+          <a:xfrm>
+            <a:off x="838200" y="215696"/>
+            <a:ext cx="10515600" cy="930682"/>
+          </a:xfrm>
+        </p:spPr>
+        <p:txBody>
+          <a:bodyPr>
+            <a:normAutofit/>
+          </a:bodyPr>
+          <a:lstStyle/>
+          <a:p>
+            <a:r>
+              <a:rPr lang="en-US" sz="4000" dirty="0">
+                <a:latin typeface="+mn-lt"/>
+              </a:rPr>
+              <a:t>Introduction to Web Searching</a:t>
+            </a:r>
+          </a:p>
+        </p:txBody>
+      </p:sp>
+      <p:sp>
+        <p:nvSpPr>
+          <p:cNvPr id="3" name="Content Placeholder 2">
+            <a:extLst>
+              <a:ext uri="{FF2B5EF4-FFF2-40B4-BE49-F238E27FC236}">
+                <a16:creationId xmlns:a16="http://schemas.microsoft.com/office/drawing/2014/main" id="{D9C502E2-3889-41D4-9A2E-D8C04ADE5184}"/>
+              </a:ext>
+            </a:extLst>
+          </p:cNvPr>
+          <p:cNvSpPr>
+            <a:spLocks noGrp="1"/>
+          </p:cNvSpPr>
+          <p:nvPr>
+            <p:ph idx="1"/>
+          </p:nvPr>
+        </p:nvSpPr>
+        <p:spPr>
+          <a:xfrm>
+            <a:off x="838200" y="1183037"/>
+            <a:ext cx="10515600" cy="5372745"/>
+          </a:xfrm>
+        </p:spPr>
+        <p:txBody>
+          <a:bodyPr>
+            <a:normAutofit/>
+          </a:bodyPr>
+          <a:lstStyle/>
+          <a:p>
+            <a:pPr marL="0" indent="0">
+              <a:buNone/>
+            </a:pPr>
+            <a:r>
+              <a:rPr lang="en-US" dirty="0"/>
+              <a:t>Some possible approaches to web search</a:t>
+            </a:r>
+          </a:p>
+          <a:p>
+            <a:r>
+              <a:rPr lang="en-US" dirty="0"/>
+              <a:t>Search for </a:t>
+            </a:r>
+            <a:r>
+              <a:rPr lang="en-US" b="1" dirty="0"/>
+              <a:t>semantic match </a:t>
+            </a:r>
+            <a:r>
+              <a:rPr lang="en-US" dirty="0"/>
+              <a:t>to query</a:t>
+            </a:r>
+          </a:p>
+          <a:p>
+            <a:pPr lvl="1"/>
+            <a:r>
+              <a:rPr lang="en-US" dirty="0"/>
+              <a:t>Attractive in principle  </a:t>
+            </a:r>
+          </a:p>
+          <a:p>
+            <a:pPr lvl="1"/>
+            <a:r>
+              <a:rPr lang="en-US" dirty="0"/>
+              <a:t>Hard to implement on web at scale, ambiguous queries, inconsistent tags</a:t>
+            </a:r>
+          </a:p>
+          <a:p>
+            <a:pPr lvl="1"/>
+            <a:r>
+              <a:rPr lang="en-US" dirty="0"/>
+              <a:t>Unclear how much semantic methods used by major search engines</a:t>
+            </a:r>
+          </a:p>
+          <a:p>
+            <a:pPr lvl="1"/>
+            <a:r>
+              <a:rPr lang="en-US" dirty="0"/>
+              <a:t>We will not discuss semantic search further here  </a:t>
+            </a:r>
+          </a:p>
+          <a:p>
+            <a:r>
+              <a:rPr lang="en-US" b="1" dirty="0"/>
+              <a:t>Semantic search </a:t>
+            </a:r>
+            <a:r>
+              <a:rPr lang="en-US" dirty="0"/>
+              <a:t>use the </a:t>
+            </a:r>
+            <a:r>
+              <a:rPr lang="en-US" b="1" dirty="0"/>
+              <a:t>semantic web</a:t>
+            </a:r>
+          </a:p>
+          <a:p>
+            <a:r>
+              <a:rPr lang="en-US" dirty="0"/>
+              <a:t>For a recent review paper on the state of the semantic web see  </a:t>
+            </a:r>
+            <a:r>
+              <a:rPr lang="en-US" dirty="0">
+                <a:hlinkClick r:id="rId2"/>
+              </a:rPr>
+              <a:t>Review of the Semantic Web Field, Pascal </a:t>
+            </a:r>
+            <a:r>
+              <a:rPr lang="en-US" dirty="0" err="1">
+                <a:hlinkClick r:id="rId2"/>
+              </a:rPr>
+              <a:t>Hitzler</a:t>
+            </a:r>
+            <a:r>
+              <a:rPr lang="en-US" dirty="0">
+                <a:hlinkClick r:id="rId2"/>
+              </a:rPr>
+              <a:t>, Communications of the ACM, February 2021</a:t>
+            </a:r>
+            <a:r>
+              <a:rPr lang="en-US" dirty="0"/>
+              <a:t>. </a:t>
+            </a:r>
+          </a:p>
+          <a:p>
+            <a:pPr lvl="1"/>
+            <a:endParaRPr lang="en-US" dirty="0"/>
+          </a:p>
+        </p:txBody>
+      </p:sp>
+    </p:spTree>
+    <p:extLst>
+      <p:ext uri="{BB962C8B-B14F-4D97-AF65-F5344CB8AC3E}">
+        <p14:creationId xmlns:p14="http://schemas.microsoft.com/office/powerpoint/2010/main" val="1419649455"/>
+      </p:ext>
+    </p:extLst>
+  </p:cSld>
+  <p:clrMapOvr>
+    <a:masterClrMapping/>
+  </p:clrMapOvr>
+  <p:timing>
+    <p:tnLst>
+      <p:par>
+        <p:cTn id="1" dur="indefinite" restart="never" nodeType="tmRoot">
+          <p:childTnLst>
+            <p:seq concurrent="1" nextAc="seek">
+              <p:cTn id="2" dur="indefinite" nodeType="mainSeq">
+                <p:childTnLst>
+                  <p:par>
+                    <p:cTn id="3" fill="hold">
+                      <p:stCondLst>
+                        <p:cond delay="indefinite"/>
+                      </p:stCondLst>
+                      <p:childTnLst>
+                        <p:par>
+                          <p:cTn id="4" fill="hold">
+                            <p:stCondLst>
+                              <p:cond delay="0"/>
+                            </p:stCondLst>
+                            <p:childTnLst>
+                              <p:par>
+                                <p:cTn id="5" presetID="1" presetClass="entr" presetSubtype="0" fill="hold" nodeType="clickEffect">
+                                  <p:stCondLst>
+                                    <p:cond delay="0"/>
+                                  </p:stCondLst>
+                                  <p:childTnLst>
+                                    <p:set>
+                                      <p:cBhvr>
+                                        <p:cTn id="6" dur="1" fill="hold">
+                                          <p:stCondLst>
+                                            <p:cond delay="0"/>
+                                          </p:stCondLst>
+                                        </p:cTn>
+                                        <p:tgtEl>
+                                          <p:spTgt spid="3">
+                                            <p:txEl>
+                                              <p:pRg st="1" end="1"/>
+                                            </p:txEl>
+                                          </p:spTgt>
+                                        </p:tgtEl>
+                                        <p:attrNameLst>
+                                          <p:attrName>style.visibility</p:attrName>
+                                        </p:attrNameLst>
+                                      </p:cBhvr>
+                                      <p:to>
+                                        <p:strVal val="visible"/>
+                                      </p:to>
+                                    </p:set>
+                                  </p:childTnLst>
+                                </p:cTn>
+                              </p:par>
+                            </p:childTnLst>
+                          </p:cTn>
+                        </p:par>
+                      </p:childTnLst>
+                    </p:cTn>
+                  </p:par>
+                  <p:par>
+                    <p:cTn id="7" fill="hold">
+                      <p:stCondLst>
+                        <p:cond delay="indefinite"/>
+                      </p:stCondLst>
+                      <p:childTnLst>
+                        <p:par>
+                          <p:cTn id="8" fill="hold">
+                            <p:stCondLst>
+                              <p:cond delay="0"/>
+                            </p:stCondLst>
+                            <p:childTnLst>
+                              <p:par>
+                                <p:cTn id="9" presetID="1" presetClass="entr" presetSubtype="0" fill="hold" nodeType="clickEffect">
+                                  <p:stCondLst>
+                                    <p:cond delay="0"/>
+                                  </p:stCondLst>
+                                  <p:childTnLst>
+                                    <p:set>
+                                      <p:cBhvr>
+                                        <p:cTn id="10" dur="1" fill="hold">
+                                          <p:stCondLst>
+                                            <p:cond delay="0"/>
+                                          </p:stCondLst>
+                                        </p:cTn>
+                                        <p:tgtEl>
+                                          <p:spTgt spid="3">
+                                            <p:txEl>
+                                              <p:pRg st="2" end="2"/>
+                                            </p:txEl>
+                                          </p:spTgt>
+                                        </p:tgtEl>
+                                        <p:attrNameLst>
+                                          <p:attrName>style.visibility</p:attrName>
+                                        </p:attrNameLst>
+                                      </p:cBhvr>
+                                      <p:to>
+                                        <p:strVal val="visible"/>
+                                      </p:to>
+                                    </p:set>
+                                  </p:childTnLst>
+                                </p:cTn>
+                              </p:par>
+                            </p:childTnLst>
+                          </p:cTn>
+                        </p:par>
+                      </p:childTnLst>
+                    </p:cTn>
+                  </p:par>
+                  <p:par>
+                    <p:cTn id="11" fill="hold">
+                      <p:stCondLst>
+                        <p:cond delay="indefinite"/>
+                      </p:stCondLst>
+                      <p:childTnLst>
+                        <p:par>
+                          <p:cTn id="12" fill="hold">
+                            <p:stCondLst>
+                              <p:cond delay="0"/>
+                            </p:stCondLst>
+                            <p:childTnLst>
+                              <p:par>
+                                <p:cTn id="13" presetID="1" presetClass="entr" presetSubtype="0" fill="hold" nodeType="clickEffect">
+                                  <p:stCondLst>
+                                    <p:cond delay="0"/>
+                                  </p:stCondLst>
+                                  <p:childTnLst>
+                                    <p:set>
+                                      <p:cBhvr>
+                                        <p:cTn id="14" dur="1" fill="hold">
+                                          <p:stCondLst>
+                                            <p:cond delay="0"/>
+                                          </p:stCondLst>
+                                        </p:cTn>
+                                        <p:tgtEl>
+                                          <p:spTgt spid="3">
+                                            <p:txEl>
+                                              <p:pRg st="3" end="3"/>
+                                            </p:txEl>
+                                          </p:spTgt>
+                                        </p:tgtEl>
+                                        <p:attrNameLst>
+                                          <p:attrName>style.visibility</p:attrName>
+                                        </p:attrNameLst>
+                                      </p:cBhvr>
+                                      <p:to>
+                                        <p:strVal val="visible"/>
+                                      </p:to>
+                                    </p:set>
+                                  </p:childTnLst>
+                                </p:cTn>
+                              </p:par>
+                            </p:childTnLst>
+                          </p:cTn>
+                        </p:par>
+                      </p:childTnLst>
+                    </p:cTn>
+                  </p:par>
+                  <p:par>
+                    <p:cTn id="15" fill="hold">
+                      <p:stCondLst>
+                        <p:cond delay="indefinite"/>
+                      </p:stCondLst>
+                      <p:childTnLst>
+                        <p:par>
+                          <p:cTn id="16" fill="hold">
+                            <p:stCondLst>
+                              <p:cond delay="0"/>
+                            </p:stCondLst>
+                            <p:childTnLst>
+                              <p:par>
+                                <p:cTn id="17" presetID="1" presetClass="entr" presetSubtype="0" fill="hold" nodeType="clickEffect">
+                                  <p:stCondLst>
+                                    <p:cond delay="0"/>
+                                  </p:stCondLst>
+                                  <p:childTnLst>
+                                    <p:set>
+                                      <p:cBhvr>
+                                        <p:cTn id="18" dur="1" fill="hold">
+                                          <p:stCondLst>
+                                            <p:cond delay="0"/>
+                                          </p:stCondLst>
+                                        </p:cTn>
+                                        <p:tgtEl>
+                                          <p:spTgt spid="3">
+                                            <p:txEl>
+                                              <p:pRg st="4" end="4"/>
+                                            </p:txEl>
+                                          </p:spTgt>
+                                        </p:tgtEl>
+                                        <p:attrNameLst>
+                                          <p:attrName>style.visibility</p:attrName>
+                                        </p:attrNameLst>
+                                      </p:cBhvr>
+                                      <p:to>
+                                        <p:strVal val="visible"/>
+                                      </p:to>
+                                    </p:set>
+                                  </p:childTnLst>
+                                </p:cTn>
+                              </p:par>
+                            </p:childTnLst>
+                          </p:cTn>
+                        </p:par>
+                      </p:childTnLst>
+                    </p:cTn>
+                  </p:par>
+                  <p:par>
+                    <p:cTn id="19" fill="hold">
+                      <p:stCondLst>
+                        <p:cond delay="indefinite"/>
+                      </p:stCondLst>
+                      <p:childTnLst>
+                        <p:par>
+                          <p:cTn id="20" fill="hold">
+                            <p:stCondLst>
+                              <p:cond delay="0"/>
+                            </p:stCondLst>
+                            <p:childTnLst>
+                              <p:par>
+                                <p:cTn id="21" presetID="1" presetClass="entr" presetSubtype="0" fill="hold" nodeType="clickEffect">
+                                  <p:stCondLst>
+                                    <p:cond delay="0"/>
+                                  </p:stCondLst>
+                                  <p:childTnLst>
+                                    <p:set>
+                                      <p:cBhvr>
+                                        <p:cTn id="22" dur="1" fill="hold">
+                                          <p:stCondLst>
+                                            <p:cond delay="0"/>
+                                          </p:stCondLst>
+                                        </p:cTn>
+                                        <p:tgtEl>
+                                          <p:spTgt spid="3">
+                                            <p:txEl>
+                                              <p:pRg st="5" end="5"/>
+                                            </p:txEl>
+                                          </p:spTgt>
+                                        </p:tgtEl>
+                                        <p:attrNameLst>
+                                          <p:attrName>style.visibility</p:attrName>
+                                        </p:attrNameLst>
+                                      </p:cBhvr>
+                                      <p:to>
+                                        <p:strVal val="visible"/>
+                                      </p:to>
+                                    </p:set>
+                                  </p:childTnLst>
+                                </p:cTn>
+                              </p:par>
+                            </p:childTnLst>
+                          </p:cTn>
+                        </p:par>
+                      </p:childTnLst>
+                    </p:cTn>
+                  </p:par>
+                  <p:par>
+                    <p:cTn id="23" fill="hold">
+                      <p:stCondLst>
+                        <p:cond delay="indefinite"/>
+                      </p:stCondLst>
+                      <p:childTnLst>
+                        <p:par>
+                          <p:cTn id="24" fill="hold">
+                            <p:stCondLst>
+                              <p:cond delay="0"/>
+                            </p:stCondLst>
+                            <p:childTnLst>
+                              <p:par>
+                                <p:cTn id="25" presetID="1" presetClass="entr" presetSubtype="0" fill="hold" nodeType="clickEffect">
+                                  <p:stCondLst>
+                                    <p:cond delay="0"/>
+                                  </p:stCondLst>
+                                  <p:childTnLst>
+                                    <p:set>
+                                      <p:cBhvr>
+                                        <p:cTn id="26" dur="1" fill="hold">
+                                          <p:stCondLst>
+                                            <p:cond delay="0"/>
+                                          </p:stCondLst>
+                                        </p:cTn>
+                                        <p:tgtEl>
+                                          <p:spTgt spid="3">
+                                            <p:txEl>
+                                              <p:pRg st="6" end="6"/>
+                                            </p:txEl>
+                                          </p:spTgt>
+                                        </p:tgtEl>
+                                        <p:attrNameLst>
+                                          <p:attrName>style.visibility</p:attrName>
+                                        </p:attrNameLst>
+                                      </p:cBhvr>
+                                      <p:to>
+                                        <p:strVal val="visible"/>
+                                      </p:to>
+                                    </p:set>
+                                  </p:childTnLst>
+                                </p:cTn>
+                              </p:par>
+                            </p:childTnLst>
+                          </p:cTn>
+                        </p:par>
+                      </p:childTnLst>
+                    </p:cTn>
+                  </p:par>
+                  <p:par>
+                    <p:cTn id="27" fill="hold">
+                      <p:stCondLst>
+                        <p:cond delay="indefinite"/>
+                      </p:stCondLst>
+                      <p:childTnLst>
+                        <p:par>
+                          <p:cTn id="28" fill="hold">
+                            <p:stCondLst>
+                              <p:cond delay="0"/>
+                            </p:stCondLst>
+                            <p:childTnLst>
+                              <p:par>
+                                <p:cTn id="29" presetID="1" presetClass="entr" presetSubtype="0" fill="hold" nodeType="clickEffect">
+                                  <p:stCondLst>
+                                    <p:cond delay="0"/>
+                                  </p:stCondLst>
+                                  <p:childTnLst>
+                                    <p:set>
+                                      <p:cBhvr>
+                                        <p:cTn id="30" dur="1" fill="hold">
+                                          <p:stCondLst>
+                                            <p:cond delay="0"/>
+                                          </p:stCondLst>
+                                        </p:cTn>
+                                        <p:tgtEl>
+                                          <p:spTgt spid="3">
+                                            <p:txEl>
+                                              <p:pRg st="7" end="7"/>
+                                            </p:txEl>
+                                          </p:spTgt>
+                                        </p:tgtEl>
+                                        <p:attrNameLst>
+                                          <p:attrName>style.visibility</p:attrName>
+                                        </p:attrNameLst>
+                                      </p:cBhvr>
+                                      <p:to>
+                                        <p:strVal val="visible"/>
+                                      </p:to>
+                                    </p:set>
+                                  </p:childTnLst>
+                                </p:cTn>
+                              </p:par>
+                            </p:childTnLst>
+                          </p:cTn>
+                        </p:par>
+                      </p:childTnLst>
+                    </p:cTn>
+                  </p:par>
+                </p:childTnLst>
+              </p:cTn>
+              <p:prevCondLst>
+                <p:cond evt="onPrev" delay="0">
+                  <p:tgtEl>
+                    <p:sldTgt/>
+                  </p:tgtEl>
+                </p:cond>
+              </p:prevCondLst>
+              <p:nextCondLst>
+                <p:cond evt="onNext" delay="0">
+                  <p:tgtEl>
+                    <p:sldTgt/>
+                  </p:tgtEl>
+                </p:cond>
+              </p:nextCondLst>
+            </p:seq>
+          </p:childTnLst>
+        </p:cTn>
+      </p:par>
+    </p:tnLst>
+  </p:timing>
+</p:sld>
+</file>
+
+<file path=ppt/slides/slide30.xml><?xml version="1.0" encoding="utf-8"?>
+<p:sld xmlns:a="http://schemas.openxmlformats.org/drawingml/2006/main" xmlns:r="http://schemas.openxmlformats.org/officeDocument/2006/relationships" xmlns:p="http://schemas.openxmlformats.org/presentationml/2006/main">
+  <p:cSld>
+    <p:spTree>
+      <p:nvGrpSpPr>
+        <p:cNvPr id="1" name=""/>
+        <p:cNvGrpSpPr/>
+        <p:nvPr/>
+      </p:nvGrpSpPr>
+      <p:grpSpPr>
+        <a:xfrm>
+          <a:off x="0" y="0"/>
+          <a:ext cx="0" cy="0"/>
+          <a:chOff x="0" y="0"/>
+          <a:chExt cx="0" cy="0"/>
+        </a:xfrm>
+      </p:grpSpPr>
+      <mc:AlternateContent xmlns:mc="http://schemas.openxmlformats.org/markup-compatibility/2006" xmlns:a14="http://schemas.microsoft.com/office/drawing/2010/main">
+        <mc:Choice Requires="a14">
           <p:sp>
             <p:nvSpPr>
               <p:cNvPr id="3" name="Content Placeholder 2">
@@ -21543,7 +23449,7 @@
             </p:txBody>
           </p:sp>
         </mc:Choice>
-        <mc:Fallback>
+        <mc:Fallback xmlns="">
           <p:sp>
             <p:nvSpPr>
               <p:cNvPr id="3" name="Content Placeholder 2">
@@ -21925,7 +23831,7 @@
 </p:sld>
 </file>
 
-<file path=ppt/slides/slide29.xml><?xml version="1.0" encoding="utf-8"?>
+<file path=ppt/slides/slide31.xml><?xml version="1.0" encoding="utf-8"?>
 <p:sld xmlns:a="http://schemas.openxmlformats.org/drawingml/2006/main" xmlns:r="http://schemas.openxmlformats.org/officeDocument/2006/relationships" xmlns:p="http://schemas.openxmlformats.org/presentationml/2006/main">
   <p:cSld>
     <p:spTree>
@@ -24470,622 +26376,7 @@
 </p:sld>
 </file>
 
-<file path=ppt/slides/slide3.xml><?xml version="1.0" encoding="utf-8"?>
-<p:sld xmlns:a="http://schemas.openxmlformats.org/drawingml/2006/main" xmlns:r="http://schemas.openxmlformats.org/officeDocument/2006/relationships" xmlns:p="http://schemas.openxmlformats.org/presentationml/2006/main">
-  <p:cSld>
-    <p:spTree>
-      <p:nvGrpSpPr>
-        <p:cNvPr id="1" name=""/>
-        <p:cNvGrpSpPr/>
-        <p:nvPr/>
-      </p:nvGrpSpPr>
-      <p:grpSpPr>
-        <a:xfrm>
-          <a:off x="0" y="0"/>
-          <a:ext cx="0" cy="0"/>
-          <a:chOff x="0" y="0"/>
-          <a:chExt cx="0" cy="0"/>
-        </a:xfrm>
-      </p:grpSpPr>
-      <p:sp>
-        <p:nvSpPr>
-          <p:cNvPr id="2" name="Title 1">
-            <a:extLst>
-              <a:ext uri="{FF2B5EF4-FFF2-40B4-BE49-F238E27FC236}">
-                <a16:creationId xmlns:a16="http://schemas.microsoft.com/office/drawing/2014/main" id="{4702757D-9716-4C25-BA54-81C26D6EC04E}"/>
-              </a:ext>
-            </a:extLst>
-          </p:cNvPr>
-          <p:cNvSpPr>
-            <a:spLocks noGrp="1"/>
-          </p:cNvSpPr>
-          <p:nvPr>
-            <p:ph type="title"/>
-          </p:nvPr>
-        </p:nvSpPr>
-        <p:spPr>
-          <a:xfrm>
-            <a:off x="838200" y="215696"/>
-            <a:ext cx="10515600" cy="930682"/>
-          </a:xfrm>
-        </p:spPr>
-        <p:txBody>
-          <a:bodyPr>
-            <a:normAutofit/>
-          </a:bodyPr>
-          <a:lstStyle/>
-          <a:p>
-            <a:r>
-              <a:rPr lang="en-US" sz="4000" dirty="0">
-                <a:latin typeface="+mn-lt"/>
-              </a:rPr>
-              <a:t>Introduction to Web Searching</a:t>
-            </a:r>
-          </a:p>
-        </p:txBody>
-      </p:sp>
-      <p:sp>
-        <p:nvSpPr>
-          <p:cNvPr id="3" name="Content Placeholder 2">
-            <a:extLst>
-              <a:ext uri="{FF2B5EF4-FFF2-40B4-BE49-F238E27FC236}">
-                <a16:creationId xmlns:a16="http://schemas.microsoft.com/office/drawing/2014/main" id="{D9C502E2-3889-41D4-9A2E-D8C04ADE5184}"/>
-              </a:ext>
-            </a:extLst>
-          </p:cNvPr>
-          <p:cNvSpPr>
-            <a:spLocks noGrp="1"/>
-          </p:cNvSpPr>
-          <p:nvPr>
-            <p:ph idx="1"/>
-          </p:nvPr>
-        </p:nvSpPr>
-        <p:spPr>
-          <a:xfrm>
-            <a:off x="838200" y="1183037"/>
-            <a:ext cx="10515600" cy="5372745"/>
-          </a:xfrm>
-        </p:spPr>
-        <p:txBody>
-          <a:bodyPr>
-            <a:normAutofit/>
-          </a:bodyPr>
-          <a:lstStyle/>
-          <a:p>
-            <a:pPr marL="0" indent="0">
-              <a:buNone/>
-            </a:pPr>
-            <a:r>
-              <a:rPr lang="en-US" dirty="0"/>
-              <a:t>Some possible approaches to web search</a:t>
-            </a:r>
-          </a:p>
-          <a:p>
-            <a:r>
-              <a:rPr lang="en-US" dirty="0"/>
-              <a:t>Search for </a:t>
-            </a:r>
-            <a:r>
-              <a:rPr lang="en-US" b="1" dirty="0"/>
-              <a:t>semantic match </a:t>
-            </a:r>
-            <a:r>
-              <a:rPr lang="en-US" dirty="0"/>
-              <a:t>to query</a:t>
-            </a:r>
-          </a:p>
-          <a:p>
-            <a:pPr lvl="1"/>
-            <a:r>
-              <a:rPr lang="en-US" dirty="0"/>
-              <a:t>Attractive in principle  </a:t>
-            </a:r>
-          </a:p>
-          <a:p>
-            <a:pPr lvl="1"/>
-            <a:r>
-              <a:rPr lang="en-US" dirty="0"/>
-              <a:t>Hard to implement on web at scale, ambiguous queries, inconsistent tags</a:t>
-            </a:r>
-          </a:p>
-          <a:p>
-            <a:pPr lvl="1"/>
-            <a:r>
-              <a:rPr lang="en-US" dirty="0"/>
-              <a:t>Unclear how much semantic methods used by major search engines</a:t>
-            </a:r>
-          </a:p>
-          <a:p>
-            <a:pPr lvl="1"/>
-            <a:r>
-              <a:rPr lang="en-US" dirty="0"/>
-              <a:t>We will not discuss semantic search further here  </a:t>
-            </a:r>
-          </a:p>
-          <a:p>
-            <a:r>
-              <a:rPr lang="en-US" b="1" dirty="0"/>
-              <a:t>Semantic search </a:t>
-            </a:r>
-            <a:r>
-              <a:rPr lang="en-US" dirty="0"/>
-              <a:t>use the </a:t>
-            </a:r>
-            <a:r>
-              <a:rPr lang="en-US" b="1" dirty="0"/>
-              <a:t>semantic web</a:t>
-            </a:r>
-          </a:p>
-          <a:p>
-            <a:r>
-              <a:rPr lang="en-US" dirty="0"/>
-              <a:t>For a recent review paper on the state of the semantic web see  </a:t>
-            </a:r>
-            <a:r>
-              <a:rPr lang="en-US" dirty="0">
-                <a:hlinkClick r:id="rId2"/>
-              </a:rPr>
-              <a:t>Review of the Semantic Web Field, Pascal </a:t>
-            </a:r>
-            <a:r>
-              <a:rPr lang="en-US" dirty="0" err="1">
-                <a:hlinkClick r:id="rId2"/>
-              </a:rPr>
-              <a:t>Hitzler</a:t>
-            </a:r>
-            <a:r>
-              <a:rPr lang="en-US" dirty="0">
-                <a:hlinkClick r:id="rId2"/>
-              </a:rPr>
-              <a:t>, Communications of the ACM, February 2021</a:t>
-            </a:r>
-            <a:r>
-              <a:rPr lang="en-US" dirty="0"/>
-              <a:t>. </a:t>
-            </a:r>
-          </a:p>
-          <a:p>
-            <a:pPr lvl="1"/>
-            <a:endParaRPr lang="en-US" dirty="0"/>
-          </a:p>
-        </p:txBody>
-      </p:sp>
-    </p:spTree>
-    <p:extLst>
-      <p:ext uri="{BB962C8B-B14F-4D97-AF65-F5344CB8AC3E}">
-        <p14:creationId xmlns:p14="http://schemas.microsoft.com/office/powerpoint/2010/main" val="1419649455"/>
-      </p:ext>
-    </p:extLst>
-  </p:cSld>
-  <p:clrMapOvr>
-    <a:masterClrMapping/>
-  </p:clrMapOvr>
-  <p:timing>
-    <p:tnLst>
-      <p:par>
-        <p:cTn id="1" dur="indefinite" restart="never" nodeType="tmRoot">
-          <p:childTnLst>
-            <p:seq concurrent="1" nextAc="seek">
-              <p:cTn id="2" dur="indefinite" nodeType="mainSeq">
-                <p:childTnLst>
-                  <p:par>
-                    <p:cTn id="3" fill="hold">
-                      <p:stCondLst>
-                        <p:cond delay="indefinite"/>
-                      </p:stCondLst>
-                      <p:childTnLst>
-                        <p:par>
-                          <p:cTn id="4" fill="hold">
-                            <p:stCondLst>
-                              <p:cond delay="0"/>
-                            </p:stCondLst>
-                            <p:childTnLst>
-                              <p:par>
-                                <p:cTn id="5" presetID="1" presetClass="entr" presetSubtype="0" fill="hold" nodeType="clickEffect">
-                                  <p:stCondLst>
-                                    <p:cond delay="0"/>
-                                  </p:stCondLst>
-                                  <p:childTnLst>
-                                    <p:set>
-                                      <p:cBhvr>
-                                        <p:cTn id="6" dur="1" fill="hold">
-                                          <p:stCondLst>
-                                            <p:cond delay="0"/>
-                                          </p:stCondLst>
-                                        </p:cTn>
-                                        <p:tgtEl>
-                                          <p:spTgt spid="3">
-                                            <p:txEl>
-                                              <p:pRg st="0" end="0"/>
-                                            </p:txEl>
-                                          </p:spTgt>
-                                        </p:tgtEl>
-                                        <p:attrNameLst>
-                                          <p:attrName>style.visibility</p:attrName>
-                                        </p:attrNameLst>
-                                      </p:cBhvr>
-                                      <p:to>
-                                        <p:strVal val="visible"/>
-                                      </p:to>
-                                    </p:set>
-                                  </p:childTnLst>
-                                </p:cTn>
-                              </p:par>
-                            </p:childTnLst>
-                          </p:cTn>
-                        </p:par>
-                      </p:childTnLst>
-                    </p:cTn>
-                  </p:par>
-                  <p:par>
-                    <p:cTn id="7" fill="hold">
-                      <p:stCondLst>
-                        <p:cond delay="indefinite"/>
-                      </p:stCondLst>
-                      <p:childTnLst>
-                        <p:par>
-                          <p:cTn id="8" fill="hold">
-                            <p:stCondLst>
-                              <p:cond delay="0"/>
-                            </p:stCondLst>
-                            <p:childTnLst>
-                              <p:par>
-                                <p:cTn id="9" presetID="1" presetClass="entr" presetSubtype="0" fill="hold" nodeType="clickEffect">
-                                  <p:stCondLst>
-                                    <p:cond delay="0"/>
-                                  </p:stCondLst>
-                                  <p:childTnLst>
-                                    <p:set>
-                                      <p:cBhvr>
-                                        <p:cTn id="10" dur="1" fill="hold">
-                                          <p:stCondLst>
-                                            <p:cond delay="0"/>
-                                          </p:stCondLst>
-                                        </p:cTn>
-                                        <p:tgtEl>
-                                          <p:spTgt spid="3">
-                                            <p:txEl>
-                                              <p:pRg st="1" end="1"/>
-                                            </p:txEl>
-                                          </p:spTgt>
-                                        </p:tgtEl>
-                                        <p:attrNameLst>
-                                          <p:attrName>style.visibility</p:attrName>
-                                        </p:attrNameLst>
-                                      </p:cBhvr>
-                                      <p:to>
-                                        <p:strVal val="visible"/>
-                                      </p:to>
-                                    </p:set>
-                                  </p:childTnLst>
-                                </p:cTn>
-                              </p:par>
-                            </p:childTnLst>
-                          </p:cTn>
-                        </p:par>
-                      </p:childTnLst>
-                    </p:cTn>
-                  </p:par>
-                  <p:par>
-                    <p:cTn id="11" fill="hold">
-                      <p:stCondLst>
-                        <p:cond delay="indefinite"/>
-                      </p:stCondLst>
-                      <p:childTnLst>
-                        <p:par>
-                          <p:cTn id="12" fill="hold">
-                            <p:stCondLst>
-                              <p:cond delay="0"/>
-                            </p:stCondLst>
-                            <p:childTnLst>
-                              <p:par>
-                                <p:cTn id="13" presetID="1" presetClass="entr" presetSubtype="0" fill="hold" nodeType="clickEffect">
-                                  <p:stCondLst>
-                                    <p:cond delay="0"/>
-                                  </p:stCondLst>
-                                  <p:childTnLst>
-                                    <p:set>
-                                      <p:cBhvr>
-                                        <p:cTn id="14" dur="1" fill="hold">
-                                          <p:stCondLst>
-                                            <p:cond delay="0"/>
-                                          </p:stCondLst>
-                                        </p:cTn>
-                                        <p:tgtEl>
-                                          <p:spTgt spid="3">
-                                            <p:txEl>
-                                              <p:pRg st="2" end="2"/>
-                                            </p:txEl>
-                                          </p:spTgt>
-                                        </p:tgtEl>
-                                        <p:attrNameLst>
-                                          <p:attrName>style.visibility</p:attrName>
-                                        </p:attrNameLst>
-                                      </p:cBhvr>
-                                      <p:to>
-                                        <p:strVal val="visible"/>
-                                      </p:to>
-                                    </p:set>
-                                  </p:childTnLst>
-                                </p:cTn>
-                              </p:par>
-                            </p:childTnLst>
-                          </p:cTn>
-                        </p:par>
-                      </p:childTnLst>
-                    </p:cTn>
-                  </p:par>
-                  <p:par>
-                    <p:cTn id="15" fill="hold">
-                      <p:stCondLst>
-                        <p:cond delay="indefinite"/>
-                      </p:stCondLst>
-                      <p:childTnLst>
-                        <p:par>
-                          <p:cTn id="16" fill="hold">
-                            <p:stCondLst>
-                              <p:cond delay="0"/>
-                            </p:stCondLst>
-                            <p:childTnLst>
-                              <p:par>
-                                <p:cTn id="17" presetID="1" presetClass="entr" presetSubtype="0" fill="hold" nodeType="clickEffect">
-                                  <p:stCondLst>
-                                    <p:cond delay="0"/>
-                                  </p:stCondLst>
-                                  <p:childTnLst>
-                                    <p:set>
-                                      <p:cBhvr>
-                                        <p:cTn id="18" dur="1" fill="hold">
-                                          <p:stCondLst>
-                                            <p:cond delay="0"/>
-                                          </p:stCondLst>
-                                        </p:cTn>
-                                        <p:tgtEl>
-                                          <p:spTgt spid="3">
-                                            <p:txEl>
-                                              <p:pRg st="3" end="3"/>
-                                            </p:txEl>
-                                          </p:spTgt>
-                                        </p:tgtEl>
-                                        <p:attrNameLst>
-                                          <p:attrName>style.visibility</p:attrName>
-                                        </p:attrNameLst>
-                                      </p:cBhvr>
-                                      <p:to>
-                                        <p:strVal val="visible"/>
-                                      </p:to>
-                                    </p:set>
-                                  </p:childTnLst>
-                                </p:cTn>
-                              </p:par>
-                            </p:childTnLst>
-                          </p:cTn>
-                        </p:par>
-                      </p:childTnLst>
-                    </p:cTn>
-                  </p:par>
-                  <p:par>
-                    <p:cTn id="19" fill="hold">
-                      <p:stCondLst>
-                        <p:cond delay="indefinite"/>
-                      </p:stCondLst>
-                      <p:childTnLst>
-                        <p:par>
-                          <p:cTn id="20" fill="hold">
-                            <p:stCondLst>
-                              <p:cond delay="0"/>
-                            </p:stCondLst>
-                            <p:childTnLst>
-                              <p:par>
-                                <p:cTn id="21" presetID="1" presetClass="entr" presetSubtype="0" fill="hold" nodeType="clickEffect">
-                                  <p:stCondLst>
-                                    <p:cond delay="0"/>
-                                  </p:stCondLst>
-                                  <p:childTnLst>
-                                    <p:set>
-                                      <p:cBhvr>
-                                        <p:cTn id="22" dur="1" fill="hold">
-                                          <p:stCondLst>
-                                            <p:cond delay="0"/>
-                                          </p:stCondLst>
-                                        </p:cTn>
-                                        <p:tgtEl>
-                                          <p:spTgt spid="3">
-                                            <p:txEl>
-                                              <p:pRg st="4" end="4"/>
-                                            </p:txEl>
-                                          </p:spTgt>
-                                        </p:tgtEl>
-                                        <p:attrNameLst>
-                                          <p:attrName>style.visibility</p:attrName>
-                                        </p:attrNameLst>
-                                      </p:cBhvr>
-                                      <p:to>
-                                        <p:strVal val="visible"/>
-                                      </p:to>
-                                    </p:set>
-                                  </p:childTnLst>
-                                </p:cTn>
-                              </p:par>
-                            </p:childTnLst>
-                          </p:cTn>
-                        </p:par>
-                      </p:childTnLst>
-                    </p:cTn>
-                  </p:par>
-                  <p:par>
-                    <p:cTn id="23" fill="hold">
-                      <p:stCondLst>
-                        <p:cond delay="indefinite"/>
-                      </p:stCondLst>
-                      <p:childTnLst>
-                        <p:par>
-                          <p:cTn id="24" fill="hold">
-                            <p:stCondLst>
-                              <p:cond delay="0"/>
-                            </p:stCondLst>
-                            <p:childTnLst>
-                              <p:par>
-                                <p:cTn id="25" presetID="1" presetClass="entr" presetSubtype="0" fill="hold" nodeType="clickEffect">
-                                  <p:stCondLst>
-                                    <p:cond delay="0"/>
-                                  </p:stCondLst>
-                                  <p:childTnLst>
-                                    <p:set>
-                                      <p:cBhvr>
-                                        <p:cTn id="26" dur="1" fill="hold">
-                                          <p:stCondLst>
-                                            <p:cond delay="0"/>
-                                          </p:stCondLst>
-                                        </p:cTn>
-                                        <p:tgtEl>
-                                          <p:spTgt spid="3">
-                                            <p:txEl>
-                                              <p:pRg st="5" end="5"/>
-                                            </p:txEl>
-                                          </p:spTgt>
-                                        </p:tgtEl>
-                                        <p:attrNameLst>
-                                          <p:attrName>style.visibility</p:attrName>
-                                        </p:attrNameLst>
-                                      </p:cBhvr>
-                                      <p:to>
-                                        <p:strVal val="visible"/>
-                                      </p:to>
-                                    </p:set>
-                                  </p:childTnLst>
-                                </p:cTn>
-                              </p:par>
-                            </p:childTnLst>
-                          </p:cTn>
-                        </p:par>
-                      </p:childTnLst>
-                    </p:cTn>
-                  </p:par>
-                  <p:par>
-                    <p:cTn id="27" fill="hold">
-                      <p:stCondLst>
-                        <p:cond delay="indefinite"/>
-                      </p:stCondLst>
-                      <p:childTnLst>
-                        <p:par>
-                          <p:cTn id="28" fill="hold">
-                            <p:stCondLst>
-                              <p:cond delay="0"/>
-                            </p:stCondLst>
-                            <p:childTnLst>
-                              <p:par>
-                                <p:cTn id="29" presetID="1" presetClass="entr" presetSubtype="0" fill="hold" nodeType="clickEffect">
-                                  <p:stCondLst>
-                                    <p:cond delay="0"/>
-                                  </p:stCondLst>
-                                  <p:childTnLst>
-                                    <p:set>
-                                      <p:cBhvr>
-                                        <p:cTn id="30" dur="1" fill="hold">
-                                          <p:stCondLst>
-                                            <p:cond delay="0"/>
-                                          </p:stCondLst>
-                                        </p:cTn>
-                                        <p:tgtEl>
-                                          <p:spTgt spid="3">
-                                            <p:txEl>
-                                              <p:pRg st="6" end="6"/>
-                                            </p:txEl>
-                                          </p:spTgt>
-                                        </p:tgtEl>
-                                        <p:attrNameLst>
-                                          <p:attrName>style.visibility</p:attrName>
-                                        </p:attrNameLst>
-                                      </p:cBhvr>
-                                      <p:to>
-                                        <p:strVal val="visible"/>
-                                      </p:to>
-                                    </p:set>
-                                  </p:childTnLst>
-                                </p:cTn>
-                              </p:par>
-                            </p:childTnLst>
-                          </p:cTn>
-                        </p:par>
-                      </p:childTnLst>
-                    </p:cTn>
-                  </p:par>
-                  <p:par>
-                    <p:cTn id="31" fill="hold">
-                      <p:stCondLst>
-                        <p:cond delay="indefinite"/>
-                      </p:stCondLst>
-                      <p:childTnLst>
-                        <p:par>
-                          <p:cTn id="32" fill="hold">
-                            <p:stCondLst>
-                              <p:cond delay="0"/>
-                            </p:stCondLst>
-                            <p:childTnLst>
-                              <p:par>
-                                <p:cTn id="33" presetID="1" presetClass="entr" presetSubtype="0" fill="hold" nodeType="clickEffect">
-                                  <p:stCondLst>
-                                    <p:cond delay="0"/>
-                                  </p:stCondLst>
-                                  <p:childTnLst>
-                                    <p:set>
-                                      <p:cBhvr>
-                                        <p:cTn id="34" dur="1" fill="hold">
-                                          <p:stCondLst>
-                                            <p:cond delay="0"/>
-                                          </p:stCondLst>
-                                        </p:cTn>
-                                        <p:tgtEl>
-                                          <p:spTgt spid="3">
-                                            <p:txEl>
-                                              <p:pRg st="7" end="7"/>
-                                            </p:txEl>
-                                          </p:spTgt>
-                                        </p:tgtEl>
-                                        <p:attrNameLst>
-                                          <p:attrName>style.visibility</p:attrName>
-                                        </p:attrNameLst>
-                                      </p:cBhvr>
-                                      <p:to>
-                                        <p:strVal val="visible"/>
-                                      </p:to>
-                                    </p:set>
-                                  </p:childTnLst>
-                                </p:cTn>
-                              </p:par>
-                            </p:childTnLst>
-                          </p:cTn>
-                        </p:par>
-                      </p:childTnLst>
-                    </p:cTn>
-                  </p:par>
-                </p:childTnLst>
-              </p:cTn>
-              <p:prevCondLst>
-                <p:cond evt="onPrev" delay="0">
-                  <p:tgtEl>
-                    <p:sldTgt/>
-                  </p:tgtEl>
-                </p:cond>
-              </p:prevCondLst>
-              <p:nextCondLst>
-                <p:cond evt="onNext" delay="0">
-                  <p:tgtEl>
-                    <p:sldTgt/>
-                  </p:tgtEl>
-                </p:cond>
-              </p:nextCondLst>
-            </p:seq>
-          </p:childTnLst>
-        </p:cTn>
-      </p:par>
-    </p:tnLst>
-  </p:timing>
-</p:sld>
-</file>
-
-<file path=ppt/slides/slide30.xml><?xml version="1.0" encoding="utf-8"?>
+<file path=ppt/slides/slide32.xml><?xml version="1.0" encoding="utf-8"?>
 <p:sld xmlns:a="http://schemas.openxmlformats.org/drawingml/2006/main" xmlns:r="http://schemas.openxmlformats.org/officeDocument/2006/relationships" xmlns:p="http://schemas.openxmlformats.org/presentationml/2006/main">
   <p:cSld>
     <p:spTree>
@@ -26932,7 +28223,7 @@
 </p:sld>
 </file>
 
-<file path=ppt/slides/slide31.xml><?xml version="1.0" encoding="utf-8"?>
+<file path=ppt/slides/slide33.xml><?xml version="1.0" encoding="utf-8"?>
 <p:sld xmlns:a="http://schemas.openxmlformats.org/drawingml/2006/main" xmlns:r="http://schemas.openxmlformats.org/officeDocument/2006/relationships" xmlns:p="http://schemas.openxmlformats.org/presentationml/2006/main">
   <p:cSld>
     <p:spTree>
@@ -26949,8 +28240,8 @@
           <a:chExt cx="0" cy="0"/>
         </a:xfrm>
       </p:grpSpPr>
-      <mc:AlternateContent xmlns:mc="http://schemas.openxmlformats.org/markup-compatibility/2006">
-        <mc:Choice xmlns:a14="http://schemas.microsoft.com/office/drawing/2010/main" Requires="a14">
+      <mc:AlternateContent xmlns:mc="http://schemas.openxmlformats.org/markup-compatibility/2006" xmlns:a14="http://schemas.microsoft.com/office/drawing/2010/main">
+        <mc:Choice Requires="a14">
           <p:sp>
             <p:nvSpPr>
               <p:cNvPr id="3" name="Content Placeholder 2">
@@ -28012,7 +29303,7 @@
             </p:txBody>
           </p:sp>
         </mc:Choice>
-        <mc:Fallback>
+        <mc:Fallback xmlns="">
           <p:sp>
             <p:nvSpPr>
               <p:cNvPr id="3" name="Content Placeholder 2">
@@ -28314,7 +29605,7 @@
 </p:sld>
 </file>
 
-<file path=ppt/slides/slide32.xml><?xml version="1.0" encoding="utf-8"?>
+<file path=ppt/slides/slide34.xml><?xml version="1.0" encoding="utf-8"?>
 <p:sld xmlns:a="http://schemas.openxmlformats.org/drawingml/2006/main" xmlns:r="http://schemas.openxmlformats.org/officeDocument/2006/relationships" xmlns:p="http://schemas.openxmlformats.org/presentationml/2006/main">
   <p:cSld>
     <p:spTree>
@@ -29320,7 +30611,7 @@
 </p:sld>
 </file>
 
-<file path=ppt/slides/slide33.xml><?xml version="1.0" encoding="utf-8"?>
+<file path=ppt/slides/slide35.xml><?xml version="1.0" encoding="utf-8"?>
 <p:sld xmlns:a="http://schemas.openxmlformats.org/drawingml/2006/main" xmlns:r="http://schemas.openxmlformats.org/officeDocument/2006/relationships" xmlns:p="http://schemas.openxmlformats.org/presentationml/2006/main">
   <p:cSld>
     <p:spTree>
@@ -29337,8 +30628,8 @@
           <a:chExt cx="0" cy="0"/>
         </a:xfrm>
       </p:grpSpPr>
-      <mc:AlternateContent xmlns:mc="http://schemas.openxmlformats.org/markup-compatibility/2006">
-        <mc:Choice xmlns:a14="http://schemas.microsoft.com/office/drawing/2010/main" Requires="a14">
+      <mc:AlternateContent xmlns:mc="http://schemas.openxmlformats.org/markup-compatibility/2006" xmlns:a14="http://schemas.microsoft.com/office/drawing/2010/main">
+        <mc:Choice Requires="a14">
           <p:sp>
             <p:nvSpPr>
               <p:cNvPr id="3" name="Content Placeholder 2">
@@ -29706,7 +30997,7 @@
             </p:txBody>
           </p:sp>
         </mc:Choice>
-        <mc:Fallback>
+        <mc:Fallback xmlns="">
           <p:sp>
             <p:nvSpPr>
               <p:cNvPr id="3" name="Content Placeholder 2">
@@ -30222,7 +31513,7 @@
 </p:sld>
 </file>
 
-<file path=ppt/slides/slide34.xml><?xml version="1.0" encoding="utf-8"?>
+<file path=ppt/slides/slide36.xml><?xml version="1.0" encoding="utf-8"?>
 <p:sld xmlns:a="http://schemas.openxmlformats.org/drawingml/2006/main" xmlns:r="http://schemas.openxmlformats.org/officeDocument/2006/relationships" xmlns:p="http://schemas.openxmlformats.org/presentationml/2006/main">
   <p:cSld>
     <p:spTree>
@@ -30239,8 +31530,8 @@
           <a:chExt cx="0" cy="0"/>
         </a:xfrm>
       </p:grpSpPr>
-      <mc:AlternateContent xmlns:mc="http://schemas.openxmlformats.org/markup-compatibility/2006">
-        <mc:Choice xmlns:a14="http://schemas.microsoft.com/office/drawing/2010/main" Requires="a14">
+      <mc:AlternateContent xmlns:mc="http://schemas.openxmlformats.org/markup-compatibility/2006" xmlns:a14="http://schemas.microsoft.com/office/drawing/2010/main">
+        <mc:Choice Requires="a14">
           <p:sp>
             <p:nvSpPr>
               <p:cNvPr id="3" name="Content Placeholder 2">
@@ -30836,7 +32127,7 @@
             </p:txBody>
           </p:sp>
         </mc:Choice>
-        <mc:Fallback>
+        <mc:Fallback xmlns="">
           <p:sp>
             <p:nvSpPr>
               <p:cNvPr id="3" name="Content Placeholder 2">
@@ -31169,7 +32460,7 @@
 </p:sld>
 </file>
 
-<file path=ppt/slides/slide35.xml><?xml version="1.0" encoding="utf-8"?>
+<file path=ppt/slides/slide37.xml><?xml version="1.0" encoding="utf-8"?>
 <p:sld xmlns:a="http://schemas.openxmlformats.org/drawingml/2006/main" xmlns:r="http://schemas.openxmlformats.org/officeDocument/2006/relationships" xmlns:p="http://schemas.openxmlformats.org/presentationml/2006/main">
   <p:cSld>
     <p:spTree>
@@ -32306,7 +33597,7 @@
 </p:sld>
 </file>
 
-<file path=ppt/slides/slide36.xml><?xml version="1.0" encoding="utf-8"?>
+<file path=ppt/slides/slide38.xml><?xml version="1.0" encoding="utf-8"?>
 <p:sld xmlns:a="http://schemas.openxmlformats.org/drawingml/2006/main" xmlns:r="http://schemas.openxmlformats.org/officeDocument/2006/relationships" xmlns:p="http://schemas.openxmlformats.org/presentationml/2006/main">
   <p:cSld>
     <p:spTree>
@@ -33000,7 +34291,7 @@
 </p:sld>
 </file>
 
-<file path=ppt/slides/slide37.xml><?xml version="1.0" encoding="utf-8"?>
+<file path=ppt/slides/slide39.xml><?xml version="1.0" encoding="utf-8"?>
 <p:sld xmlns:a="http://schemas.openxmlformats.org/drawingml/2006/main" xmlns:r="http://schemas.openxmlformats.org/officeDocument/2006/relationships" xmlns:p="http://schemas.openxmlformats.org/presentationml/2006/main">
   <p:cSld>
     <p:spTree>
@@ -33648,7 +34939,591 @@
 </p:sld>
 </file>
 
-<file path=ppt/slides/slide38.xml><?xml version="1.0" encoding="utf-8"?>
+<file path=ppt/slides/slide4.xml><?xml version="1.0" encoding="utf-8"?>
+<p:sld xmlns:a="http://schemas.openxmlformats.org/drawingml/2006/main" xmlns:r="http://schemas.openxmlformats.org/officeDocument/2006/relationships" xmlns:p="http://schemas.openxmlformats.org/presentationml/2006/main">
+  <p:cSld>
+    <p:spTree>
+      <p:nvGrpSpPr>
+        <p:cNvPr id="1" name=""/>
+        <p:cNvGrpSpPr/>
+        <p:nvPr/>
+      </p:nvGrpSpPr>
+      <p:grpSpPr>
+        <a:xfrm>
+          <a:off x="0" y="0"/>
+          <a:ext cx="0" cy="0"/>
+          <a:chOff x="0" y="0"/>
+          <a:chExt cx="0" cy="0"/>
+        </a:xfrm>
+      </p:grpSpPr>
+      <p:sp>
+        <p:nvSpPr>
+          <p:cNvPr id="2" name="Title 1">
+            <a:extLst>
+              <a:ext uri="{FF2B5EF4-FFF2-40B4-BE49-F238E27FC236}">
+                <a16:creationId xmlns:a16="http://schemas.microsoft.com/office/drawing/2014/main" id="{4702757D-9716-4C25-BA54-81C26D6EC04E}"/>
+              </a:ext>
+            </a:extLst>
+          </p:cNvPr>
+          <p:cNvSpPr>
+            <a:spLocks noGrp="1"/>
+          </p:cNvSpPr>
+          <p:nvPr>
+            <p:ph type="title"/>
+          </p:nvPr>
+        </p:nvSpPr>
+        <p:spPr>
+          <a:xfrm>
+            <a:off x="838200" y="215696"/>
+            <a:ext cx="10515600" cy="930682"/>
+          </a:xfrm>
+        </p:spPr>
+        <p:txBody>
+          <a:bodyPr>
+            <a:normAutofit/>
+          </a:bodyPr>
+          <a:lstStyle/>
+          <a:p>
+            <a:r>
+              <a:rPr lang="en-US" sz="4000" dirty="0">
+                <a:latin typeface="+mn-lt"/>
+              </a:rPr>
+              <a:t>Introduction to Web Searching</a:t>
+            </a:r>
+          </a:p>
+        </p:txBody>
+      </p:sp>
+      <p:sp>
+        <p:nvSpPr>
+          <p:cNvPr id="3" name="Content Placeholder 2">
+            <a:extLst>
+              <a:ext uri="{FF2B5EF4-FFF2-40B4-BE49-F238E27FC236}">
+                <a16:creationId xmlns:a16="http://schemas.microsoft.com/office/drawing/2014/main" id="{D9C502E2-3889-41D4-9A2E-D8C04ADE5184}"/>
+              </a:ext>
+            </a:extLst>
+          </p:cNvPr>
+          <p:cNvSpPr>
+            <a:spLocks noGrp="1"/>
+          </p:cNvSpPr>
+          <p:nvPr>
+            <p:ph idx="1"/>
+          </p:nvPr>
+        </p:nvSpPr>
+        <p:spPr>
+          <a:xfrm>
+            <a:off x="838200" y="1183037"/>
+            <a:ext cx="10515600" cy="5372745"/>
+          </a:xfrm>
+        </p:spPr>
+        <p:txBody>
+          <a:bodyPr>
+            <a:normAutofit/>
+          </a:bodyPr>
+          <a:lstStyle/>
+          <a:p>
+            <a:pPr marL="0" indent="0">
+              <a:buNone/>
+            </a:pPr>
+            <a:r>
+              <a:rPr lang="en-US" dirty="0"/>
+              <a:t>Some possible approaches to web search</a:t>
+            </a:r>
+          </a:p>
+          <a:p>
+            <a:r>
+              <a:rPr lang="en-US" b="1" dirty="0"/>
+              <a:t>Topic sensitive search </a:t>
+            </a:r>
+          </a:p>
+          <a:p>
+            <a:pPr lvl="1"/>
+            <a:r>
+              <a:rPr lang="en-US" dirty="0"/>
+              <a:t>Goal is to restrict pages to topics relevant to the user’s query</a:t>
+            </a:r>
+          </a:p>
+          <a:p>
+            <a:pPr lvl="1"/>
+            <a:r>
+              <a:rPr lang="en-US" dirty="0"/>
+              <a:t>Only want to search documents related to the intended topic</a:t>
+            </a:r>
+          </a:p>
+          <a:p>
+            <a:pPr lvl="1"/>
+            <a:r>
+              <a:rPr lang="en-US" dirty="0"/>
+              <a:t>Used in document retrieval </a:t>
+            </a:r>
+          </a:p>
+          <a:p>
+            <a:r>
+              <a:rPr lang="en-US" dirty="0"/>
+              <a:t>Many pitfalls in topic sensitive search</a:t>
+            </a:r>
+          </a:p>
+          <a:p>
+            <a:pPr lvl="1"/>
+            <a:r>
+              <a:rPr lang="en-US" dirty="0"/>
+              <a:t>Natural language used for query is often ambiguous </a:t>
+            </a:r>
+          </a:p>
+          <a:p>
+            <a:pPr lvl="1"/>
+            <a:r>
+              <a:rPr lang="en-US" dirty="0"/>
+              <a:t>Example: Query for ‘Jaguar numbers’ could refer to an endangered large cat, an automobile, a sports team, or maybe something else??</a:t>
+            </a:r>
+          </a:p>
+          <a:p>
+            <a:r>
+              <a:rPr lang="en-US" dirty="0"/>
+              <a:t>See Section of 5.3 of the MMDS book for a brief overview of topic sensitive search</a:t>
+            </a:r>
+          </a:p>
+          <a:p>
+            <a:pPr lvl="1"/>
+            <a:endParaRPr lang="en-US" dirty="0"/>
+          </a:p>
+        </p:txBody>
+      </p:sp>
+    </p:spTree>
+    <p:extLst>
+      <p:ext uri="{BB962C8B-B14F-4D97-AF65-F5344CB8AC3E}">
+        <p14:creationId xmlns:p14="http://schemas.microsoft.com/office/powerpoint/2010/main" val="617719479"/>
+      </p:ext>
+    </p:extLst>
+  </p:cSld>
+  <p:clrMapOvr>
+    <a:masterClrMapping/>
+  </p:clrMapOvr>
+  <p:timing>
+    <p:tnLst>
+      <p:par>
+        <p:cTn id="1" dur="indefinite" restart="never" nodeType="tmRoot">
+          <p:childTnLst>
+            <p:seq concurrent="1" nextAc="seek">
+              <p:cTn id="2" dur="indefinite" nodeType="mainSeq">
+                <p:childTnLst>
+                  <p:par>
+                    <p:cTn id="3" fill="hold">
+                      <p:stCondLst>
+                        <p:cond delay="indefinite"/>
+                      </p:stCondLst>
+                      <p:childTnLst>
+                        <p:par>
+                          <p:cTn id="4" fill="hold">
+                            <p:stCondLst>
+                              <p:cond delay="0"/>
+                            </p:stCondLst>
+                            <p:childTnLst>
+                              <p:par>
+                                <p:cTn id="5" presetID="1" presetClass="entr" presetSubtype="0" fill="hold" nodeType="clickEffect">
+                                  <p:stCondLst>
+                                    <p:cond delay="0"/>
+                                  </p:stCondLst>
+                                  <p:childTnLst>
+                                    <p:set>
+                                      <p:cBhvr>
+                                        <p:cTn id="6" dur="1" fill="hold">
+                                          <p:stCondLst>
+                                            <p:cond delay="0"/>
+                                          </p:stCondLst>
+                                        </p:cTn>
+                                        <p:tgtEl>
+                                          <p:spTgt spid="3">
+                                            <p:txEl>
+                                              <p:pRg st="1" end="1"/>
+                                            </p:txEl>
+                                          </p:spTgt>
+                                        </p:tgtEl>
+                                        <p:attrNameLst>
+                                          <p:attrName>style.visibility</p:attrName>
+                                        </p:attrNameLst>
+                                      </p:cBhvr>
+                                      <p:to>
+                                        <p:strVal val="visible"/>
+                                      </p:to>
+                                    </p:set>
+                                  </p:childTnLst>
+                                </p:cTn>
+                              </p:par>
+                            </p:childTnLst>
+                          </p:cTn>
+                        </p:par>
+                      </p:childTnLst>
+                    </p:cTn>
+                  </p:par>
+                  <p:par>
+                    <p:cTn id="7" fill="hold">
+                      <p:stCondLst>
+                        <p:cond delay="indefinite"/>
+                      </p:stCondLst>
+                      <p:childTnLst>
+                        <p:par>
+                          <p:cTn id="8" fill="hold">
+                            <p:stCondLst>
+                              <p:cond delay="0"/>
+                            </p:stCondLst>
+                            <p:childTnLst>
+                              <p:par>
+                                <p:cTn id="9" presetID="1" presetClass="entr" presetSubtype="0" fill="hold" nodeType="clickEffect">
+                                  <p:stCondLst>
+                                    <p:cond delay="0"/>
+                                  </p:stCondLst>
+                                  <p:childTnLst>
+                                    <p:set>
+                                      <p:cBhvr>
+                                        <p:cTn id="10" dur="1" fill="hold">
+                                          <p:stCondLst>
+                                            <p:cond delay="0"/>
+                                          </p:stCondLst>
+                                        </p:cTn>
+                                        <p:tgtEl>
+                                          <p:spTgt spid="3">
+                                            <p:txEl>
+                                              <p:pRg st="2" end="2"/>
+                                            </p:txEl>
+                                          </p:spTgt>
+                                        </p:tgtEl>
+                                        <p:attrNameLst>
+                                          <p:attrName>style.visibility</p:attrName>
+                                        </p:attrNameLst>
+                                      </p:cBhvr>
+                                      <p:to>
+                                        <p:strVal val="visible"/>
+                                      </p:to>
+                                    </p:set>
+                                  </p:childTnLst>
+                                </p:cTn>
+                              </p:par>
+                            </p:childTnLst>
+                          </p:cTn>
+                        </p:par>
+                      </p:childTnLst>
+                    </p:cTn>
+                  </p:par>
+                  <p:par>
+                    <p:cTn id="11" fill="hold">
+                      <p:stCondLst>
+                        <p:cond delay="indefinite"/>
+                      </p:stCondLst>
+                      <p:childTnLst>
+                        <p:par>
+                          <p:cTn id="12" fill="hold">
+                            <p:stCondLst>
+                              <p:cond delay="0"/>
+                            </p:stCondLst>
+                            <p:childTnLst>
+                              <p:par>
+                                <p:cTn id="13" presetID="1" presetClass="entr" presetSubtype="0" fill="hold" nodeType="clickEffect">
+                                  <p:stCondLst>
+                                    <p:cond delay="0"/>
+                                  </p:stCondLst>
+                                  <p:childTnLst>
+                                    <p:set>
+                                      <p:cBhvr>
+                                        <p:cTn id="14" dur="1" fill="hold">
+                                          <p:stCondLst>
+                                            <p:cond delay="0"/>
+                                          </p:stCondLst>
+                                        </p:cTn>
+                                        <p:tgtEl>
+                                          <p:spTgt spid="3">
+                                            <p:txEl>
+                                              <p:pRg st="3" end="3"/>
+                                            </p:txEl>
+                                          </p:spTgt>
+                                        </p:tgtEl>
+                                        <p:attrNameLst>
+                                          <p:attrName>style.visibility</p:attrName>
+                                        </p:attrNameLst>
+                                      </p:cBhvr>
+                                      <p:to>
+                                        <p:strVal val="visible"/>
+                                      </p:to>
+                                    </p:set>
+                                  </p:childTnLst>
+                                </p:cTn>
+                              </p:par>
+                            </p:childTnLst>
+                          </p:cTn>
+                        </p:par>
+                      </p:childTnLst>
+                    </p:cTn>
+                  </p:par>
+                  <p:par>
+                    <p:cTn id="15" fill="hold">
+                      <p:stCondLst>
+                        <p:cond delay="indefinite"/>
+                      </p:stCondLst>
+                      <p:childTnLst>
+                        <p:par>
+                          <p:cTn id="16" fill="hold">
+                            <p:stCondLst>
+                              <p:cond delay="0"/>
+                            </p:stCondLst>
+                            <p:childTnLst>
+                              <p:par>
+                                <p:cTn id="17" presetID="1" presetClass="entr" presetSubtype="0" fill="hold" nodeType="clickEffect">
+                                  <p:stCondLst>
+                                    <p:cond delay="0"/>
+                                  </p:stCondLst>
+                                  <p:childTnLst>
+                                    <p:set>
+                                      <p:cBhvr>
+                                        <p:cTn id="18" dur="1" fill="hold">
+                                          <p:stCondLst>
+                                            <p:cond delay="0"/>
+                                          </p:stCondLst>
+                                        </p:cTn>
+                                        <p:tgtEl>
+                                          <p:spTgt spid="3">
+                                            <p:txEl>
+                                              <p:pRg st="4" end="4"/>
+                                            </p:txEl>
+                                          </p:spTgt>
+                                        </p:tgtEl>
+                                        <p:attrNameLst>
+                                          <p:attrName>style.visibility</p:attrName>
+                                        </p:attrNameLst>
+                                      </p:cBhvr>
+                                      <p:to>
+                                        <p:strVal val="visible"/>
+                                      </p:to>
+                                    </p:set>
+                                  </p:childTnLst>
+                                </p:cTn>
+                              </p:par>
+                            </p:childTnLst>
+                          </p:cTn>
+                        </p:par>
+                      </p:childTnLst>
+                    </p:cTn>
+                  </p:par>
+                  <p:par>
+                    <p:cTn id="19" fill="hold">
+                      <p:stCondLst>
+                        <p:cond delay="indefinite"/>
+                      </p:stCondLst>
+                      <p:childTnLst>
+                        <p:par>
+                          <p:cTn id="20" fill="hold">
+                            <p:stCondLst>
+                              <p:cond delay="0"/>
+                            </p:stCondLst>
+                            <p:childTnLst>
+                              <p:par>
+                                <p:cTn id="21" presetID="1" presetClass="entr" presetSubtype="0" fill="hold" nodeType="clickEffect">
+                                  <p:stCondLst>
+                                    <p:cond delay="0"/>
+                                  </p:stCondLst>
+                                  <p:childTnLst>
+                                    <p:set>
+                                      <p:cBhvr>
+                                        <p:cTn id="22" dur="1" fill="hold">
+                                          <p:stCondLst>
+                                            <p:cond delay="0"/>
+                                          </p:stCondLst>
+                                        </p:cTn>
+                                        <p:tgtEl>
+                                          <p:spTgt spid="3">
+                                            <p:txEl>
+                                              <p:pRg st="5" end="5"/>
+                                            </p:txEl>
+                                          </p:spTgt>
+                                        </p:tgtEl>
+                                        <p:attrNameLst>
+                                          <p:attrName>style.visibility</p:attrName>
+                                        </p:attrNameLst>
+                                      </p:cBhvr>
+                                      <p:to>
+                                        <p:strVal val="visible"/>
+                                      </p:to>
+                                    </p:set>
+                                  </p:childTnLst>
+                                </p:cTn>
+                              </p:par>
+                            </p:childTnLst>
+                          </p:cTn>
+                        </p:par>
+                      </p:childTnLst>
+                    </p:cTn>
+                  </p:par>
+                  <p:par>
+                    <p:cTn id="23" fill="hold">
+                      <p:stCondLst>
+                        <p:cond delay="indefinite"/>
+                      </p:stCondLst>
+                      <p:childTnLst>
+                        <p:par>
+                          <p:cTn id="24" fill="hold">
+                            <p:stCondLst>
+                              <p:cond delay="0"/>
+                            </p:stCondLst>
+                            <p:childTnLst>
+                              <p:par>
+                                <p:cTn id="25" presetID="1" presetClass="entr" presetSubtype="0" fill="hold" nodeType="clickEffect">
+                                  <p:stCondLst>
+                                    <p:cond delay="0"/>
+                                  </p:stCondLst>
+                                  <p:childTnLst>
+                                    <p:set>
+                                      <p:cBhvr>
+                                        <p:cTn id="26" dur="1" fill="hold">
+                                          <p:stCondLst>
+                                            <p:cond delay="0"/>
+                                          </p:stCondLst>
+                                        </p:cTn>
+                                        <p:tgtEl>
+                                          <p:spTgt spid="3">
+                                            <p:txEl>
+                                              <p:pRg st="6" end="6"/>
+                                            </p:txEl>
+                                          </p:spTgt>
+                                        </p:tgtEl>
+                                        <p:attrNameLst>
+                                          <p:attrName>style.visibility</p:attrName>
+                                        </p:attrNameLst>
+                                      </p:cBhvr>
+                                      <p:to>
+                                        <p:strVal val="visible"/>
+                                      </p:to>
+                                    </p:set>
+                                  </p:childTnLst>
+                                </p:cTn>
+                              </p:par>
+                            </p:childTnLst>
+                          </p:cTn>
+                        </p:par>
+                      </p:childTnLst>
+                    </p:cTn>
+                  </p:par>
+                  <p:par>
+                    <p:cTn id="27" fill="hold">
+                      <p:stCondLst>
+                        <p:cond delay="indefinite"/>
+                      </p:stCondLst>
+                      <p:childTnLst>
+                        <p:par>
+                          <p:cTn id="28" fill="hold">
+                            <p:stCondLst>
+                              <p:cond delay="0"/>
+                            </p:stCondLst>
+                            <p:childTnLst>
+                              <p:par>
+                                <p:cTn id="29" presetID="1" presetClass="entr" presetSubtype="0" fill="hold" nodeType="clickEffect">
+                                  <p:stCondLst>
+                                    <p:cond delay="0"/>
+                                  </p:stCondLst>
+                                  <p:childTnLst>
+                                    <p:set>
+                                      <p:cBhvr>
+                                        <p:cTn id="30" dur="1" fill="hold">
+                                          <p:stCondLst>
+                                            <p:cond delay="0"/>
+                                          </p:stCondLst>
+                                        </p:cTn>
+                                        <p:tgtEl>
+                                          <p:spTgt spid="3">
+                                            <p:txEl>
+                                              <p:pRg st="7" end="7"/>
+                                            </p:txEl>
+                                          </p:spTgt>
+                                        </p:tgtEl>
+                                        <p:attrNameLst>
+                                          <p:attrName>style.visibility</p:attrName>
+                                        </p:attrNameLst>
+                                      </p:cBhvr>
+                                      <p:to>
+                                        <p:strVal val="visible"/>
+                                      </p:to>
+                                    </p:set>
+                                  </p:childTnLst>
+                                </p:cTn>
+                              </p:par>
+                            </p:childTnLst>
+                          </p:cTn>
+                        </p:par>
+                      </p:childTnLst>
+                    </p:cTn>
+                  </p:par>
+                  <p:par>
+                    <p:cTn id="31" fill="hold">
+                      <p:stCondLst>
+                        <p:cond delay="indefinite"/>
+                      </p:stCondLst>
+                      <p:childTnLst>
+                        <p:par>
+                          <p:cTn id="32" fill="hold">
+                            <p:stCondLst>
+                              <p:cond delay="0"/>
+                            </p:stCondLst>
+                            <p:childTnLst>
+                              <p:par>
+                                <p:cTn id="33" presetID="1" presetClass="entr" presetSubtype="0" fill="hold" nodeType="clickEffect">
+                                  <p:stCondLst>
+                                    <p:cond delay="0"/>
+                                  </p:stCondLst>
+                                  <p:childTnLst>
+                                    <p:set>
+                                      <p:cBhvr>
+                                        <p:cTn id="34" dur="1" fill="hold">
+                                          <p:stCondLst>
+                                            <p:cond delay="0"/>
+                                          </p:stCondLst>
+                                        </p:cTn>
+                                        <p:tgtEl>
+                                          <p:spTgt spid="3">
+                                            <p:txEl>
+                                              <p:pRg st="8" end="8"/>
+                                            </p:txEl>
+                                          </p:spTgt>
+                                        </p:tgtEl>
+                                        <p:attrNameLst>
+                                          <p:attrName>style.visibility</p:attrName>
+                                        </p:attrNameLst>
+                                      </p:cBhvr>
+                                      <p:to>
+                                        <p:strVal val="visible"/>
+                                      </p:to>
+                                    </p:set>
+                                  </p:childTnLst>
+                                </p:cTn>
+                              </p:par>
+                            </p:childTnLst>
+                          </p:cTn>
+                        </p:par>
+                      </p:childTnLst>
+                    </p:cTn>
+                  </p:par>
+                </p:childTnLst>
+              </p:cTn>
+              <p:prevCondLst>
+                <p:cond evt="onPrev" delay="0">
+                  <p:tgtEl>
+                    <p:sldTgt/>
+                  </p:tgtEl>
+                </p:cond>
+              </p:prevCondLst>
+              <p:nextCondLst>
+                <p:cond evt="onNext" delay="0">
+                  <p:tgtEl>
+                    <p:sldTgt/>
+                  </p:tgtEl>
+                </p:cond>
+              </p:nextCondLst>
+            </p:seq>
+          </p:childTnLst>
+        </p:cTn>
+      </p:par>
+    </p:tnLst>
+  </p:timing>
+</p:sld>
+</file>
+
+<file path=ppt/slides/slide40.xml><?xml version="1.0" encoding="utf-8"?>
 <p:sld xmlns:a="http://schemas.openxmlformats.org/drawingml/2006/main" xmlns:r="http://schemas.openxmlformats.org/officeDocument/2006/relationships" xmlns:p="http://schemas.openxmlformats.org/presentationml/2006/main">
   <p:cSld>
     <p:spTree>
@@ -34230,7 +36105,7 @@
 </p:sld>
 </file>
 
-<file path=ppt/slides/slide39.xml><?xml version="1.0" encoding="utf-8"?>
+<file path=ppt/slides/slide41.xml><?xml version="1.0" encoding="utf-8"?>
 <p:sld xmlns:a="http://schemas.openxmlformats.org/drawingml/2006/main" xmlns:r="http://schemas.openxmlformats.org/officeDocument/2006/relationships" xmlns:p="http://schemas.openxmlformats.org/presentationml/2006/main">
   <p:cSld>
     <p:spTree>
@@ -34247,8 +36122,8 @@
           <a:chExt cx="0" cy="0"/>
         </a:xfrm>
       </p:grpSpPr>
-      <mc:AlternateContent xmlns:mc="http://schemas.openxmlformats.org/markup-compatibility/2006">
-        <mc:Choice xmlns:a14="http://schemas.microsoft.com/office/drawing/2010/main" Requires="a14">
+      <mc:AlternateContent xmlns:mc="http://schemas.openxmlformats.org/markup-compatibility/2006" xmlns:a14="http://schemas.microsoft.com/office/drawing/2010/main">
+        <mc:Choice Requires="a14">
           <p:sp>
             <p:nvSpPr>
               <p:cNvPr id="3" name="Content Placeholder 2">
@@ -34543,7 +36418,7 @@
             </p:txBody>
           </p:sp>
         </mc:Choice>
-        <mc:Fallback>
+        <mc:Fallback xmlns="">
           <p:sp>
             <p:nvSpPr>
               <p:cNvPr id="3" name="Content Placeholder 2">
@@ -35237,7 +37112,7 @@
 </p:sld>
 </file>
 
-<file path=ppt/slides/slide4.xml><?xml version="1.0" encoding="utf-8"?>
+<file path=ppt/slides/slide42.xml><?xml version="1.0" encoding="utf-8"?>
 <p:sld xmlns:a="http://schemas.openxmlformats.org/drawingml/2006/main" xmlns:r="http://schemas.openxmlformats.org/officeDocument/2006/relationships" xmlns:p="http://schemas.openxmlformats.org/presentationml/2006/main">
   <p:cSld>
     <p:spTree>
@@ -35254,641 +37129,8 @@
           <a:chExt cx="0" cy="0"/>
         </a:xfrm>
       </p:grpSpPr>
-      <p:sp>
-        <p:nvSpPr>
-          <p:cNvPr id="2" name="Title 1">
-            <a:extLst>
-              <a:ext uri="{FF2B5EF4-FFF2-40B4-BE49-F238E27FC236}">
-                <a16:creationId xmlns:a16="http://schemas.microsoft.com/office/drawing/2014/main" id="{4702757D-9716-4C25-BA54-81C26D6EC04E}"/>
-              </a:ext>
-            </a:extLst>
-          </p:cNvPr>
-          <p:cNvSpPr>
-            <a:spLocks noGrp="1"/>
-          </p:cNvSpPr>
-          <p:nvPr>
-            <p:ph type="title"/>
-          </p:nvPr>
-        </p:nvSpPr>
-        <p:spPr>
-          <a:xfrm>
-            <a:off x="838200" y="215696"/>
-            <a:ext cx="10515600" cy="930682"/>
-          </a:xfrm>
-        </p:spPr>
-        <p:txBody>
-          <a:bodyPr>
-            <a:normAutofit/>
-          </a:bodyPr>
-          <a:lstStyle/>
-          <a:p>
-            <a:r>
-              <a:rPr lang="en-US" sz="4000" dirty="0">
-                <a:latin typeface="+mn-lt"/>
-              </a:rPr>
-              <a:t>Introduction to Web Searching</a:t>
-            </a:r>
-          </a:p>
-        </p:txBody>
-      </p:sp>
-      <p:sp>
-        <p:nvSpPr>
-          <p:cNvPr id="3" name="Content Placeholder 2">
-            <a:extLst>
-              <a:ext uri="{FF2B5EF4-FFF2-40B4-BE49-F238E27FC236}">
-                <a16:creationId xmlns:a16="http://schemas.microsoft.com/office/drawing/2014/main" id="{D9C502E2-3889-41D4-9A2E-D8C04ADE5184}"/>
-              </a:ext>
-            </a:extLst>
-          </p:cNvPr>
-          <p:cNvSpPr>
-            <a:spLocks noGrp="1"/>
-          </p:cNvSpPr>
-          <p:nvPr>
-            <p:ph idx="1"/>
-          </p:nvPr>
-        </p:nvSpPr>
-        <p:spPr>
-          <a:xfrm>
-            <a:off x="838200" y="1183037"/>
-            <a:ext cx="10515600" cy="5372745"/>
-          </a:xfrm>
-        </p:spPr>
-        <p:txBody>
-          <a:bodyPr>
-            <a:normAutofit/>
-          </a:bodyPr>
-          <a:lstStyle/>
-          <a:p>
-            <a:pPr marL="0" indent="0">
-              <a:buNone/>
-            </a:pPr>
-            <a:r>
-              <a:rPr lang="en-US" dirty="0"/>
-              <a:t>Some possible approaches to web search</a:t>
-            </a:r>
-          </a:p>
-          <a:p>
-            <a:r>
-              <a:rPr lang="en-US" b="1" dirty="0"/>
-              <a:t>Topic sensitive search </a:t>
-            </a:r>
-          </a:p>
-          <a:p>
-            <a:pPr lvl="1"/>
-            <a:r>
-              <a:rPr lang="en-US" dirty="0"/>
-              <a:t>Goal is to restrict pages to topics relevant to the user’s query</a:t>
-            </a:r>
-          </a:p>
-          <a:p>
-            <a:pPr lvl="1"/>
-            <a:r>
-              <a:rPr lang="en-US" dirty="0"/>
-              <a:t>Only want to search documents related to the intended topic</a:t>
-            </a:r>
-          </a:p>
-          <a:p>
-            <a:pPr lvl="1"/>
-            <a:r>
-              <a:rPr lang="en-US" dirty="0"/>
-              <a:t>Used in document retrieval </a:t>
-            </a:r>
-          </a:p>
-          <a:p>
-            <a:r>
-              <a:rPr lang="en-US" dirty="0"/>
-              <a:t>Many pitfalls in topic sensitive search</a:t>
-            </a:r>
-          </a:p>
-          <a:p>
-            <a:pPr lvl="1"/>
-            <a:r>
-              <a:rPr lang="en-US" dirty="0"/>
-              <a:t>Natural language used for query is often ambiguous </a:t>
-            </a:r>
-          </a:p>
-          <a:p>
-            <a:pPr lvl="1"/>
-            <a:r>
-              <a:rPr lang="en-US" dirty="0"/>
-              <a:t>Example: Query for ‘Jaguar numbers’ could refer to an endangered large cat, an automobile, a sports team, or maybe something else??</a:t>
-            </a:r>
-          </a:p>
-          <a:p>
-            <a:r>
-              <a:rPr lang="en-US" dirty="0"/>
-              <a:t>See Section of 5.3 of the MMDS book for a brief overview of topic sensitive search</a:t>
-            </a:r>
-          </a:p>
-          <a:p>
-            <a:pPr lvl="1"/>
-            <a:endParaRPr lang="en-US" dirty="0"/>
-          </a:p>
-        </p:txBody>
-      </p:sp>
-    </p:spTree>
-    <p:extLst>
-      <p:ext uri="{BB962C8B-B14F-4D97-AF65-F5344CB8AC3E}">
-        <p14:creationId xmlns:p14="http://schemas.microsoft.com/office/powerpoint/2010/main" val="617719479"/>
-      </p:ext>
-    </p:extLst>
-  </p:cSld>
-  <p:clrMapOvr>
-    <a:masterClrMapping/>
-  </p:clrMapOvr>
-  <p:timing>
-    <p:tnLst>
-      <p:par>
-        <p:cTn id="1" dur="indefinite" restart="never" nodeType="tmRoot">
-          <p:childTnLst>
-            <p:seq concurrent="1" nextAc="seek">
-              <p:cTn id="2" dur="indefinite" nodeType="mainSeq">
-                <p:childTnLst>
-                  <p:par>
-                    <p:cTn id="3" fill="hold">
-                      <p:stCondLst>
-                        <p:cond delay="indefinite"/>
-                      </p:stCondLst>
-                      <p:childTnLst>
-                        <p:par>
-                          <p:cTn id="4" fill="hold">
-                            <p:stCondLst>
-                              <p:cond delay="0"/>
-                            </p:stCondLst>
-                            <p:childTnLst>
-                              <p:par>
-                                <p:cTn id="5" presetID="1" presetClass="entr" presetSubtype="0" fill="hold" nodeType="clickEffect">
-                                  <p:stCondLst>
-                                    <p:cond delay="0"/>
-                                  </p:stCondLst>
-                                  <p:childTnLst>
-                                    <p:set>
-                                      <p:cBhvr>
-                                        <p:cTn id="6" dur="1" fill="hold">
-                                          <p:stCondLst>
-                                            <p:cond delay="0"/>
-                                          </p:stCondLst>
-                                        </p:cTn>
-                                        <p:tgtEl>
-                                          <p:spTgt spid="3">
-                                            <p:txEl>
-                                              <p:pRg st="0" end="0"/>
-                                            </p:txEl>
-                                          </p:spTgt>
-                                        </p:tgtEl>
-                                        <p:attrNameLst>
-                                          <p:attrName>style.visibility</p:attrName>
-                                        </p:attrNameLst>
-                                      </p:cBhvr>
-                                      <p:to>
-                                        <p:strVal val="visible"/>
-                                      </p:to>
-                                    </p:set>
-                                  </p:childTnLst>
-                                </p:cTn>
-                              </p:par>
-                            </p:childTnLst>
-                          </p:cTn>
-                        </p:par>
-                      </p:childTnLst>
-                    </p:cTn>
-                  </p:par>
-                  <p:par>
-                    <p:cTn id="7" fill="hold">
-                      <p:stCondLst>
-                        <p:cond delay="indefinite"/>
-                      </p:stCondLst>
-                      <p:childTnLst>
-                        <p:par>
-                          <p:cTn id="8" fill="hold">
-                            <p:stCondLst>
-                              <p:cond delay="0"/>
-                            </p:stCondLst>
-                            <p:childTnLst>
-                              <p:par>
-                                <p:cTn id="9" presetID="1" presetClass="entr" presetSubtype="0" fill="hold" nodeType="clickEffect">
-                                  <p:stCondLst>
-                                    <p:cond delay="0"/>
-                                  </p:stCondLst>
-                                  <p:childTnLst>
-                                    <p:set>
-                                      <p:cBhvr>
-                                        <p:cTn id="10" dur="1" fill="hold">
-                                          <p:stCondLst>
-                                            <p:cond delay="0"/>
-                                          </p:stCondLst>
-                                        </p:cTn>
-                                        <p:tgtEl>
-                                          <p:spTgt spid="3">
-                                            <p:txEl>
-                                              <p:pRg st="1" end="1"/>
-                                            </p:txEl>
-                                          </p:spTgt>
-                                        </p:tgtEl>
-                                        <p:attrNameLst>
-                                          <p:attrName>style.visibility</p:attrName>
-                                        </p:attrNameLst>
-                                      </p:cBhvr>
-                                      <p:to>
-                                        <p:strVal val="visible"/>
-                                      </p:to>
-                                    </p:set>
-                                  </p:childTnLst>
-                                </p:cTn>
-                              </p:par>
-                            </p:childTnLst>
-                          </p:cTn>
-                        </p:par>
-                      </p:childTnLst>
-                    </p:cTn>
-                  </p:par>
-                  <p:par>
-                    <p:cTn id="11" fill="hold">
-                      <p:stCondLst>
-                        <p:cond delay="indefinite"/>
-                      </p:stCondLst>
-                      <p:childTnLst>
-                        <p:par>
-                          <p:cTn id="12" fill="hold">
-                            <p:stCondLst>
-                              <p:cond delay="0"/>
-                            </p:stCondLst>
-                            <p:childTnLst>
-                              <p:par>
-                                <p:cTn id="13" presetID="1" presetClass="entr" presetSubtype="0" fill="hold" nodeType="clickEffect">
-                                  <p:stCondLst>
-                                    <p:cond delay="0"/>
-                                  </p:stCondLst>
-                                  <p:childTnLst>
-                                    <p:set>
-                                      <p:cBhvr>
-                                        <p:cTn id="14" dur="1" fill="hold">
-                                          <p:stCondLst>
-                                            <p:cond delay="0"/>
-                                          </p:stCondLst>
-                                        </p:cTn>
-                                        <p:tgtEl>
-                                          <p:spTgt spid="3">
-                                            <p:txEl>
-                                              <p:pRg st="2" end="2"/>
-                                            </p:txEl>
-                                          </p:spTgt>
-                                        </p:tgtEl>
-                                        <p:attrNameLst>
-                                          <p:attrName>style.visibility</p:attrName>
-                                        </p:attrNameLst>
-                                      </p:cBhvr>
-                                      <p:to>
-                                        <p:strVal val="visible"/>
-                                      </p:to>
-                                    </p:set>
-                                  </p:childTnLst>
-                                </p:cTn>
-                              </p:par>
-                            </p:childTnLst>
-                          </p:cTn>
-                        </p:par>
-                      </p:childTnLst>
-                    </p:cTn>
-                  </p:par>
-                  <p:par>
-                    <p:cTn id="15" fill="hold">
-                      <p:stCondLst>
-                        <p:cond delay="indefinite"/>
-                      </p:stCondLst>
-                      <p:childTnLst>
-                        <p:par>
-                          <p:cTn id="16" fill="hold">
-                            <p:stCondLst>
-                              <p:cond delay="0"/>
-                            </p:stCondLst>
-                            <p:childTnLst>
-                              <p:par>
-                                <p:cTn id="17" presetID="1" presetClass="entr" presetSubtype="0" fill="hold" nodeType="clickEffect">
-                                  <p:stCondLst>
-                                    <p:cond delay="0"/>
-                                  </p:stCondLst>
-                                  <p:childTnLst>
-                                    <p:set>
-                                      <p:cBhvr>
-                                        <p:cTn id="18" dur="1" fill="hold">
-                                          <p:stCondLst>
-                                            <p:cond delay="0"/>
-                                          </p:stCondLst>
-                                        </p:cTn>
-                                        <p:tgtEl>
-                                          <p:spTgt spid="3">
-                                            <p:txEl>
-                                              <p:pRg st="3" end="3"/>
-                                            </p:txEl>
-                                          </p:spTgt>
-                                        </p:tgtEl>
-                                        <p:attrNameLst>
-                                          <p:attrName>style.visibility</p:attrName>
-                                        </p:attrNameLst>
-                                      </p:cBhvr>
-                                      <p:to>
-                                        <p:strVal val="visible"/>
-                                      </p:to>
-                                    </p:set>
-                                  </p:childTnLst>
-                                </p:cTn>
-                              </p:par>
-                            </p:childTnLst>
-                          </p:cTn>
-                        </p:par>
-                      </p:childTnLst>
-                    </p:cTn>
-                  </p:par>
-                  <p:par>
-                    <p:cTn id="19" fill="hold">
-                      <p:stCondLst>
-                        <p:cond delay="indefinite"/>
-                      </p:stCondLst>
-                      <p:childTnLst>
-                        <p:par>
-                          <p:cTn id="20" fill="hold">
-                            <p:stCondLst>
-                              <p:cond delay="0"/>
-                            </p:stCondLst>
-                            <p:childTnLst>
-                              <p:par>
-                                <p:cTn id="21" presetID="1" presetClass="entr" presetSubtype="0" fill="hold" nodeType="clickEffect">
-                                  <p:stCondLst>
-                                    <p:cond delay="0"/>
-                                  </p:stCondLst>
-                                  <p:childTnLst>
-                                    <p:set>
-                                      <p:cBhvr>
-                                        <p:cTn id="22" dur="1" fill="hold">
-                                          <p:stCondLst>
-                                            <p:cond delay="0"/>
-                                          </p:stCondLst>
-                                        </p:cTn>
-                                        <p:tgtEl>
-                                          <p:spTgt spid="3">
-                                            <p:txEl>
-                                              <p:pRg st="4" end="4"/>
-                                            </p:txEl>
-                                          </p:spTgt>
-                                        </p:tgtEl>
-                                        <p:attrNameLst>
-                                          <p:attrName>style.visibility</p:attrName>
-                                        </p:attrNameLst>
-                                      </p:cBhvr>
-                                      <p:to>
-                                        <p:strVal val="visible"/>
-                                      </p:to>
-                                    </p:set>
-                                  </p:childTnLst>
-                                </p:cTn>
-                              </p:par>
-                            </p:childTnLst>
-                          </p:cTn>
-                        </p:par>
-                      </p:childTnLst>
-                    </p:cTn>
-                  </p:par>
-                  <p:par>
-                    <p:cTn id="23" fill="hold">
-                      <p:stCondLst>
-                        <p:cond delay="indefinite"/>
-                      </p:stCondLst>
-                      <p:childTnLst>
-                        <p:par>
-                          <p:cTn id="24" fill="hold">
-                            <p:stCondLst>
-                              <p:cond delay="0"/>
-                            </p:stCondLst>
-                            <p:childTnLst>
-                              <p:par>
-                                <p:cTn id="25" presetID="1" presetClass="entr" presetSubtype="0" fill="hold" nodeType="clickEffect">
-                                  <p:stCondLst>
-                                    <p:cond delay="0"/>
-                                  </p:stCondLst>
-                                  <p:childTnLst>
-                                    <p:set>
-                                      <p:cBhvr>
-                                        <p:cTn id="26" dur="1" fill="hold">
-                                          <p:stCondLst>
-                                            <p:cond delay="0"/>
-                                          </p:stCondLst>
-                                        </p:cTn>
-                                        <p:tgtEl>
-                                          <p:spTgt spid="3">
-                                            <p:txEl>
-                                              <p:pRg st="5" end="5"/>
-                                            </p:txEl>
-                                          </p:spTgt>
-                                        </p:tgtEl>
-                                        <p:attrNameLst>
-                                          <p:attrName>style.visibility</p:attrName>
-                                        </p:attrNameLst>
-                                      </p:cBhvr>
-                                      <p:to>
-                                        <p:strVal val="visible"/>
-                                      </p:to>
-                                    </p:set>
-                                  </p:childTnLst>
-                                </p:cTn>
-                              </p:par>
-                            </p:childTnLst>
-                          </p:cTn>
-                        </p:par>
-                      </p:childTnLst>
-                    </p:cTn>
-                  </p:par>
-                  <p:par>
-                    <p:cTn id="27" fill="hold">
-                      <p:stCondLst>
-                        <p:cond delay="indefinite"/>
-                      </p:stCondLst>
-                      <p:childTnLst>
-                        <p:par>
-                          <p:cTn id="28" fill="hold">
-                            <p:stCondLst>
-                              <p:cond delay="0"/>
-                            </p:stCondLst>
-                            <p:childTnLst>
-                              <p:par>
-                                <p:cTn id="29" presetID="1" presetClass="entr" presetSubtype="0" fill="hold" nodeType="clickEffect">
-                                  <p:stCondLst>
-                                    <p:cond delay="0"/>
-                                  </p:stCondLst>
-                                  <p:childTnLst>
-                                    <p:set>
-                                      <p:cBhvr>
-                                        <p:cTn id="30" dur="1" fill="hold">
-                                          <p:stCondLst>
-                                            <p:cond delay="0"/>
-                                          </p:stCondLst>
-                                        </p:cTn>
-                                        <p:tgtEl>
-                                          <p:spTgt spid="3">
-                                            <p:txEl>
-                                              <p:pRg st="6" end="6"/>
-                                            </p:txEl>
-                                          </p:spTgt>
-                                        </p:tgtEl>
-                                        <p:attrNameLst>
-                                          <p:attrName>style.visibility</p:attrName>
-                                        </p:attrNameLst>
-                                      </p:cBhvr>
-                                      <p:to>
-                                        <p:strVal val="visible"/>
-                                      </p:to>
-                                    </p:set>
-                                  </p:childTnLst>
-                                </p:cTn>
-                              </p:par>
-                            </p:childTnLst>
-                          </p:cTn>
-                        </p:par>
-                      </p:childTnLst>
-                    </p:cTn>
-                  </p:par>
-                  <p:par>
-                    <p:cTn id="31" fill="hold">
-                      <p:stCondLst>
-                        <p:cond delay="indefinite"/>
-                      </p:stCondLst>
-                      <p:childTnLst>
-                        <p:par>
-                          <p:cTn id="32" fill="hold">
-                            <p:stCondLst>
-                              <p:cond delay="0"/>
-                            </p:stCondLst>
-                            <p:childTnLst>
-                              <p:par>
-                                <p:cTn id="33" presetID="1" presetClass="entr" presetSubtype="0" fill="hold" nodeType="clickEffect">
-                                  <p:stCondLst>
-                                    <p:cond delay="0"/>
-                                  </p:stCondLst>
-                                  <p:childTnLst>
-                                    <p:set>
-                                      <p:cBhvr>
-                                        <p:cTn id="34" dur="1" fill="hold">
-                                          <p:stCondLst>
-                                            <p:cond delay="0"/>
-                                          </p:stCondLst>
-                                        </p:cTn>
-                                        <p:tgtEl>
-                                          <p:spTgt spid="3">
-                                            <p:txEl>
-                                              <p:pRg st="7" end="7"/>
-                                            </p:txEl>
-                                          </p:spTgt>
-                                        </p:tgtEl>
-                                        <p:attrNameLst>
-                                          <p:attrName>style.visibility</p:attrName>
-                                        </p:attrNameLst>
-                                      </p:cBhvr>
-                                      <p:to>
-                                        <p:strVal val="visible"/>
-                                      </p:to>
-                                    </p:set>
-                                  </p:childTnLst>
-                                </p:cTn>
-                              </p:par>
-                            </p:childTnLst>
-                          </p:cTn>
-                        </p:par>
-                      </p:childTnLst>
-                    </p:cTn>
-                  </p:par>
-                  <p:par>
-                    <p:cTn id="35" fill="hold">
-                      <p:stCondLst>
-                        <p:cond delay="indefinite"/>
-                      </p:stCondLst>
-                      <p:childTnLst>
-                        <p:par>
-                          <p:cTn id="36" fill="hold">
-                            <p:stCondLst>
-                              <p:cond delay="0"/>
-                            </p:stCondLst>
-                            <p:childTnLst>
-                              <p:par>
-                                <p:cTn id="37" presetID="1" presetClass="entr" presetSubtype="0" fill="hold" nodeType="clickEffect">
-                                  <p:stCondLst>
-                                    <p:cond delay="0"/>
-                                  </p:stCondLst>
-                                  <p:childTnLst>
-                                    <p:set>
-                                      <p:cBhvr>
-                                        <p:cTn id="38" dur="1" fill="hold">
-                                          <p:stCondLst>
-                                            <p:cond delay="0"/>
-                                          </p:stCondLst>
-                                        </p:cTn>
-                                        <p:tgtEl>
-                                          <p:spTgt spid="3">
-                                            <p:txEl>
-                                              <p:pRg st="8" end="8"/>
-                                            </p:txEl>
-                                          </p:spTgt>
-                                        </p:tgtEl>
-                                        <p:attrNameLst>
-                                          <p:attrName>style.visibility</p:attrName>
-                                        </p:attrNameLst>
-                                      </p:cBhvr>
-                                      <p:to>
-                                        <p:strVal val="visible"/>
-                                      </p:to>
-                                    </p:set>
-                                  </p:childTnLst>
-                                </p:cTn>
-                              </p:par>
-                            </p:childTnLst>
-                          </p:cTn>
-                        </p:par>
-                      </p:childTnLst>
-                    </p:cTn>
-                  </p:par>
-                </p:childTnLst>
-              </p:cTn>
-              <p:prevCondLst>
-                <p:cond evt="onPrev" delay="0">
-                  <p:tgtEl>
-                    <p:sldTgt/>
-                  </p:tgtEl>
-                </p:cond>
-              </p:prevCondLst>
-              <p:nextCondLst>
-                <p:cond evt="onNext" delay="0">
-                  <p:tgtEl>
-                    <p:sldTgt/>
-                  </p:tgtEl>
-                </p:cond>
-              </p:nextCondLst>
-            </p:seq>
-          </p:childTnLst>
-        </p:cTn>
-      </p:par>
-    </p:tnLst>
-  </p:timing>
-</p:sld>
-</file>
-
-<file path=ppt/slides/slide40.xml><?xml version="1.0" encoding="utf-8"?>
-<p:sld xmlns:a="http://schemas.openxmlformats.org/drawingml/2006/main" xmlns:r="http://schemas.openxmlformats.org/officeDocument/2006/relationships" xmlns:p="http://schemas.openxmlformats.org/presentationml/2006/main">
-  <p:cSld>
-    <p:spTree>
-      <p:nvGrpSpPr>
-        <p:cNvPr id="1" name=""/>
-        <p:cNvGrpSpPr/>
-        <p:nvPr/>
-      </p:nvGrpSpPr>
-      <p:grpSpPr>
-        <a:xfrm>
-          <a:off x="0" y="0"/>
-          <a:ext cx="0" cy="0"/>
-          <a:chOff x="0" y="0"/>
-          <a:chExt cx="0" cy="0"/>
-        </a:xfrm>
-      </p:grpSpPr>
-      <mc:AlternateContent xmlns:mc="http://schemas.openxmlformats.org/markup-compatibility/2006">
-        <mc:Choice xmlns:a14="http://schemas.microsoft.com/office/drawing/2010/main" Requires="a14">
+      <mc:AlternateContent xmlns:mc="http://schemas.openxmlformats.org/markup-compatibility/2006" xmlns:a14="http://schemas.microsoft.com/office/drawing/2010/main">
+        <mc:Choice Requires="a14">
           <p:sp>
             <p:nvSpPr>
               <p:cNvPr id="3" name="Content Placeholder 2">
@@ -35965,14 +37207,7 @@
                           <a:latin typeface="Cambria Math" panose="02040503050406030204" pitchFamily="18" charset="0"/>
                           <a:ea typeface="Cambria Math" panose="02040503050406030204" pitchFamily="18" charset="0"/>
                         </a:rPr>
-                        <m:t>𝐴</m:t>
-                      </m:r>
-                      <m:r>
-                        <a:rPr lang="en-US" b="0" i="1" smtClean="0">
-                          <a:latin typeface="Cambria Math" panose="02040503050406030204" pitchFamily="18" charset="0"/>
-                          <a:ea typeface="Cambria Math" panose="02040503050406030204" pitchFamily="18" charset="0"/>
-                        </a:rPr>
-                        <m:t>h</m:t>
+                        <m:t>𝐴h</m:t>
                       </m:r>
                     </m:oMath>
                   </m:oMathPara>
@@ -36175,7 +37410,7 @@
             </p:txBody>
           </p:sp>
         </mc:Choice>
-        <mc:Fallback>
+        <mc:Fallback xmlns="">
           <p:sp>
             <p:nvSpPr>
               <p:cNvPr id="3" name="Content Placeholder 2">
@@ -36795,7 +38030,7 @@
             <a:pPr lvl="1"/>
             <a:r>
               <a:rPr lang="en-US" dirty="0"/>
-              <a:t>Stochastic processes and Markov processes </a:t>
+              <a:t>Stochastic processes, specifically Markov processes </a:t>
             </a:r>
           </a:p>
           <a:p>
@@ -36850,7 +38085,7 @@
                                         <p:tgtEl>
                                           <p:spTgt spid="3">
                                             <p:txEl>
-                                              <p:pRg st="0" end="0"/>
+                                              <p:pRg st="1" end="1"/>
                                             </p:txEl>
                                           </p:spTgt>
                                         </p:tgtEl>
@@ -36899,7 +38134,7 @@
                                         <p:tgtEl>
                                           <p:spTgt spid="3">
                                             <p:txEl>
-                                              <p:pRg st="1" end="1"/>
+                                              <p:pRg st="2" end="2"/>
                                             </p:txEl>
                                           </p:spTgt>
                                         </p:tgtEl>
@@ -36948,7 +38183,7 @@
                                         <p:tgtEl>
                                           <p:spTgt spid="3">
                                             <p:txEl>
-                                              <p:pRg st="2" end="2"/>
+                                              <p:pRg st="3" end="3"/>
                                             </p:txEl>
                                           </p:spTgt>
                                         </p:tgtEl>
@@ -36997,7 +38232,7 @@
                                         <p:tgtEl>
                                           <p:spTgt spid="3">
                                             <p:txEl>
-                                              <p:pRg st="3" end="3"/>
+                                              <p:pRg st="4" end="4"/>
                                             </p:txEl>
                                           </p:spTgt>
                                         </p:tgtEl>
@@ -37046,7 +38281,7 @@
                                         <p:tgtEl>
                                           <p:spTgt spid="3">
                                             <p:txEl>
-                                              <p:pRg st="4" end="4"/>
+                                              <p:pRg st="5" end="5"/>
                                             </p:txEl>
                                           </p:spTgt>
                                         </p:tgtEl>
@@ -37095,7 +38330,7 @@
                                         <p:tgtEl>
                                           <p:spTgt spid="3">
                                             <p:txEl>
-                                              <p:pRg st="5" end="5"/>
+                                              <p:pRg st="6" end="6"/>
                                             </p:txEl>
                                           </p:spTgt>
                                         </p:tgtEl>
@@ -37144,7 +38379,7 @@
                                         <p:tgtEl>
                                           <p:spTgt spid="3">
                                             <p:txEl>
-                                              <p:pRg st="6" end="6"/>
+                                              <p:pRg st="7" end="7"/>
                                             </p:txEl>
                                           </p:spTgt>
                                         </p:tgtEl>
@@ -37186,55 +38421,6 @@
                                     <p:set>
                                       <p:cBhvr>
                                         <p:cTn id="34" dur="1" fill="hold">
-                                          <p:stCondLst>
-                                            <p:cond delay="0"/>
-                                          </p:stCondLst>
-                                        </p:cTn>
-                                        <p:tgtEl>
-                                          <p:spTgt spid="3">
-                                            <p:txEl>
-                                              <p:pRg st="7" end="7"/>
-                                            </p:txEl>
-                                          </p:spTgt>
-                                        </p:tgtEl>
-                                        <p:attrNameLst>
-                                          <p:attrName>style.visibility</p:attrName>
-                                        </p:attrNameLst>
-                                      </p:cBhvr>
-                                      <p:to>
-                                        <p:strVal val="visible"/>
-                                      </p:to>
-                                    </p:set>
-                                  </p:childTnLst>
-                                </p:cTn>
-                              </p:par>
-                            </p:childTnLst>
-                          </p:cTn>
-                        </p:par>
-                      </p:childTnLst>
-                    </p:cTn>
-                  </p:par>
-                  <p:par>
-                    <p:cTn id="35" fill="hold">
-                      <p:stCondLst>
-                        <p:cond delay="indefinite"/>
-                      </p:stCondLst>
-                      <p:childTnLst>
-                        <p:par>
-                          <p:cTn id="36" fill="hold">
-                            <p:stCondLst>
-                              <p:cond delay="0"/>
-                            </p:stCondLst>
-                            <p:childTnLst>
-                              <p:par>
-                                <p:cTn id="37" presetID="1" presetClass="entr" presetSubtype="0" fill="hold" nodeType="clickEffect">
-                                  <p:stCondLst>
-                                    <p:cond delay="0"/>
-                                  </p:stCondLst>
-                                  <p:childTnLst>
-                                    <p:set>
-                                      <p:cBhvr>
-                                        <p:cTn id="38" dur="1" fill="hold">
                                           <p:stCondLst>
                                             <p:cond delay="0"/>
                                           </p:stCondLst>
@@ -37735,7 +38921,7 @@
                                         <p:tgtEl>
                                           <p:spTgt spid="3">
                                             <p:txEl>
-                                              <p:pRg st="0" end="0"/>
+                                              <p:pRg st="1" end="1"/>
                                             </p:txEl>
                                           </p:spTgt>
                                         </p:tgtEl>
@@ -37784,7 +38970,7 @@
                                         <p:tgtEl>
                                           <p:spTgt spid="3">
                                             <p:txEl>
-                                              <p:pRg st="1" end="1"/>
+                                              <p:pRg st="2" end="2"/>
                                             </p:txEl>
                                           </p:spTgt>
                                         </p:tgtEl>
@@ -37833,7 +39019,7 @@
                                         <p:tgtEl>
                                           <p:spTgt spid="3">
                                             <p:txEl>
-                                              <p:pRg st="2" end="2"/>
+                                              <p:pRg st="3" end="3"/>
                                             </p:txEl>
                                           </p:spTgt>
                                         </p:tgtEl>
@@ -37882,7 +39068,7 @@
                                         <p:tgtEl>
                                           <p:spTgt spid="3">
                                             <p:txEl>
-                                              <p:pRg st="3" end="3"/>
+                                              <p:pRg st="4" end="4"/>
                                             </p:txEl>
                                           </p:spTgt>
                                         </p:tgtEl>
@@ -37931,7 +39117,7 @@
                                         <p:tgtEl>
                                           <p:spTgt spid="3">
                                             <p:txEl>
-                                              <p:pRg st="4" end="4"/>
+                                              <p:pRg st="5" end="5"/>
                                             </p:txEl>
                                           </p:spTgt>
                                         </p:tgtEl>
@@ -37980,7 +39166,7 @@
                                         <p:tgtEl>
                                           <p:spTgt spid="3">
                                             <p:txEl>
-                                              <p:pRg st="5" end="5"/>
+                                              <p:pRg st="6" end="6"/>
                                             </p:txEl>
                                           </p:spTgt>
                                         </p:tgtEl>
@@ -38029,7 +39215,7 @@
                                         <p:tgtEl>
                                           <p:spTgt spid="3">
                                             <p:txEl>
-                                              <p:pRg st="6" end="6"/>
+                                              <p:pRg st="7" end="7"/>
                                             </p:txEl>
                                           </p:spTgt>
                                         </p:tgtEl>
@@ -38071,55 +39257,6 @@
                                     <p:set>
                                       <p:cBhvr>
                                         <p:cTn id="34" dur="1" fill="hold">
-                                          <p:stCondLst>
-                                            <p:cond delay="0"/>
-                                          </p:stCondLst>
-                                        </p:cTn>
-                                        <p:tgtEl>
-                                          <p:spTgt spid="3">
-                                            <p:txEl>
-                                              <p:pRg st="7" end="7"/>
-                                            </p:txEl>
-                                          </p:spTgt>
-                                        </p:tgtEl>
-                                        <p:attrNameLst>
-                                          <p:attrName>style.visibility</p:attrName>
-                                        </p:attrNameLst>
-                                      </p:cBhvr>
-                                      <p:to>
-                                        <p:strVal val="visible"/>
-                                      </p:to>
-                                    </p:set>
-                                  </p:childTnLst>
-                                </p:cTn>
-                              </p:par>
-                            </p:childTnLst>
-                          </p:cTn>
-                        </p:par>
-                      </p:childTnLst>
-                    </p:cTn>
-                  </p:par>
-                  <p:par>
-                    <p:cTn id="35" fill="hold">
-                      <p:stCondLst>
-                        <p:cond delay="indefinite"/>
-                      </p:stCondLst>
-                      <p:childTnLst>
-                        <p:par>
-                          <p:cTn id="36" fill="hold">
-                            <p:stCondLst>
-                              <p:cond delay="0"/>
-                            </p:stCondLst>
-                            <p:childTnLst>
-                              <p:par>
-                                <p:cTn id="37" presetID="1" presetClass="entr" presetSubtype="0" fill="hold" nodeType="clickEffect">
-                                  <p:stCondLst>
-                                    <p:cond delay="0"/>
-                                  </p:stCondLst>
-                                  <p:childTnLst>
-                                    <p:set>
-                                      <p:cBhvr>
-                                        <p:cTn id="38" dur="1" fill="hold">
                                           <p:stCondLst>
                                             <p:cond delay="0"/>
                                           </p:stCondLst>
@@ -38253,7 +39390,7 @@
             </p:spPr>
             <p:txBody>
               <a:bodyPr>
-                <a:normAutofit lnSpcReduction="10000"/>
+                <a:normAutofit/>
               </a:bodyPr>
               <a:lstStyle/>
               <a:p>
@@ -38421,17 +39558,1092 @@
                 </a:r>
               </a:p>
               <a:p>
-                <a:pPr lvl="1"/>
                 <a:r>
                   <a:rPr lang="en-US" dirty="0"/>
                   <a:t>Example: Facebook friends is a symmetric relationship </a:t>
                 </a:r>
               </a:p>
               <a:p>
-                <a:pPr lvl="1"/>
                 <a:r>
                   <a:rPr lang="en-US" dirty="0"/>
                   <a:t>Example: A highway network allows travel in both directions  </a:t>
+                </a:r>
+              </a:p>
+            </p:txBody>
+          </p:sp>
+        </mc:Choice>
+        <mc:Fallback>
+          <p:sp>
+            <p:nvSpPr>
+              <p:cNvPr id="3" name="Content Placeholder 2">
+                <a:extLst>
+                  <a:ext uri="{FF2B5EF4-FFF2-40B4-BE49-F238E27FC236}">
+                    <a16:creationId xmlns:a16="http://schemas.microsoft.com/office/drawing/2014/main" id="{D9C502E2-3889-41D4-9A2E-D8C04ADE5184}"/>
+                  </a:ext>
+                </a:extLst>
+              </p:cNvPr>
+              <p:cNvSpPr>
+                <a:spLocks noGrp="1" noRot="1" noChangeAspect="1" noMove="1" noResize="1" noEditPoints="1" noAdjustHandles="1" noChangeArrowheads="1" noChangeShapeType="1" noTextEdit="1"/>
+              </p:cNvSpPr>
+              <p:nvPr>
+                <p:ph idx="1"/>
+              </p:nvPr>
+            </p:nvSpPr>
+            <p:spPr>
+              <a:xfrm>
+                <a:off x="838200" y="1146379"/>
+                <a:ext cx="10515600" cy="5495926"/>
+              </a:xfrm>
+              <a:blipFill>
+                <a:blip r:embed="rId2"/>
+                <a:stretch>
+                  <a:fillRect l="-1217" t="-1774"/>
+                </a:stretch>
+              </a:blipFill>
+            </p:spPr>
+            <p:txBody>
+              <a:bodyPr/>
+              <a:lstStyle/>
+              <a:p>
+                <a:r>
+                  <a:rPr lang="en-US">
+                    <a:noFill/>
+                  </a:rPr>
+                  <a:t> </a:t>
+                </a:r>
+              </a:p>
+            </p:txBody>
+          </p:sp>
+        </mc:Fallback>
+      </mc:AlternateContent>
+    </p:spTree>
+    <p:extLst>
+      <p:ext uri="{BB962C8B-B14F-4D97-AF65-F5344CB8AC3E}">
+        <p14:creationId xmlns:p14="http://schemas.microsoft.com/office/powerpoint/2010/main" val="443241327"/>
+      </p:ext>
+    </p:extLst>
+  </p:cSld>
+  <p:clrMapOvr>
+    <a:masterClrMapping/>
+  </p:clrMapOvr>
+  <p:timing>
+    <p:tnLst>
+      <p:par>
+        <p:cTn id="1" dur="indefinite" restart="never" nodeType="tmRoot">
+          <p:childTnLst>
+            <p:seq concurrent="1" nextAc="seek">
+              <p:cTn id="2" dur="indefinite" nodeType="mainSeq">
+                <p:childTnLst>
+                  <p:par>
+                    <p:cTn id="3" fill="hold">
+                      <p:stCondLst>
+                        <p:cond delay="indefinite"/>
+                      </p:stCondLst>
+                      <p:childTnLst>
+                        <p:par>
+                          <p:cTn id="4" fill="hold">
+                            <p:stCondLst>
+                              <p:cond delay="0"/>
+                            </p:stCondLst>
+                            <p:childTnLst>
+                              <p:par>
+                                <p:cTn id="5" presetID="1" presetClass="entr" presetSubtype="0" fill="hold" nodeType="clickEffect">
+                                  <p:stCondLst>
+                                    <p:cond delay="0"/>
+                                  </p:stCondLst>
+                                  <p:childTnLst>
+                                    <p:set>
+                                      <p:cBhvr>
+                                        <p:cTn id="6" dur="1" fill="hold">
+                                          <p:stCondLst>
+                                            <p:cond delay="0"/>
+                                          </p:stCondLst>
+                                        </p:cTn>
+                                        <p:tgtEl>
+                                          <p:spTgt spid="3">
+                                            <p:txEl>
+                                              <p:pRg st="1" end="1"/>
+                                            </p:txEl>
+                                          </p:spTgt>
+                                        </p:tgtEl>
+                                        <p:attrNameLst>
+                                          <p:attrName>style.visibility</p:attrName>
+                                        </p:attrNameLst>
+                                      </p:cBhvr>
+                                      <p:to>
+                                        <p:strVal val="visible"/>
+                                      </p:to>
+                                    </p:set>
+                                  </p:childTnLst>
+                                </p:cTn>
+                              </p:par>
+                            </p:childTnLst>
+                          </p:cTn>
+                        </p:par>
+                      </p:childTnLst>
+                    </p:cTn>
+                  </p:par>
+                  <p:par>
+                    <p:cTn id="7" fill="hold">
+                      <p:stCondLst>
+                        <p:cond delay="indefinite"/>
+                      </p:stCondLst>
+                      <p:childTnLst>
+                        <p:par>
+                          <p:cTn id="8" fill="hold">
+                            <p:stCondLst>
+                              <p:cond delay="0"/>
+                            </p:stCondLst>
+                            <p:childTnLst>
+                              <p:par>
+                                <p:cTn id="9" presetID="1" presetClass="entr" presetSubtype="0" fill="hold" nodeType="clickEffect">
+                                  <p:stCondLst>
+                                    <p:cond delay="0"/>
+                                  </p:stCondLst>
+                                  <p:childTnLst>
+                                    <p:set>
+                                      <p:cBhvr>
+                                        <p:cTn id="10" dur="1" fill="hold">
+                                          <p:stCondLst>
+                                            <p:cond delay="0"/>
+                                          </p:stCondLst>
+                                        </p:cTn>
+                                        <p:tgtEl>
+                                          <p:spTgt spid="3">
+                                            <p:txEl>
+                                              <p:pRg st="2" end="2"/>
+                                            </p:txEl>
+                                          </p:spTgt>
+                                        </p:tgtEl>
+                                        <p:attrNameLst>
+                                          <p:attrName>style.visibility</p:attrName>
+                                        </p:attrNameLst>
+                                      </p:cBhvr>
+                                      <p:to>
+                                        <p:strVal val="visible"/>
+                                      </p:to>
+                                    </p:set>
+                                  </p:childTnLst>
+                                </p:cTn>
+                              </p:par>
+                            </p:childTnLst>
+                          </p:cTn>
+                        </p:par>
+                      </p:childTnLst>
+                    </p:cTn>
+                  </p:par>
+                  <p:par>
+                    <p:cTn id="11" fill="hold">
+                      <p:stCondLst>
+                        <p:cond delay="indefinite"/>
+                      </p:stCondLst>
+                      <p:childTnLst>
+                        <p:par>
+                          <p:cTn id="12" fill="hold">
+                            <p:stCondLst>
+                              <p:cond delay="0"/>
+                            </p:stCondLst>
+                            <p:childTnLst>
+                              <p:par>
+                                <p:cTn id="13" presetID="1" presetClass="entr" presetSubtype="0" fill="hold" nodeType="clickEffect">
+                                  <p:stCondLst>
+                                    <p:cond delay="0"/>
+                                  </p:stCondLst>
+                                  <p:childTnLst>
+                                    <p:set>
+                                      <p:cBhvr>
+                                        <p:cTn id="14" dur="1" fill="hold">
+                                          <p:stCondLst>
+                                            <p:cond delay="0"/>
+                                          </p:stCondLst>
+                                        </p:cTn>
+                                        <p:tgtEl>
+                                          <p:spTgt spid="3">
+                                            <p:txEl>
+                                              <p:pRg st="3" end="3"/>
+                                            </p:txEl>
+                                          </p:spTgt>
+                                        </p:tgtEl>
+                                        <p:attrNameLst>
+                                          <p:attrName>style.visibility</p:attrName>
+                                        </p:attrNameLst>
+                                      </p:cBhvr>
+                                      <p:to>
+                                        <p:strVal val="visible"/>
+                                      </p:to>
+                                    </p:set>
+                                  </p:childTnLst>
+                                </p:cTn>
+                              </p:par>
+                            </p:childTnLst>
+                          </p:cTn>
+                        </p:par>
+                      </p:childTnLst>
+                    </p:cTn>
+                  </p:par>
+                </p:childTnLst>
+              </p:cTn>
+              <p:prevCondLst>
+                <p:cond evt="onPrev" delay="0">
+                  <p:tgtEl>
+                    <p:sldTgt/>
+                  </p:tgtEl>
+                </p:cond>
+              </p:prevCondLst>
+              <p:nextCondLst>
+                <p:cond evt="onNext" delay="0">
+                  <p:tgtEl>
+                    <p:sldTgt/>
+                  </p:tgtEl>
+                </p:cond>
+              </p:nextCondLst>
+            </p:seq>
+          </p:childTnLst>
+        </p:cTn>
+      </p:par>
+    </p:tnLst>
+  </p:timing>
+</p:sld>
+</file>
+
+<file path=ppt/slides/slide8.xml><?xml version="1.0" encoding="utf-8"?>
+<p:sld xmlns:a="http://schemas.openxmlformats.org/drawingml/2006/main" xmlns:r="http://schemas.openxmlformats.org/officeDocument/2006/relationships" xmlns:p="http://schemas.openxmlformats.org/presentationml/2006/main">
+  <p:cSld>
+    <p:spTree>
+      <p:nvGrpSpPr>
+        <p:cNvPr id="1" name=""/>
+        <p:cNvGrpSpPr/>
+        <p:nvPr/>
+      </p:nvGrpSpPr>
+      <p:grpSpPr>
+        <a:xfrm>
+          <a:off x="0" y="0"/>
+          <a:ext cx="0" cy="0"/>
+          <a:chOff x="0" y="0"/>
+          <a:chExt cx="0" cy="0"/>
+        </a:xfrm>
+      </p:grpSpPr>
+      <p:sp>
+        <p:nvSpPr>
+          <p:cNvPr id="2" name="Title 1">
+            <a:extLst>
+              <a:ext uri="{FF2B5EF4-FFF2-40B4-BE49-F238E27FC236}">
+                <a16:creationId xmlns:a16="http://schemas.microsoft.com/office/drawing/2014/main" id="{4702757D-9716-4C25-BA54-81C26D6EC04E}"/>
+              </a:ext>
+            </a:extLst>
+          </p:cNvPr>
+          <p:cNvSpPr>
+            <a:spLocks noGrp="1"/>
+          </p:cNvSpPr>
+          <p:nvPr>
+            <p:ph type="title"/>
+          </p:nvPr>
+        </p:nvSpPr>
+        <p:spPr>
+          <a:xfrm>
+            <a:off x="838200" y="215696"/>
+            <a:ext cx="10515600" cy="930682"/>
+          </a:xfrm>
+        </p:spPr>
+        <p:txBody>
+          <a:bodyPr>
+            <a:normAutofit/>
+          </a:bodyPr>
+          <a:lstStyle/>
+          <a:p>
+            <a:r>
+              <a:rPr lang="en-US" sz="4000" dirty="0">
+                <a:latin typeface="+mn-lt"/>
+              </a:rPr>
+              <a:t>Introduction to Graph Theory Terminology</a:t>
+            </a:r>
+          </a:p>
+        </p:txBody>
+      </p:sp>
+      <p:sp>
+        <p:nvSpPr>
+          <p:cNvPr id="3" name="Content Placeholder 2">
+            <a:extLst>
+              <a:ext uri="{FF2B5EF4-FFF2-40B4-BE49-F238E27FC236}">
+                <a16:creationId xmlns:a16="http://schemas.microsoft.com/office/drawing/2014/main" id="{D9C502E2-3889-41D4-9A2E-D8C04ADE5184}"/>
+              </a:ext>
+            </a:extLst>
+          </p:cNvPr>
+          <p:cNvSpPr>
+            <a:spLocks noGrp="1"/>
+          </p:cNvSpPr>
+          <p:nvPr>
+            <p:ph idx="1"/>
+          </p:nvPr>
+        </p:nvSpPr>
+        <p:spPr>
+          <a:xfrm>
+            <a:off x="838200" y="1146379"/>
+            <a:ext cx="10515600" cy="856817"/>
+          </a:xfrm>
+        </p:spPr>
+        <p:txBody>
+          <a:bodyPr>
+            <a:normAutofit lnSpcReduction="10000"/>
+          </a:bodyPr>
+          <a:lstStyle/>
+          <a:p>
+            <a:pPr marL="0" indent="0">
+              <a:buNone/>
+            </a:pPr>
+            <a:r>
+              <a:rPr lang="en-US" b="1" dirty="0"/>
+              <a:t>Graphs</a:t>
+            </a:r>
+            <a:r>
+              <a:rPr lang="en-US" dirty="0"/>
+              <a:t> are constructed from </a:t>
+            </a:r>
+            <a:r>
+              <a:rPr lang="en-US" b="1" dirty="0"/>
+              <a:t>nodes</a:t>
+            </a:r>
+            <a:r>
+              <a:rPr lang="en-US" dirty="0"/>
+              <a:t> or </a:t>
+            </a:r>
+            <a:r>
+              <a:rPr lang="en-US" b="1" dirty="0"/>
+              <a:t>vertices</a:t>
+            </a:r>
+            <a:r>
+              <a:rPr lang="en-US" dirty="0"/>
+              <a:t> connected by </a:t>
+            </a:r>
+            <a:r>
+              <a:rPr lang="en-US" b="1" dirty="0"/>
+              <a:t>edges </a:t>
+            </a:r>
+            <a:r>
+              <a:rPr lang="en-US" dirty="0"/>
+              <a:t>or</a:t>
+            </a:r>
+            <a:r>
+              <a:rPr lang="en-US" b="1" dirty="0"/>
+              <a:t> links</a:t>
+            </a:r>
+          </a:p>
+        </p:txBody>
+      </p:sp>
+      <p:sp>
+        <p:nvSpPr>
+          <p:cNvPr id="4" name="Content Placeholder 2">
+            <a:extLst>
+              <a:ext uri="{FF2B5EF4-FFF2-40B4-BE49-F238E27FC236}">
+                <a16:creationId xmlns:a16="http://schemas.microsoft.com/office/drawing/2014/main" id="{C9D1B286-A50E-29BB-C7D7-B06A74DE055B}"/>
+              </a:ext>
+            </a:extLst>
+          </p:cNvPr>
+          <p:cNvSpPr txBox="1">
+            <a:spLocks/>
+          </p:cNvSpPr>
+          <p:nvPr/>
+        </p:nvSpPr>
+        <p:spPr>
+          <a:xfrm>
+            <a:off x="838201" y="2095344"/>
+            <a:ext cx="4346542" cy="4437431"/>
+          </a:xfrm>
+          <a:prstGeom prst="rect">
+            <a:avLst/>
+          </a:prstGeom>
+        </p:spPr>
+        <p:txBody>
+          <a:bodyPr vert="horz" lIns="91440" tIns="45720" rIns="91440" bIns="45720" rtlCol="0">
+            <a:normAutofit/>
+          </a:bodyPr>
+          <a:lstStyle>
+            <a:lvl1pPr marL="228600" indent="-228600" algn="l" defTabSz="914400" rtl="0" eaLnBrk="1" latinLnBrk="0" hangingPunct="1">
+              <a:lnSpc>
+                <a:spcPct val="90000"/>
+              </a:lnSpc>
+              <a:spcBef>
+                <a:spcPts val="1000"/>
+              </a:spcBef>
+              <a:buFont typeface="Arial" panose="020B0604020202020204" pitchFamily="34" charset="0"/>
+              <a:buChar char="•"/>
+              <a:defRPr sz="2800" kern="1200">
+                <a:solidFill>
+                  <a:schemeClr val="tx1"/>
+                </a:solidFill>
+                <a:latin typeface="+mn-lt"/>
+                <a:ea typeface="+mn-ea"/>
+                <a:cs typeface="+mn-cs"/>
+              </a:defRPr>
+            </a:lvl1pPr>
+            <a:lvl2pPr marL="685800" indent="-228600" algn="l" defTabSz="914400" rtl="0" eaLnBrk="1" latinLnBrk="0" hangingPunct="1">
+              <a:lnSpc>
+                <a:spcPct val="90000"/>
+              </a:lnSpc>
+              <a:spcBef>
+                <a:spcPts val="500"/>
+              </a:spcBef>
+              <a:buFont typeface="Arial" panose="020B0604020202020204" pitchFamily="34" charset="0"/>
+              <a:buChar char="•"/>
+              <a:defRPr sz="2400" kern="1200">
+                <a:solidFill>
+                  <a:schemeClr val="tx1"/>
+                </a:solidFill>
+                <a:latin typeface="+mn-lt"/>
+                <a:ea typeface="+mn-ea"/>
+                <a:cs typeface="+mn-cs"/>
+              </a:defRPr>
+            </a:lvl2pPr>
+            <a:lvl3pPr marL="1143000" indent="-228600" algn="l" defTabSz="914400" rtl="0" eaLnBrk="1" latinLnBrk="0" hangingPunct="1">
+              <a:lnSpc>
+                <a:spcPct val="90000"/>
+              </a:lnSpc>
+              <a:spcBef>
+                <a:spcPts val="500"/>
+              </a:spcBef>
+              <a:buFont typeface="Arial" panose="020B0604020202020204" pitchFamily="34" charset="0"/>
+              <a:buChar char="•"/>
+              <a:defRPr sz="2000" kern="1200">
+                <a:solidFill>
+                  <a:schemeClr val="tx1"/>
+                </a:solidFill>
+                <a:latin typeface="+mn-lt"/>
+                <a:ea typeface="+mn-ea"/>
+                <a:cs typeface="+mn-cs"/>
+              </a:defRPr>
+            </a:lvl3pPr>
+            <a:lvl4pPr marL="1600200" indent="-228600" algn="l" defTabSz="914400" rtl="0" eaLnBrk="1" latinLnBrk="0" hangingPunct="1">
+              <a:lnSpc>
+                <a:spcPct val="90000"/>
+              </a:lnSpc>
+              <a:spcBef>
+                <a:spcPts val="500"/>
+              </a:spcBef>
+              <a:buFont typeface="Arial" panose="020B0604020202020204" pitchFamily="34" charset="0"/>
+              <a:buChar char="•"/>
+              <a:defRPr sz="1800" kern="1200">
+                <a:solidFill>
+                  <a:schemeClr val="tx1"/>
+                </a:solidFill>
+                <a:latin typeface="+mn-lt"/>
+                <a:ea typeface="+mn-ea"/>
+                <a:cs typeface="+mn-cs"/>
+              </a:defRPr>
+            </a:lvl4pPr>
+            <a:lvl5pPr marL="2057400" indent="-228600" algn="l" defTabSz="914400" rtl="0" eaLnBrk="1" latinLnBrk="0" hangingPunct="1">
+              <a:lnSpc>
+                <a:spcPct val="90000"/>
+              </a:lnSpc>
+              <a:spcBef>
+                <a:spcPts val="500"/>
+              </a:spcBef>
+              <a:buFont typeface="Arial" panose="020B0604020202020204" pitchFamily="34" charset="0"/>
+              <a:buChar char="•"/>
+              <a:defRPr sz="1800" kern="1200">
+                <a:solidFill>
+                  <a:schemeClr val="tx1"/>
+                </a:solidFill>
+                <a:latin typeface="+mn-lt"/>
+                <a:ea typeface="+mn-ea"/>
+                <a:cs typeface="+mn-cs"/>
+              </a:defRPr>
+            </a:lvl5pPr>
+            <a:lvl6pPr marL="2514600" indent="-228600" algn="l" defTabSz="914400" rtl="0" eaLnBrk="1" latinLnBrk="0" hangingPunct="1">
+              <a:lnSpc>
+                <a:spcPct val="90000"/>
+              </a:lnSpc>
+              <a:spcBef>
+                <a:spcPts val="500"/>
+              </a:spcBef>
+              <a:buFont typeface="Arial" panose="020B0604020202020204" pitchFamily="34" charset="0"/>
+              <a:buChar char="•"/>
+              <a:defRPr sz="1800" kern="1200">
+                <a:solidFill>
+                  <a:schemeClr val="tx1"/>
+                </a:solidFill>
+                <a:latin typeface="+mn-lt"/>
+                <a:ea typeface="+mn-ea"/>
+                <a:cs typeface="+mn-cs"/>
+              </a:defRPr>
+            </a:lvl6pPr>
+            <a:lvl7pPr marL="2971800" indent="-228600" algn="l" defTabSz="914400" rtl="0" eaLnBrk="1" latinLnBrk="0" hangingPunct="1">
+              <a:lnSpc>
+                <a:spcPct val="90000"/>
+              </a:lnSpc>
+              <a:spcBef>
+                <a:spcPts val="500"/>
+              </a:spcBef>
+              <a:buFont typeface="Arial" panose="020B0604020202020204" pitchFamily="34" charset="0"/>
+              <a:buChar char="•"/>
+              <a:defRPr sz="1800" kern="1200">
+                <a:solidFill>
+                  <a:schemeClr val="tx1"/>
+                </a:solidFill>
+                <a:latin typeface="+mn-lt"/>
+                <a:ea typeface="+mn-ea"/>
+                <a:cs typeface="+mn-cs"/>
+              </a:defRPr>
+            </a:lvl7pPr>
+            <a:lvl8pPr marL="3429000" indent="-228600" algn="l" defTabSz="914400" rtl="0" eaLnBrk="1" latinLnBrk="0" hangingPunct="1">
+              <a:lnSpc>
+                <a:spcPct val="90000"/>
+              </a:lnSpc>
+              <a:spcBef>
+                <a:spcPts val="500"/>
+              </a:spcBef>
+              <a:buFont typeface="Arial" panose="020B0604020202020204" pitchFamily="34" charset="0"/>
+              <a:buChar char="•"/>
+              <a:defRPr sz="1800" kern="1200">
+                <a:solidFill>
+                  <a:schemeClr val="tx1"/>
+                </a:solidFill>
+                <a:latin typeface="+mn-lt"/>
+                <a:ea typeface="+mn-ea"/>
+                <a:cs typeface="+mn-cs"/>
+              </a:defRPr>
+            </a:lvl8pPr>
+            <a:lvl9pPr marL="3886200" indent="-228600" algn="l" defTabSz="914400" rtl="0" eaLnBrk="1" latinLnBrk="0" hangingPunct="1">
+              <a:lnSpc>
+                <a:spcPct val="90000"/>
+              </a:lnSpc>
+              <a:spcBef>
+                <a:spcPts val="500"/>
+              </a:spcBef>
+              <a:buFont typeface="Arial" panose="020B0604020202020204" pitchFamily="34" charset="0"/>
+              <a:buChar char="•"/>
+              <a:defRPr sz="1800" kern="1200">
+                <a:solidFill>
+                  <a:schemeClr val="tx1"/>
+                </a:solidFill>
+                <a:latin typeface="+mn-lt"/>
+                <a:ea typeface="+mn-ea"/>
+                <a:cs typeface="+mn-cs"/>
+              </a:defRPr>
+            </a:lvl9pPr>
+          </a:lstStyle>
+          <a:p>
+            <a:pPr marL="0" indent="0">
+              <a:buFont typeface="Arial" panose="020B0604020202020204" pitchFamily="34" charset="0"/>
+              <a:buNone/>
+            </a:pPr>
+            <a:r>
+              <a:rPr lang="en-US" dirty="0"/>
+              <a:t>Example: Undirected graph between people </a:t>
+            </a:r>
+          </a:p>
+          <a:p>
+            <a:r>
+              <a:rPr lang="en-US" dirty="0"/>
+              <a:t>Nodes are the people</a:t>
+            </a:r>
+          </a:p>
+          <a:p>
+            <a:r>
+              <a:rPr lang="en-US" dirty="0"/>
+              <a:t>Edges are the connections between them</a:t>
+            </a:r>
+          </a:p>
+          <a:p>
+            <a:pPr marL="0" indent="0">
+              <a:buFont typeface="Arial" panose="020B0604020202020204" pitchFamily="34" charset="0"/>
+              <a:buNone/>
+            </a:pPr>
+            <a:r>
+              <a:rPr lang="en-US" dirty="0"/>
+              <a:t> </a:t>
+            </a:r>
+          </a:p>
+        </p:txBody>
+      </p:sp>
+      <p:sp>
+        <p:nvSpPr>
+          <p:cNvPr id="5" name="Oval 4">
+            <a:extLst>
+              <a:ext uri="{FF2B5EF4-FFF2-40B4-BE49-F238E27FC236}">
+                <a16:creationId xmlns:a16="http://schemas.microsoft.com/office/drawing/2014/main" id="{FA471341-5FEB-82C2-9469-65303EEFB2CC}"/>
+              </a:ext>
+            </a:extLst>
+          </p:cNvPr>
+          <p:cNvSpPr/>
+          <p:nvPr/>
+        </p:nvSpPr>
+        <p:spPr>
+          <a:xfrm>
+            <a:off x="6820930" y="2290714"/>
+            <a:ext cx="1053276" cy="957052"/>
+          </a:xfrm>
+          <a:prstGeom prst="ellipse">
+            <a:avLst/>
+          </a:prstGeom>
+          <a:noFill/>
+          <a:ln w="25400">
+            <a:solidFill>
+              <a:schemeClr val="tx1"/>
+            </a:solidFill>
+          </a:ln>
+        </p:spPr>
+        <p:style>
+          <a:lnRef idx="2">
+            <a:schemeClr val="accent1">
+              <a:shade val="50000"/>
+            </a:schemeClr>
+          </a:lnRef>
+          <a:fillRef idx="1">
+            <a:schemeClr val="accent1"/>
+          </a:fillRef>
+          <a:effectRef idx="0">
+            <a:schemeClr val="accent1"/>
+          </a:effectRef>
+          <a:fontRef idx="minor">
+            <a:schemeClr val="lt1"/>
+          </a:fontRef>
+        </p:style>
+        <p:txBody>
+          <a:bodyPr rtlCol="0" anchor="ctr"/>
+          <a:lstStyle/>
+          <a:p>
+            <a:pPr algn="ctr"/>
+            <a:r>
+              <a:rPr lang="en-US" sz="2000" dirty="0">
+                <a:solidFill>
+                  <a:schemeClr val="tx1"/>
+                </a:solidFill>
+              </a:rPr>
+              <a:t>Bob</a:t>
+            </a:r>
+          </a:p>
+        </p:txBody>
+      </p:sp>
+      <p:sp>
+        <p:nvSpPr>
+          <p:cNvPr id="6" name="Oval 5">
+            <a:extLst>
+              <a:ext uri="{FF2B5EF4-FFF2-40B4-BE49-F238E27FC236}">
+                <a16:creationId xmlns:a16="http://schemas.microsoft.com/office/drawing/2014/main" id="{356D8232-0A3F-67A8-98DA-406FFAD14F7D}"/>
+              </a:ext>
+            </a:extLst>
+          </p:cNvPr>
+          <p:cNvSpPr/>
+          <p:nvPr/>
+        </p:nvSpPr>
+        <p:spPr>
+          <a:xfrm>
+            <a:off x="9203725" y="2003196"/>
+            <a:ext cx="996778" cy="957051"/>
+          </a:xfrm>
+          <a:prstGeom prst="ellipse">
+            <a:avLst/>
+          </a:prstGeom>
+          <a:noFill/>
+          <a:ln w="25400">
+            <a:solidFill>
+              <a:schemeClr val="tx1"/>
+            </a:solidFill>
+          </a:ln>
+        </p:spPr>
+        <p:style>
+          <a:lnRef idx="2">
+            <a:schemeClr val="accent1">
+              <a:shade val="50000"/>
+            </a:schemeClr>
+          </a:lnRef>
+          <a:fillRef idx="1">
+            <a:schemeClr val="accent1"/>
+          </a:fillRef>
+          <a:effectRef idx="0">
+            <a:schemeClr val="accent1"/>
+          </a:effectRef>
+          <a:fontRef idx="minor">
+            <a:schemeClr val="lt1"/>
+          </a:fontRef>
+        </p:style>
+        <p:txBody>
+          <a:bodyPr rtlCol="0" anchor="ctr"/>
+          <a:lstStyle/>
+          <a:p>
+            <a:pPr algn="ctr"/>
+            <a:r>
+              <a:rPr lang="en-US" sz="2000" dirty="0">
+                <a:solidFill>
+                  <a:schemeClr val="tx1"/>
+                </a:solidFill>
+              </a:rPr>
+              <a:t>Raj</a:t>
+            </a:r>
+          </a:p>
+        </p:txBody>
+      </p:sp>
+      <p:sp>
+        <p:nvSpPr>
+          <p:cNvPr id="7" name="Oval 6">
+            <a:extLst>
+              <a:ext uri="{FF2B5EF4-FFF2-40B4-BE49-F238E27FC236}">
+                <a16:creationId xmlns:a16="http://schemas.microsoft.com/office/drawing/2014/main" id="{C0D29C6E-C7F0-44AA-65C5-1435927DC9EC}"/>
+              </a:ext>
+            </a:extLst>
+          </p:cNvPr>
+          <p:cNvSpPr/>
+          <p:nvPr/>
+        </p:nvSpPr>
+        <p:spPr>
+          <a:xfrm>
+            <a:off x="6480621" y="4860984"/>
+            <a:ext cx="1053276" cy="957052"/>
+          </a:xfrm>
+          <a:prstGeom prst="ellipse">
+            <a:avLst/>
+          </a:prstGeom>
+          <a:noFill/>
+          <a:ln w="25400">
+            <a:solidFill>
+              <a:schemeClr val="tx1"/>
+            </a:solidFill>
+          </a:ln>
+        </p:spPr>
+        <p:style>
+          <a:lnRef idx="2">
+            <a:schemeClr val="accent1">
+              <a:shade val="50000"/>
+            </a:schemeClr>
+          </a:lnRef>
+          <a:fillRef idx="1">
+            <a:schemeClr val="accent1"/>
+          </a:fillRef>
+          <a:effectRef idx="0">
+            <a:schemeClr val="accent1"/>
+          </a:effectRef>
+          <a:fontRef idx="minor">
+            <a:schemeClr val="lt1"/>
+          </a:fontRef>
+        </p:style>
+        <p:txBody>
+          <a:bodyPr rtlCol="0" anchor="ctr"/>
+          <a:lstStyle/>
+          <a:p>
+            <a:pPr algn="ctr"/>
+            <a:r>
+              <a:rPr lang="en-US" sz="2000" dirty="0">
+                <a:solidFill>
+                  <a:schemeClr val="tx1"/>
+                </a:solidFill>
+              </a:rPr>
+              <a:t>Mary</a:t>
+            </a:r>
+          </a:p>
+        </p:txBody>
+      </p:sp>
+      <p:sp>
+        <p:nvSpPr>
+          <p:cNvPr id="8" name="Oval 7">
+            <a:extLst>
+              <a:ext uri="{FF2B5EF4-FFF2-40B4-BE49-F238E27FC236}">
+                <a16:creationId xmlns:a16="http://schemas.microsoft.com/office/drawing/2014/main" id="{D65DE2F2-1E7A-0ED8-9CAA-39BAF8CFB7D0}"/>
+              </a:ext>
+            </a:extLst>
+          </p:cNvPr>
+          <p:cNvSpPr/>
+          <p:nvPr/>
+        </p:nvSpPr>
+        <p:spPr>
+          <a:xfrm>
+            <a:off x="8928924" y="4860984"/>
+            <a:ext cx="1053276" cy="957052"/>
+          </a:xfrm>
+          <a:prstGeom prst="ellipse">
+            <a:avLst/>
+          </a:prstGeom>
+          <a:noFill/>
+          <a:ln w="25400">
+            <a:solidFill>
+              <a:schemeClr val="tx1"/>
+            </a:solidFill>
+          </a:ln>
+        </p:spPr>
+        <p:style>
+          <a:lnRef idx="2">
+            <a:schemeClr val="accent1">
+              <a:shade val="50000"/>
+            </a:schemeClr>
+          </a:lnRef>
+          <a:fillRef idx="1">
+            <a:schemeClr val="accent1"/>
+          </a:fillRef>
+          <a:effectRef idx="0">
+            <a:schemeClr val="accent1"/>
+          </a:effectRef>
+          <a:fontRef idx="minor">
+            <a:schemeClr val="lt1"/>
+          </a:fontRef>
+        </p:style>
+        <p:txBody>
+          <a:bodyPr rtlCol="0" anchor="ctr"/>
+          <a:lstStyle/>
+          <a:p>
+            <a:pPr algn="ctr"/>
+            <a:r>
+              <a:rPr lang="en-US" sz="2000" dirty="0">
+                <a:solidFill>
+                  <a:schemeClr val="tx1"/>
+                </a:solidFill>
+              </a:rPr>
+              <a:t>Sue</a:t>
+            </a:r>
+          </a:p>
+        </p:txBody>
+      </p:sp>
+      <p:sp>
+        <p:nvSpPr>
+          <p:cNvPr id="9" name="Oval 8">
+            <a:extLst>
+              <a:ext uri="{FF2B5EF4-FFF2-40B4-BE49-F238E27FC236}">
+                <a16:creationId xmlns:a16="http://schemas.microsoft.com/office/drawing/2014/main" id="{600CE6E5-2E51-DA2F-2354-011F21458123}"/>
+              </a:ext>
+            </a:extLst>
+          </p:cNvPr>
+          <p:cNvSpPr/>
+          <p:nvPr/>
+        </p:nvSpPr>
+        <p:spPr>
+          <a:xfrm>
+            <a:off x="7975395" y="3499024"/>
+            <a:ext cx="1053276" cy="957052"/>
+          </a:xfrm>
+          <a:prstGeom prst="ellipse">
+            <a:avLst/>
+          </a:prstGeom>
+          <a:noFill/>
+          <a:ln w="25400">
+            <a:solidFill>
+              <a:schemeClr val="tx1"/>
+            </a:solidFill>
+          </a:ln>
+        </p:spPr>
+        <p:style>
+          <a:lnRef idx="2">
+            <a:schemeClr val="accent1">
+              <a:shade val="50000"/>
+            </a:schemeClr>
+          </a:lnRef>
+          <a:fillRef idx="1">
+            <a:schemeClr val="accent1"/>
+          </a:fillRef>
+          <a:effectRef idx="0">
+            <a:schemeClr val="accent1"/>
+          </a:effectRef>
+          <a:fontRef idx="minor">
+            <a:schemeClr val="lt1"/>
+          </a:fontRef>
+        </p:style>
+        <p:txBody>
+          <a:bodyPr rtlCol="0" anchor="ctr"/>
+          <a:lstStyle/>
+          <a:p>
+            <a:pPr algn="ctr"/>
+            <a:r>
+              <a:rPr lang="en-US" sz="2000" dirty="0">
+                <a:solidFill>
+                  <a:schemeClr val="tx1"/>
+                </a:solidFill>
+              </a:rPr>
+              <a:t>Gigi</a:t>
+            </a:r>
+          </a:p>
+        </p:txBody>
+      </p:sp>
+      <p:sp>
+        <p:nvSpPr>
+          <p:cNvPr id="10" name="Oval 9">
+            <a:extLst>
+              <a:ext uri="{FF2B5EF4-FFF2-40B4-BE49-F238E27FC236}">
+                <a16:creationId xmlns:a16="http://schemas.microsoft.com/office/drawing/2014/main" id="{2015839D-CEF0-5DC5-C3C1-0303BF18F0F3}"/>
+              </a:ext>
+            </a:extLst>
+          </p:cNvPr>
+          <p:cNvSpPr/>
+          <p:nvPr/>
+        </p:nvSpPr>
+        <p:spPr>
+          <a:xfrm>
+            <a:off x="10027200" y="3419225"/>
+            <a:ext cx="1053276" cy="957052"/>
+          </a:xfrm>
+          <a:prstGeom prst="ellipse">
+            <a:avLst/>
+          </a:prstGeom>
+          <a:noFill/>
+          <a:ln w="25400">
+            <a:solidFill>
+              <a:schemeClr val="tx1"/>
+            </a:solidFill>
+          </a:ln>
+        </p:spPr>
+        <p:style>
+          <a:lnRef idx="2">
+            <a:schemeClr val="accent1">
+              <a:shade val="50000"/>
+            </a:schemeClr>
+          </a:lnRef>
+          <a:fillRef idx="1">
+            <a:schemeClr val="accent1"/>
+          </a:fillRef>
+          <a:effectRef idx="0">
+            <a:schemeClr val="accent1"/>
+          </a:effectRef>
+          <a:fontRef idx="minor">
+            <a:schemeClr val="lt1"/>
+          </a:fontRef>
+        </p:style>
+        <p:txBody>
+          <a:bodyPr rtlCol="0" anchor="ctr"/>
+          <a:lstStyle/>
+          <a:p>
+            <a:pPr algn="ctr"/>
+            <a:r>
+              <a:rPr lang="en-US" sz="2000" dirty="0">
+                <a:solidFill>
+                  <a:schemeClr val="tx1"/>
+                </a:solidFill>
+              </a:rPr>
+              <a:t>Asan</a:t>
+            </a:r>
+          </a:p>
+        </p:txBody>
+      </p:sp>
+    </p:spTree>
+    <p:extLst>
+      <p:ext uri="{BB962C8B-B14F-4D97-AF65-F5344CB8AC3E}">
+        <p14:creationId xmlns:p14="http://schemas.microsoft.com/office/powerpoint/2010/main" val="1350650348"/>
+      </p:ext>
+    </p:extLst>
+  </p:cSld>
+  <p:clrMapOvr>
+    <a:masterClrMapping/>
+  </p:clrMapOvr>
+</p:sld>
+</file>
+
+<file path=ppt/slides/slide9.xml><?xml version="1.0" encoding="utf-8"?>
+<p:sld xmlns:a="http://schemas.openxmlformats.org/drawingml/2006/main" xmlns:r="http://schemas.openxmlformats.org/officeDocument/2006/relationships" xmlns:p="http://schemas.openxmlformats.org/presentationml/2006/main">
+  <p:cSld>
+    <p:spTree>
+      <p:nvGrpSpPr>
+        <p:cNvPr id="1" name=""/>
+        <p:cNvGrpSpPr/>
+        <p:nvPr/>
+      </p:nvGrpSpPr>
+      <p:grpSpPr>
+        <a:xfrm>
+          <a:off x="0" y="0"/>
+          <a:ext cx="0" cy="0"/>
+          <a:chOff x="0" y="0"/>
+          <a:chExt cx="0" cy="0"/>
+        </a:xfrm>
+      </p:grpSpPr>
+      <p:sp>
+        <p:nvSpPr>
+          <p:cNvPr id="2" name="Title 1">
+            <a:extLst>
+              <a:ext uri="{FF2B5EF4-FFF2-40B4-BE49-F238E27FC236}">
+                <a16:creationId xmlns:a16="http://schemas.microsoft.com/office/drawing/2014/main" id="{4702757D-9716-4C25-BA54-81C26D6EC04E}"/>
+              </a:ext>
+            </a:extLst>
+          </p:cNvPr>
+          <p:cNvSpPr>
+            <a:spLocks noGrp="1"/>
+          </p:cNvSpPr>
+          <p:nvPr>
+            <p:ph type="title"/>
+          </p:nvPr>
+        </p:nvSpPr>
+        <p:spPr>
+          <a:xfrm>
+            <a:off x="838200" y="215696"/>
+            <a:ext cx="10515600" cy="930682"/>
+          </a:xfrm>
+        </p:spPr>
+        <p:txBody>
+          <a:bodyPr>
+            <a:normAutofit/>
+          </a:bodyPr>
+          <a:lstStyle/>
+          <a:p>
+            <a:r>
+              <a:rPr lang="en-US" sz="4000" dirty="0">
+                <a:latin typeface="+mn-lt"/>
+              </a:rPr>
+              <a:t>Introduction to Graph Theory Terminology</a:t>
+            </a:r>
+          </a:p>
+        </p:txBody>
+      </p:sp>
+      <mc:AlternateContent xmlns:mc="http://schemas.openxmlformats.org/markup-compatibility/2006">
+        <mc:Choice xmlns:a14="http://schemas.microsoft.com/office/drawing/2010/main" Requires="a14">
+          <p:sp>
+            <p:nvSpPr>
+              <p:cNvPr id="3" name="Content Placeholder 2">
+                <a:extLst>
+                  <a:ext uri="{FF2B5EF4-FFF2-40B4-BE49-F238E27FC236}">
+                    <a16:creationId xmlns:a16="http://schemas.microsoft.com/office/drawing/2014/main" id="{D9C502E2-3889-41D4-9A2E-D8C04ADE5184}"/>
+                  </a:ext>
+                </a:extLst>
+              </p:cNvPr>
+              <p:cNvSpPr>
+                <a:spLocks noGrp="1"/>
+              </p:cNvSpPr>
+              <p:nvPr>
+                <p:ph idx="1"/>
+              </p:nvPr>
+            </p:nvSpPr>
+            <p:spPr>
+              <a:xfrm>
+                <a:off x="838200" y="1146379"/>
+                <a:ext cx="10515600" cy="5495926"/>
+              </a:xfrm>
+            </p:spPr>
+            <p:txBody>
+              <a:bodyPr>
+                <a:normAutofit lnSpcReduction="10000"/>
+              </a:bodyPr>
+              <a:lstStyle/>
+              <a:p>
+                <a:pPr marL="0" indent="0">
+                  <a:buNone/>
+                </a:pPr>
+                <a:r>
+                  <a:rPr lang="en-US" b="1" dirty="0"/>
+                  <a:t>Graphs</a:t>
+                </a:r>
+                <a:r>
+                  <a:rPr lang="en-US" dirty="0"/>
+                  <a:t> are constructed from </a:t>
+                </a:r>
+                <a:r>
+                  <a:rPr lang="en-US" b="1" dirty="0"/>
+                  <a:t>nodes</a:t>
+                </a:r>
+                <a:r>
+                  <a:rPr lang="en-US" dirty="0"/>
+                  <a:t> or </a:t>
+                </a:r>
+                <a:r>
+                  <a:rPr lang="en-US" b="1" dirty="0"/>
+                  <a:t>vertices</a:t>
+                </a:r>
+                <a:r>
+                  <a:rPr lang="en-US" dirty="0"/>
+                  <a:t> connected by </a:t>
+                </a:r>
+                <a:r>
+                  <a:rPr lang="en-US" b="1" dirty="0"/>
+                  <a:t>edges </a:t>
+                </a:r>
+                <a:r>
+                  <a:rPr lang="en-US" dirty="0"/>
+                  <a:t>or</a:t>
+                </a:r>
+                <a:r>
+                  <a:rPr lang="en-US" b="1" dirty="0"/>
+                  <a:t> links</a:t>
                 </a:r>
               </a:p>
               <a:p>
@@ -38555,7 +40767,6 @@
                 <a:endParaRPr lang="en-US" b="1" dirty="0"/>
               </a:p>
               <a:p>
-                <a:pPr lvl="1"/>
                 <a:r>
                   <a:rPr lang="en-US" dirty="0"/>
                   <a:t>Edge </a:t>
@@ -38671,7 +40882,6 @@
                 </a:r>
               </a:p>
               <a:p>
-                <a:pPr lvl="1"/>
                 <a:r>
                   <a:rPr lang="en-US" dirty="0"/>
                   <a:t>Can have directed edge </a:t>
@@ -38830,7 +41040,6 @@
                 </a:r>
               </a:p>
               <a:p>
-                <a:pPr lvl="1"/>
                 <a:r>
                   <a:rPr lang="en-US" dirty="0"/>
                   <a:t>A </a:t>
@@ -38921,14 +41130,12 @@
                 </a:r>
               </a:p>
               <a:p>
-                <a:pPr lvl="1"/>
                 <a:r>
                   <a:rPr lang="en-US" dirty="0"/>
                   <a:t>Example: the world wide web – a page linked to another page need not have a connection from the other page  </a:t>
                 </a:r>
               </a:p>
               <a:p>
-                <a:pPr lvl="1"/>
                 <a:r>
                   <a:rPr lang="en-US" dirty="0"/>
                   <a:t>Example: On Twitter a person can follow someone else, but the other person may not followed them</a:t>
@@ -38962,7 +41169,7 @@
               <a:blipFill>
                 <a:blip r:embed="rId2"/>
                 <a:stretch>
-                  <a:fillRect l="-1217" t="-2439" r="-638"/>
+                  <a:fillRect l="-1217" t="-2439" r="-1739"/>
                 </a:stretch>
               </a:blipFill>
             </p:spPr>
@@ -38984,7 +41191,7 @@
     </p:spTree>
     <p:extLst>
       <p:ext uri="{BB962C8B-B14F-4D97-AF65-F5344CB8AC3E}">
-        <p14:creationId xmlns:p14="http://schemas.microsoft.com/office/powerpoint/2010/main" val="443241327"/>
+        <p14:creationId xmlns:p14="http://schemas.microsoft.com/office/powerpoint/2010/main" val="1879427090"/>
       </p:ext>
     </p:extLst>
   </p:cSld>
@@ -39027,7 +41234,7 @@
                                         <p:tgtEl>
                                           <p:spTgt spid="3">
                                             <p:txEl>
-                                              <p:pRg st="0" end="0"/>
+                                              <p:pRg st="1" end="1"/>
                                             </p:txEl>
                                           </p:spTgt>
                                         </p:tgtEl>
@@ -39076,7 +41283,7 @@
                                         <p:tgtEl>
                                           <p:spTgt spid="3">
                                             <p:txEl>
-                                              <p:pRg st="1" end="1"/>
+                                              <p:pRg st="2" end="2"/>
                                             </p:txEl>
                                           </p:spTgt>
                                         </p:tgtEl>
@@ -39125,7 +41332,7 @@
                                         <p:tgtEl>
                                           <p:spTgt spid="3">
                                             <p:txEl>
-                                              <p:pRg st="2" end="2"/>
+                                              <p:pRg st="3" end="3"/>
                                             </p:txEl>
                                           </p:spTgt>
                                         </p:tgtEl>
@@ -39174,7 +41381,7 @@
                                         <p:tgtEl>
                                           <p:spTgt spid="3">
                                             <p:txEl>
-                                              <p:pRg st="3" end="3"/>
+                                              <p:pRg st="4" end="4"/>
                                             </p:txEl>
                                           </p:spTgt>
                                         </p:tgtEl>
@@ -39223,7 +41430,7 @@
                                         <p:tgtEl>
                                           <p:spTgt spid="3">
                                             <p:txEl>
-                                              <p:pRg st="4" end="4"/>
+                                              <p:pRg st="5" end="5"/>
                                             </p:txEl>
                                           </p:spTgt>
                                         </p:tgtEl>
@@ -39272,203 +41479,7 @@
                                         <p:tgtEl>
                                           <p:spTgt spid="3">
                                             <p:txEl>
-                                              <p:pRg st="5" end="5"/>
-                                            </p:txEl>
-                                          </p:spTgt>
-                                        </p:tgtEl>
-                                        <p:attrNameLst>
-                                          <p:attrName>style.visibility</p:attrName>
-                                        </p:attrNameLst>
-                                      </p:cBhvr>
-                                      <p:to>
-                                        <p:strVal val="visible"/>
-                                      </p:to>
-                                    </p:set>
-                                  </p:childTnLst>
-                                </p:cTn>
-                              </p:par>
-                            </p:childTnLst>
-                          </p:cTn>
-                        </p:par>
-                      </p:childTnLst>
-                    </p:cTn>
-                  </p:par>
-                  <p:par>
-                    <p:cTn id="27" fill="hold">
-                      <p:stCondLst>
-                        <p:cond delay="indefinite"/>
-                      </p:stCondLst>
-                      <p:childTnLst>
-                        <p:par>
-                          <p:cTn id="28" fill="hold">
-                            <p:stCondLst>
-                              <p:cond delay="0"/>
-                            </p:stCondLst>
-                            <p:childTnLst>
-                              <p:par>
-                                <p:cTn id="29" presetID="1" presetClass="entr" presetSubtype="0" fill="hold" nodeType="clickEffect">
-                                  <p:stCondLst>
-                                    <p:cond delay="0"/>
-                                  </p:stCondLst>
-                                  <p:childTnLst>
-                                    <p:set>
-                                      <p:cBhvr>
-                                        <p:cTn id="30" dur="1" fill="hold">
-                                          <p:stCondLst>
-                                            <p:cond delay="0"/>
-                                          </p:stCondLst>
-                                        </p:cTn>
-                                        <p:tgtEl>
-                                          <p:spTgt spid="3">
-                                            <p:txEl>
                                               <p:pRg st="6" end="6"/>
-                                            </p:txEl>
-                                          </p:spTgt>
-                                        </p:tgtEl>
-                                        <p:attrNameLst>
-                                          <p:attrName>style.visibility</p:attrName>
-                                        </p:attrNameLst>
-                                      </p:cBhvr>
-                                      <p:to>
-                                        <p:strVal val="visible"/>
-                                      </p:to>
-                                    </p:set>
-                                  </p:childTnLst>
-                                </p:cTn>
-                              </p:par>
-                            </p:childTnLst>
-                          </p:cTn>
-                        </p:par>
-                      </p:childTnLst>
-                    </p:cTn>
-                  </p:par>
-                  <p:par>
-                    <p:cTn id="31" fill="hold">
-                      <p:stCondLst>
-                        <p:cond delay="indefinite"/>
-                      </p:stCondLst>
-                      <p:childTnLst>
-                        <p:par>
-                          <p:cTn id="32" fill="hold">
-                            <p:stCondLst>
-                              <p:cond delay="0"/>
-                            </p:stCondLst>
-                            <p:childTnLst>
-                              <p:par>
-                                <p:cTn id="33" presetID="1" presetClass="entr" presetSubtype="0" fill="hold" nodeType="clickEffect">
-                                  <p:stCondLst>
-                                    <p:cond delay="0"/>
-                                  </p:stCondLst>
-                                  <p:childTnLst>
-                                    <p:set>
-                                      <p:cBhvr>
-                                        <p:cTn id="34" dur="1" fill="hold">
-                                          <p:stCondLst>
-                                            <p:cond delay="0"/>
-                                          </p:stCondLst>
-                                        </p:cTn>
-                                        <p:tgtEl>
-                                          <p:spTgt spid="3">
-                                            <p:txEl>
-                                              <p:pRg st="7" end="7"/>
-                                            </p:txEl>
-                                          </p:spTgt>
-                                        </p:tgtEl>
-                                        <p:attrNameLst>
-                                          <p:attrName>style.visibility</p:attrName>
-                                        </p:attrNameLst>
-                                      </p:cBhvr>
-                                      <p:to>
-                                        <p:strVal val="visible"/>
-                                      </p:to>
-                                    </p:set>
-                                  </p:childTnLst>
-                                </p:cTn>
-                              </p:par>
-                            </p:childTnLst>
-                          </p:cTn>
-                        </p:par>
-                      </p:childTnLst>
-                    </p:cTn>
-                  </p:par>
-                  <p:par>
-                    <p:cTn id="35" fill="hold">
-                      <p:stCondLst>
-                        <p:cond delay="indefinite"/>
-                      </p:stCondLst>
-                      <p:childTnLst>
-                        <p:par>
-                          <p:cTn id="36" fill="hold">
-                            <p:stCondLst>
-                              <p:cond delay="0"/>
-                            </p:stCondLst>
-                            <p:childTnLst>
-                              <p:par>
-                                <p:cTn id="37" presetID="1" presetClass="entr" presetSubtype="0" fill="hold" nodeType="clickEffect">
-                                  <p:stCondLst>
-                                    <p:cond delay="0"/>
-                                  </p:stCondLst>
-                                  <p:childTnLst>
-                                    <p:set>
-                                      <p:cBhvr>
-                                        <p:cTn id="38" dur="1" fill="hold">
-                                          <p:stCondLst>
-                                            <p:cond delay="0"/>
-                                          </p:stCondLst>
-                                        </p:cTn>
-                                        <p:tgtEl>
-                                          <p:spTgt spid="3">
-                                            <p:txEl>
-                                              <p:pRg st="8" end="8"/>
-                                            </p:txEl>
-                                          </p:spTgt>
-                                        </p:tgtEl>
-                                        <p:attrNameLst>
-                                          <p:attrName>style.visibility</p:attrName>
-                                        </p:attrNameLst>
-                                      </p:cBhvr>
-                                      <p:to>
-                                        <p:strVal val="visible"/>
-                                      </p:to>
-                                    </p:set>
-                                  </p:childTnLst>
-                                </p:cTn>
-                              </p:par>
-                            </p:childTnLst>
-                          </p:cTn>
-                        </p:par>
-                      </p:childTnLst>
-                    </p:cTn>
-                  </p:par>
-                  <p:par>
-                    <p:cTn id="39" fill="hold">
-                      <p:stCondLst>
-                        <p:cond delay="indefinite"/>
-                      </p:stCondLst>
-                      <p:childTnLst>
-                        <p:par>
-                          <p:cTn id="40" fill="hold">
-                            <p:stCondLst>
-                              <p:cond delay="0"/>
-                            </p:stCondLst>
-                            <p:childTnLst>
-                              <p:par>
-                                <p:cTn id="41" presetID="1" presetClass="entr" presetSubtype="0" fill="hold" nodeType="clickEffect">
-                                  <p:stCondLst>
-                                    <p:cond delay="0"/>
-                                  </p:stCondLst>
-                                  <p:childTnLst>
-                                    <p:set>
-                                      <p:cBhvr>
-                                        <p:cTn id="42" dur="1" fill="hold">
-                                          <p:stCondLst>
-                                            <p:cond delay="0"/>
-                                          </p:stCondLst>
-                                        </p:cTn>
-                                        <p:tgtEl>
-                                          <p:spTgt spid="3">
-                                            <p:txEl>
-                                              <p:pRg st="9" end="9"/>
                                             </p:txEl>
                                           </p:spTgt>
                                         </p:tgtEl>
@@ -39510,1442 +41521,6 @@
         </p:cTn>
       </p:par>
     </p:tnLst>
-  </p:timing>
-</p:sld>
-</file>
-
-<file path=ppt/slides/slide8.xml><?xml version="1.0" encoding="utf-8"?>
-<p:sld xmlns:a="http://schemas.openxmlformats.org/drawingml/2006/main" xmlns:r="http://schemas.openxmlformats.org/officeDocument/2006/relationships" xmlns:p="http://schemas.openxmlformats.org/presentationml/2006/main">
-  <p:cSld>
-    <p:spTree>
-      <p:nvGrpSpPr>
-        <p:cNvPr id="1" name=""/>
-        <p:cNvGrpSpPr/>
-        <p:nvPr/>
-      </p:nvGrpSpPr>
-      <p:grpSpPr>
-        <a:xfrm>
-          <a:off x="0" y="0"/>
-          <a:ext cx="0" cy="0"/>
-          <a:chOff x="0" y="0"/>
-          <a:chExt cx="0" cy="0"/>
-        </a:xfrm>
-      </p:grpSpPr>
-      <p:sp>
-        <p:nvSpPr>
-          <p:cNvPr id="2" name="Title 1">
-            <a:extLst>
-              <a:ext uri="{FF2B5EF4-FFF2-40B4-BE49-F238E27FC236}">
-                <a16:creationId xmlns:a16="http://schemas.microsoft.com/office/drawing/2014/main" id="{4702757D-9716-4C25-BA54-81C26D6EC04E}"/>
-              </a:ext>
-            </a:extLst>
-          </p:cNvPr>
-          <p:cNvSpPr>
-            <a:spLocks noGrp="1"/>
-          </p:cNvSpPr>
-          <p:nvPr>
-            <p:ph type="title"/>
-          </p:nvPr>
-        </p:nvSpPr>
-        <p:spPr>
-          <a:xfrm>
-            <a:off x="838200" y="215696"/>
-            <a:ext cx="10515600" cy="930682"/>
-          </a:xfrm>
-        </p:spPr>
-        <p:txBody>
-          <a:bodyPr>
-            <a:normAutofit/>
-          </a:bodyPr>
-          <a:lstStyle/>
-          <a:p>
-            <a:r>
-              <a:rPr lang="en-US" sz="4000" dirty="0">
-                <a:latin typeface="+mn-lt"/>
-              </a:rPr>
-              <a:t>Searching on the Web</a:t>
-            </a:r>
-          </a:p>
-        </p:txBody>
-      </p:sp>
-      <p:sp>
-        <p:nvSpPr>
-          <p:cNvPr id="3" name="Content Placeholder 2">
-            <a:extLst>
-              <a:ext uri="{FF2B5EF4-FFF2-40B4-BE49-F238E27FC236}">
-                <a16:creationId xmlns:a16="http://schemas.microsoft.com/office/drawing/2014/main" id="{D9C502E2-3889-41D4-9A2E-D8C04ADE5184}"/>
-              </a:ext>
-            </a:extLst>
-          </p:cNvPr>
-          <p:cNvSpPr>
-            <a:spLocks noGrp="1"/>
-          </p:cNvSpPr>
-          <p:nvPr>
-            <p:ph idx="1"/>
-          </p:nvPr>
-        </p:nvSpPr>
-        <p:spPr>
-          <a:xfrm>
-            <a:off x="838200" y="1452282"/>
-            <a:ext cx="10515600" cy="4724681"/>
-          </a:xfrm>
-        </p:spPr>
-        <p:txBody>
-          <a:bodyPr/>
-          <a:lstStyle/>
-          <a:p>
-            <a:pPr marL="0" indent="0">
-              <a:buNone/>
-            </a:pPr>
-            <a:r>
-              <a:rPr lang="en-US" b="1" dirty="0"/>
-              <a:t>Web search </a:t>
-            </a:r>
-            <a:r>
-              <a:rPr lang="en-US" dirty="0"/>
-              <a:t>is an application of </a:t>
-            </a:r>
-            <a:r>
-              <a:rPr lang="en-US" b="1" dirty="0"/>
-              <a:t>graph theory</a:t>
-            </a:r>
-          </a:p>
-          <a:p>
-            <a:r>
-              <a:rPr lang="en-US" dirty="0"/>
-              <a:t>The web is a very large directed graph  </a:t>
-            </a:r>
-          </a:p>
-          <a:p>
-            <a:r>
-              <a:rPr lang="en-US" dirty="0"/>
-              <a:t>Nodes are pages  </a:t>
-            </a:r>
-          </a:p>
-          <a:p>
-            <a:pPr lvl="1"/>
-            <a:r>
-              <a:rPr lang="en-US" dirty="0"/>
-              <a:t>Pages contain content in most any form – text, video, audio, documents,…</a:t>
-            </a:r>
-          </a:p>
-          <a:p>
-            <a:pPr lvl="1"/>
-            <a:r>
-              <a:rPr lang="en-US" dirty="0"/>
-              <a:t>Search results are presented as pages that best fit a user’s query</a:t>
-            </a:r>
-          </a:p>
-          <a:p>
-            <a:r>
-              <a:rPr lang="en-US" dirty="0"/>
-              <a:t>Edges are </a:t>
-            </a:r>
-            <a:r>
-              <a:rPr lang="en-US" b="1" dirty="0"/>
-              <a:t>hyperlinks</a:t>
-            </a:r>
-            <a:r>
-              <a:rPr lang="en-US" dirty="0"/>
-              <a:t> </a:t>
-            </a:r>
-          </a:p>
-          <a:p>
-            <a:pPr lvl="1"/>
-            <a:r>
-              <a:rPr lang="en-US" dirty="0"/>
-              <a:t>Edges are directed from one page to another  - outgoing</a:t>
-            </a:r>
-          </a:p>
-          <a:p>
-            <a:pPr lvl="1"/>
-            <a:r>
-              <a:rPr lang="en-US" dirty="0"/>
-              <a:t>Pages can have multiple directed links  </a:t>
-            </a:r>
-          </a:p>
-          <a:p>
-            <a:pPr lvl="1"/>
-            <a:r>
-              <a:rPr lang="en-US" dirty="0"/>
-              <a:t>A page with a link to another page need not be linked by the other page – no symmetry  </a:t>
-            </a:r>
-          </a:p>
-          <a:p>
-            <a:pPr lvl="1"/>
-            <a:endParaRPr lang="en-US" dirty="0"/>
-          </a:p>
-        </p:txBody>
-      </p:sp>
-    </p:spTree>
-    <p:extLst>
-      <p:ext uri="{BB962C8B-B14F-4D97-AF65-F5344CB8AC3E}">
-        <p14:creationId xmlns:p14="http://schemas.microsoft.com/office/powerpoint/2010/main" val="895633426"/>
-      </p:ext>
-    </p:extLst>
-  </p:cSld>
-  <p:clrMapOvr>
-    <a:masterClrMapping/>
-  </p:clrMapOvr>
-  <p:timing>
-    <p:tnLst>
-      <p:par>
-        <p:cTn id="1" dur="indefinite" restart="never" nodeType="tmRoot">
-          <p:childTnLst>
-            <p:seq concurrent="1" nextAc="seek">
-              <p:cTn id="2" dur="indefinite" nodeType="mainSeq">
-                <p:childTnLst>
-                  <p:par>
-                    <p:cTn id="3" fill="hold">
-                      <p:stCondLst>
-                        <p:cond delay="indefinite"/>
-                      </p:stCondLst>
-                      <p:childTnLst>
-                        <p:par>
-                          <p:cTn id="4" fill="hold">
-                            <p:stCondLst>
-                              <p:cond delay="0"/>
-                            </p:stCondLst>
-                            <p:childTnLst>
-                              <p:par>
-                                <p:cTn id="5" presetID="1" presetClass="entr" presetSubtype="0" fill="hold" nodeType="clickEffect">
-                                  <p:stCondLst>
-                                    <p:cond delay="0"/>
-                                  </p:stCondLst>
-                                  <p:childTnLst>
-                                    <p:set>
-                                      <p:cBhvr>
-                                        <p:cTn id="6" dur="1" fill="hold">
-                                          <p:stCondLst>
-                                            <p:cond delay="0"/>
-                                          </p:stCondLst>
-                                        </p:cTn>
-                                        <p:tgtEl>
-                                          <p:spTgt spid="3">
-                                            <p:txEl>
-                                              <p:pRg st="0" end="0"/>
-                                            </p:txEl>
-                                          </p:spTgt>
-                                        </p:tgtEl>
-                                        <p:attrNameLst>
-                                          <p:attrName>style.visibility</p:attrName>
-                                        </p:attrNameLst>
-                                      </p:cBhvr>
-                                      <p:to>
-                                        <p:strVal val="visible"/>
-                                      </p:to>
-                                    </p:set>
-                                  </p:childTnLst>
-                                </p:cTn>
-                              </p:par>
-                            </p:childTnLst>
-                          </p:cTn>
-                        </p:par>
-                      </p:childTnLst>
-                    </p:cTn>
-                  </p:par>
-                  <p:par>
-                    <p:cTn id="7" fill="hold">
-                      <p:stCondLst>
-                        <p:cond delay="indefinite"/>
-                      </p:stCondLst>
-                      <p:childTnLst>
-                        <p:par>
-                          <p:cTn id="8" fill="hold">
-                            <p:stCondLst>
-                              <p:cond delay="0"/>
-                            </p:stCondLst>
-                            <p:childTnLst>
-                              <p:par>
-                                <p:cTn id="9" presetID="1" presetClass="entr" presetSubtype="0" fill="hold" nodeType="clickEffect">
-                                  <p:stCondLst>
-                                    <p:cond delay="0"/>
-                                  </p:stCondLst>
-                                  <p:childTnLst>
-                                    <p:set>
-                                      <p:cBhvr>
-                                        <p:cTn id="10" dur="1" fill="hold">
-                                          <p:stCondLst>
-                                            <p:cond delay="0"/>
-                                          </p:stCondLst>
-                                        </p:cTn>
-                                        <p:tgtEl>
-                                          <p:spTgt spid="3">
-                                            <p:txEl>
-                                              <p:pRg st="1" end="1"/>
-                                            </p:txEl>
-                                          </p:spTgt>
-                                        </p:tgtEl>
-                                        <p:attrNameLst>
-                                          <p:attrName>style.visibility</p:attrName>
-                                        </p:attrNameLst>
-                                      </p:cBhvr>
-                                      <p:to>
-                                        <p:strVal val="visible"/>
-                                      </p:to>
-                                    </p:set>
-                                  </p:childTnLst>
-                                </p:cTn>
-                              </p:par>
-                            </p:childTnLst>
-                          </p:cTn>
-                        </p:par>
-                      </p:childTnLst>
-                    </p:cTn>
-                  </p:par>
-                  <p:par>
-                    <p:cTn id="11" fill="hold">
-                      <p:stCondLst>
-                        <p:cond delay="indefinite"/>
-                      </p:stCondLst>
-                      <p:childTnLst>
-                        <p:par>
-                          <p:cTn id="12" fill="hold">
-                            <p:stCondLst>
-                              <p:cond delay="0"/>
-                            </p:stCondLst>
-                            <p:childTnLst>
-                              <p:par>
-                                <p:cTn id="13" presetID="1" presetClass="entr" presetSubtype="0" fill="hold" nodeType="clickEffect">
-                                  <p:stCondLst>
-                                    <p:cond delay="0"/>
-                                  </p:stCondLst>
-                                  <p:childTnLst>
-                                    <p:set>
-                                      <p:cBhvr>
-                                        <p:cTn id="14" dur="1" fill="hold">
-                                          <p:stCondLst>
-                                            <p:cond delay="0"/>
-                                          </p:stCondLst>
-                                        </p:cTn>
-                                        <p:tgtEl>
-                                          <p:spTgt spid="3">
-                                            <p:txEl>
-                                              <p:pRg st="2" end="2"/>
-                                            </p:txEl>
-                                          </p:spTgt>
-                                        </p:tgtEl>
-                                        <p:attrNameLst>
-                                          <p:attrName>style.visibility</p:attrName>
-                                        </p:attrNameLst>
-                                      </p:cBhvr>
-                                      <p:to>
-                                        <p:strVal val="visible"/>
-                                      </p:to>
-                                    </p:set>
-                                  </p:childTnLst>
-                                </p:cTn>
-                              </p:par>
-                            </p:childTnLst>
-                          </p:cTn>
-                        </p:par>
-                      </p:childTnLst>
-                    </p:cTn>
-                  </p:par>
-                  <p:par>
-                    <p:cTn id="15" fill="hold">
-                      <p:stCondLst>
-                        <p:cond delay="indefinite"/>
-                      </p:stCondLst>
-                      <p:childTnLst>
-                        <p:par>
-                          <p:cTn id="16" fill="hold">
-                            <p:stCondLst>
-                              <p:cond delay="0"/>
-                            </p:stCondLst>
-                            <p:childTnLst>
-                              <p:par>
-                                <p:cTn id="17" presetID="1" presetClass="entr" presetSubtype="0" fill="hold" nodeType="clickEffect">
-                                  <p:stCondLst>
-                                    <p:cond delay="0"/>
-                                  </p:stCondLst>
-                                  <p:childTnLst>
-                                    <p:set>
-                                      <p:cBhvr>
-                                        <p:cTn id="18" dur="1" fill="hold">
-                                          <p:stCondLst>
-                                            <p:cond delay="0"/>
-                                          </p:stCondLst>
-                                        </p:cTn>
-                                        <p:tgtEl>
-                                          <p:spTgt spid="3">
-                                            <p:txEl>
-                                              <p:pRg st="3" end="3"/>
-                                            </p:txEl>
-                                          </p:spTgt>
-                                        </p:tgtEl>
-                                        <p:attrNameLst>
-                                          <p:attrName>style.visibility</p:attrName>
-                                        </p:attrNameLst>
-                                      </p:cBhvr>
-                                      <p:to>
-                                        <p:strVal val="visible"/>
-                                      </p:to>
-                                    </p:set>
-                                  </p:childTnLst>
-                                </p:cTn>
-                              </p:par>
-                            </p:childTnLst>
-                          </p:cTn>
-                        </p:par>
-                      </p:childTnLst>
-                    </p:cTn>
-                  </p:par>
-                  <p:par>
-                    <p:cTn id="19" fill="hold">
-                      <p:stCondLst>
-                        <p:cond delay="indefinite"/>
-                      </p:stCondLst>
-                      <p:childTnLst>
-                        <p:par>
-                          <p:cTn id="20" fill="hold">
-                            <p:stCondLst>
-                              <p:cond delay="0"/>
-                            </p:stCondLst>
-                            <p:childTnLst>
-                              <p:par>
-                                <p:cTn id="21" presetID="1" presetClass="entr" presetSubtype="0" fill="hold" nodeType="clickEffect">
-                                  <p:stCondLst>
-                                    <p:cond delay="0"/>
-                                  </p:stCondLst>
-                                  <p:childTnLst>
-                                    <p:set>
-                                      <p:cBhvr>
-                                        <p:cTn id="22" dur="1" fill="hold">
-                                          <p:stCondLst>
-                                            <p:cond delay="0"/>
-                                          </p:stCondLst>
-                                        </p:cTn>
-                                        <p:tgtEl>
-                                          <p:spTgt spid="3">
-                                            <p:txEl>
-                                              <p:pRg st="4" end="4"/>
-                                            </p:txEl>
-                                          </p:spTgt>
-                                        </p:tgtEl>
-                                        <p:attrNameLst>
-                                          <p:attrName>style.visibility</p:attrName>
-                                        </p:attrNameLst>
-                                      </p:cBhvr>
-                                      <p:to>
-                                        <p:strVal val="visible"/>
-                                      </p:to>
-                                    </p:set>
-                                  </p:childTnLst>
-                                </p:cTn>
-                              </p:par>
-                            </p:childTnLst>
-                          </p:cTn>
-                        </p:par>
-                      </p:childTnLst>
-                    </p:cTn>
-                  </p:par>
-                  <p:par>
-                    <p:cTn id="23" fill="hold">
-                      <p:stCondLst>
-                        <p:cond delay="indefinite"/>
-                      </p:stCondLst>
-                      <p:childTnLst>
-                        <p:par>
-                          <p:cTn id="24" fill="hold">
-                            <p:stCondLst>
-                              <p:cond delay="0"/>
-                            </p:stCondLst>
-                            <p:childTnLst>
-                              <p:par>
-                                <p:cTn id="25" presetID="1" presetClass="entr" presetSubtype="0" fill="hold" nodeType="clickEffect">
-                                  <p:stCondLst>
-                                    <p:cond delay="0"/>
-                                  </p:stCondLst>
-                                  <p:childTnLst>
-                                    <p:set>
-                                      <p:cBhvr>
-                                        <p:cTn id="26" dur="1" fill="hold">
-                                          <p:stCondLst>
-                                            <p:cond delay="0"/>
-                                          </p:stCondLst>
-                                        </p:cTn>
-                                        <p:tgtEl>
-                                          <p:spTgt spid="3">
-                                            <p:txEl>
-                                              <p:pRg st="5" end="5"/>
-                                            </p:txEl>
-                                          </p:spTgt>
-                                        </p:tgtEl>
-                                        <p:attrNameLst>
-                                          <p:attrName>style.visibility</p:attrName>
-                                        </p:attrNameLst>
-                                      </p:cBhvr>
-                                      <p:to>
-                                        <p:strVal val="visible"/>
-                                      </p:to>
-                                    </p:set>
-                                  </p:childTnLst>
-                                </p:cTn>
-                              </p:par>
-                            </p:childTnLst>
-                          </p:cTn>
-                        </p:par>
-                      </p:childTnLst>
-                    </p:cTn>
-                  </p:par>
-                  <p:par>
-                    <p:cTn id="27" fill="hold">
-                      <p:stCondLst>
-                        <p:cond delay="indefinite"/>
-                      </p:stCondLst>
-                      <p:childTnLst>
-                        <p:par>
-                          <p:cTn id="28" fill="hold">
-                            <p:stCondLst>
-                              <p:cond delay="0"/>
-                            </p:stCondLst>
-                            <p:childTnLst>
-                              <p:par>
-                                <p:cTn id="29" presetID="1" presetClass="entr" presetSubtype="0" fill="hold" nodeType="clickEffect">
-                                  <p:stCondLst>
-                                    <p:cond delay="0"/>
-                                  </p:stCondLst>
-                                  <p:childTnLst>
-                                    <p:set>
-                                      <p:cBhvr>
-                                        <p:cTn id="30" dur="1" fill="hold">
-                                          <p:stCondLst>
-                                            <p:cond delay="0"/>
-                                          </p:stCondLst>
-                                        </p:cTn>
-                                        <p:tgtEl>
-                                          <p:spTgt spid="3">
-                                            <p:txEl>
-                                              <p:pRg st="6" end="6"/>
-                                            </p:txEl>
-                                          </p:spTgt>
-                                        </p:tgtEl>
-                                        <p:attrNameLst>
-                                          <p:attrName>style.visibility</p:attrName>
-                                        </p:attrNameLst>
-                                      </p:cBhvr>
-                                      <p:to>
-                                        <p:strVal val="visible"/>
-                                      </p:to>
-                                    </p:set>
-                                  </p:childTnLst>
-                                </p:cTn>
-                              </p:par>
-                            </p:childTnLst>
-                          </p:cTn>
-                        </p:par>
-                      </p:childTnLst>
-                    </p:cTn>
-                  </p:par>
-                  <p:par>
-                    <p:cTn id="31" fill="hold">
-                      <p:stCondLst>
-                        <p:cond delay="indefinite"/>
-                      </p:stCondLst>
-                      <p:childTnLst>
-                        <p:par>
-                          <p:cTn id="32" fill="hold">
-                            <p:stCondLst>
-                              <p:cond delay="0"/>
-                            </p:stCondLst>
-                            <p:childTnLst>
-                              <p:par>
-                                <p:cTn id="33" presetID="1" presetClass="entr" presetSubtype="0" fill="hold" nodeType="clickEffect">
-                                  <p:stCondLst>
-                                    <p:cond delay="0"/>
-                                  </p:stCondLst>
-                                  <p:childTnLst>
-                                    <p:set>
-                                      <p:cBhvr>
-                                        <p:cTn id="34" dur="1" fill="hold">
-                                          <p:stCondLst>
-                                            <p:cond delay="0"/>
-                                          </p:stCondLst>
-                                        </p:cTn>
-                                        <p:tgtEl>
-                                          <p:spTgt spid="3">
-                                            <p:txEl>
-                                              <p:pRg st="7" end="7"/>
-                                            </p:txEl>
-                                          </p:spTgt>
-                                        </p:tgtEl>
-                                        <p:attrNameLst>
-                                          <p:attrName>style.visibility</p:attrName>
-                                        </p:attrNameLst>
-                                      </p:cBhvr>
-                                      <p:to>
-                                        <p:strVal val="visible"/>
-                                      </p:to>
-                                    </p:set>
-                                  </p:childTnLst>
-                                </p:cTn>
-                              </p:par>
-                            </p:childTnLst>
-                          </p:cTn>
-                        </p:par>
-                      </p:childTnLst>
-                    </p:cTn>
-                  </p:par>
-                  <p:par>
-                    <p:cTn id="35" fill="hold">
-                      <p:stCondLst>
-                        <p:cond delay="indefinite"/>
-                      </p:stCondLst>
-                      <p:childTnLst>
-                        <p:par>
-                          <p:cTn id="36" fill="hold">
-                            <p:stCondLst>
-                              <p:cond delay="0"/>
-                            </p:stCondLst>
-                            <p:childTnLst>
-                              <p:par>
-                                <p:cTn id="37" presetID="1" presetClass="entr" presetSubtype="0" fill="hold" nodeType="clickEffect">
-                                  <p:stCondLst>
-                                    <p:cond delay="0"/>
-                                  </p:stCondLst>
-                                  <p:childTnLst>
-                                    <p:set>
-                                      <p:cBhvr>
-                                        <p:cTn id="38" dur="1" fill="hold">
-                                          <p:stCondLst>
-                                            <p:cond delay="0"/>
-                                          </p:stCondLst>
-                                        </p:cTn>
-                                        <p:tgtEl>
-                                          <p:spTgt spid="3">
-                                            <p:txEl>
-                                              <p:pRg st="8" end="8"/>
-                                            </p:txEl>
-                                          </p:spTgt>
-                                        </p:tgtEl>
-                                        <p:attrNameLst>
-                                          <p:attrName>style.visibility</p:attrName>
-                                        </p:attrNameLst>
-                                      </p:cBhvr>
-                                      <p:to>
-                                        <p:strVal val="visible"/>
-                                      </p:to>
-                                    </p:set>
-                                  </p:childTnLst>
-                                </p:cTn>
-                              </p:par>
-                            </p:childTnLst>
-                          </p:cTn>
-                        </p:par>
-                      </p:childTnLst>
-                    </p:cTn>
-                  </p:par>
-                </p:childTnLst>
-              </p:cTn>
-              <p:prevCondLst>
-                <p:cond evt="onPrev" delay="0">
-                  <p:tgtEl>
-                    <p:sldTgt/>
-                  </p:tgtEl>
-                </p:cond>
-              </p:prevCondLst>
-              <p:nextCondLst>
-                <p:cond evt="onNext" delay="0">
-                  <p:tgtEl>
-                    <p:sldTgt/>
-                  </p:tgtEl>
-                </p:cond>
-              </p:nextCondLst>
-            </p:seq>
-          </p:childTnLst>
-        </p:cTn>
-      </p:par>
-    </p:tnLst>
-  </p:timing>
-</p:sld>
-</file>
-
-<file path=ppt/slides/slide9.xml><?xml version="1.0" encoding="utf-8"?>
-<p:sld xmlns:a="http://schemas.openxmlformats.org/drawingml/2006/main" xmlns:r="http://schemas.openxmlformats.org/officeDocument/2006/relationships" xmlns:p="http://schemas.openxmlformats.org/presentationml/2006/main">
-  <p:cSld>
-    <p:spTree>
-      <p:nvGrpSpPr>
-        <p:cNvPr id="1" name=""/>
-        <p:cNvGrpSpPr/>
-        <p:nvPr/>
-      </p:nvGrpSpPr>
-      <p:grpSpPr>
-        <a:xfrm>
-          <a:off x="0" y="0"/>
-          <a:ext cx="0" cy="0"/>
-          <a:chOff x="0" y="0"/>
-          <a:chExt cx="0" cy="0"/>
-        </a:xfrm>
-      </p:grpSpPr>
-      <p:sp>
-        <p:nvSpPr>
-          <p:cNvPr id="2" name="Title 1">
-            <a:extLst>
-              <a:ext uri="{FF2B5EF4-FFF2-40B4-BE49-F238E27FC236}">
-                <a16:creationId xmlns:a16="http://schemas.microsoft.com/office/drawing/2014/main" id="{4702757D-9716-4C25-BA54-81C26D6EC04E}"/>
-              </a:ext>
-            </a:extLst>
-          </p:cNvPr>
-          <p:cNvSpPr>
-            <a:spLocks noGrp="1"/>
-          </p:cNvSpPr>
-          <p:nvPr>
-            <p:ph type="title"/>
-          </p:nvPr>
-        </p:nvSpPr>
-        <p:spPr>
-          <a:xfrm>
-            <a:off x="838200" y="215696"/>
-            <a:ext cx="10515600" cy="930682"/>
-          </a:xfrm>
-        </p:spPr>
-        <p:txBody>
-          <a:bodyPr>
-            <a:normAutofit/>
-          </a:bodyPr>
-          <a:lstStyle/>
-          <a:p>
-            <a:r>
-              <a:rPr lang="en-US" sz="4000" dirty="0">
-                <a:latin typeface="+mn-lt"/>
-              </a:rPr>
-              <a:t>Searching on the Web</a:t>
-            </a:r>
-          </a:p>
-        </p:txBody>
-      </p:sp>
-      <p:sp>
-        <p:nvSpPr>
-          <p:cNvPr id="3" name="Content Placeholder 2">
-            <a:extLst>
-              <a:ext uri="{FF2B5EF4-FFF2-40B4-BE49-F238E27FC236}">
-                <a16:creationId xmlns:a16="http://schemas.microsoft.com/office/drawing/2014/main" id="{D9C502E2-3889-41D4-9A2E-D8C04ADE5184}"/>
-              </a:ext>
-            </a:extLst>
-          </p:cNvPr>
-          <p:cNvSpPr>
-            <a:spLocks noGrp="1"/>
-          </p:cNvSpPr>
-          <p:nvPr>
-            <p:ph idx="1"/>
-          </p:nvPr>
-        </p:nvSpPr>
-        <p:spPr>
-          <a:xfrm>
-            <a:off x="193331" y="1146380"/>
-            <a:ext cx="6510527" cy="5605123"/>
-          </a:xfrm>
-        </p:spPr>
-        <p:txBody>
-          <a:bodyPr/>
-          <a:lstStyle/>
-          <a:p>
-            <a:pPr marL="0" indent="0">
-              <a:buNone/>
-            </a:pPr>
-            <a:r>
-              <a:rPr lang="en-US" dirty="0"/>
-              <a:t>Structure of the web can be described by the </a:t>
-            </a:r>
-            <a:r>
-              <a:rPr lang="en-US" b="1" dirty="0"/>
-              <a:t>bowtie model </a:t>
-            </a:r>
-          </a:p>
-          <a:p>
-            <a:r>
-              <a:rPr lang="en-US" b="1" dirty="0"/>
-              <a:t>Strongly connected core</a:t>
-            </a:r>
-            <a:r>
-              <a:rPr lang="en-US" dirty="0"/>
-              <a:t> </a:t>
-            </a:r>
-          </a:p>
-          <a:p>
-            <a:pPr lvl="1"/>
-            <a:r>
-              <a:rPr lang="en-US" dirty="0"/>
-              <a:t>Widely referenced pages </a:t>
-            </a:r>
-          </a:p>
-          <a:p>
-            <a:pPr lvl="1"/>
-            <a:r>
-              <a:rPr lang="en-US" dirty="0"/>
-              <a:t>Both in and out links</a:t>
-            </a:r>
-          </a:p>
-          <a:p>
-            <a:r>
-              <a:rPr lang="en-US" b="1" dirty="0"/>
-              <a:t>In component </a:t>
-            </a:r>
-            <a:r>
-              <a:rPr lang="en-US" dirty="0"/>
-              <a:t>comprises pages that link to the strongly connected core </a:t>
-            </a:r>
-          </a:p>
-          <a:p>
-            <a:pPr lvl="1"/>
-            <a:r>
-              <a:rPr lang="en-US" dirty="0"/>
-              <a:t>Mostly links to strongly connected core </a:t>
-            </a:r>
-          </a:p>
-          <a:p>
-            <a:pPr lvl="1"/>
-            <a:r>
-              <a:rPr lang="en-US" dirty="0"/>
-              <a:t>Few in-links</a:t>
-            </a:r>
-          </a:p>
-          <a:p>
-            <a:r>
-              <a:rPr lang="en-US" b="1" dirty="0"/>
-              <a:t>Out component </a:t>
-            </a:r>
-            <a:r>
-              <a:rPr lang="en-US" dirty="0"/>
-              <a:t>are pages referenced by other pages</a:t>
-            </a:r>
-          </a:p>
-          <a:p>
-            <a:pPr lvl="1"/>
-            <a:r>
-              <a:rPr lang="en-US" dirty="0"/>
-              <a:t>Few out-links </a:t>
-            </a:r>
-          </a:p>
-        </p:txBody>
-      </p:sp>
-      <p:pic>
-        <p:nvPicPr>
-          <p:cNvPr id="5" name="Picture 4">
-            <a:extLst>
-              <a:ext uri="{FF2B5EF4-FFF2-40B4-BE49-F238E27FC236}">
-                <a16:creationId xmlns:a16="http://schemas.microsoft.com/office/drawing/2014/main" id="{225178F4-1495-40F8-844E-EDA5A0E142CE}"/>
-              </a:ext>
-            </a:extLst>
-          </p:cNvPr>
-          <p:cNvPicPr>
-            <a:picLocks noChangeAspect="1"/>
-          </p:cNvPicPr>
-          <p:nvPr/>
-        </p:nvPicPr>
-        <p:blipFill>
-          <a:blip r:embed="rId2"/>
-          <a:stretch>
-            <a:fillRect/>
-          </a:stretch>
-        </p:blipFill>
-        <p:spPr>
-          <a:xfrm>
-            <a:off x="6813587" y="1031427"/>
-            <a:ext cx="5248964" cy="5270096"/>
-          </a:xfrm>
-          <a:prstGeom prst="rect">
-            <a:avLst/>
-          </a:prstGeom>
-        </p:spPr>
-      </p:pic>
-      <p:sp>
-        <p:nvSpPr>
-          <p:cNvPr id="6" name="Footer Placeholder 18">
-            <a:extLst>
-              <a:ext uri="{FF2B5EF4-FFF2-40B4-BE49-F238E27FC236}">
-                <a16:creationId xmlns:a16="http://schemas.microsoft.com/office/drawing/2014/main" id="{A245E470-3A42-4B5A-B1A4-12C5BCB24F27}"/>
-              </a:ext>
-            </a:extLst>
-          </p:cNvPr>
-          <p:cNvSpPr>
-            <a:spLocks noGrp="1"/>
-          </p:cNvSpPr>
-          <p:nvPr>
-            <p:ph type="ftr" sz="quarter" idx="11"/>
-          </p:nvPr>
-        </p:nvSpPr>
-        <p:spPr>
-          <a:xfrm>
-            <a:off x="4906505" y="6546723"/>
-            <a:ext cx="7233915" cy="274320"/>
-          </a:xfrm>
-        </p:spPr>
-        <p:txBody>
-          <a:bodyPr/>
-          <a:lstStyle/>
-          <a:p>
-            <a:r>
-              <a:rPr lang="en-US" dirty="0"/>
-              <a:t>Credit: J. </a:t>
-            </a:r>
-            <a:r>
-              <a:rPr lang="en-US" dirty="0" err="1"/>
-              <a:t>Leskovec</a:t>
-            </a:r>
-            <a:r>
-              <a:rPr lang="en-US" dirty="0"/>
-              <a:t>, A. Rajaraman, J. Ullman: Mining of Massive Datasets, http://www.mmds.org</a:t>
-            </a:r>
-          </a:p>
-        </p:txBody>
-      </p:sp>
-    </p:spTree>
-    <p:extLst>
-      <p:ext uri="{BB962C8B-B14F-4D97-AF65-F5344CB8AC3E}">
-        <p14:creationId xmlns:p14="http://schemas.microsoft.com/office/powerpoint/2010/main" val="3415762250"/>
-      </p:ext>
-    </p:extLst>
-  </p:cSld>
-  <p:clrMapOvr>
-    <a:masterClrMapping/>
-  </p:clrMapOvr>
-  <p:timing>
-    <p:tnLst>
-      <p:par>
-        <p:cTn id="1" dur="indefinite" restart="never" nodeType="tmRoot">
-          <p:childTnLst>
-            <p:seq concurrent="1" nextAc="seek">
-              <p:cTn id="2" dur="indefinite" nodeType="mainSeq">
-                <p:childTnLst>
-                  <p:par>
-                    <p:cTn id="3" fill="hold">
-                      <p:stCondLst>
-                        <p:cond delay="indefinite"/>
-                      </p:stCondLst>
-                      <p:childTnLst>
-                        <p:par>
-                          <p:cTn id="4" fill="hold">
-                            <p:stCondLst>
-                              <p:cond delay="0"/>
-                            </p:stCondLst>
-                            <p:childTnLst>
-                              <p:par>
-                                <p:cTn id="5" presetID="1" presetClass="entr" presetSubtype="0" fill="hold" nodeType="clickEffect">
-                                  <p:stCondLst>
-                                    <p:cond delay="0"/>
-                                  </p:stCondLst>
-                                  <p:childTnLst>
-                                    <p:set>
-                                      <p:cBhvr>
-                                        <p:cTn id="6" dur="1" fill="hold">
-                                          <p:stCondLst>
-                                            <p:cond delay="0"/>
-                                          </p:stCondLst>
-                                        </p:cTn>
-                                        <p:tgtEl>
-                                          <p:spTgt spid="3">
-                                            <p:txEl>
-                                              <p:pRg st="0" end="0"/>
-                                            </p:txEl>
-                                          </p:spTgt>
-                                        </p:tgtEl>
-                                        <p:attrNameLst>
-                                          <p:attrName>style.visibility</p:attrName>
-                                        </p:attrNameLst>
-                                      </p:cBhvr>
-                                      <p:to>
-                                        <p:strVal val="visible"/>
-                                      </p:to>
-                                    </p:set>
-                                  </p:childTnLst>
-                                </p:cTn>
-                              </p:par>
-                            </p:childTnLst>
-                          </p:cTn>
-                        </p:par>
-                      </p:childTnLst>
-                    </p:cTn>
-                  </p:par>
-                  <p:par>
-                    <p:cTn id="7" fill="hold">
-                      <p:stCondLst>
-                        <p:cond delay="indefinite"/>
-                      </p:stCondLst>
-                      <p:childTnLst>
-                        <p:par>
-                          <p:cTn id="8" fill="hold">
-                            <p:stCondLst>
-                              <p:cond delay="0"/>
-                            </p:stCondLst>
-                            <p:childTnLst>
-                              <p:par>
-                                <p:cTn id="9" presetID="1" presetClass="entr" presetSubtype="0" fill="hold" nodeType="clickEffect">
-                                  <p:stCondLst>
-                                    <p:cond delay="0"/>
-                                  </p:stCondLst>
-                                  <p:childTnLst>
-                                    <p:set>
-                                      <p:cBhvr>
-                                        <p:cTn id="10" dur="1" fill="hold">
-                                          <p:stCondLst>
-                                            <p:cond delay="0"/>
-                                          </p:stCondLst>
-                                        </p:cTn>
-                                        <p:tgtEl>
-                                          <p:spTgt spid="5"/>
-                                        </p:tgtEl>
-                                        <p:attrNameLst>
-                                          <p:attrName>style.visibility</p:attrName>
-                                        </p:attrNameLst>
-                                      </p:cBhvr>
-                                      <p:to>
-                                        <p:strVal val="visible"/>
-                                      </p:to>
-                                    </p:set>
-                                  </p:childTnLst>
-                                </p:cTn>
-                              </p:par>
-                              <p:par>
-                                <p:cTn id="11" presetID="1" presetClass="entr" presetSubtype="0" fill="hold" grpId="0" nodeType="withEffect">
-                                  <p:stCondLst>
-                                    <p:cond delay="0"/>
-                                  </p:stCondLst>
-                                  <p:childTnLst>
-                                    <p:set>
-                                      <p:cBhvr>
-                                        <p:cTn id="12" dur="1" fill="hold">
-                                          <p:stCondLst>
-                                            <p:cond delay="0"/>
-                                          </p:stCondLst>
-                                        </p:cTn>
-                                        <p:tgtEl>
-                                          <p:spTgt spid="6"/>
-                                        </p:tgtEl>
-                                        <p:attrNameLst>
-                                          <p:attrName>style.visibility</p:attrName>
-                                        </p:attrNameLst>
-                                      </p:cBhvr>
-                                      <p:to>
-                                        <p:strVal val="visible"/>
-                                      </p:to>
-                                    </p:set>
-                                  </p:childTnLst>
-                                </p:cTn>
-                              </p:par>
-                            </p:childTnLst>
-                          </p:cTn>
-                        </p:par>
-                      </p:childTnLst>
-                    </p:cTn>
-                  </p:par>
-                  <p:par>
-                    <p:cTn id="13" fill="hold">
-                      <p:stCondLst>
-                        <p:cond delay="indefinite"/>
-                      </p:stCondLst>
-                      <p:childTnLst>
-                        <p:par>
-                          <p:cTn id="14" fill="hold">
-                            <p:stCondLst>
-                              <p:cond delay="0"/>
-                            </p:stCondLst>
-                            <p:childTnLst>
-                              <p:par>
-                                <p:cTn id="15" presetID="1" presetClass="entr" presetSubtype="0" fill="hold" nodeType="clickEffect">
-                                  <p:stCondLst>
-                                    <p:cond delay="0"/>
-                                  </p:stCondLst>
-                                  <p:childTnLst>
-                                    <p:set>
-                                      <p:cBhvr>
-                                        <p:cTn id="16" dur="1" fill="hold">
-                                          <p:stCondLst>
-                                            <p:cond delay="0"/>
-                                          </p:stCondLst>
-                                        </p:cTn>
-                                        <p:tgtEl>
-                                          <p:spTgt spid="3">
-                                            <p:txEl>
-                                              <p:pRg st="1" end="1"/>
-                                            </p:txEl>
-                                          </p:spTgt>
-                                        </p:tgtEl>
-                                        <p:attrNameLst>
-                                          <p:attrName>style.visibility</p:attrName>
-                                        </p:attrNameLst>
-                                      </p:cBhvr>
-                                      <p:to>
-                                        <p:strVal val="visible"/>
-                                      </p:to>
-                                    </p:set>
-                                  </p:childTnLst>
-                                </p:cTn>
-                              </p:par>
-                            </p:childTnLst>
-                          </p:cTn>
-                        </p:par>
-                      </p:childTnLst>
-                    </p:cTn>
-                  </p:par>
-                  <p:par>
-                    <p:cTn id="17" fill="hold">
-                      <p:stCondLst>
-                        <p:cond delay="indefinite"/>
-                      </p:stCondLst>
-                      <p:childTnLst>
-                        <p:par>
-                          <p:cTn id="18" fill="hold">
-                            <p:stCondLst>
-                              <p:cond delay="0"/>
-                            </p:stCondLst>
-                            <p:childTnLst>
-                              <p:par>
-                                <p:cTn id="19" presetID="1" presetClass="entr" presetSubtype="0" fill="hold" nodeType="clickEffect">
-                                  <p:stCondLst>
-                                    <p:cond delay="0"/>
-                                  </p:stCondLst>
-                                  <p:childTnLst>
-                                    <p:set>
-                                      <p:cBhvr>
-                                        <p:cTn id="20" dur="1" fill="hold">
-                                          <p:stCondLst>
-                                            <p:cond delay="0"/>
-                                          </p:stCondLst>
-                                        </p:cTn>
-                                        <p:tgtEl>
-                                          <p:spTgt spid="3">
-                                            <p:txEl>
-                                              <p:pRg st="2" end="2"/>
-                                            </p:txEl>
-                                          </p:spTgt>
-                                        </p:tgtEl>
-                                        <p:attrNameLst>
-                                          <p:attrName>style.visibility</p:attrName>
-                                        </p:attrNameLst>
-                                      </p:cBhvr>
-                                      <p:to>
-                                        <p:strVal val="visible"/>
-                                      </p:to>
-                                    </p:set>
-                                  </p:childTnLst>
-                                </p:cTn>
-                              </p:par>
-                            </p:childTnLst>
-                          </p:cTn>
-                        </p:par>
-                      </p:childTnLst>
-                    </p:cTn>
-                  </p:par>
-                  <p:par>
-                    <p:cTn id="21" fill="hold">
-                      <p:stCondLst>
-                        <p:cond delay="indefinite"/>
-                      </p:stCondLst>
-                      <p:childTnLst>
-                        <p:par>
-                          <p:cTn id="22" fill="hold">
-                            <p:stCondLst>
-                              <p:cond delay="0"/>
-                            </p:stCondLst>
-                            <p:childTnLst>
-                              <p:par>
-                                <p:cTn id="23" presetID="1" presetClass="entr" presetSubtype="0" fill="hold" nodeType="clickEffect">
-                                  <p:stCondLst>
-                                    <p:cond delay="0"/>
-                                  </p:stCondLst>
-                                  <p:childTnLst>
-                                    <p:set>
-                                      <p:cBhvr>
-                                        <p:cTn id="24" dur="1" fill="hold">
-                                          <p:stCondLst>
-                                            <p:cond delay="0"/>
-                                          </p:stCondLst>
-                                        </p:cTn>
-                                        <p:tgtEl>
-                                          <p:spTgt spid="3">
-                                            <p:txEl>
-                                              <p:pRg st="3" end="3"/>
-                                            </p:txEl>
-                                          </p:spTgt>
-                                        </p:tgtEl>
-                                        <p:attrNameLst>
-                                          <p:attrName>style.visibility</p:attrName>
-                                        </p:attrNameLst>
-                                      </p:cBhvr>
-                                      <p:to>
-                                        <p:strVal val="visible"/>
-                                      </p:to>
-                                    </p:set>
-                                  </p:childTnLst>
-                                </p:cTn>
-                              </p:par>
-                            </p:childTnLst>
-                          </p:cTn>
-                        </p:par>
-                      </p:childTnLst>
-                    </p:cTn>
-                  </p:par>
-                  <p:par>
-                    <p:cTn id="25" fill="hold">
-                      <p:stCondLst>
-                        <p:cond delay="indefinite"/>
-                      </p:stCondLst>
-                      <p:childTnLst>
-                        <p:par>
-                          <p:cTn id="26" fill="hold">
-                            <p:stCondLst>
-                              <p:cond delay="0"/>
-                            </p:stCondLst>
-                            <p:childTnLst>
-                              <p:par>
-                                <p:cTn id="27" presetID="1" presetClass="entr" presetSubtype="0" fill="hold" nodeType="clickEffect">
-                                  <p:stCondLst>
-                                    <p:cond delay="0"/>
-                                  </p:stCondLst>
-                                  <p:childTnLst>
-                                    <p:set>
-                                      <p:cBhvr>
-                                        <p:cTn id="28" dur="1" fill="hold">
-                                          <p:stCondLst>
-                                            <p:cond delay="0"/>
-                                          </p:stCondLst>
-                                        </p:cTn>
-                                        <p:tgtEl>
-                                          <p:spTgt spid="3">
-                                            <p:txEl>
-                                              <p:pRg st="4" end="4"/>
-                                            </p:txEl>
-                                          </p:spTgt>
-                                        </p:tgtEl>
-                                        <p:attrNameLst>
-                                          <p:attrName>style.visibility</p:attrName>
-                                        </p:attrNameLst>
-                                      </p:cBhvr>
-                                      <p:to>
-                                        <p:strVal val="visible"/>
-                                      </p:to>
-                                    </p:set>
-                                  </p:childTnLst>
-                                </p:cTn>
-                              </p:par>
-                            </p:childTnLst>
-                          </p:cTn>
-                        </p:par>
-                      </p:childTnLst>
-                    </p:cTn>
-                  </p:par>
-                  <p:par>
-                    <p:cTn id="29" fill="hold">
-                      <p:stCondLst>
-                        <p:cond delay="indefinite"/>
-                      </p:stCondLst>
-                      <p:childTnLst>
-                        <p:par>
-                          <p:cTn id="30" fill="hold">
-                            <p:stCondLst>
-                              <p:cond delay="0"/>
-                            </p:stCondLst>
-                            <p:childTnLst>
-                              <p:par>
-                                <p:cTn id="31" presetID="1" presetClass="entr" presetSubtype="0" fill="hold" nodeType="clickEffect">
-                                  <p:stCondLst>
-                                    <p:cond delay="0"/>
-                                  </p:stCondLst>
-                                  <p:childTnLst>
-                                    <p:set>
-                                      <p:cBhvr>
-                                        <p:cTn id="32" dur="1" fill="hold">
-                                          <p:stCondLst>
-                                            <p:cond delay="0"/>
-                                          </p:stCondLst>
-                                        </p:cTn>
-                                        <p:tgtEl>
-                                          <p:spTgt spid="3">
-                                            <p:txEl>
-                                              <p:pRg st="5" end="5"/>
-                                            </p:txEl>
-                                          </p:spTgt>
-                                        </p:tgtEl>
-                                        <p:attrNameLst>
-                                          <p:attrName>style.visibility</p:attrName>
-                                        </p:attrNameLst>
-                                      </p:cBhvr>
-                                      <p:to>
-                                        <p:strVal val="visible"/>
-                                      </p:to>
-                                    </p:set>
-                                  </p:childTnLst>
-                                </p:cTn>
-                              </p:par>
-                            </p:childTnLst>
-                          </p:cTn>
-                        </p:par>
-                      </p:childTnLst>
-                    </p:cTn>
-                  </p:par>
-                  <p:par>
-                    <p:cTn id="33" fill="hold">
-                      <p:stCondLst>
-                        <p:cond delay="indefinite"/>
-                      </p:stCondLst>
-                      <p:childTnLst>
-                        <p:par>
-                          <p:cTn id="34" fill="hold">
-                            <p:stCondLst>
-                              <p:cond delay="0"/>
-                            </p:stCondLst>
-                            <p:childTnLst>
-                              <p:par>
-                                <p:cTn id="35" presetID="1" presetClass="entr" presetSubtype="0" fill="hold" nodeType="clickEffect">
-                                  <p:stCondLst>
-                                    <p:cond delay="0"/>
-                                  </p:stCondLst>
-                                  <p:childTnLst>
-                                    <p:set>
-                                      <p:cBhvr>
-                                        <p:cTn id="36" dur="1" fill="hold">
-                                          <p:stCondLst>
-                                            <p:cond delay="0"/>
-                                          </p:stCondLst>
-                                        </p:cTn>
-                                        <p:tgtEl>
-                                          <p:spTgt spid="3">
-                                            <p:txEl>
-                                              <p:pRg st="6" end="6"/>
-                                            </p:txEl>
-                                          </p:spTgt>
-                                        </p:tgtEl>
-                                        <p:attrNameLst>
-                                          <p:attrName>style.visibility</p:attrName>
-                                        </p:attrNameLst>
-                                      </p:cBhvr>
-                                      <p:to>
-                                        <p:strVal val="visible"/>
-                                      </p:to>
-                                    </p:set>
-                                  </p:childTnLst>
-                                </p:cTn>
-                              </p:par>
-                            </p:childTnLst>
-                          </p:cTn>
-                        </p:par>
-                      </p:childTnLst>
-                    </p:cTn>
-                  </p:par>
-                  <p:par>
-                    <p:cTn id="37" fill="hold">
-                      <p:stCondLst>
-                        <p:cond delay="indefinite"/>
-                      </p:stCondLst>
-                      <p:childTnLst>
-                        <p:par>
-                          <p:cTn id="38" fill="hold">
-                            <p:stCondLst>
-                              <p:cond delay="0"/>
-                            </p:stCondLst>
-                            <p:childTnLst>
-                              <p:par>
-                                <p:cTn id="39" presetID="1" presetClass="entr" presetSubtype="0" fill="hold" nodeType="clickEffect">
-                                  <p:stCondLst>
-                                    <p:cond delay="0"/>
-                                  </p:stCondLst>
-                                  <p:childTnLst>
-                                    <p:set>
-                                      <p:cBhvr>
-                                        <p:cTn id="40" dur="1" fill="hold">
-                                          <p:stCondLst>
-                                            <p:cond delay="0"/>
-                                          </p:stCondLst>
-                                        </p:cTn>
-                                        <p:tgtEl>
-                                          <p:spTgt spid="3">
-                                            <p:txEl>
-                                              <p:pRg st="7" end="7"/>
-                                            </p:txEl>
-                                          </p:spTgt>
-                                        </p:tgtEl>
-                                        <p:attrNameLst>
-                                          <p:attrName>style.visibility</p:attrName>
-                                        </p:attrNameLst>
-                                      </p:cBhvr>
-                                      <p:to>
-                                        <p:strVal val="visible"/>
-                                      </p:to>
-                                    </p:set>
-                                  </p:childTnLst>
-                                </p:cTn>
-                              </p:par>
-                            </p:childTnLst>
-                          </p:cTn>
-                        </p:par>
-                      </p:childTnLst>
-                    </p:cTn>
-                  </p:par>
-                  <p:par>
-                    <p:cTn id="41" fill="hold">
-                      <p:stCondLst>
-                        <p:cond delay="indefinite"/>
-                      </p:stCondLst>
-                      <p:childTnLst>
-                        <p:par>
-                          <p:cTn id="42" fill="hold">
-                            <p:stCondLst>
-                              <p:cond delay="0"/>
-                            </p:stCondLst>
-                            <p:childTnLst>
-                              <p:par>
-                                <p:cTn id="43" presetID="1" presetClass="entr" presetSubtype="0" fill="hold" nodeType="clickEffect">
-                                  <p:stCondLst>
-                                    <p:cond delay="0"/>
-                                  </p:stCondLst>
-                                  <p:childTnLst>
-                                    <p:set>
-                                      <p:cBhvr>
-                                        <p:cTn id="44" dur="1" fill="hold">
-                                          <p:stCondLst>
-                                            <p:cond delay="0"/>
-                                          </p:stCondLst>
-                                        </p:cTn>
-                                        <p:tgtEl>
-                                          <p:spTgt spid="3">
-                                            <p:txEl>
-                                              <p:pRg st="8" end="8"/>
-                                            </p:txEl>
-                                          </p:spTgt>
-                                        </p:tgtEl>
-                                        <p:attrNameLst>
-                                          <p:attrName>style.visibility</p:attrName>
-                                        </p:attrNameLst>
-                                      </p:cBhvr>
-                                      <p:to>
-                                        <p:strVal val="visible"/>
-                                      </p:to>
-                                    </p:set>
-                                  </p:childTnLst>
-                                </p:cTn>
-                              </p:par>
-                            </p:childTnLst>
-                          </p:cTn>
-                        </p:par>
-                      </p:childTnLst>
-                    </p:cTn>
-                  </p:par>
-                </p:childTnLst>
-              </p:cTn>
-              <p:prevCondLst>
-                <p:cond evt="onPrev" delay="0">
-                  <p:tgtEl>
-                    <p:sldTgt/>
-                  </p:tgtEl>
-                </p:cond>
-              </p:prevCondLst>
-              <p:nextCondLst>
-                <p:cond evt="onNext" delay="0">
-                  <p:tgtEl>
-                    <p:sldTgt/>
-                  </p:tgtEl>
-                </p:cond>
-              </p:nextCondLst>
-            </p:seq>
-          </p:childTnLst>
-        </p:cTn>
-      </p:par>
-    </p:tnLst>
-    <p:bldLst>
-      <p:bldP spid="6" grpId="0"/>
-    </p:bldLst>
   </p:timing>
 </p:sld>
 </file>
